--- a/4_sql/project''/hospital_management.pptx
+++ b/4_sql/project''/hospital_management.pptx
@@ -6,6 +6,10 @@
   </p:sldMasterIdLst>
   <p:sldIdLst>
     <p:sldId id="257" r:id="rId2"/>
+    <p:sldId id="258" r:id="rId3"/>
+    <p:sldId id="259" r:id="rId4"/>
+    <p:sldId id="261" r:id="rId5"/>
+    <p:sldId id="262" r:id="rId6"/>
   </p:sldIdLst>
   <p:sldSz cx="12192000" cy="6858000"/>
   <p:notesSz cx="6858000" cy="9144000"/>
@@ -104,6 +108,11 @@
       </a:defRPr>
     </a:lvl9pPr>
   </p:defaultTextStyle>
+  <p:extLst>
+    <p:ext uri="{EFAFB233-063F-42B5-8137-9DF3F51BA10A}">
+      <p15:sldGuideLst xmlns:p15="http://schemas.microsoft.com/office/powerpoint/2012/main"/>
+    </p:ext>
+  </p:extLst>
 </p:presentation>
 </file>
 
@@ -238,7 +247,7 @@
           <a:p>
             <a:fld id="{82B865A7-C0DA-4AB5-ACAE-01B1232FB320}" type="datetimeFigureOut">
               <a:rPr lang="en-IN" smtClean="0"/>
-              <a:t>27-12-2024</a:t>
+              <a:t>06-01-2025</a:t>
             </a:fld>
             <a:endParaRPr lang="en-IN"/>
           </a:p>
@@ -408,7 +417,7 @@
           <a:p>
             <a:fld id="{82B865A7-C0DA-4AB5-ACAE-01B1232FB320}" type="datetimeFigureOut">
               <a:rPr lang="en-IN" smtClean="0"/>
-              <a:t>27-12-2024</a:t>
+              <a:t>06-01-2025</a:t>
             </a:fld>
             <a:endParaRPr lang="en-IN"/>
           </a:p>
@@ -588,7 +597,7 @@
           <a:p>
             <a:fld id="{82B865A7-C0DA-4AB5-ACAE-01B1232FB320}" type="datetimeFigureOut">
               <a:rPr lang="en-IN" smtClean="0"/>
-              <a:t>27-12-2024</a:t>
+              <a:t>06-01-2025</a:t>
             </a:fld>
             <a:endParaRPr lang="en-IN"/>
           </a:p>
@@ -758,7 +767,7 @@
           <a:p>
             <a:fld id="{82B865A7-C0DA-4AB5-ACAE-01B1232FB320}" type="datetimeFigureOut">
               <a:rPr lang="en-IN" smtClean="0"/>
-              <a:t>27-12-2024</a:t>
+              <a:t>06-01-2025</a:t>
             </a:fld>
             <a:endParaRPr lang="en-IN"/>
           </a:p>
@@ -1004,7 +1013,7 @@
           <a:p>
             <a:fld id="{82B865A7-C0DA-4AB5-ACAE-01B1232FB320}" type="datetimeFigureOut">
               <a:rPr lang="en-IN" smtClean="0"/>
-              <a:t>27-12-2024</a:t>
+              <a:t>06-01-2025</a:t>
             </a:fld>
             <a:endParaRPr lang="en-IN"/>
           </a:p>
@@ -1236,7 +1245,7 @@
           <a:p>
             <a:fld id="{82B865A7-C0DA-4AB5-ACAE-01B1232FB320}" type="datetimeFigureOut">
               <a:rPr lang="en-IN" smtClean="0"/>
-              <a:t>27-12-2024</a:t>
+              <a:t>06-01-2025</a:t>
             </a:fld>
             <a:endParaRPr lang="en-IN"/>
           </a:p>
@@ -1603,7 +1612,7 @@
           <a:p>
             <a:fld id="{82B865A7-C0DA-4AB5-ACAE-01B1232FB320}" type="datetimeFigureOut">
               <a:rPr lang="en-IN" smtClean="0"/>
-              <a:t>27-12-2024</a:t>
+              <a:t>06-01-2025</a:t>
             </a:fld>
             <a:endParaRPr lang="en-IN"/>
           </a:p>
@@ -1721,7 +1730,7 @@
           <a:p>
             <a:fld id="{82B865A7-C0DA-4AB5-ACAE-01B1232FB320}" type="datetimeFigureOut">
               <a:rPr lang="en-IN" smtClean="0"/>
-              <a:t>27-12-2024</a:t>
+              <a:t>06-01-2025</a:t>
             </a:fld>
             <a:endParaRPr lang="en-IN"/>
           </a:p>
@@ -1816,7 +1825,7 @@
           <a:p>
             <a:fld id="{82B865A7-C0DA-4AB5-ACAE-01B1232FB320}" type="datetimeFigureOut">
               <a:rPr lang="en-IN" smtClean="0"/>
-              <a:t>27-12-2024</a:t>
+              <a:t>06-01-2025</a:t>
             </a:fld>
             <a:endParaRPr lang="en-IN"/>
           </a:p>
@@ -1874,6 +1883,13 @@
   <p:clrMapOvr>
     <a:masterClrMapping/>
   </p:clrMapOvr>
+  <p:timing>
+    <p:tnLst>
+      <p:par>
+        <p:cTn id="1" dur="indefinite" restart="never" nodeType="tmRoot"/>
+      </p:par>
+    </p:tnLst>
+  </p:timing>
 </p:sldLayout>
 </file>
 
@@ -2093,7 +2109,7 @@
           <a:p>
             <a:fld id="{82B865A7-C0DA-4AB5-ACAE-01B1232FB320}" type="datetimeFigureOut">
               <a:rPr lang="en-IN" smtClean="0"/>
-              <a:t>27-12-2024</a:t>
+              <a:t>06-01-2025</a:t>
             </a:fld>
             <a:endParaRPr lang="en-IN"/>
           </a:p>
@@ -2346,7 +2362,7 @@
           <a:p>
             <a:fld id="{82B865A7-C0DA-4AB5-ACAE-01B1232FB320}" type="datetimeFigureOut">
               <a:rPr lang="en-IN" smtClean="0"/>
-              <a:t>27-12-2024</a:t>
+              <a:t>06-01-2025</a:t>
             </a:fld>
             <a:endParaRPr lang="en-IN"/>
           </a:p>
@@ -2411,9 +2427,19 @@
 <p:sldMaster xmlns:a="http://schemas.openxmlformats.org/drawingml/2006/main" xmlns:r="http://schemas.openxmlformats.org/officeDocument/2006/relationships" xmlns:p="http://schemas.openxmlformats.org/presentationml/2006/main">
   <p:cSld>
     <p:bg>
-      <p:bgRef idx="1001">
-        <a:schemeClr val="bg1"/>
-      </p:bgRef>
+      <p:bgPr>
+        <a:blipFill dpi="0" rotWithShape="1">
+          <a:blip r:embed="rId13">
+            <a:alphaModFix amt="77000"/>
+            <a:lum/>
+          </a:blip>
+          <a:srcRect/>
+          <a:stretch>
+            <a:fillRect l="-16000" r="-16000"/>
+          </a:stretch>
+        </a:blipFill>
+        <a:effectLst/>
+      </p:bgPr>
     </p:bg>
     <p:spTree>
       <p:nvGrpSpPr>
@@ -2455,10 +2481,10 @@
           <a:lstStyle/>
           <a:p>
             <a:r>
-              <a:rPr lang="en-US" smtClean="0"/>
+              <a:rPr lang="en-US" dirty="0" smtClean="0"/>
               <a:t>Click to edit Master title style</a:t>
             </a:r>
-            <a:endParaRPr lang="en-IN"/>
+            <a:endParaRPr lang="en-IN" dirty="0"/>
           </a:p>
         </p:txBody>
       </p:sp>
@@ -2559,7 +2585,7 @@
           <a:p>
             <a:fld id="{82B865A7-C0DA-4AB5-ACAE-01B1232FB320}" type="datetimeFigureOut">
               <a:rPr lang="en-IN" smtClean="0"/>
-              <a:t>27-12-2024</a:t>
+              <a:t>06-01-2025</a:t>
             </a:fld>
             <a:endParaRPr lang="en-IN"/>
           </a:p>
@@ -2664,6 +2690,13 @@
     <p:sldLayoutId id="2147483658" r:id="rId10"/>
     <p:sldLayoutId id="2147483659" r:id="rId11"/>
   </p:sldLayoutIdLst>
+  <p:timing>
+    <p:tnLst>
+      <p:par>
+        <p:cTn id="1" dur="indefinite" restart="never" nodeType="tmRoot"/>
+      </p:par>
+    </p:tnLst>
+  </p:timing>
   <p:txStyles>
     <p:titleStyle>
       <a:lvl1pPr algn="l" defTabSz="914400" rtl="0" eaLnBrk="1" latinLnBrk="0" hangingPunct="1">
@@ -2950,16 +2983,6 @@
 <file path=ppt/slides/slide1.xml><?xml version="1.0" encoding="utf-8"?>
 <p:sld xmlns:a="http://schemas.openxmlformats.org/drawingml/2006/main" xmlns:r="http://schemas.openxmlformats.org/officeDocument/2006/relationships" xmlns:p="http://schemas.openxmlformats.org/presentationml/2006/main">
   <p:cSld>
-    <p:bg>
-      <p:bgPr>
-        <a:solidFill>
-          <a:schemeClr val="tx1">
-            <a:alpha val="30000"/>
-          </a:schemeClr>
-        </a:solidFill>
-        <a:effectLst/>
-      </p:bgPr>
-    </p:bg>
     <p:spTree>
       <p:nvGrpSpPr>
         <p:cNvPr id="1" name=""/>
@@ -2982,33 +3005,22 @@
           </p:cNvPicPr>
           <p:nvPr/>
         </p:nvPicPr>
-        <p:blipFill rotWithShape="1">
+        <p:blipFill>
           <a:blip r:embed="rId2">
             <a:extLst>
-              <a:ext uri="{BEBA8EAE-BF5A-486C-A8C5-ECC9F3942E4B}">
-                <a14:imgProps xmlns:a14="http://schemas.microsoft.com/office/drawing/2010/main">
-                  <a14:imgLayer r:embed="rId3">
-                    <a14:imgEffect>
-                      <a14:sharpenSoften amount="54000"/>
-                    </a14:imgEffect>
-                    <a14:imgEffect>
-                      <a14:brightnessContrast bright="-5000"/>
-                    </a14:imgEffect>
-                  </a14:imgLayer>
-                </a14:imgProps>
-              </a:ext>
               <a:ext uri="{28A0092B-C50C-407E-A947-70E740481C1C}">
                 <a14:useLocalDpi xmlns:a14="http://schemas.microsoft.com/office/drawing/2010/main" val="0"/>
               </a:ext>
             </a:extLst>
           </a:blip>
-          <a:srcRect l="5648" t="18032" r="35950" b="23565"/>
-          <a:stretch/>
+          <a:stretch>
+            <a:fillRect/>
+          </a:stretch>
         </p:blipFill>
         <p:spPr>
           <a:xfrm>
-            <a:off x="-1" y="0"/>
-            <a:ext cx="12192001" cy="6858000"/>
+            <a:off x="-1" y="-1"/>
+            <a:ext cx="12192001" cy="6858001"/>
           </a:xfrm>
           <a:prstGeom prst="rect">
             <a:avLst/>
@@ -3032,6 +3044,644 @@
   <p:clrMapOvr>
     <a:masterClrMapping/>
   </p:clrMapOvr>
+  <p:timing>
+    <p:tnLst>
+      <p:par>
+        <p:cTn id="1" dur="indefinite" restart="never" nodeType="tmRoot"/>
+      </p:par>
+    </p:tnLst>
+  </p:timing>
+</p:sld>
+</file>
+
+<file path=ppt/slides/slide2.xml><?xml version="1.0" encoding="utf-8"?>
+<p:sld xmlns:a="http://schemas.openxmlformats.org/drawingml/2006/main" xmlns:r="http://schemas.openxmlformats.org/officeDocument/2006/relationships" xmlns:p="http://schemas.openxmlformats.org/presentationml/2006/main">
+  <p:cSld>
+    <p:spTree>
+      <p:nvGrpSpPr>
+        <p:cNvPr id="1" name=""/>
+        <p:cNvGrpSpPr/>
+        <p:nvPr/>
+      </p:nvGrpSpPr>
+      <p:grpSpPr>
+        <a:xfrm>
+          <a:off x="0" y="0"/>
+          <a:ext cx="0" cy="0"/>
+          <a:chOff x="0" y="0"/>
+          <a:chExt cx="0" cy="0"/>
+        </a:xfrm>
+      </p:grpSpPr>
+      <p:pic>
+        <p:nvPicPr>
+          <p:cNvPr id="3" name="Picture 2"/>
+          <p:cNvPicPr>
+            <a:picLocks noChangeAspect="1"/>
+          </p:cNvPicPr>
+          <p:nvPr/>
+        </p:nvPicPr>
+        <p:blipFill>
+          <a:blip r:embed="rId2">
+            <a:extLst>
+              <a:ext uri="{28A0092B-C50C-407E-A947-70E740481C1C}">
+                <a14:useLocalDpi xmlns:a14="http://schemas.microsoft.com/office/drawing/2010/main" val="0"/>
+              </a:ext>
+            </a:extLst>
+          </a:blip>
+          <a:stretch>
+            <a:fillRect/>
+          </a:stretch>
+        </p:blipFill>
+        <p:spPr>
+          <a:xfrm>
+            <a:off x="0" y="9728"/>
+            <a:ext cx="12192000" cy="6984460"/>
+          </a:xfrm>
+          <a:prstGeom prst="rect">
+            <a:avLst/>
+          </a:prstGeom>
+        </p:spPr>
+      </p:pic>
+      <p:sp>
+        <p:nvSpPr>
+          <p:cNvPr id="4" name="TextBox 3"/>
+          <p:cNvSpPr txBox="1"/>
+          <p:nvPr/>
+        </p:nvSpPr>
+        <p:spPr>
+          <a:xfrm>
+            <a:off x="194554" y="5226784"/>
+            <a:ext cx="8297693" cy="1631216"/>
+          </a:xfrm>
+          <a:prstGeom prst="rect">
+            <a:avLst/>
+          </a:prstGeom>
+          <a:noFill/>
+        </p:spPr>
+        <p:txBody>
+          <a:bodyPr wrap="square" rtlCol="0">
+            <a:spAutoFit/>
+          </a:bodyPr>
+          <a:lstStyle/>
+          <a:p>
+            <a:r>
+              <a:rPr lang="en-IN" sz="2000" b="1" dirty="0" smtClean="0">
+                <a:solidFill>
+                  <a:schemeClr val="tx1">
+                    <a:lumMod val="95000"/>
+                    <a:lumOff val="5000"/>
+                  </a:schemeClr>
+                </a:solidFill>
+                <a:latin typeface="Arial Black" panose="020B0A04020102020204" pitchFamily="34" charset="0"/>
+              </a:rPr>
+              <a:t>SQL Project</a:t>
+            </a:r>
+          </a:p>
+          <a:p>
+            <a:endParaRPr lang="en-IN" sz="2000" b="1" dirty="0" smtClean="0">
+              <a:latin typeface="Arial Black" panose="020B0A04020102020204" pitchFamily="34" charset="0"/>
+            </a:endParaRPr>
+          </a:p>
+          <a:p>
+            <a:r>
+              <a:rPr lang="en-IN" sz="2000" b="1" dirty="0" smtClean="0">
+                <a:latin typeface="Arial Black" panose="020B0A04020102020204" pitchFamily="34" charset="0"/>
+              </a:rPr>
+              <a:t>Name: Bharat Singh</a:t>
+            </a:r>
+          </a:p>
+          <a:p>
+            <a:r>
+              <a:rPr lang="en-IN" sz="2000" b="1" dirty="0" smtClean="0">
+                <a:latin typeface="Arial Black" panose="020B0A04020102020204" pitchFamily="34" charset="0"/>
+              </a:rPr>
+              <a:t>Batch: K-404</a:t>
+            </a:r>
+          </a:p>
+          <a:p>
+            <a:r>
+              <a:rPr lang="en-IN" sz="2000" b="1" dirty="0" err="1" smtClean="0">
+                <a:latin typeface="Arial Black" panose="020B0A04020102020204" pitchFamily="34" charset="0"/>
+              </a:rPr>
+              <a:t>Incharge</a:t>
+            </a:r>
+            <a:r>
+              <a:rPr lang="en-IN" sz="2000" b="1" dirty="0" smtClean="0">
+                <a:latin typeface="Arial Black" panose="020B0A04020102020204" pitchFamily="34" charset="0"/>
+              </a:rPr>
+              <a:t>: </a:t>
+            </a:r>
+            <a:r>
+              <a:rPr lang="en-IN" sz="2000" b="1" dirty="0" err="1" smtClean="0">
+                <a:latin typeface="Arial Black" panose="020B0A04020102020204" pitchFamily="34" charset="0"/>
+              </a:rPr>
+              <a:t>Sandip</a:t>
+            </a:r>
+            <a:r>
+              <a:rPr lang="en-IN" sz="2000" b="1" dirty="0" smtClean="0">
+                <a:latin typeface="Arial Black" panose="020B0A04020102020204" pitchFamily="34" charset="0"/>
+              </a:rPr>
+              <a:t> </a:t>
+            </a:r>
+            <a:r>
+              <a:rPr lang="en-IN" sz="2000" b="1" dirty="0" err="1" smtClean="0">
+                <a:latin typeface="Arial Black" panose="020B0A04020102020204" pitchFamily="34" charset="0"/>
+              </a:rPr>
+              <a:t>Jaiswar</a:t>
+            </a:r>
+            <a:r>
+              <a:rPr lang="en-IN" sz="2000" b="1" dirty="0" smtClean="0">
+                <a:latin typeface="Arial Black" panose="020B0A04020102020204" pitchFamily="34" charset="0"/>
+              </a:rPr>
+              <a:t> Sir</a:t>
+            </a:r>
+            <a:endParaRPr lang="en-IN" sz="2000" b="1" dirty="0">
+              <a:latin typeface="Arial Black" panose="020B0A04020102020204" pitchFamily="34" charset="0"/>
+            </a:endParaRPr>
+          </a:p>
+        </p:txBody>
+      </p:sp>
+    </p:spTree>
+    <p:extLst>
+      <p:ext uri="{BB962C8B-B14F-4D97-AF65-F5344CB8AC3E}">
+        <p14:creationId xmlns:p14="http://schemas.microsoft.com/office/powerpoint/2010/main" val="864809903"/>
+      </p:ext>
+    </p:extLst>
+  </p:cSld>
+  <p:clrMapOvr>
+    <a:masterClrMapping/>
+  </p:clrMapOvr>
+  <p:timing>
+    <p:tnLst>
+      <p:par>
+        <p:cTn id="1" dur="indefinite" restart="never" nodeType="tmRoot"/>
+      </p:par>
+    </p:tnLst>
+  </p:timing>
+</p:sld>
+</file>
+
+<file path=ppt/slides/slide3.xml><?xml version="1.0" encoding="utf-8"?>
+<p:sld xmlns:a="http://schemas.openxmlformats.org/drawingml/2006/main" xmlns:r="http://schemas.openxmlformats.org/officeDocument/2006/relationships" xmlns:p="http://schemas.openxmlformats.org/presentationml/2006/main">
+  <p:cSld>
+    <p:spTree>
+      <p:nvGrpSpPr>
+        <p:cNvPr id="1" name=""/>
+        <p:cNvGrpSpPr/>
+        <p:nvPr/>
+      </p:nvGrpSpPr>
+      <p:grpSpPr>
+        <a:xfrm>
+          <a:off x="0" y="0"/>
+          <a:ext cx="0" cy="0"/>
+          <a:chOff x="0" y="0"/>
+          <a:chExt cx="0" cy="0"/>
+        </a:xfrm>
+      </p:grpSpPr>
+      <p:pic>
+        <p:nvPicPr>
+          <p:cNvPr id="3" name="Picture 2"/>
+          <p:cNvPicPr>
+            <a:picLocks noChangeAspect="1"/>
+          </p:cNvPicPr>
+          <p:nvPr/>
+        </p:nvPicPr>
+        <p:blipFill>
+          <a:blip r:embed="rId2">
+            <a:extLst>
+              <a:ext uri="{28A0092B-C50C-407E-A947-70E740481C1C}">
+                <a14:useLocalDpi xmlns:a14="http://schemas.microsoft.com/office/drawing/2010/main" val="0"/>
+              </a:ext>
+            </a:extLst>
+          </a:blip>
+          <a:stretch>
+            <a:fillRect/>
+          </a:stretch>
+        </p:blipFill>
+        <p:spPr>
+          <a:xfrm>
+            <a:off x="1" y="-1"/>
+            <a:ext cx="12191999" cy="6858000"/>
+          </a:xfrm>
+          <a:prstGeom prst="rect">
+            <a:avLst/>
+          </a:prstGeom>
+        </p:spPr>
+      </p:pic>
+      <p:sp>
+        <p:nvSpPr>
+          <p:cNvPr id="4" name="TextBox 3"/>
+          <p:cNvSpPr txBox="1"/>
+          <p:nvPr/>
+        </p:nvSpPr>
+        <p:spPr>
+          <a:xfrm>
+            <a:off x="194552" y="766732"/>
+            <a:ext cx="5710137" cy="5324535"/>
+          </a:xfrm>
+          <a:prstGeom prst="rect">
+            <a:avLst/>
+          </a:prstGeom>
+          <a:noFill/>
+        </p:spPr>
+        <p:txBody>
+          <a:bodyPr wrap="square" rtlCol="0">
+            <a:spAutoFit/>
+          </a:bodyPr>
+          <a:lstStyle/>
+          <a:p>
+            <a:pPr algn="ctr"/>
+            <a:r>
+              <a:rPr lang="en-IN" sz="2000" b="1" dirty="0" smtClean="0">
+                <a:latin typeface="Arial Black" panose="020B0A04020102020204" pitchFamily="34" charset="0"/>
+              </a:rPr>
+              <a:t>Abstract</a:t>
+            </a:r>
+          </a:p>
+          <a:p>
+            <a:pPr algn="just"/>
+            <a:endParaRPr lang="en-IN" sz="2000" dirty="0"/>
+          </a:p>
+          <a:p>
+            <a:pPr algn="just"/>
+            <a:r>
+              <a:rPr lang="en-US" sz="2000" dirty="0"/>
+              <a:t>The Hospital Management System (HMS) is a comprehensive database solution designed to streamline hospital operations and improve patient care. Built using SQL and MySQL Workbench, the system efficiently manages patient records, doctor </a:t>
+            </a:r>
+            <a:r>
+              <a:rPr lang="en-US" sz="2000" dirty="0" smtClean="0"/>
+              <a:t>record, appointment, billing. It </a:t>
+            </a:r>
+            <a:r>
+              <a:rPr lang="en-US" sz="2000" dirty="0"/>
+              <a:t>ensures data accuracy, security, and accessibility while reducing manual errors and administrative overhead. The HMS enhances communication between departments and facilitates quick decision-making through real-time data availability. Its user-friendly interface makes it easy for hospital staff to adapt, ultimately contributing to better healthcare delivery and operational efficiency.</a:t>
+            </a:r>
+            <a:endParaRPr lang="en-IN" sz="2000" dirty="0" smtClean="0"/>
+          </a:p>
+          <a:p>
+            <a:pPr algn="just"/>
+            <a:endParaRPr lang="en-IN" sz="2000" dirty="0"/>
+          </a:p>
+        </p:txBody>
+      </p:sp>
+      <p:pic>
+        <p:nvPicPr>
+          <p:cNvPr id="5" name="Picture 4"/>
+          <p:cNvPicPr>
+            <a:picLocks noChangeAspect="1"/>
+          </p:cNvPicPr>
+          <p:nvPr/>
+        </p:nvPicPr>
+        <p:blipFill>
+          <a:blip r:embed="rId3">
+            <a:extLst>
+              <a:ext uri="{BEBA8EAE-BF5A-486C-A8C5-ECC9F3942E4B}">
+                <a14:imgProps xmlns:a14="http://schemas.microsoft.com/office/drawing/2010/main">
+                  <a14:imgLayer r:embed="rId4">
+                    <a14:imgEffect>
+                      <a14:saturation sat="400000"/>
+                    </a14:imgEffect>
+                  </a14:imgLayer>
+                </a14:imgProps>
+              </a:ext>
+              <a:ext uri="{28A0092B-C50C-407E-A947-70E740481C1C}">
+                <a14:useLocalDpi xmlns:a14="http://schemas.microsoft.com/office/drawing/2010/main" val="0"/>
+              </a:ext>
+            </a:extLst>
+          </a:blip>
+          <a:stretch>
+            <a:fillRect/>
+          </a:stretch>
+        </p:blipFill>
+        <p:spPr>
+          <a:xfrm>
+            <a:off x="5904689" y="1072867"/>
+            <a:ext cx="6264614" cy="5018400"/>
+          </a:xfrm>
+          <a:prstGeom prst="rect">
+            <a:avLst/>
+          </a:prstGeom>
+          <a:blipFill dpi="0" rotWithShape="1">
+            <a:blip r:embed="rId5"/>
+            <a:srcRect/>
+            <a:tile tx="0" ty="0" sx="100000" sy="100000" flip="none" algn="tl"/>
+          </a:blipFill>
+          <a:effectLst>
+            <a:glow>
+              <a:schemeClr val="accent1"/>
+            </a:glow>
+            <a:outerShdw blurRad="88900" dist="38100" dir="2700000" sx="79000" sy="79000" algn="tl" rotWithShape="0">
+              <a:prstClr val="black">
+                <a:alpha val="35000"/>
+              </a:prstClr>
+            </a:outerShdw>
+          </a:effectLst>
+        </p:spPr>
+      </p:pic>
+    </p:spTree>
+    <p:extLst>
+      <p:ext uri="{BB962C8B-B14F-4D97-AF65-F5344CB8AC3E}">
+        <p14:creationId xmlns:p14="http://schemas.microsoft.com/office/powerpoint/2010/main" val="4141570167"/>
+      </p:ext>
+    </p:extLst>
+  </p:cSld>
+  <p:clrMapOvr>
+    <a:masterClrMapping/>
+  </p:clrMapOvr>
+  <p:timing>
+    <p:tnLst>
+      <p:par>
+        <p:cTn id="1" dur="indefinite" restart="never" nodeType="tmRoot">
+          <p:childTnLst>
+            <p:seq concurrent="1" nextAc="seek">
+              <p:cTn id="2" dur="indefinite" nodeType="mainSeq">
+                <p:childTnLst>
+                  <p:par>
+                    <p:cTn id="3" fill="hold">
+                      <p:stCondLst>
+                        <p:cond delay="indefinite"/>
+                      </p:stCondLst>
+                      <p:childTnLst>
+                        <p:par>
+                          <p:cTn id="4" fill="hold">
+                            <p:stCondLst>
+                              <p:cond delay="0"/>
+                            </p:stCondLst>
+                            <p:childTnLst>
+                              <p:par>
+                                <p:cTn id="5" presetID="16" presetClass="entr" presetSubtype="21" fill="hold" nodeType="clickEffect">
+                                  <p:stCondLst>
+                                    <p:cond delay="0"/>
+                                  </p:stCondLst>
+                                  <p:childTnLst>
+                                    <p:set>
+                                      <p:cBhvr>
+                                        <p:cTn id="6" dur="1" fill="hold">
+                                          <p:stCondLst>
+                                            <p:cond delay="0"/>
+                                          </p:stCondLst>
+                                        </p:cTn>
+                                        <p:tgtEl>
+                                          <p:spTgt spid="3"/>
+                                        </p:tgtEl>
+                                        <p:attrNameLst>
+                                          <p:attrName>style.visibility</p:attrName>
+                                        </p:attrNameLst>
+                                      </p:cBhvr>
+                                      <p:to>
+                                        <p:strVal val="visible"/>
+                                      </p:to>
+                                    </p:set>
+                                    <p:animEffect transition="in" filter="barn(inVertical)">
+                                      <p:cBhvr>
+                                        <p:cTn id="7" dur="500"/>
+                                        <p:tgtEl>
+                                          <p:spTgt spid="3"/>
+                                        </p:tgtEl>
+                                      </p:cBhvr>
+                                    </p:animEffect>
+                                  </p:childTnLst>
+                                </p:cTn>
+                              </p:par>
+                            </p:childTnLst>
+                          </p:cTn>
+                        </p:par>
+                      </p:childTnLst>
+                    </p:cTn>
+                  </p:par>
+                </p:childTnLst>
+              </p:cTn>
+              <p:prevCondLst>
+                <p:cond evt="onPrev" delay="0">
+                  <p:tgtEl>
+                    <p:sldTgt/>
+                  </p:tgtEl>
+                </p:cond>
+              </p:prevCondLst>
+              <p:nextCondLst>
+                <p:cond evt="onNext" delay="0">
+                  <p:tgtEl>
+                    <p:sldTgt/>
+                  </p:tgtEl>
+                </p:cond>
+              </p:nextCondLst>
+            </p:seq>
+          </p:childTnLst>
+        </p:cTn>
+      </p:par>
+    </p:tnLst>
+  </p:timing>
+</p:sld>
+</file>
+
+<file path=ppt/slides/slide4.xml><?xml version="1.0" encoding="utf-8"?>
+<p:sld xmlns:a="http://schemas.openxmlformats.org/drawingml/2006/main" xmlns:r="http://schemas.openxmlformats.org/officeDocument/2006/relationships" xmlns:p="http://schemas.openxmlformats.org/presentationml/2006/main">
+  <p:cSld>
+    <p:spTree>
+      <p:nvGrpSpPr>
+        <p:cNvPr id="1" name=""/>
+        <p:cNvGrpSpPr/>
+        <p:nvPr/>
+      </p:nvGrpSpPr>
+      <p:grpSpPr>
+        <a:xfrm>
+          <a:off x="0" y="0"/>
+          <a:ext cx="0" cy="0"/>
+          <a:chOff x="0" y="0"/>
+          <a:chExt cx="0" cy="0"/>
+        </a:xfrm>
+      </p:grpSpPr>
+      <p:sp>
+        <p:nvSpPr>
+          <p:cNvPr id="2" name="TextBox 1"/>
+          <p:cNvSpPr txBox="1"/>
+          <p:nvPr/>
+        </p:nvSpPr>
+        <p:spPr>
+          <a:xfrm>
+            <a:off x="739302" y="496111"/>
+            <a:ext cx="10739336" cy="5016758"/>
+          </a:xfrm>
+          <a:prstGeom prst="rect">
+            <a:avLst/>
+          </a:prstGeom>
+          <a:noFill/>
+        </p:spPr>
+        <p:txBody>
+          <a:bodyPr wrap="square" rtlCol="0">
+            <a:spAutoFit/>
+          </a:bodyPr>
+          <a:lstStyle/>
+          <a:p>
+            <a:r>
+              <a:rPr lang="en-IN" sz="2000" b="1" dirty="0" smtClean="0"/>
+              <a:t>INTODUCTION</a:t>
+            </a:r>
+          </a:p>
+          <a:p>
+            <a:endParaRPr lang="en-IN" sz="2000" dirty="0"/>
+          </a:p>
+          <a:p>
+            <a:r>
+              <a:rPr lang="en-US" sz="2000" dirty="0"/>
+              <a:t>The Hospital Management System (HMS) is an advanced software solution designed to simplify and automate the complex administrative, financial, and operational processes of a hospital</a:t>
+            </a:r>
+            <a:r>
+              <a:rPr lang="en-US" sz="2000" dirty="0" smtClean="0"/>
+              <a:t>.</a:t>
+            </a:r>
+          </a:p>
+          <a:p>
+            <a:r>
+              <a:rPr lang="en-US" sz="2000" dirty="0"/>
+              <a:t>Built using SQL and MySQL Workbench, the system is designed to handle large volumes of data securely and efficiently, promoting better decision-making and enhancing the overall quality of healthcare delivery</a:t>
+            </a:r>
+            <a:r>
+              <a:rPr lang="en-US" sz="2000" dirty="0" smtClean="0"/>
+              <a:t>.</a:t>
+            </a:r>
+          </a:p>
+          <a:p>
+            <a:endParaRPr lang="en-US" sz="2000" dirty="0"/>
+          </a:p>
+          <a:p>
+            <a:endParaRPr lang="en-US" sz="2000" dirty="0" smtClean="0"/>
+          </a:p>
+          <a:p>
+            <a:r>
+              <a:rPr lang="en-US" sz="2000" b="1" dirty="0" smtClean="0"/>
+              <a:t>OBJECTIVES</a:t>
+            </a:r>
+          </a:p>
+          <a:p>
+            <a:endParaRPr lang="en-US" sz="2000" dirty="0"/>
+          </a:p>
+          <a:p>
+            <a:pPr marL="342900" indent="-342900">
+              <a:buFont typeface="Arial" panose="020B0604020202020204" pitchFamily="34" charset="0"/>
+              <a:buChar char="•"/>
+            </a:pPr>
+            <a:r>
+              <a:rPr lang="en-IN" sz="2000" dirty="0"/>
+              <a:t>Efficient Patient </a:t>
+            </a:r>
+            <a:r>
+              <a:rPr lang="en-IN" sz="2000" dirty="0" smtClean="0"/>
+              <a:t>, Doctor Record Management</a:t>
+            </a:r>
+          </a:p>
+          <a:p>
+            <a:pPr marL="342900" indent="-342900">
+              <a:buFont typeface="Arial" panose="020B0604020202020204" pitchFamily="34" charset="0"/>
+              <a:buChar char="•"/>
+            </a:pPr>
+            <a:r>
+              <a:rPr lang="en-US" sz="2000" dirty="0" smtClean="0"/>
+              <a:t>Enhance </a:t>
+            </a:r>
+            <a:r>
+              <a:rPr lang="en-US" sz="2000" dirty="0"/>
+              <a:t>Billing and </a:t>
+            </a:r>
+            <a:r>
+              <a:rPr lang="en-US" sz="2000" dirty="0" smtClean="0"/>
+              <a:t>Payment Status</a:t>
+            </a:r>
+          </a:p>
+          <a:p>
+            <a:pPr marL="342900" indent="-342900">
+              <a:buFont typeface="Arial" panose="020B0604020202020204" pitchFamily="34" charset="0"/>
+              <a:buChar char="•"/>
+            </a:pPr>
+            <a:r>
+              <a:rPr lang="en-US" sz="2000" dirty="0"/>
+              <a:t>Ensure Data Security and </a:t>
+            </a:r>
+            <a:r>
+              <a:rPr lang="en-US" sz="2000" dirty="0" smtClean="0"/>
+              <a:t>Privacy</a:t>
+            </a:r>
+          </a:p>
+          <a:p>
+            <a:pPr marL="342900" indent="-342900">
+              <a:buFont typeface="Arial" panose="020B0604020202020204" pitchFamily="34" charset="0"/>
+              <a:buChar char="•"/>
+            </a:pPr>
+            <a:r>
+              <a:rPr lang="en-IN" sz="2000" dirty="0"/>
+              <a:t>Reduce </a:t>
+            </a:r>
+            <a:r>
+              <a:rPr lang="en-IN" sz="2000" dirty="0" smtClean="0"/>
+              <a:t>Paperwork Overhead</a:t>
+            </a:r>
+          </a:p>
+          <a:p>
+            <a:pPr marL="342900" indent="-342900">
+              <a:buFont typeface="Arial" panose="020B0604020202020204" pitchFamily="34" charset="0"/>
+              <a:buChar char="•"/>
+            </a:pPr>
+            <a:r>
+              <a:rPr lang="en-IN" sz="2000" dirty="0"/>
+              <a:t>Enhance Patient Experience</a:t>
+            </a:r>
+            <a:endParaRPr lang="en-US" sz="2000" dirty="0"/>
+          </a:p>
+        </p:txBody>
+      </p:sp>
+    </p:spTree>
+    <p:extLst>
+      <p:ext uri="{BB962C8B-B14F-4D97-AF65-F5344CB8AC3E}">
+        <p14:creationId xmlns:p14="http://schemas.microsoft.com/office/powerpoint/2010/main" val="340720923"/>
+      </p:ext>
+    </p:extLst>
+  </p:cSld>
+  <p:clrMapOvr>
+    <a:masterClrMapping/>
+  </p:clrMapOvr>
+  <p:timing>
+    <p:tnLst>
+      <p:par>
+        <p:cTn id="1" dur="indefinite" restart="never" nodeType="tmRoot"/>
+      </p:par>
+    </p:tnLst>
+  </p:timing>
+</p:sld>
+</file>
+
+<file path=ppt/slides/slide5.xml><?xml version="1.0" encoding="utf-8"?>
+<p:sld xmlns:a="http://schemas.openxmlformats.org/drawingml/2006/main" xmlns:r="http://schemas.openxmlformats.org/officeDocument/2006/relationships" xmlns:p="http://schemas.openxmlformats.org/presentationml/2006/main">
+  <p:cSld>
+    <p:spTree>
+      <p:nvGrpSpPr>
+        <p:cNvPr id="1" name=""/>
+        <p:cNvGrpSpPr/>
+        <p:nvPr/>
+      </p:nvGrpSpPr>
+      <p:grpSpPr>
+        <a:xfrm>
+          <a:off x="0" y="0"/>
+          <a:ext cx="0" cy="0"/>
+          <a:chOff x="0" y="0"/>
+          <a:chExt cx="0" cy="0"/>
+        </a:xfrm>
+      </p:grpSpPr>
+    </p:spTree>
+    <p:extLst>
+      <p:ext uri="{BB962C8B-B14F-4D97-AF65-F5344CB8AC3E}">
+        <p14:creationId xmlns:p14="http://schemas.microsoft.com/office/powerpoint/2010/main" val="3223978919"/>
+      </p:ext>
+    </p:extLst>
+  </p:cSld>
+  <p:clrMapOvr>
+    <a:masterClrMapping/>
+  </p:clrMapOvr>
+  <p:timing>
+    <p:tnLst>
+      <p:par>
+        <p:cTn id="1" dur="indefinite" restart="never" nodeType="tmRoot"/>
+      </p:par>
+    </p:tnLst>
+  </p:timing>
 </p:sld>
 </file>
 

--- a/4_sql/project''/hospital_management.pptx
+++ b/4_sql/project''/hospital_management.pptx
@@ -9,7 +9,19 @@
     <p:sldId id="258" r:id="rId3"/>
     <p:sldId id="259" r:id="rId4"/>
     <p:sldId id="261" r:id="rId5"/>
-    <p:sldId id="262" r:id="rId6"/>
+    <p:sldId id="263" r:id="rId6"/>
+    <p:sldId id="262" r:id="rId7"/>
+    <p:sldId id="264" r:id="rId8"/>
+    <p:sldId id="265" r:id="rId9"/>
+    <p:sldId id="266" r:id="rId10"/>
+    <p:sldId id="267" r:id="rId11"/>
+    <p:sldId id="268" r:id="rId12"/>
+    <p:sldId id="269" r:id="rId13"/>
+    <p:sldId id="270" r:id="rId14"/>
+    <p:sldId id="271" r:id="rId15"/>
+    <p:sldId id="272" r:id="rId16"/>
+    <p:sldId id="273" r:id="rId17"/>
+    <p:sldId id="274" r:id="rId18"/>
   </p:sldIdLst>
   <p:sldSz cx="12192000" cy="6858000"/>
   <p:notesSz cx="6858000" cy="9144000"/>
@@ -247,7 +259,7 @@
           <a:p>
             <a:fld id="{82B865A7-C0DA-4AB5-ACAE-01B1232FB320}" type="datetimeFigureOut">
               <a:rPr lang="en-IN" smtClean="0"/>
-              <a:t>06-01-2025</a:t>
+              <a:t>07-01-2025</a:t>
             </a:fld>
             <a:endParaRPr lang="en-IN"/>
           </a:p>
@@ -417,7 +429,7 @@
           <a:p>
             <a:fld id="{82B865A7-C0DA-4AB5-ACAE-01B1232FB320}" type="datetimeFigureOut">
               <a:rPr lang="en-IN" smtClean="0"/>
-              <a:t>06-01-2025</a:t>
+              <a:t>07-01-2025</a:t>
             </a:fld>
             <a:endParaRPr lang="en-IN"/>
           </a:p>
@@ -597,7 +609,7 @@
           <a:p>
             <a:fld id="{82B865A7-C0DA-4AB5-ACAE-01B1232FB320}" type="datetimeFigureOut">
               <a:rPr lang="en-IN" smtClean="0"/>
-              <a:t>06-01-2025</a:t>
+              <a:t>07-01-2025</a:t>
             </a:fld>
             <a:endParaRPr lang="en-IN"/>
           </a:p>
@@ -767,7 +779,7 @@
           <a:p>
             <a:fld id="{82B865A7-C0DA-4AB5-ACAE-01B1232FB320}" type="datetimeFigureOut">
               <a:rPr lang="en-IN" smtClean="0"/>
-              <a:t>06-01-2025</a:t>
+              <a:t>07-01-2025</a:t>
             </a:fld>
             <a:endParaRPr lang="en-IN"/>
           </a:p>
@@ -1013,7 +1025,7 @@
           <a:p>
             <a:fld id="{82B865A7-C0DA-4AB5-ACAE-01B1232FB320}" type="datetimeFigureOut">
               <a:rPr lang="en-IN" smtClean="0"/>
-              <a:t>06-01-2025</a:t>
+              <a:t>07-01-2025</a:t>
             </a:fld>
             <a:endParaRPr lang="en-IN"/>
           </a:p>
@@ -1245,7 +1257,7 @@
           <a:p>
             <a:fld id="{82B865A7-C0DA-4AB5-ACAE-01B1232FB320}" type="datetimeFigureOut">
               <a:rPr lang="en-IN" smtClean="0"/>
-              <a:t>06-01-2025</a:t>
+              <a:t>07-01-2025</a:t>
             </a:fld>
             <a:endParaRPr lang="en-IN"/>
           </a:p>
@@ -1612,7 +1624,7 @@
           <a:p>
             <a:fld id="{82B865A7-C0DA-4AB5-ACAE-01B1232FB320}" type="datetimeFigureOut">
               <a:rPr lang="en-IN" smtClean="0"/>
-              <a:t>06-01-2025</a:t>
+              <a:t>07-01-2025</a:t>
             </a:fld>
             <a:endParaRPr lang="en-IN"/>
           </a:p>
@@ -1730,7 +1742,7 @@
           <a:p>
             <a:fld id="{82B865A7-C0DA-4AB5-ACAE-01B1232FB320}" type="datetimeFigureOut">
               <a:rPr lang="en-IN" smtClean="0"/>
-              <a:t>06-01-2025</a:t>
+              <a:t>07-01-2025</a:t>
             </a:fld>
             <a:endParaRPr lang="en-IN"/>
           </a:p>
@@ -1825,7 +1837,7 @@
           <a:p>
             <a:fld id="{82B865A7-C0DA-4AB5-ACAE-01B1232FB320}" type="datetimeFigureOut">
               <a:rPr lang="en-IN" smtClean="0"/>
-              <a:t>06-01-2025</a:t>
+              <a:t>07-01-2025</a:t>
             </a:fld>
             <a:endParaRPr lang="en-IN"/>
           </a:p>
@@ -2109,7 +2121,7 @@
           <a:p>
             <a:fld id="{82B865A7-C0DA-4AB5-ACAE-01B1232FB320}" type="datetimeFigureOut">
               <a:rPr lang="en-IN" smtClean="0"/>
-              <a:t>06-01-2025</a:t>
+              <a:t>07-01-2025</a:t>
             </a:fld>
             <a:endParaRPr lang="en-IN"/>
           </a:p>
@@ -2362,7 +2374,7 @@
           <a:p>
             <a:fld id="{82B865A7-C0DA-4AB5-ACAE-01B1232FB320}" type="datetimeFigureOut">
               <a:rPr lang="en-IN" smtClean="0"/>
-              <a:t>06-01-2025</a:t>
+              <a:t>07-01-2025</a:t>
             </a:fld>
             <a:endParaRPr lang="en-IN"/>
           </a:p>
@@ -2585,7 +2597,7 @@
           <a:p>
             <a:fld id="{82B865A7-C0DA-4AB5-ACAE-01B1232FB320}" type="datetimeFigureOut">
               <a:rPr lang="en-IN" smtClean="0"/>
-              <a:t>06-01-2025</a:t>
+              <a:t>07-01-2025</a:t>
             </a:fld>
             <a:endParaRPr lang="en-IN"/>
           </a:p>
@@ -3054,6 +3066,923 @@
 </p:sld>
 </file>
 
+<file path=ppt/slides/slide10.xml><?xml version="1.0" encoding="utf-8"?>
+<p:sld xmlns:a="http://schemas.openxmlformats.org/drawingml/2006/main" xmlns:r="http://schemas.openxmlformats.org/officeDocument/2006/relationships" xmlns:p="http://schemas.openxmlformats.org/presentationml/2006/main">
+  <p:cSld>
+    <p:spTree>
+      <p:nvGrpSpPr>
+        <p:cNvPr id="1" name=""/>
+        <p:cNvGrpSpPr/>
+        <p:nvPr/>
+      </p:nvGrpSpPr>
+      <p:grpSpPr>
+        <a:xfrm>
+          <a:off x="0" y="0"/>
+          <a:ext cx="0" cy="0"/>
+          <a:chOff x="0" y="0"/>
+          <a:chExt cx="0" cy="0"/>
+        </a:xfrm>
+      </p:grpSpPr>
+      <p:pic>
+        <p:nvPicPr>
+          <p:cNvPr id="2" name="Picture 1"/>
+          <p:cNvPicPr>
+            <a:picLocks noChangeAspect="1"/>
+          </p:cNvPicPr>
+          <p:nvPr/>
+        </p:nvPicPr>
+        <p:blipFill>
+          <a:blip r:embed="rId2"/>
+          <a:stretch>
+            <a:fillRect/>
+          </a:stretch>
+        </p:blipFill>
+        <p:spPr>
+          <a:xfrm>
+            <a:off x="1502165" y="1468414"/>
+            <a:ext cx="5044877" cy="2133202"/>
+          </a:xfrm>
+          <a:prstGeom prst="rect">
+            <a:avLst/>
+          </a:prstGeom>
+        </p:spPr>
+      </p:pic>
+      <p:sp>
+        <p:nvSpPr>
+          <p:cNvPr id="3" name="TextBox 2"/>
+          <p:cNvSpPr txBox="1"/>
+          <p:nvPr/>
+        </p:nvSpPr>
+        <p:spPr>
+          <a:xfrm>
+            <a:off x="1371600" y="391886"/>
+            <a:ext cx="5505061" cy="400110"/>
+          </a:xfrm>
+          <a:prstGeom prst="rect">
+            <a:avLst/>
+          </a:prstGeom>
+          <a:noFill/>
+        </p:spPr>
+        <p:txBody>
+          <a:bodyPr wrap="square" rtlCol="0">
+            <a:spAutoFit/>
+          </a:bodyPr>
+          <a:lstStyle/>
+          <a:p>
+            <a:r>
+              <a:rPr lang="en-IN" sz="2000" dirty="0" smtClean="0">
+                <a:latin typeface="Arial Black" panose="020B0A04020102020204" pitchFamily="34" charset="0"/>
+              </a:rPr>
+              <a:t>Doctor Table</a:t>
+            </a:r>
+            <a:endParaRPr lang="en-IN" sz="2000" dirty="0">
+              <a:latin typeface="Arial Black" panose="020B0A04020102020204" pitchFamily="34" charset="0"/>
+            </a:endParaRPr>
+          </a:p>
+        </p:txBody>
+      </p:sp>
+      <p:pic>
+        <p:nvPicPr>
+          <p:cNvPr id="4" name="Picture 3"/>
+          <p:cNvPicPr>
+            <a:picLocks noChangeAspect="1"/>
+          </p:cNvPicPr>
+          <p:nvPr/>
+        </p:nvPicPr>
+        <p:blipFill>
+          <a:blip r:embed="rId3"/>
+          <a:stretch>
+            <a:fillRect/>
+          </a:stretch>
+        </p:blipFill>
+        <p:spPr>
+          <a:xfrm>
+            <a:off x="1502164" y="4182155"/>
+            <a:ext cx="5047495" cy="2116008"/>
+          </a:xfrm>
+          <a:prstGeom prst="rect">
+            <a:avLst/>
+          </a:prstGeom>
+        </p:spPr>
+      </p:pic>
+    </p:spTree>
+    <p:extLst>
+      <p:ext uri="{BB962C8B-B14F-4D97-AF65-F5344CB8AC3E}">
+        <p14:creationId xmlns:p14="http://schemas.microsoft.com/office/powerpoint/2010/main" val="1925360439"/>
+      </p:ext>
+    </p:extLst>
+  </p:cSld>
+  <p:clrMapOvr>
+    <a:masterClrMapping/>
+  </p:clrMapOvr>
+</p:sld>
+</file>
+
+<file path=ppt/slides/slide11.xml><?xml version="1.0" encoding="utf-8"?>
+<p:sld xmlns:a="http://schemas.openxmlformats.org/drawingml/2006/main" xmlns:r="http://schemas.openxmlformats.org/officeDocument/2006/relationships" xmlns:p="http://schemas.openxmlformats.org/presentationml/2006/main">
+  <p:cSld>
+    <p:spTree>
+      <p:nvGrpSpPr>
+        <p:cNvPr id="1" name=""/>
+        <p:cNvGrpSpPr/>
+        <p:nvPr/>
+      </p:nvGrpSpPr>
+      <p:grpSpPr>
+        <a:xfrm>
+          <a:off x="0" y="0"/>
+          <a:ext cx="0" cy="0"/>
+          <a:chOff x="0" y="0"/>
+          <a:chExt cx="0" cy="0"/>
+        </a:xfrm>
+      </p:grpSpPr>
+      <p:pic>
+        <p:nvPicPr>
+          <p:cNvPr id="2" name="Picture 1"/>
+          <p:cNvPicPr>
+            <a:picLocks noChangeAspect="1"/>
+          </p:cNvPicPr>
+          <p:nvPr/>
+        </p:nvPicPr>
+        <p:blipFill>
+          <a:blip r:embed="rId2"/>
+          <a:stretch>
+            <a:fillRect/>
+          </a:stretch>
+        </p:blipFill>
+        <p:spPr>
+          <a:xfrm>
+            <a:off x="1511560" y="2108719"/>
+            <a:ext cx="6423792" cy="2981062"/>
+          </a:xfrm>
+          <a:prstGeom prst="rect">
+            <a:avLst/>
+          </a:prstGeom>
+        </p:spPr>
+      </p:pic>
+      <p:sp>
+        <p:nvSpPr>
+          <p:cNvPr id="3" name="TextBox 2"/>
+          <p:cNvSpPr txBox="1"/>
+          <p:nvPr/>
+        </p:nvSpPr>
+        <p:spPr>
+          <a:xfrm>
+            <a:off x="1511560" y="1063689"/>
+            <a:ext cx="6074228" cy="400110"/>
+          </a:xfrm>
+          <a:prstGeom prst="rect">
+            <a:avLst/>
+          </a:prstGeom>
+          <a:noFill/>
+        </p:spPr>
+        <p:txBody>
+          <a:bodyPr wrap="square" rtlCol="0">
+            <a:spAutoFit/>
+          </a:bodyPr>
+          <a:lstStyle/>
+          <a:p>
+            <a:r>
+              <a:rPr lang="en-IN" sz="2000" dirty="0" smtClean="0">
+                <a:latin typeface="Arial Black" panose="020B0A04020102020204" pitchFamily="34" charset="0"/>
+              </a:rPr>
+              <a:t>Appointment Table</a:t>
+            </a:r>
+            <a:endParaRPr lang="en-IN" sz="2000" dirty="0">
+              <a:latin typeface="Arial Black" panose="020B0A04020102020204" pitchFamily="34" charset="0"/>
+            </a:endParaRPr>
+          </a:p>
+        </p:txBody>
+      </p:sp>
+    </p:spTree>
+    <p:extLst>
+      <p:ext uri="{BB962C8B-B14F-4D97-AF65-F5344CB8AC3E}">
+        <p14:creationId xmlns:p14="http://schemas.microsoft.com/office/powerpoint/2010/main" val="2355385453"/>
+      </p:ext>
+    </p:extLst>
+  </p:cSld>
+  <p:clrMapOvr>
+    <a:masterClrMapping/>
+  </p:clrMapOvr>
+</p:sld>
+</file>
+
+<file path=ppt/slides/slide12.xml><?xml version="1.0" encoding="utf-8"?>
+<p:sld xmlns:a="http://schemas.openxmlformats.org/drawingml/2006/main" xmlns:r="http://schemas.openxmlformats.org/officeDocument/2006/relationships" xmlns:p="http://schemas.openxmlformats.org/presentationml/2006/main">
+  <p:cSld>
+    <p:spTree>
+      <p:nvGrpSpPr>
+        <p:cNvPr id="1" name=""/>
+        <p:cNvGrpSpPr/>
+        <p:nvPr/>
+      </p:nvGrpSpPr>
+      <p:grpSpPr>
+        <a:xfrm>
+          <a:off x="0" y="0"/>
+          <a:ext cx="0" cy="0"/>
+          <a:chOff x="0" y="0"/>
+          <a:chExt cx="0" cy="0"/>
+        </a:xfrm>
+      </p:grpSpPr>
+      <p:pic>
+        <p:nvPicPr>
+          <p:cNvPr id="2" name="Picture 1"/>
+          <p:cNvPicPr>
+            <a:picLocks noChangeAspect="1"/>
+          </p:cNvPicPr>
+          <p:nvPr/>
+        </p:nvPicPr>
+        <p:blipFill>
+          <a:blip r:embed="rId2"/>
+          <a:stretch>
+            <a:fillRect/>
+          </a:stretch>
+        </p:blipFill>
+        <p:spPr>
+          <a:xfrm>
+            <a:off x="2005089" y="2879734"/>
+            <a:ext cx="6687768" cy="2541352"/>
+          </a:xfrm>
+          <a:prstGeom prst="rect">
+            <a:avLst/>
+          </a:prstGeom>
+        </p:spPr>
+      </p:pic>
+      <p:sp>
+        <p:nvSpPr>
+          <p:cNvPr id="3" name="TextBox 2"/>
+          <p:cNvSpPr txBox="1"/>
+          <p:nvPr/>
+        </p:nvSpPr>
+        <p:spPr>
+          <a:xfrm>
+            <a:off x="2005089" y="1520890"/>
+            <a:ext cx="4265083" cy="400110"/>
+          </a:xfrm>
+          <a:prstGeom prst="rect">
+            <a:avLst/>
+          </a:prstGeom>
+          <a:noFill/>
+        </p:spPr>
+        <p:txBody>
+          <a:bodyPr wrap="square" rtlCol="0">
+            <a:spAutoFit/>
+          </a:bodyPr>
+          <a:lstStyle/>
+          <a:p>
+            <a:r>
+              <a:rPr lang="en-IN" sz="2000" dirty="0" smtClean="0">
+                <a:latin typeface="Arial Black" panose="020B0A04020102020204" pitchFamily="34" charset="0"/>
+              </a:rPr>
+              <a:t>Bills Table</a:t>
+            </a:r>
+            <a:endParaRPr lang="en-IN" sz="2000" dirty="0">
+              <a:latin typeface="Arial Black" panose="020B0A04020102020204" pitchFamily="34" charset="0"/>
+            </a:endParaRPr>
+          </a:p>
+        </p:txBody>
+      </p:sp>
+    </p:spTree>
+    <p:extLst>
+      <p:ext uri="{BB962C8B-B14F-4D97-AF65-F5344CB8AC3E}">
+        <p14:creationId xmlns:p14="http://schemas.microsoft.com/office/powerpoint/2010/main" val="1032826334"/>
+      </p:ext>
+    </p:extLst>
+  </p:cSld>
+  <p:clrMapOvr>
+    <a:masterClrMapping/>
+  </p:clrMapOvr>
+</p:sld>
+</file>
+
+<file path=ppt/slides/slide13.xml><?xml version="1.0" encoding="utf-8"?>
+<p:sld xmlns:a="http://schemas.openxmlformats.org/drawingml/2006/main" xmlns:r="http://schemas.openxmlformats.org/officeDocument/2006/relationships" xmlns:p="http://schemas.openxmlformats.org/presentationml/2006/main">
+  <p:cSld>
+    <p:spTree>
+      <p:nvGrpSpPr>
+        <p:cNvPr id="1" name=""/>
+        <p:cNvGrpSpPr/>
+        <p:nvPr/>
+      </p:nvGrpSpPr>
+      <p:grpSpPr>
+        <a:xfrm>
+          <a:off x="0" y="0"/>
+          <a:ext cx="0" cy="0"/>
+          <a:chOff x="0" y="0"/>
+          <a:chExt cx="0" cy="0"/>
+        </a:xfrm>
+      </p:grpSpPr>
+      <p:sp>
+        <p:nvSpPr>
+          <p:cNvPr id="2" name="TextBox 1"/>
+          <p:cNvSpPr txBox="1"/>
+          <p:nvPr/>
+        </p:nvSpPr>
+        <p:spPr>
+          <a:xfrm>
+            <a:off x="774440" y="233265"/>
+            <a:ext cx="10291666" cy="400110"/>
+          </a:xfrm>
+          <a:prstGeom prst="rect">
+            <a:avLst/>
+          </a:prstGeom>
+          <a:noFill/>
+        </p:spPr>
+        <p:txBody>
+          <a:bodyPr wrap="square" rtlCol="0">
+            <a:spAutoFit/>
+          </a:bodyPr>
+          <a:lstStyle/>
+          <a:p>
+            <a:pPr algn="ctr"/>
+            <a:r>
+              <a:rPr lang="en-IN" sz="2000" dirty="0" smtClean="0">
+                <a:latin typeface="Arial Black" panose="020B0A04020102020204" pitchFamily="34" charset="0"/>
+              </a:rPr>
+              <a:t>Inserting Data inside the tables</a:t>
+            </a:r>
+            <a:endParaRPr lang="en-IN" sz="2000" dirty="0">
+              <a:latin typeface="Arial Black" panose="020B0A04020102020204" pitchFamily="34" charset="0"/>
+            </a:endParaRPr>
+          </a:p>
+        </p:txBody>
+      </p:sp>
+      <p:pic>
+        <p:nvPicPr>
+          <p:cNvPr id="3" name="Picture 2"/>
+          <p:cNvPicPr>
+            <a:picLocks noChangeAspect="1"/>
+          </p:cNvPicPr>
+          <p:nvPr/>
+        </p:nvPicPr>
+        <p:blipFill>
+          <a:blip r:embed="rId2"/>
+          <a:stretch>
+            <a:fillRect/>
+          </a:stretch>
+        </p:blipFill>
+        <p:spPr>
+          <a:xfrm>
+            <a:off x="1408922" y="1728435"/>
+            <a:ext cx="6672029" cy="4968671"/>
+          </a:xfrm>
+          <a:prstGeom prst="rect">
+            <a:avLst/>
+          </a:prstGeom>
+        </p:spPr>
+      </p:pic>
+      <p:sp>
+        <p:nvSpPr>
+          <p:cNvPr id="4" name="TextBox 3"/>
+          <p:cNvSpPr txBox="1"/>
+          <p:nvPr/>
+        </p:nvSpPr>
+        <p:spPr>
+          <a:xfrm>
+            <a:off x="1408922" y="933061"/>
+            <a:ext cx="3107094" cy="400110"/>
+          </a:xfrm>
+          <a:prstGeom prst="rect">
+            <a:avLst/>
+          </a:prstGeom>
+          <a:noFill/>
+        </p:spPr>
+        <p:txBody>
+          <a:bodyPr wrap="square" rtlCol="0">
+            <a:spAutoFit/>
+          </a:bodyPr>
+          <a:lstStyle/>
+          <a:p>
+            <a:r>
+              <a:rPr lang="en-IN" sz="2000" dirty="0" smtClean="0">
+                <a:latin typeface="Arial Black" panose="020B0A04020102020204" pitchFamily="34" charset="0"/>
+              </a:rPr>
+              <a:t>Patients table </a:t>
+            </a:r>
+            <a:endParaRPr lang="en-IN" sz="2000" dirty="0">
+              <a:latin typeface="Arial Black" panose="020B0A04020102020204" pitchFamily="34" charset="0"/>
+            </a:endParaRPr>
+          </a:p>
+        </p:txBody>
+      </p:sp>
+    </p:spTree>
+    <p:extLst>
+      <p:ext uri="{BB962C8B-B14F-4D97-AF65-F5344CB8AC3E}">
+        <p14:creationId xmlns:p14="http://schemas.microsoft.com/office/powerpoint/2010/main" val="3421969157"/>
+      </p:ext>
+    </p:extLst>
+  </p:cSld>
+  <p:clrMapOvr>
+    <a:masterClrMapping/>
+  </p:clrMapOvr>
+</p:sld>
+</file>
+
+<file path=ppt/slides/slide14.xml><?xml version="1.0" encoding="utf-8"?>
+<p:sld xmlns:a="http://schemas.openxmlformats.org/drawingml/2006/main" xmlns:r="http://schemas.openxmlformats.org/officeDocument/2006/relationships" xmlns:p="http://schemas.openxmlformats.org/presentationml/2006/main">
+  <p:cSld>
+    <p:spTree>
+      <p:nvGrpSpPr>
+        <p:cNvPr id="1" name=""/>
+        <p:cNvGrpSpPr/>
+        <p:nvPr/>
+      </p:nvGrpSpPr>
+      <p:grpSpPr>
+        <a:xfrm>
+          <a:off x="0" y="0"/>
+          <a:ext cx="0" cy="0"/>
+          <a:chOff x="0" y="0"/>
+          <a:chExt cx="0" cy="0"/>
+        </a:xfrm>
+      </p:grpSpPr>
+      <p:pic>
+        <p:nvPicPr>
+          <p:cNvPr id="2" name="Picture 1"/>
+          <p:cNvPicPr>
+            <a:picLocks noChangeAspect="1"/>
+          </p:cNvPicPr>
+          <p:nvPr/>
+        </p:nvPicPr>
+        <p:blipFill>
+          <a:blip r:embed="rId2"/>
+          <a:stretch>
+            <a:fillRect/>
+          </a:stretch>
+        </p:blipFill>
+        <p:spPr>
+          <a:xfrm>
+            <a:off x="1775525" y="2913972"/>
+            <a:ext cx="6619968" cy="2180541"/>
+          </a:xfrm>
+          <a:prstGeom prst="rect">
+            <a:avLst/>
+          </a:prstGeom>
+        </p:spPr>
+      </p:pic>
+      <p:sp>
+        <p:nvSpPr>
+          <p:cNvPr id="3" name="TextBox 2"/>
+          <p:cNvSpPr txBox="1"/>
+          <p:nvPr/>
+        </p:nvSpPr>
+        <p:spPr>
+          <a:xfrm>
+            <a:off x="1775525" y="1483567"/>
+            <a:ext cx="3505602" cy="400110"/>
+          </a:xfrm>
+          <a:prstGeom prst="rect">
+            <a:avLst/>
+          </a:prstGeom>
+          <a:noFill/>
+        </p:spPr>
+        <p:txBody>
+          <a:bodyPr wrap="square" rtlCol="0">
+            <a:spAutoFit/>
+          </a:bodyPr>
+          <a:lstStyle/>
+          <a:p>
+            <a:r>
+              <a:rPr lang="en-IN" sz="2000" dirty="0" smtClean="0">
+                <a:latin typeface="Arial Black" panose="020B0A04020102020204" pitchFamily="34" charset="0"/>
+              </a:rPr>
+              <a:t>Department Table</a:t>
+            </a:r>
+            <a:endParaRPr lang="en-IN" sz="2000" dirty="0">
+              <a:latin typeface="Arial Black" panose="020B0A04020102020204" pitchFamily="34" charset="0"/>
+            </a:endParaRPr>
+          </a:p>
+        </p:txBody>
+      </p:sp>
+      <p:sp>
+        <p:nvSpPr>
+          <p:cNvPr id="4" name="TextBox 3"/>
+          <p:cNvSpPr txBox="1"/>
+          <p:nvPr/>
+        </p:nvSpPr>
+        <p:spPr>
+          <a:xfrm>
+            <a:off x="774440" y="233265"/>
+            <a:ext cx="10291666" cy="400110"/>
+          </a:xfrm>
+          <a:prstGeom prst="rect">
+            <a:avLst/>
+          </a:prstGeom>
+          <a:noFill/>
+        </p:spPr>
+        <p:txBody>
+          <a:bodyPr wrap="square" rtlCol="0">
+            <a:spAutoFit/>
+          </a:bodyPr>
+          <a:lstStyle/>
+          <a:p>
+            <a:pPr algn="ctr"/>
+            <a:r>
+              <a:rPr lang="en-IN" sz="2000" dirty="0" smtClean="0">
+                <a:latin typeface="Arial Black" panose="020B0A04020102020204" pitchFamily="34" charset="0"/>
+              </a:rPr>
+              <a:t>Inserting Data inside the tables</a:t>
+            </a:r>
+            <a:endParaRPr lang="en-IN" sz="2000" dirty="0">
+              <a:latin typeface="Arial Black" panose="020B0A04020102020204" pitchFamily="34" charset="0"/>
+            </a:endParaRPr>
+          </a:p>
+        </p:txBody>
+      </p:sp>
+    </p:spTree>
+    <p:extLst>
+      <p:ext uri="{BB962C8B-B14F-4D97-AF65-F5344CB8AC3E}">
+        <p14:creationId xmlns:p14="http://schemas.microsoft.com/office/powerpoint/2010/main" val="2812274557"/>
+      </p:ext>
+    </p:extLst>
+  </p:cSld>
+  <p:clrMapOvr>
+    <a:masterClrMapping/>
+  </p:clrMapOvr>
+</p:sld>
+</file>
+
+<file path=ppt/slides/slide15.xml><?xml version="1.0" encoding="utf-8"?>
+<p:sld xmlns:a="http://schemas.openxmlformats.org/drawingml/2006/main" xmlns:r="http://schemas.openxmlformats.org/officeDocument/2006/relationships" xmlns:p="http://schemas.openxmlformats.org/presentationml/2006/main">
+  <p:cSld>
+    <p:spTree>
+      <p:nvGrpSpPr>
+        <p:cNvPr id="1" name=""/>
+        <p:cNvGrpSpPr/>
+        <p:nvPr/>
+      </p:nvGrpSpPr>
+      <p:grpSpPr>
+        <a:xfrm>
+          <a:off x="0" y="0"/>
+          <a:ext cx="0" cy="0"/>
+          <a:chOff x="0" y="0"/>
+          <a:chExt cx="0" cy="0"/>
+        </a:xfrm>
+      </p:grpSpPr>
+      <p:sp>
+        <p:nvSpPr>
+          <p:cNvPr id="2" name="TextBox 1"/>
+          <p:cNvSpPr txBox="1"/>
+          <p:nvPr/>
+        </p:nvSpPr>
+        <p:spPr>
+          <a:xfrm>
+            <a:off x="774440" y="233265"/>
+            <a:ext cx="10291666" cy="400110"/>
+          </a:xfrm>
+          <a:prstGeom prst="rect">
+            <a:avLst/>
+          </a:prstGeom>
+          <a:noFill/>
+        </p:spPr>
+        <p:txBody>
+          <a:bodyPr wrap="square" rtlCol="0">
+            <a:spAutoFit/>
+          </a:bodyPr>
+          <a:lstStyle/>
+          <a:p>
+            <a:pPr algn="ctr"/>
+            <a:r>
+              <a:rPr lang="en-IN" sz="2000" dirty="0" smtClean="0">
+                <a:latin typeface="Arial Black" panose="020B0A04020102020204" pitchFamily="34" charset="0"/>
+              </a:rPr>
+              <a:t>Inserting Data inside the tables</a:t>
+            </a:r>
+            <a:endParaRPr lang="en-IN" sz="2000" dirty="0">
+              <a:latin typeface="Arial Black" panose="020B0A04020102020204" pitchFamily="34" charset="0"/>
+            </a:endParaRPr>
+          </a:p>
+        </p:txBody>
+      </p:sp>
+      <p:sp>
+        <p:nvSpPr>
+          <p:cNvPr id="3" name="TextBox 2"/>
+          <p:cNvSpPr txBox="1"/>
+          <p:nvPr/>
+        </p:nvSpPr>
+        <p:spPr>
+          <a:xfrm>
+            <a:off x="1492899" y="1502229"/>
+            <a:ext cx="3079102" cy="400110"/>
+          </a:xfrm>
+          <a:prstGeom prst="rect">
+            <a:avLst/>
+          </a:prstGeom>
+          <a:noFill/>
+        </p:spPr>
+        <p:txBody>
+          <a:bodyPr wrap="square" rtlCol="0">
+            <a:spAutoFit/>
+          </a:bodyPr>
+          <a:lstStyle/>
+          <a:p>
+            <a:r>
+              <a:rPr lang="en-IN" sz="2000" dirty="0" smtClean="0">
+                <a:latin typeface="Arial Black" panose="020B0A04020102020204" pitchFamily="34" charset="0"/>
+              </a:rPr>
+              <a:t>Doctor table</a:t>
+            </a:r>
+            <a:r>
+              <a:rPr lang="en-IN" dirty="0" smtClean="0"/>
+              <a:t> </a:t>
+            </a:r>
+            <a:endParaRPr lang="en-IN" dirty="0"/>
+          </a:p>
+        </p:txBody>
+      </p:sp>
+      <p:pic>
+        <p:nvPicPr>
+          <p:cNvPr id="4" name="Picture 3"/>
+          <p:cNvPicPr>
+            <a:picLocks noChangeAspect="1"/>
+          </p:cNvPicPr>
+          <p:nvPr/>
+        </p:nvPicPr>
+        <p:blipFill>
+          <a:blip r:embed="rId2">
+            <a:extLst>
+              <a:ext uri="{28A0092B-C50C-407E-A947-70E740481C1C}">
+                <a14:useLocalDpi xmlns:a14="http://schemas.microsoft.com/office/drawing/2010/main" val="0"/>
+              </a:ext>
+            </a:extLst>
+          </a:blip>
+          <a:stretch>
+            <a:fillRect/>
+          </a:stretch>
+        </p:blipFill>
+        <p:spPr>
+          <a:xfrm>
+            <a:off x="1492899" y="2670619"/>
+            <a:ext cx="6466113" cy="3375617"/>
+          </a:xfrm>
+          <a:prstGeom prst="rect">
+            <a:avLst/>
+          </a:prstGeom>
+        </p:spPr>
+      </p:pic>
+    </p:spTree>
+    <p:extLst>
+      <p:ext uri="{BB962C8B-B14F-4D97-AF65-F5344CB8AC3E}">
+        <p14:creationId xmlns:p14="http://schemas.microsoft.com/office/powerpoint/2010/main" val="2388257401"/>
+      </p:ext>
+    </p:extLst>
+  </p:cSld>
+  <p:clrMapOvr>
+    <a:masterClrMapping/>
+  </p:clrMapOvr>
+</p:sld>
+</file>
+
+<file path=ppt/slides/slide16.xml><?xml version="1.0" encoding="utf-8"?>
+<p:sld xmlns:a="http://schemas.openxmlformats.org/drawingml/2006/main" xmlns:r="http://schemas.openxmlformats.org/officeDocument/2006/relationships" xmlns:p="http://schemas.openxmlformats.org/presentationml/2006/main">
+  <p:cSld>
+    <p:spTree>
+      <p:nvGrpSpPr>
+        <p:cNvPr id="1" name=""/>
+        <p:cNvGrpSpPr/>
+        <p:nvPr/>
+      </p:nvGrpSpPr>
+      <p:grpSpPr>
+        <a:xfrm>
+          <a:off x="0" y="0"/>
+          <a:ext cx="0" cy="0"/>
+          <a:chOff x="0" y="0"/>
+          <a:chExt cx="0" cy="0"/>
+        </a:xfrm>
+      </p:grpSpPr>
+      <p:sp>
+        <p:nvSpPr>
+          <p:cNvPr id="2" name="TextBox 1"/>
+          <p:cNvSpPr txBox="1"/>
+          <p:nvPr/>
+        </p:nvSpPr>
+        <p:spPr>
+          <a:xfrm>
+            <a:off x="774440" y="233265"/>
+            <a:ext cx="10291666" cy="400110"/>
+          </a:xfrm>
+          <a:prstGeom prst="rect">
+            <a:avLst/>
+          </a:prstGeom>
+          <a:noFill/>
+        </p:spPr>
+        <p:txBody>
+          <a:bodyPr wrap="square" rtlCol="0">
+            <a:spAutoFit/>
+          </a:bodyPr>
+          <a:lstStyle/>
+          <a:p>
+            <a:pPr algn="ctr"/>
+            <a:r>
+              <a:rPr lang="en-IN" sz="2000" dirty="0" smtClean="0">
+                <a:latin typeface="Arial Black" panose="020B0A04020102020204" pitchFamily="34" charset="0"/>
+              </a:rPr>
+              <a:t>Inserting Data inside the tables</a:t>
+            </a:r>
+            <a:endParaRPr lang="en-IN" sz="2000" dirty="0">
+              <a:latin typeface="Arial Black" panose="020B0A04020102020204" pitchFamily="34" charset="0"/>
+            </a:endParaRPr>
+          </a:p>
+        </p:txBody>
+      </p:sp>
+      <p:pic>
+        <p:nvPicPr>
+          <p:cNvPr id="3" name="Picture 2"/>
+          <p:cNvPicPr>
+            <a:picLocks noChangeAspect="1"/>
+          </p:cNvPicPr>
+          <p:nvPr/>
+        </p:nvPicPr>
+        <p:blipFill>
+          <a:blip r:embed="rId2">
+            <a:extLst>
+              <a:ext uri="{28A0092B-C50C-407E-A947-70E740481C1C}">
+                <a14:useLocalDpi xmlns:a14="http://schemas.microsoft.com/office/drawing/2010/main" val="0"/>
+              </a:ext>
+            </a:extLst>
+          </a:blip>
+          <a:stretch>
+            <a:fillRect/>
+          </a:stretch>
+        </p:blipFill>
+        <p:spPr>
+          <a:xfrm>
+            <a:off x="1912776" y="2920481"/>
+            <a:ext cx="6744034" cy="2040960"/>
+          </a:xfrm>
+          <a:prstGeom prst="rect">
+            <a:avLst/>
+          </a:prstGeom>
+        </p:spPr>
+      </p:pic>
+      <p:sp>
+        <p:nvSpPr>
+          <p:cNvPr id="4" name="TextBox 3"/>
+          <p:cNvSpPr txBox="1"/>
+          <p:nvPr/>
+        </p:nvSpPr>
+        <p:spPr>
+          <a:xfrm>
+            <a:off x="1912776" y="1772816"/>
+            <a:ext cx="4189444" cy="400110"/>
+          </a:xfrm>
+          <a:prstGeom prst="rect">
+            <a:avLst/>
+          </a:prstGeom>
+          <a:noFill/>
+        </p:spPr>
+        <p:txBody>
+          <a:bodyPr wrap="square" rtlCol="0">
+            <a:spAutoFit/>
+          </a:bodyPr>
+          <a:lstStyle/>
+          <a:p>
+            <a:r>
+              <a:rPr lang="en-IN" sz="2000" dirty="0" smtClean="0">
+                <a:latin typeface="Arial Black" panose="020B0A04020102020204" pitchFamily="34" charset="0"/>
+              </a:rPr>
+              <a:t>Appointment Table</a:t>
+            </a:r>
+            <a:endParaRPr lang="en-IN" sz="2000" dirty="0">
+              <a:latin typeface="Arial Black" panose="020B0A04020102020204" pitchFamily="34" charset="0"/>
+            </a:endParaRPr>
+          </a:p>
+        </p:txBody>
+      </p:sp>
+    </p:spTree>
+    <p:extLst>
+      <p:ext uri="{BB962C8B-B14F-4D97-AF65-F5344CB8AC3E}">
+        <p14:creationId xmlns:p14="http://schemas.microsoft.com/office/powerpoint/2010/main" val="1944692691"/>
+      </p:ext>
+    </p:extLst>
+  </p:cSld>
+  <p:clrMapOvr>
+    <a:masterClrMapping/>
+  </p:clrMapOvr>
+</p:sld>
+</file>
+
+<file path=ppt/slides/slide17.xml><?xml version="1.0" encoding="utf-8"?>
+<p:sld xmlns:a="http://schemas.openxmlformats.org/drawingml/2006/main" xmlns:r="http://schemas.openxmlformats.org/officeDocument/2006/relationships" xmlns:p="http://schemas.openxmlformats.org/presentationml/2006/main">
+  <p:cSld>
+    <p:spTree>
+      <p:nvGrpSpPr>
+        <p:cNvPr id="1" name=""/>
+        <p:cNvGrpSpPr/>
+        <p:nvPr/>
+      </p:nvGrpSpPr>
+      <p:grpSpPr>
+        <a:xfrm>
+          <a:off x="0" y="0"/>
+          <a:ext cx="0" cy="0"/>
+          <a:chOff x="0" y="0"/>
+          <a:chExt cx="0" cy="0"/>
+        </a:xfrm>
+      </p:grpSpPr>
+      <p:sp>
+        <p:nvSpPr>
+          <p:cNvPr id="2" name="TextBox 1"/>
+          <p:cNvSpPr txBox="1"/>
+          <p:nvPr/>
+        </p:nvSpPr>
+        <p:spPr>
+          <a:xfrm>
+            <a:off x="774440" y="233265"/>
+            <a:ext cx="10291666" cy="400110"/>
+          </a:xfrm>
+          <a:prstGeom prst="rect">
+            <a:avLst/>
+          </a:prstGeom>
+          <a:noFill/>
+        </p:spPr>
+        <p:txBody>
+          <a:bodyPr wrap="square" rtlCol="0">
+            <a:spAutoFit/>
+          </a:bodyPr>
+          <a:lstStyle/>
+          <a:p>
+            <a:pPr algn="ctr"/>
+            <a:r>
+              <a:rPr lang="en-IN" sz="2000" dirty="0" smtClean="0">
+                <a:latin typeface="Arial Black" panose="020B0A04020102020204" pitchFamily="34" charset="0"/>
+              </a:rPr>
+              <a:t>Inserting Data inside the tables</a:t>
+            </a:r>
+            <a:endParaRPr lang="en-IN" sz="2000" dirty="0">
+              <a:latin typeface="Arial Black" panose="020B0A04020102020204" pitchFamily="34" charset="0"/>
+            </a:endParaRPr>
+          </a:p>
+        </p:txBody>
+      </p:sp>
+      <p:pic>
+        <p:nvPicPr>
+          <p:cNvPr id="3" name="Picture 2"/>
+          <p:cNvPicPr>
+            <a:picLocks noChangeAspect="1"/>
+          </p:cNvPicPr>
+          <p:nvPr/>
+        </p:nvPicPr>
+        <p:blipFill>
+          <a:blip r:embed="rId2"/>
+          <a:stretch>
+            <a:fillRect/>
+          </a:stretch>
+        </p:blipFill>
+        <p:spPr>
+          <a:xfrm>
+            <a:off x="1590869" y="3280598"/>
+            <a:ext cx="5383763" cy="1589981"/>
+          </a:xfrm>
+          <a:prstGeom prst="rect">
+            <a:avLst/>
+          </a:prstGeom>
+        </p:spPr>
+      </p:pic>
+      <p:sp>
+        <p:nvSpPr>
+          <p:cNvPr id="4" name="TextBox 3"/>
+          <p:cNvSpPr txBox="1"/>
+          <p:nvPr/>
+        </p:nvSpPr>
+        <p:spPr>
+          <a:xfrm>
+            <a:off x="1590869" y="1924882"/>
+            <a:ext cx="4329404" cy="400110"/>
+          </a:xfrm>
+          <a:prstGeom prst="rect">
+            <a:avLst/>
+          </a:prstGeom>
+          <a:noFill/>
+        </p:spPr>
+        <p:txBody>
+          <a:bodyPr wrap="square" rtlCol="0">
+            <a:spAutoFit/>
+          </a:bodyPr>
+          <a:lstStyle/>
+          <a:p>
+            <a:r>
+              <a:rPr lang="en-IN" sz="2000" dirty="0" smtClean="0">
+                <a:latin typeface="Arial Black" panose="020B0A04020102020204" pitchFamily="34" charset="0"/>
+              </a:rPr>
+              <a:t>Bills Table</a:t>
+            </a:r>
+            <a:endParaRPr lang="en-IN" sz="2000" dirty="0">
+              <a:latin typeface="Arial Black" panose="020B0A04020102020204" pitchFamily="34" charset="0"/>
+            </a:endParaRPr>
+          </a:p>
+        </p:txBody>
+      </p:sp>
+    </p:spTree>
+    <p:extLst>
+      <p:ext uri="{BB962C8B-B14F-4D97-AF65-F5344CB8AC3E}">
+        <p14:creationId xmlns:p14="http://schemas.microsoft.com/office/powerpoint/2010/main" val="2560017994"/>
+      </p:ext>
+    </p:extLst>
+  </p:cSld>
+  <p:clrMapOvr>
+    <a:masterClrMapping/>
+  </p:clrMapOvr>
+</p:sld>
+</file>
+
 <file path=ppt/slides/slide2.xml><?xml version="1.0" encoding="utf-8"?>
 <p:sld xmlns:a="http://schemas.openxmlformats.org/drawingml/2006/main" xmlns:r="http://schemas.openxmlformats.org/officeDocument/2006/relationships" xmlns:p="http://schemas.openxmlformats.org/presentationml/2006/main">
   <p:cSld>
@@ -3665,6 +4594,188 @@
           <a:chExt cx="0" cy="0"/>
         </a:xfrm>
       </p:grpSpPr>
+      <p:sp>
+        <p:nvSpPr>
+          <p:cNvPr id="2" name="TextBox 1"/>
+          <p:cNvSpPr txBox="1"/>
+          <p:nvPr/>
+        </p:nvSpPr>
+        <p:spPr>
+          <a:xfrm>
+            <a:off x="1082351" y="923730"/>
+            <a:ext cx="9722498" cy="2523768"/>
+          </a:xfrm>
+          <a:prstGeom prst="rect">
+            <a:avLst/>
+          </a:prstGeom>
+          <a:noFill/>
+        </p:spPr>
+        <p:txBody>
+          <a:bodyPr wrap="square" rtlCol="0">
+            <a:spAutoFit/>
+          </a:bodyPr>
+          <a:lstStyle/>
+          <a:p>
+            <a:r>
+              <a:rPr lang="en-US" sz="2000" dirty="0" smtClean="0">
+                <a:latin typeface="Arial Black" panose="020B0A04020102020204" pitchFamily="34" charset="0"/>
+              </a:rPr>
+              <a:t>In this project, there are 5 tables </a:t>
+            </a:r>
+          </a:p>
+          <a:p>
+            <a:endParaRPr lang="en-US" sz="2000" dirty="0"/>
+          </a:p>
+          <a:p>
+            <a:pPr marL="457200" indent="-457200">
+              <a:buFont typeface="+mj-lt"/>
+              <a:buAutoNum type="arabicParenR"/>
+            </a:pPr>
+            <a:r>
+              <a:rPr lang="en-US" sz="2000" dirty="0" smtClean="0"/>
+              <a:t>Patient </a:t>
+            </a:r>
+          </a:p>
+          <a:p>
+            <a:pPr marL="457200" indent="-457200">
+              <a:buFont typeface="+mj-lt"/>
+              <a:buAutoNum type="arabicParenR"/>
+            </a:pPr>
+            <a:r>
+              <a:rPr lang="en-US" sz="2000" dirty="0" smtClean="0"/>
+              <a:t>Doctor</a:t>
+            </a:r>
+          </a:p>
+          <a:p>
+            <a:pPr marL="457200" indent="-457200">
+              <a:buFont typeface="+mj-lt"/>
+              <a:buAutoNum type="arabicParenR"/>
+            </a:pPr>
+            <a:r>
+              <a:rPr lang="en-US" sz="2000" dirty="0" smtClean="0"/>
+              <a:t>Department </a:t>
+            </a:r>
+          </a:p>
+          <a:p>
+            <a:pPr marL="457200" indent="-457200">
+              <a:buFont typeface="+mj-lt"/>
+              <a:buAutoNum type="arabicParenR"/>
+            </a:pPr>
+            <a:r>
+              <a:rPr lang="en-US" sz="2000" dirty="0" smtClean="0"/>
+              <a:t>Appointment </a:t>
+            </a:r>
+          </a:p>
+          <a:p>
+            <a:pPr marL="457200" indent="-457200">
+              <a:buFont typeface="+mj-lt"/>
+              <a:buAutoNum type="arabicParenR"/>
+            </a:pPr>
+            <a:r>
+              <a:rPr lang="en-US" sz="2000" dirty="0" smtClean="0"/>
+              <a:t>Bills</a:t>
+            </a:r>
+          </a:p>
+          <a:p>
+            <a:endParaRPr lang="en-IN" dirty="0"/>
+          </a:p>
+        </p:txBody>
+      </p:sp>
+    </p:spTree>
+    <p:extLst>
+      <p:ext uri="{BB962C8B-B14F-4D97-AF65-F5344CB8AC3E}">
+        <p14:creationId xmlns:p14="http://schemas.microsoft.com/office/powerpoint/2010/main" val="1300022908"/>
+      </p:ext>
+    </p:extLst>
+  </p:cSld>
+  <p:clrMapOvr>
+    <a:masterClrMapping/>
+  </p:clrMapOvr>
+</p:sld>
+</file>
+
+<file path=ppt/slides/slide6.xml><?xml version="1.0" encoding="utf-8"?>
+<p:sld xmlns:a="http://schemas.openxmlformats.org/drawingml/2006/main" xmlns:r="http://schemas.openxmlformats.org/officeDocument/2006/relationships" xmlns:p="http://schemas.openxmlformats.org/presentationml/2006/main">
+  <p:cSld>
+    <p:spTree>
+      <p:nvGrpSpPr>
+        <p:cNvPr id="1" name=""/>
+        <p:cNvGrpSpPr/>
+        <p:nvPr/>
+      </p:nvGrpSpPr>
+      <p:grpSpPr>
+        <a:xfrm>
+          <a:off x="0" y="0"/>
+          <a:ext cx="0" cy="0"/>
+          <a:chOff x="0" y="0"/>
+          <a:chExt cx="0" cy="0"/>
+        </a:xfrm>
+      </p:grpSpPr>
+      <p:sp>
+        <p:nvSpPr>
+          <p:cNvPr id="2" name="TextBox 1"/>
+          <p:cNvSpPr txBox="1"/>
+          <p:nvPr/>
+        </p:nvSpPr>
+        <p:spPr>
+          <a:xfrm>
+            <a:off x="1492898" y="195944"/>
+            <a:ext cx="8621486" cy="400110"/>
+          </a:xfrm>
+          <a:prstGeom prst="rect">
+            <a:avLst/>
+          </a:prstGeom>
+          <a:noFill/>
+        </p:spPr>
+        <p:txBody>
+          <a:bodyPr wrap="square" rtlCol="0">
+            <a:spAutoFit/>
+          </a:bodyPr>
+          <a:lstStyle/>
+          <a:p>
+            <a:pPr algn="ctr"/>
+            <a:r>
+              <a:rPr lang="en-US" sz="2000" dirty="0" smtClean="0">
+                <a:latin typeface="Arial Black" panose="020B0A04020102020204" pitchFamily="34" charset="0"/>
+              </a:rPr>
+              <a:t>E R Diagra</a:t>
+            </a:r>
+            <a:r>
+              <a:rPr lang="en-US" sz="2000" dirty="0">
+                <a:latin typeface="Arial Black" panose="020B0A04020102020204" pitchFamily="34" charset="0"/>
+              </a:rPr>
+              <a:t>m</a:t>
+            </a:r>
+            <a:endParaRPr lang="en-IN" sz="2000" dirty="0">
+              <a:latin typeface="Arial Black" panose="020B0A04020102020204" pitchFamily="34" charset="0"/>
+            </a:endParaRPr>
+          </a:p>
+        </p:txBody>
+      </p:sp>
+      <p:pic>
+        <p:nvPicPr>
+          <p:cNvPr id="3" name="Picture 2"/>
+          <p:cNvPicPr>
+            <a:picLocks noChangeAspect="1"/>
+          </p:cNvPicPr>
+          <p:nvPr/>
+        </p:nvPicPr>
+        <p:blipFill>
+          <a:blip r:embed="rId2"/>
+          <a:stretch>
+            <a:fillRect/>
+          </a:stretch>
+        </p:blipFill>
+        <p:spPr>
+          <a:xfrm>
+            <a:off x="1595535" y="699796"/>
+            <a:ext cx="8854751" cy="6064897"/>
+          </a:xfrm>
+          <a:prstGeom prst="rect">
+            <a:avLst/>
+          </a:prstGeom>
+        </p:spPr>
+      </p:pic>
     </p:spTree>
     <p:extLst>
       <p:ext uri="{BB962C8B-B14F-4D97-AF65-F5344CB8AC3E}">
@@ -3682,6 +4793,283 @@
       </p:par>
     </p:tnLst>
   </p:timing>
+</p:sld>
+</file>
+
+<file path=ppt/slides/slide7.xml><?xml version="1.0" encoding="utf-8"?>
+<p:sld xmlns:a="http://schemas.openxmlformats.org/drawingml/2006/main" xmlns:r="http://schemas.openxmlformats.org/officeDocument/2006/relationships" xmlns:p="http://schemas.openxmlformats.org/presentationml/2006/main">
+  <p:cSld>
+    <p:spTree>
+      <p:nvGrpSpPr>
+        <p:cNvPr id="1" name=""/>
+        <p:cNvGrpSpPr/>
+        <p:nvPr/>
+      </p:nvGrpSpPr>
+      <p:grpSpPr>
+        <a:xfrm>
+          <a:off x="0" y="0"/>
+          <a:ext cx="0" cy="0"/>
+          <a:chOff x="0" y="0"/>
+          <a:chExt cx="0" cy="0"/>
+        </a:xfrm>
+      </p:grpSpPr>
+      <p:sp>
+        <p:nvSpPr>
+          <p:cNvPr id="2" name="TextBox 1"/>
+          <p:cNvSpPr txBox="1"/>
+          <p:nvPr/>
+        </p:nvSpPr>
+        <p:spPr>
+          <a:xfrm>
+            <a:off x="634482" y="447869"/>
+            <a:ext cx="8630816" cy="400110"/>
+          </a:xfrm>
+          <a:prstGeom prst="rect">
+            <a:avLst/>
+          </a:prstGeom>
+          <a:noFill/>
+        </p:spPr>
+        <p:txBody>
+          <a:bodyPr wrap="square" rtlCol="0">
+            <a:spAutoFit/>
+          </a:bodyPr>
+          <a:lstStyle/>
+          <a:p>
+            <a:pPr algn="ctr"/>
+            <a:r>
+              <a:rPr lang="en-US" sz="2000" dirty="0" smtClean="0">
+                <a:latin typeface="Arial Black" panose="020B0A04020102020204" pitchFamily="34" charset="0"/>
+              </a:rPr>
+              <a:t>Tables In </a:t>
+            </a:r>
+            <a:r>
+              <a:rPr lang="en-US" sz="2000" dirty="0" err="1" smtClean="0">
+                <a:latin typeface="Arial Black" panose="020B0A04020102020204" pitchFamily="34" charset="0"/>
+              </a:rPr>
+              <a:t>hospital_management_sys</a:t>
+            </a:r>
+            <a:endParaRPr lang="en-IN" sz="2000" dirty="0">
+              <a:latin typeface="Arial Black" panose="020B0A04020102020204" pitchFamily="34" charset="0"/>
+            </a:endParaRPr>
+          </a:p>
+        </p:txBody>
+      </p:sp>
+      <p:pic>
+        <p:nvPicPr>
+          <p:cNvPr id="4" name="Picture 3"/>
+          <p:cNvPicPr>
+            <a:picLocks noChangeAspect="1"/>
+          </p:cNvPicPr>
+          <p:nvPr/>
+        </p:nvPicPr>
+        <p:blipFill>
+          <a:blip r:embed="rId2">
+            <a:extLst>
+              <a:ext uri="{28A0092B-C50C-407E-A947-70E740481C1C}">
+                <a14:useLocalDpi xmlns:a14="http://schemas.microsoft.com/office/drawing/2010/main" val="0"/>
+              </a:ext>
+            </a:extLst>
+          </a:blip>
+          <a:stretch>
+            <a:fillRect/>
+          </a:stretch>
+        </p:blipFill>
+        <p:spPr>
+          <a:xfrm>
+            <a:off x="1194319" y="1082351"/>
+            <a:ext cx="8444204" cy="5349333"/>
+          </a:xfrm>
+          <a:prstGeom prst="rect">
+            <a:avLst/>
+          </a:prstGeom>
+        </p:spPr>
+      </p:pic>
+    </p:spTree>
+    <p:extLst>
+      <p:ext uri="{BB962C8B-B14F-4D97-AF65-F5344CB8AC3E}">
+        <p14:creationId xmlns:p14="http://schemas.microsoft.com/office/powerpoint/2010/main" val="1896939268"/>
+      </p:ext>
+    </p:extLst>
+  </p:cSld>
+  <p:clrMapOvr>
+    <a:masterClrMapping/>
+  </p:clrMapOvr>
+</p:sld>
+</file>
+
+<file path=ppt/slides/slide8.xml><?xml version="1.0" encoding="utf-8"?>
+<p:sld xmlns:a="http://schemas.openxmlformats.org/drawingml/2006/main" xmlns:r="http://schemas.openxmlformats.org/officeDocument/2006/relationships" xmlns:p="http://schemas.openxmlformats.org/presentationml/2006/main">
+  <p:cSld>
+    <p:spTree>
+      <p:nvGrpSpPr>
+        <p:cNvPr id="1" name=""/>
+        <p:cNvGrpSpPr/>
+        <p:nvPr/>
+      </p:nvGrpSpPr>
+      <p:grpSpPr>
+        <a:xfrm>
+          <a:off x="0" y="0"/>
+          <a:ext cx="0" cy="0"/>
+          <a:chOff x="0" y="0"/>
+          <a:chExt cx="0" cy="0"/>
+        </a:xfrm>
+      </p:grpSpPr>
+      <p:pic>
+        <p:nvPicPr>
+          <p:cNvPr id="2" name="Picture 1"/>
+          <p:cNvPicPr>
+            <a:picLocks noChangeAspect="1"/>
+          </p:cNvPicPr>
+          <p:nvPr/>
+        </p:nvPicPr>
+        <p:blipFill>
+          <a:blip r:embed="rId2"/>
+          <a:stretch>
+            <a:fillRect/>
+          </a:stretch>
+        </p:blipFill>
+        <p:spPr>
+          <a:xfrm>
+            <a:off x="1352937" y="2193469"/>
+            <a:ext cx="6400801" cy="2985021"/>
+          </a:xfrm>
+          <a:prstGeom prst="rect">
+            <a:avLst/>
+          </a:prstGeom>
+        </p:spPr>
+      </p:pic>
+      <p:sp>
+        <p:nvSpPr>
+          <p:cNvPr id="3" name="TextBox 2"/>
+          <p:cNvSpPr txBox="1"/>
+          <p:nvPr/>
+        </p:nvSpPr>
+        <p:spPr>
+          <a:xfrm>
+            <a:off x="1352938" y="1175657"/>
+            <a:ext cx="5150498" cy="400110"/>
+          </a:xfrm>
+          <a:prstGeom prst="rect">
+            <a:avLst/>
+          </a:prstGeom>
+          <a:noFill/>
+        </p:spPr>
+        <p:txBody>
+          <a:bodyPr wrap="square" rtlCol="0">
+            <a:spAutoFit/>
+          </a:bodyPr>
+          <a:lstStyle/>
+          <a:p>
+            <a:r>
+              <a:rPr lang="en-IN" sz="2000" dirty="0" smtClean="0">
+                <a:latin typeface="Arial Black" panose="020B0A04020102020204" pitchFamily="34" charset="0"/>
+              </a:rPr>
+              <a:t>Patient Table</a:t>
+            </a:r>
+            <a:endParaRPr lang="en-IN" sz="2000" dirty="0">
+              <a:latin typeface="Arial Black" panose="020B0A04020102020204" pitchFamily="34" charset="0"/>
+            </a:endParaRPr>
+          </a:p>
+        </p:txBody>
+      </p:sp>
+    </p:spTree>
+    <p:extLst>
+      <p:ext uri="{BB962C8B-B14F-4D97-AF65-F5344CB8AC3E}">
+        <p14:creationId xmlns:p14="http://schemas.microsoft.com/office/powerpoint/2010/main" val="1716371986"/>
+      </p:ext>
+    </p:extLst>
+  </p:cSld>
+  <p:clrMapOvr>
+    <a:masterClrMapping/>
+  </p:clrMapOvr>
+</p:sld>
+</file>
+
+<file path=ppt/slides/slide9.xml><?xml version="1.0" encoding="utf-8"?>
+<p:sld xmlns:a="http://schemas.openxmlformats.org/drawingml/2006/main" xmlns:r="http://schemas.openxmlformats.org/officeDocument/2006/relationships" xmlns:p="http://schemas.openxmlformats.org/presentationml/2006/main">
+  <p:cSld>
+    <p:spTree>
+      <p:nvGrpSpPr>
+        <p:cNvPr id="1" name=""/>
+        <p:cNvGrpSpPr/>
+        <p:nvPr/>
+      </p:nvGrpSpPr>
+      <p:grpSpPr>
+        <a:xfrm>
+          <a:off x="0" y="0"/>
+          <a:ext cx="0" cy="0"/>
+          <a:chOff x="0" y="0"/>
+          <a:chExt cx="0" cy="0"/>
+        </a:xfrm>
+      </p:grpSpPr>
+      <p:pic>
+        <p:nvPicPr>
+          <p:cNvPr id="2" name="Picture 1"/>
+          <p:cNvPicPr>
+            <a:picLocks noChangeAspect="1"/>
+          </p:cNvPicPr>
+          <p:nvPr/>
+        </p:nvPicPr>
+        <p:blipFill>
+          <a:blip r:embed="rId2"/>
+          <a:stretch>
+            <a:fillRect/>
+          </a:stretch>
+        </p:blipFill>
+        <p:spPr>
+          <a:xfrm>
+            <a:off x="1710307" y="2335475"/>
+            <a:ext cx="6192722" cy="2805691"/>
+          </a:xfrm>
+          <a:prstGeom prst="rect">
+            <a:avLst/>
+          </a:prstGeom>
+        </p:spPr>
+      </p:pic>
+      <p:sp>
+        <p:nvSpPr>
+          <p:cNvPr id="3" name="TextBox 2"/>
+          <p:cNvSpPr txBox="1"/>
+          <p:nvPr/>
+        </p:nvSpPr>
+        <p:spPr>
+          <a:xfrm>
+            <a:off x="1710307" y="1222311"/>
+            <a:ext cx="5187820" cy="400110"/>
+          </a:xfrm>
+          <a:prstGeom prst="rect">
+            <a:avLst/>
+          </a:prstGeom>
+          <a:noFill/>
+        </p:spPr>
+        <p:txBody>
+          <a:bodyPr wrap="square" rtlCol="0">
+            <a:spAutoFit/>
+          </a:bodyPr>
+          <a:lstStyle/>
+          <a:p>
+            <a:r>
+              <a:rPr lang="en-IN" sz="2000" dirty="0" smtClean="0">
+                <a:latin typeface="Arial Black" panose="020B0A04020102020204" pitchFamily="34" charset="0"/>
+              </a:rPr>
+              <a:t>Department Table</a:t>
+            </a:r>
+            <a:endParaRPr lang="en-IN" sz="2000" dirty="0">
+              <a:latin typeface="Arial Black" panose="020B0A04020102020204" pitchFamily="34" charset="0"/>
+            </a:endParaRPr>
+          </a:p>
+        </p:txBody>
+      </p:sp>
+    </p:spTree>
+    <p:extLst>
+      <p:ext uri="{BB962C8B-B14F-4D97-AF65-F5344CB8AC3E}">
+        <p14:creationId xmlns:p14="http://schemas.microsoft.com/office/powerpoint/2010/main" val="215446058"/>
+      </p:ext>
+    </p:extLst>
+  </p:cSld>
+  <p:clrMapOvr>
+    <a:masterClrMapping/>
+  </p:clrMapOvr>
 </p:sld>
 </file>
 

--- a/4_sql/project''/hospital_management.pptx
+++ b/4_sql/project''/hospital_management.pptx
@@ -22,6 +22,28 @@
     <p:sldId id="272" r:id="rId16"/>
     <p:sldId id="273" r:id="rId17"/>
     <p:sldId id="274" r:id="rId18"/>
+    <p:sldId id="275" r:id="rId19"/>
+    <p:sldId id="276" r:id="rId20"/>
+    <p:sldId id="277" r:id="rId21"/>
+    <p:sldId id="278" r:id="rId22"/>
+    <p:sldId id="279" r:id="rId23"/>
+    <p:sldId id="280" r:id="rId24"/>
+    <p:sldId id="281" r:id="rId25"/>
+    <p:sldId id="282" r:id="rId26"/>
+    <p:sldId id="283" r:id="rId27"/>
+    <p:sldId id="286" r:id="rId28"/>
+    <p:sldId id="284" r:id="rId29"/>
+    <p:sldId id="287" r:id="rId30"/>
+    <p:sldId id="288" r:id="rId31"/>
+    <p:sldId id="289" r:id="rId32"/>
+    <p:sldId id="291" r:id="rId33"/>
+    <p:sldId id="290" r:id="rId34"/>
+    <p:sldId id="292" r:id="rId35"/>
+    <p:sldId id="293" r:id="rId36"/>
+    <p:sldId id="285" r:id="rId37"/>
+    <p:sldId id="294" r:id="rId38"/>
+    <p:sldId id="295" r:id="rId39"/>
+    <p:sldId id="296" r:id="rId40"/>
   </p:sldIdLst>
   <p:sldSz cx="12192000" cy="6858000"/>
   <p:notesSz cx="6858000" cy="9144000"/>
@@ -128,6 +150,18 @@
 </p:presentation>
 </file>
 
+<file path=ppt/commentAuthors.xml><?xml version="1.0" encoding="utf-8"?>
+<p:cmAuthorLst xmlns:a="http://schemas.openxmlformats.org/drawingml/2006/main" xmlns:r="http://schemas.openxmlformats.org/officeDocument/2006/relationships" xmlns:p="http://schemas.openxmlformats.org/presentationml/2006/main">
+  <p:cmAuthor id="1" name="HP" initials="H" lastIdx="1" clrIdx="0">
+    <p:extLst>
+      <p:ext uri="{19B8F6BF-5375-455C-9EA6-DF929625EA0E}">
+        <p15:presenceInfo xmlns:p15="http://schemas.microsoft.com/office/powerpoint/2012/main" userId="cfe47a4cf0bee9fa" providerId="Windows Live"/>
+      </p:ext>
+    </p:extLst>
+  </p:cmAuthor>
+</p:cmAuthorLst>
+</file>
+
 <file path=ppt/slideLayouts/slideLayout1.xml><?xml version="1.0" encoding="utf-8"?>
 <p:sldLayout xmlns:a="http://schemas.openxmlformats.org/drawingml/2006/main" xmlns:r="http://schemas.openxmlformats.org/officeDocument/2006/relationships" xmlns:p="http://schemas.openxmlformats.org/presentationml/2006/main" type="title" preserve="1">
   <p:cSld name="Title Slide">
@@ -259,7 +293,7 @@
           <a:p>
             <a:fld id="{82B865A7-C0DA-4AB5-ACAE-01B1232FB320}" type="datetimeFigureOut">
               <a:rPr lang="en-IN" smtClean="0"/>
-              <a:t>07-01-2025</a:t>
+              <a:t>08-01-2025</a:t>
             </a:fld>
             <a:endParaRPr lang="en-IN"/>
           </a:p>
@@ -429,7 +463,7 @@
           <a:p>
             <a:fld id="{82B865A7-C0DA-4AB5-ACAE-01B1232FB320}" type="datetimeFigureOut">
               <a:rPr lang="en-IN" smtClean="0"/>
-              <a:t>07-01-2025</a:t>
+              <a:t>08-01-2025</a:t>
             </a:fld>
             <a:endParaRPr lang="en-IN"/>
           </a:p>
@@ -609,7 +643,7 @@
           <a:p>
             <a:fld id="{82B865A7-C0DA-4AB5-ACAE-01B1232FB320}" type="datetimeFigureOut">
               <a:rPr lang="en-IN" smtClean="0"/>
-              <a:t>07-01-2025</a:t>
+              <a:t>08-01-2025</a:t>
             </a:fld>
             <a:endParaRPr lang="en-IN"/>
           </a:p>
@@ -779,7 +813,7 @@
           <a:p>
             <a:fld id="{82B865A7-C0DA-4AB5-ACAE-01B1232FB320}" type="datetimeFigureOut">
               <a:rPr lang="en-IN" smtClean="0"/>
-              <a:t>07-01-2025</a:t>
+              <a:t>08-01-2025</a:t>
             </a:fld>
             <a:endParaRPr lang="en-IN"/>
           </a:p>
@@ -1025,7 +1059,7 @@
           <a:p>
             <a:fld id="{82B865A7-C0DA-4AB5-ACAE-01B1232FB320}" type="datetimeFigureOut">
               <a:rPr lang="en-IN" smtClean="0"/>
-              <a:t>07-01-2025</a:t>
+              <a:t>08-01-2025</a:t>
             </a:fld>
             <a:endParaRPr lang="en-IN"/>
           </a:p>
@@ -1257,7 +1291,7 @@
           <a:p>
             <a:fld id="{82B865A7-C0DA-4AB5-ACAE-01B1232FB320}" type="datetimeFigureOut">
               <a:rPr lang="en-IN" smtClean="0"/>
-              <a:t>07-01-2025</a:t>
+              <a:t>08-01-2025</a:t>
             </a:fld>
             <a:endParaRPr lang="en-IN"/>
           </a:p>
@@ -1624,7 +1658,7 @@
           <a:p>
             <a:fld id="{82B865A7-C0DA-4AB5-ACAE-01B1232FB320}" type="datetimeFigureOut">
               <a:rPr lang="en-IN" smtClean="0"/>
-              <a:t>07-01-2025</a:t>
+              <a:t>08-01-2025</a:t>
             </a:fld>
             <a:endParaRPr lang="en-IN"/>
           </a:p>
@@ -1742,7 +1776,7 @@
           <a:p>
             <a:fld id="{82B865A7-C0DA-4AB5-ACAE-01B1232FB320}" type="datetimeFigureOut">
               <a:rPr lang="en-IN" smtClean="0"/>
-              <a:t>07-01-2025</a:t>
+              <a:t>08-01-2025</a:t>
             </a:fld>
             <a:endParaRPr lang="en-IN"/>
           </a:p>
@@ -1837,7 +1871,7 @@
           <a:p>
             <a:fld id="{82B865A7-C0DA-4AB5-ACAE-01B1232FB320}" type="datetimeFigureOut">
               <a:rPr lang="en-IN" smtClean="0"/>
-              <a:t>07-01-2025</a:t>
+              <a:t>08-01-2025</a:t>
             </a:fld>
             <a:endParaRPr lang="en-IN"/>
           </a:p>
@@ -2121,7 +2155,7 @@
           <a:p>
             <a:fld id="{82B865A7-C0DA-4AB5-ACAE-01B1232FB320}" type="datetimeFigureOut">
               <a:rPr lang="en-IN" smtClean="0"/>
-              <a:t>07-01-2025</a:t>
+              <a:t>08-01-2025</a:t>
             </a:fld>
             <a:endParaRPr lang="en-IN"/>
           </a:p>
@@ -2374,7 +2408,7 @@
           <a:p>
             <a:fld id="{82B865A7-C0DA-4AB5-ACAE-01B1232FB320}" type="datetimeFigureOut">
               <a:rPr lang="en-IN" smtClean="0"/>
-              <a:t>07-01-2025</a:t>
+              <a:t>08-01-2025</a:t>
             </a:fld>
             <a:endParaRPr lang="en-IN"/>
           </a:p>
@@ -2597,7 +2631,7 @@
           <a:p>
             <a:fld id="{82B865A7-C0DA-4AB5-ACAE-01B1232FB320}" type="datetimeFigureOut">
               <a:rPr lang="en-IN" smtClean="0"/>
-              <a:t>07-01-2025</a:t>
+              <a:t>08-01-2025</a:t>
             </a:fld>
             <a:endParaRPr lang="en-IN"/>
           </a:p>
@@ -3115,13 +3149,18 @@
         </p:nvSpPr>
         <p:spPr>
           <a:xfrm>
-            <a:off x="1371600" y="391886"/>
+            <a:off x="1502164" y="577980"/>
             <a:ext cx="5505061" cy="400110"/>
           </a:xfrm>
           <a:prstGeom prst="rect">
             <a:avLst/>
           </a:prstGeom>
           <a:noFill/>
+          <a:ln>
+            <a:solidFill>
+              <a:schemeClr val="tx1"/>
+            </a:solidFill>
+          </a:ln>
         </p:spPr>
         <p:txBody>
           <a:bodyPr wrap="square" rtlCol="0">
@@ -3234,6 +3273,11 @@
             <a:avLst/>
           </a:prstGeom>
           <a:noFill/>
+          <a:ln>
+            <a:solidFill>
+              <a:schemeClr val="tx1"/>
+            </a:solidFill>
+          </a:ln>
         </p:spPr>
         <p:txBody>
           <a:bodyPr wrap="square" rtlCol="0">
@@ -3322,6 +3366,11 @@
             <a:avLst/>
           </a:prstGeom>
           <a:noFill/>
+          <a:ln>
+            <a:solidFill>
+              <a:schemeClr val="tx1"/>
+            </a:solidFill>
+          </a:ln>
         </p:spPr>
         <p:txBody>
           <a:bodyPr wrap="square" rtlCol="0">
@@ -3445,6 +3494,11 @@
             <a:avLst/>
           </a:prstGeom>
           <a:noFill/>
+          <a:ln>
+            <a:solidFill>
+              <a:schemeClr val="tx1"/>
+            </a:solidFill>
+          </a:ln>
         </p:spPr>
         <p:txBody>
           <a:bodyPr wrap="square" rtlCol="0">
@@ -3533,6 +3587,11 @@
             <a:avLst/>
           </a:prstGeom>
           <a:noFill/>
+          <a:ln>
+            <a:solidFill>
+              <a:schemeClr val="tx1"/>
+            </a:solidFill>
+          </a:ln>
         </p:spPr>
         <p:txBody>
           <a:bodyPr wrap="square" rtlCol="0">
@@ -3667,6 +3726,11 @@
             <a:avLst/>
           </a:prstGeom>
           <a:noFill/>
+          <a:ln>
+            <a:solidFill>
+              <a:schemeClr val="tx1"/>
+            </a:solidFill>
+          </a:ln>
         </p:spPr>
         <p:txBody>
           <a:bodyPr wrap="square" rtlCol="0">
@@ -3756,7 +3820,7 @@
         </p:nvSpPr>
         <p:spPr>
           <a:xfrm>
-            <a:off x="774440" y="233265"/>
+            <a:off x="783771" y="270589"/>
             <a:ext cx="10291666" cy="400110"/>
           </a:xfrm>
           <a:prstGeom prst="rect">
@@ -3828,6 +3892,11 @@
             <a:avLst/>
           </a:prstGeom>
           <a:noFill/>
+          <a:ln>
+            <a:solidFill>
+              <a:schemeClr val="tx1"/>
+            </a:solidFill>
+          </a:ln>
         </p:spPr>
         <p:txBody>
           <a:bodyPr wrap="square" rtlCol="0">
@@ -3951,6 +4020,11 @@
             <a:avLst/>
           </a:prstGeom>
           <a:noFill/>
+          <a:ln>
+            <a:solidFill>
+              <a:schemeClr val="tx1"/>
+            </a:solidFill>
+          </a:ln>
         </p:spPr>
         <p:txBody>
           <a:bodyPr wrap="square" rtlCol="0">
@@ -3974,6 +4048,262 @@
     <p:extLst>
       <p:ext uri="{BB962C8B-B14F-4D97-AF65-F5344CB8AC3E}">
         <p14:creationId xmlns:p14="http://schemas.microsoft.com/office/powerpoint/2010/main" val="2560017994"/>
+      </p:ext>
+    </p:extLst>
+  </p:cSld>
+  <p:clrMapOvr>
+    <a:masterClrMapping/>
+  </p:clrMapOvr>
+</p:sld>
+</file>
+
+<file path=ppt/slides/slide18.xml><?xml version="1.0" encoding="utf-8"?>
+<p:sld xmlns:a="http://schemas.openxmlformats.org/drawingml/2006/main" xmlns:r="http://schemas.openxmlformats.org/officeDocument/2006/relationships" xmlns:p="http://schemas.openxmlformats.org/presentationml/2006/main">
+  <p:cSld>
+    <p:spTree>
+      <p:nvGrpSpPr>
+        <p:cNvPr id="1" name=""/>
+        <p:cNvGrpSpPr/>
+        <p:nvPr/>
+      </p:nvGrpSpPr>
+      <p:grpSpPr>
+        <a:xfrm>
+          <a:off x="0" y="0"/>
+          <a:ext cx="0" cy="0"/>
+          <a:chOff x="0" y="0"/>
+          <a:chExt cx="0" cy="0"/>
+        </a:xfrm>
+      </p:grpSpPr>
+      <p:sp>
+        <p:nvSpPr>
+          <p:cNvPr id="2" name="TextBox 1"/>
+          <p:cNvSpPr txBox="1"/>
+          <p:nvPr/>
+        </p:nvSpPr>
+        <p:spPr>
+          <a:xfrm>
+            <a:off x="774440" y="233265"/>
+            <a:ext cx="10291666" cy="430887"/>
+          </a:xfrm>
+          <a:prstGeom prst="rect">
+            <a:avLst/>
+          </a:prstGeom>
+          <a:noFill/>
+        </p:spPr>
+        <p:txBody>
+          <a:bodyPr wrap="square" rtlCol="0">
+            <a:spAutoFit/>
+          </a:bodyPr>
+          <a:lstStyle/>
+          <a:p>
+            <a:pPr algn="ctr"/>
+            <a:r>
+              <a:rPr lang="en-IN" sz="2200" dirty="0" smtClean="0">
+                <a:latin typeface="Arial Black" panose="020B0A04020102020204" pitchFamily="34" charset="0"/>
+              </a:rPr>
+              <a:t>Content Of Tables</a:t>
+            </a:r>
+            <a:endParaRPr lang="en-IN" sz="2200" dirty="0">
+              <a:latin typeface="Arial Black" panose="020B0A04020102020204" pitchFamily="34" charset="0"/>
+            </a:endParaRPr>
+          </a:p>
+        </p:txBody>
+      </p:sp>
+      <p:sp>
+        <p:nvSpPr>
+          <p:cNvPr id="3" name="TextBox 2"/>
+          <p:cNvSpPr txBox="1"/>
+          <p:nvPr/>
+        </p:nvSpPr>
+        <p:spPr>
+          <a:xfrm>
+            <a:off x="1101013" y="1091682"/>
+            <a:ext cx="6270171" cy="400110"/>
+          </a:xfrm>
+          <a:prstGeom prst="rect">
+            <a:avLst/>
+          </a:prstGeom>
+          <a:noFill/>
+          <a:ln>
+            <a:solidFill>
+              <a:schemeClr val="tx1"/>
+            </a:solidFill>
+          </a:ln>
+        </p:spPr>
+        <p:txBody>
+          <a:bodyPr wrap="square" rtlCol="0">
+            <a:spAutoFit/>
+          </a:bodyPr>
+          <a:lstStyle/>
+          <a:p>
+            <a:r>
+              <a:rPr lang="en-IN" sz="2000" dirty="0" smtClean="0">
+                <a:latin typeface="Arial Black" panose="020B0A04020102020204" pitchFamily="34" charset="0"/>
+              </a:rPr>
+              <a:t>Patient Table: (SELECT * FROM patients;)</a:t>
+            </a:r>
+            <a:endParaRPr lang="en-IN" sz="2000" dirty="0">
+              <a:latin typeface="Arial Black" panose="020B0A04020102020204" pitchFamily="34" charset="0"/>
+            </a:endParaRPr>
+          </a:p>
+        </p:txBody>
+      </p:sp>
+      <p:pic>
+        <p:nvPicPr>
+          <p:cNvPr id="4" name="Picture 3"/>
+          <p:cNvPicPr>
+            <a:picLocks noChangeAspect="1"/>
+          </p:cNvPicPr>
+          <p:nvPr/>
+        </p:nvPicPr>
+        <p:blipFill>
+          <a:blip r:embed="rId2"/>
+          <a:stretch>
+            <a:fillRect/>
+          </a:stretch>
+        </p:blipFill>
+        <p:spPr>
+          <a:xfrm>
+            <a:off x="1101013" y="1807355"/>
+            <a:ext cx="6346370" cy="4854702"/>
+          </a:xfrm>
+          <a:prstGeom prst="rect">
+            <a:avLst/>
+          </a:prstGeom>
+        </p:spPr>
+      </p:pic>
+    </p:spTree>
+    <p:extLst>
+      <p:ext uri="{BB962C8B-B14F-4D97-AF65-F5344CB8AC3E}">
+        <p14:creationId xmlns:p14="http://schemas.microsoft.com/office/powerpoint/2010/main" val="491606042"/>
+      </p:ext>
+    </p:extLst>
+  </p:cSld>
+  <p:clrMapOvr>
+    <a:masterClrMapping/>
+  </p:clrMapOvr>
+</p:sld>
+</file>
+
+<file path=ppt/slides/slide19.xml><?xml version="1.0" encoding="utf-8"?>
+<p:sld xmlns:a="http://schemas.openxmlformats.org/drawingml/2006/main" xmlns:r="http://schemas.openxmlformats.org/officeDocument/2006/relationships" xmlns:p="http://schemas.openxmlformats.org/presentationml/2006/main">
+  <p:cSld>
+    <p:spTree>
+      <p:nvGrpSpPr>
+        <p:cNvPr id="1" name=""/>
+        <p:cNvGrpSpPr/>
+        <p:nvPr/>
+      </p:nvGrpSpPr>
+      <p:grpSpPr>
+        <a:xfrm>
+          <a:off x="0" y="0"/>
+          <a:ext cx="0" cy="0"/>
+          <a:chOff x="0" y="0"/>
+          <a:chExt cx="0" cy="0"/>
+        </a:xfrm>
+      </p:grpSpPr>
+      <p:sp>
+        <p:nvSpPr>
+          <p:cNvPr id="2" name="TextBox 1"/>
+          <p:cNvSpPr txBox="1"/>
+          <p:nvPr/>
+        </p:nvSpPr>
+        <p:spPr>
+          <a:xfrm>
+            <a:off x="774440" y="233265"/>
+            <a:ext cx="10291666" cy="430887"/>
+          </a:xfrm>
+          <a:prstGeom prst="rect">
+            <a:avLst/>
+          </a:prstGeom>
+          <a:noFill/>
+        </p:spPr>
+        <p:txBody>
+          <a:bodyPr wrap="square" rtlCol="0">
+            <a:spAutoFit/>
+          </a:bodyPr>
+          <a:lstStyle/>
+          <a:p>
+            <a:pPr algn="ctr"/>
+            <a:r>
+              <a:rPr lang="en-IN" sz="2200" dirty="0" smtClean="0">
+                <a:latin typeface="Arial Black" panose="020B0A04020102020204" pitchFamily="34" charset="0"/>
+              </a:rPr>
+              <a:t>Content Of Tables</a:t>
+            </a:r>
+            <a:endParaRPr lang="en-IN" sz="2200" dirty="0">
+              <a:latin typeface="Arial Black" panose="020B0A04020102020204" pitchFamily="34" charset="0"/>
+            </a:endParaRPr>
+          </a:p>
+        </p:txBody>
+      </p:sp>
+      <p:sp>
+        <p:nvSpPr>
+          <p:cNvPr id="4" name="TextBox 3"/>
+          <p:cNvSpPr txBox="1"/>
+          <p:nvPr/>
+        </p:nvSpPr>
+        <p:spPr>
+          <a:xfrm>
+            <a:off x="1408923" y="1183604"/>
+            <a:ext cx="7809722" cy="400110"/>
+          </a:xfrm>
+          <a:prstGeom prst="rect">
+            <a:avLst/>
+          </a:prstGeom>
+          <a:noFill/>
+          <a:ln>
+            <a:solidFill>
+              <a:schemeClr val="tx1"/>
+            </a:solidFill>
+          </a:ln>
+        </p:spPr>
+        <p:txBody>
+          <a:bodyPr wrap="square" rtlCol="0">
+            <a:spAutoFit/>
+          </a:bodyPr>
+          <a:lstStyle/>
+          <a:p>
+            <a:r>
+              <a:rPr lang="en-IN" sz="2000" dirty="0" smtClean="0">
+                <a:latin typeface="Arial Black" panose="020B0A04020102020204" pitchFamily="34" charset="0"/>
+              </a:rPr>
+              <a:t>Department Table: (SELECT * FROM department;)</a:t>
+            </a:r>
+            <a:endParaRPr lang="en-IN" sz="2000" dirty="0">
+              <a:latin typeface="Arial Black" panose="020B0A04020102020204" pitchFamily="34" charset="0"/>
+            </a:endParaRPr>
+          </a:p>
+        </p:txBody>
+      </p:sp>
+      <p:pic>
+        <p:nvPicPr>
+          <p:cNvPr id="5" name="Picture 4"/>
+          <p:cNvPicPr>
+            <a:picLocks noChangeAspect="1"/>
+          </p:cNvPicPr>
+          <p:nvPr/>
+        </p:nvPicPr>
+        <p:blipFill>
+          <a:blip r:embed="rId2"/>
+          <a:stretch>
+            <a:fillRect/>
+          </a:stretch>
+        </p:blipFill>
+        <p:spPr>
+          <a:xfrm>
+            <a:off x="1408923" y="2512608"/>
+            <a:ext cx="5234473" cy="1864862"/>
+          </a:xfrm>
+          <a:prstGeom prst="rect">
+            <a:avLst/>
+          </a:prstGeom>
+        </p:spPr>
+      </p:pic>
+    </p:spTree>
+    <p:extLst>
+      <p:ext uri="{BB962C8B-B14F-4D97-AF65-F5344CB8AC3E}">
+        <p14:creationId xmlns:p14="http://schemas.microsoft.com/office/powerpoint/2010/main" val="982233013"/>
       </p:ext>
     </p:extLst>
   </p:cSld>
@@ -4039,12 +4369,17 @@
         <p:spPr>
           <a:xfrm>
             <a:off x="194554" y="5226784"/>
-            <a:ext cx="8297693" cy="1631216"/>
+            <a:ext cx="4610711" cy="1631216"/>
           </a:xfrm>
           <a:prstGeom prst="rect">
             <a:avLst/>
           </a:prstGeom>
           <a:noFill/>
+          <a:ln>
+            <a:solidFill>
+              <a:schemeClr val="tx1"/>
+            </a:solidFill>
+          </a:ln>
         </p:spPr>
         <p:txBody>
           <a:bodyPr wrap="square" rtlCol="0">
@@ -4146,6 +4481,1604 @@
       </p:par>
     </p:tnLst>
   </p:timing>
+</p:sld>
+</file>
+
+<file path=ppt/slides/slide20.xml><?xml version="1.0" encoding="utf-8"?>
+<p:sld xmlns:a="http://schemas.openxmlformats.org/drawingml/2006/main" xmlns:r="http://schemas.openxmlformats.org/officeDocument/2006/relationships" xmlns:p="http://schemas.openxmlformats.org/presentationml/2006/main">
+  <p:cSld>
+    <p:spTree>
+      <p:nvGrpSpPr>
+        <p:cNvPr id="1" name=""/>
+        <p:cNvGrpSpPr/>
+        <p:nvPr/>
+      </p:nvGrpSpPr>
+      <p:grpSpPr>
+        <a:xfrm>
+          <a:off x="0" y="0"/>
+          <a:ext cx="0" cy="0"/>
+          <a:chOff x="0" y="0"/>
+          <a:chExt cx="0" cy="0"/>
+        </a:xfrm>
+      </p:grpSpPr>
+      <p:sp>
+        <p:nvSpPr>
+          <p:cNvPr id="2" name="TextBox 1"/>
+          <p:cNvSpPr txBox="1"/>
+          <p:nvPr/>
+        </p:nvSpPr>
+        <p:spPr>
+          <a:xfrm>
+            <a:off x="774440" y="233265"/>
+            <a:ext cx="10291666" cy="430887"/>
+          </a:xfrm>
+          <a:prstGeom prst="rect">
+            <a:avLst/>
+          </a:prstGeom>
+          <a:noFill/>
+        </p:spPr>
+        <p:txBody>
+          <a:bodyPr wrap="square" rtlCol="0">
+            <a:spAutoFit/>
+          </a:bodyPr>
+          <a:lstStyle/>
+          <a:p>
+            <a:pPr algn="ctr"/>
+            <a:r>
+              <a:rPr lang="en-IN" sz="2200" dirty="0" smtClean="0">
+                <a:latin typeface="Arial Black" panose="020B0A04020102020204" pitchFamily="34" charset="0"/>
+              </a:rPr>
+              <a:t>Content Of Tables</a:t>
+            </a:r>
+            <a:endParaRPr lang="en-IN" sz="2200" dirty="0">
+              <a:latin typeface="Arial Black" panose="020B0A04020102020204" pitchFamily="34" charset="0"/>
+            </a:endParaRPr>
+          </a:p>
+        </p:txBody>
+      </p:sp>
+      <p:sp>
+        <p:nvSpPr>
+          <p:cNvPr id="3" name="TextBox 2"/>
+          <p:cNvSpPr txBox="1"/>
+          <p:nvPr/>
+        </p:nvSpPr>
+        <p:spPr>
+          <a:xfrm>
+            <a:off x="1222310" y="1259632"/>
+            <a:ext cx="5906278" cy="707886"/>
+          </a:xfrm>
+          <a:prstGeom prst="rect">
+            <a:avLst/>
+          </a:prstGeom>
+          <a:noFill/>
+          <a:ln>
+            <a:solidFill>
+              <a:schemeClr val="tx1"/>
+            </a:solidFill>
+          </a:ln>
+        </p:spPr>
+        <p:txBody>
+          <a:bodyPr wrap="square" rtlCol="0">
+            <a:spAutoFit/>
+          </a:bodyPr>
+          <a:lstStyle/>
+          <a:p>
+            <a:r>
+              <a:rPr lang="en-IN" sz="2000" dirty="0" smtClean="0">
+                <a:latin typeface="Arial Black" panose="020B0A04020102020204" pitchFamily="34" charset="0"/>
+              </a:rPr>
+              <a:t>Doctor Table: (SELECT * FROM dr_name;)</a:t>
+            </a:r>
+          </a:p>
+          <a:p>
+            <a:r>
+              <a:rPr lang="en-IN" sz="2000" dirty="0" smtClean="0">
+                <a:latin typeface="Arial Black" panose="020B0A04020102020204" pitchFamily="34" charset="0"/>
+              </a:rPr>
+              <a:t>(SELECT * FROM dr_contact)</a:t>
+            </a:r>
+            <a:endParaRPr lang="en-IN" sz="2000" dirty="0">
+              <a:latin typeface="Arial Black" panose="020B0A04020102020204" pitchFamily="34" charset="0"/>
+            </a:endParaRPr>
+          </a:p>
+        </p:txBody>
+      </p:sp>
+      <p:pic>
+        <p:nvPicPr>
+          <p:cNvPr id="4" name="Picture 3"/>
+          <p:cNvPicPr>
+            <a:picLocks noChangeAspect="1"/>
+          </p:cNvPicPr>
+          <p:nvPr/>
+        </p:nvPicPr>
+        <p:blipFill>
+          <a:blip r:embed="rId2"/>
+          <a:stretch>
+            <a:fillRect/>
+          </a:stretch>
+        </p:blipFill>
+        <p:spPr>
+          <a:xfrm>
+            <a:off x="1222310" y="4649951"/>
+            <a:ext cx="4236098" cy="1673704"/>
+          </a:xfrm>
+          <a:prstGeom prst="rect">
+            <a:avLst/>
+          </a:prstGeom>
+        </p:spPr>
+      </p:pic>
+      <p:pic>
+        <p:nvPicPr>
+          <p:cNvPr id="5" name="Picture 4"/>
+          <p:cNvPicPr>
+            <a:picLocks noChangeAspect="1"/>
+          </p:cNvPicPr>
+          <p:nvPr/>
+        </p:nvPicPr>
+        <p:blipFill>
+          <a:blip r:embed="rId3">
+            <a:extLst>
+              <a:ext uri="{28A0092B-C50C-407E-A947-70E740481C1C}">
+                <a14:useLocalDpi xmlns:a14="http://schemas.microsoft.com/office/drawing/2010/main" val="0"/>
+              </a:ext>
+            </a:extLst>
+          </a:blip>
+          <a:stretch>
+            <a:fillRect/>
+          </a:stretch>
+        </p:blipFill>
+        <p:spPr>
+          <a:xfrm>
+            <a:off x="1222310" y="2529950"/>
+            <a:ext cx="4236098" cy="1719357"/>
+          </a:xfrm>
+          <a:prstGeom prst="rect">
+            <a:avLst/>
+          </a:prstGeom>
+        </p:spPr>
+      </p:pic>
+    </p:spTree>
+    <p:extLst>
+      <p:ext uri="{BB962C8B-B14F-4D97-AF65-F5344CB8AC3E}">
+        <p14:creationId xmlns:p14="http://schemas.microsoft.com/office/powerpoint/2010/main" val="3927113210"/>
+      </p:ext>
+    </p:extLst>
+  </p:cSld>
+  <p:clrMapOvr>
+    <a:masterClrMapping/>
+  </p:clrMapOvr>
+</p:sld>
+</file>
+
+<file path=ppt/slides/slide21.xml><?xml version="1.0" encoding="utf-8"?>
+<p:sld xmlns:a="http://schemas.openxmlformats.org/drawingml/2006/main" xmlns:r="http://schemas.openxmlformats.org/officeDocument/2006/relationships" xmlns:p="http://schemas.openxmlformats.org/presentationml/2006/main">
+  <p:cSld>
+    <p:spTree>
+      <p:nvGrpSpPr>
+        <p:cNvPr id="1" name=""/>
+        <p:cNvGrpSpPr/>
+        <p:nvPr/>
+      </p:nvGrpSpPr>
+      <p:grpSpPr>
+        <a:xfrm>
+          <a:off x="0" y="0"/>
+          <a:ext cx="0" cy="0"/>
+          <a:chOff x="0" y="0"/>
+          <a:chExt cx="0" cy="0"/>
+        </a:xfrm>
+      </p:grpSpPr>
+      <p:sp>
+        <p:nvSpPr>
+          <p:cNvPr id="2" name="TextBox 1"/>
+          <p:cNvSpPr txBox="1"/>
+          <p:nvPr/>
+        </p:nvSpPr>
+        <p:spPr>
+          <a:xfrm>
+            <a:off x="774440" y="233265"/>
+            <a:ext cx="10291666" cy="430887"/>
+          </a:xfrm>
+          <a:prstGeom prst="rect">
+            <a:avLst/>
+          </a:prstGeom>
+          <a:noFill/>
+        </p:spPr>
+        <p:txBody>
+          <a:bodyPr wrap="square" rtlCol="0">
+            <a:spAutoFit/>
+          </a:bodyPr>
+          <a:lstStyle/>
+          <a:p>
+            <a:pPr algn="ctr"/>
+            <a:r>
+              <a:rPr lang="en-IN" sz="2200" dirty="0" smtClean="0">
+                <a:latin typeface="Arial Black" panose="020B0A04020102020204" pitchFamily="34" charset="0"/>
+              </a:rPr>
+              <a:t>Content Of Tables</a:t>
+            </a:r>
+            <a:endParaRPr lang="en-IN" sz="2200" dirty="0">
+              <a:latin typeface="Arial Black" panose="020B0A04020102020204" pitchFamily="34" charset="0"/>
+            </a:endParaRPr>
+          </a:p>
+        </p:txBody>
+      </p:sp>
+      <p:pic>
+        <p:nvPicPr>
+          <p:cNvPr id="3" name="Picture 2"/>
+          <p:cNvPicPr>
+            <a:picLocks noChangeAspect="1"/>
+          </p:cNvPicPr>
+          <p:nvPr/>
+        </p:nvPicPr>
+        <p:blipFill>
+          <a:blip r:embed="rId2"/>
+          <a:stretch>
+            <a:fillRect/>
+          </a:stretch>
+        </p:blipFill>
+        <p:spPr>
+          <a:xfrm>
+            <a:off x="1611345" y="2987084"/>
+            <a:ext cx="7663284" cy="2015230"/>
+          </a:xfrm>
+          <a:prstGeom prst="rect">
+            <a:avLst/>
+          </a:prstGeom>
+        </p:spPr>
+      </p:pic>
+      <p:sp>
+        <p:nvSpPr>
+          <p:cNvPr id="4" name="TextBox 3"/>
+          <p:cNvSpPr txBox="1"/>
+          <p:nvPr/>
+        </p:nvSpPr>
+        <p:spPr>
+          <a:xfrm>
+            <a:off x="1611345" y="1625563"/>
+            <a:ext cx="7933871" cy="400110"/>
+          </a:xfrm>
+          <a:prstGeom prst="rect">
+            <a:avLst/>
+          </a:prstGeom>
+          <a:noFill/>
+          <a:ln>
+            <a:solidFill>
+              <a:schemeClr val="tx1"/>
+            </a:solidFill>
+          </a:ln>
+        </p:spPr>
+        <p:txBody>
+          <a:bodyPr wrap="square" rtlCol="0">
+            <a:spAutoFit/>
+          </a:bodyPr>
+          <a:lstStyle/>
+          <a:p>
+            <a:r>
+              <a:rPr lang="en-IN" sz="2000" dirty="0" smtClean="0">
+                <a:latin typeface="Arial Black" panose="020B0A04020102020204" pitchFamily="34" charset="0"/>
+              </a:rPr>
+              <a:t>Appointments Table: (SELECT * FROM appointments)</a:t>
+            </a:r>
+            <a:endParaRPr lang="en-IN" sz="2000" dirty="0">
+              <a:latin typeface="Arial Black" panose="020B0A04020102020204" pitchFamily="34" charset="0"/>
+            </a:endParaRPr>
+          </a:p>
+        </p:txBody>
+      </p:sp>
+    </p:spTree>
+    <p:extLst>
+      <p:ext uri="{BB962C8B-B14F-4D97-AF65-F5344CB8AC3E}">
+        <p14:creationId xmlns:p14="http://schemas.microsoft.com/office/powerpoint/2010/main" val="2085632500"/>
+      </p:ext>
+    </p:extLst>
+  </p:cSld>
+  <p:clrMapOvr>
+    <a:masterClrMapping/>
+  </p:clrMapOvr>
+</p:sld>
+</file>
+
+<file path=ppt/slides/slide22.xml><?xml version="1.0" encoding="utf-8"?>
+<p:sld xmlns:a="http://schemas.openxmlformats.org/drawingml/2006/main" xmlns:r="http://schemas.openxmlformats.org/officeDocument/2006/relationships" xmlns:p="http://schemas.openxmlformats.org/presentationml/2006/main">
+  <p:cSld>
+    <p:spTree>
+      <p:nvGrpSpPr>
+        <p:cNvPr id="1" name=""/>
+        <p:cNvGrpSpPr/>
+        <p:nvPr/>
+      </p:nvGrpSpPr>
+      <p:grpSpPr>
+        <a:xfrm>
+          <a:off x="0" y="0"/>
+          <a:ext cx="0" cy="0"/>
+          <a:chOff x="0" y="0"/>
+          <a:chExt cx="0" cy="0"/>
+        </a:xfrm>
+      </p:grpSpPr>
+      <p:sp>
+        <p:nvSpPr>
+          <p:cNvPr id="2" name="TextBox 1"/>
+          <p:cNvSpPr txBox="1"/>
+          <p:nvPr/>
+        </p:nvSpPr>
+        <p:spPr>
+          <a:xfrm>
+            <a:off x="774440" y="233265"/>
+            <a:ext cx="10291666" cy="430887"/>
+          </a:xfrm>
+          <a:prstGeom prst="rect">
+            <a:avLst/>
+          </a:prstGeom>
+          <a:noFill/>
+        </p:spPr>
+        <p:txBody>
+          <a:bodyPr wrap="square" rtlCol="0">
+            <a:spAutoFit/>
+          </a:bodyPr>
+          <a:lstStyle/>
+          <a:p>
+            <a:pPr algn="ctr"/>
+            <a:r>
+              <a:rPr lang="en-IN" sz="2200" dirty="0" smtClean="0">
+                <a:latin typeface="Arial Black" panose="020B0A04020102020204" pitchFamily="34" charset="0"/>
+              </a:rPr>
+              <a:t>Content Of Tables</a:t>
+            </a:r>
+            <a:endParaRPr lang="en-IN" sz="2200" dirty="0">
+              <a:latin typeface="Arial Black" panose="020B0A04020102020204" pitchFamily="34" charset="0"/>
+            </a:endParaRPr>
+          </a:p>
+        </p:txBody>
+      </p:sp>
+      <p:sp>
+        <p:nvSpPr>
+          <p:cNvPr id="3" name="TextBox 2"/>
+          <p:cNvSpPr txBox="1"/>
+          <p:nvPr/>
+        </p:nvSpPr>
+        <p:spPr>
+          <a:xfrm>
+            <a:off x="1707963" y="1688841"/>
+            <a:ext cx="5514392" cy="400110"/>
+          </a:xfrm>
+          <a:prstGeom prst="rect">
+            <a:avLst/>
+          </a:prstGeom>
+          <a:noFill/>
+          <a:ln>
+            <a:solidFill>
+              <a:schemeClr val="tx1"/>
+            </a:solidFill>
+          </a:ln>
+        </p:spPr>
+        <p:txBody>
+          <a:bodyPr wrap="square" rtlCol="0">
+            <a:spAutoFit/>
+          </a:bodyPr>
+          <a:lstStyle/>
+          <a:p>
+            <a:r>
+              <a:rPr lang="en-IN" sz="2000" dirty="0" smtClean="0">
+                <a:latin typeface="Arial Black" panose="020B0A04020102020204" pitchFamily="34" charset="0"/>
+              </a:rPr>
+              <a:t>Bills Table: (SELECT  * FROM bills)</a:t>
+            </a:r>
+            <a:endParaRPr lang="en-IN" sz="2000" dirty="0">
+              <a:latin typeface="Arial Black" panose="020B0A04020102020204" pitchFamily="34" charset="0"/>
+            </a:endParaRPr>
+          </a:p>
+        </p:txBody>
+      </p:sp>
+      <p:pic>
+        <p:nvPicPr>
+          <p:cNvPr id="4" name="Picture 3"/>
+          <p:cNvPicPr>
+            <a:picLocks noChangeAspect="1"/>
+          </p:cNvPicPr>
+          <p:nvPr/>
+        </p:nvPicPr>
+        <p:blipFill>
+          <a:blip r:embed="rId2"/>
+          <a:stretch>
+            <a:fillRect/>
+          </a:stretch>
+        </p:blipFill>
+        <p:spPr>
+          <a:xfrm>
+            <a:off x="1707963" y="2976465"/>
+            <a:ext cx="5644559" cy="1894114"/>
+          </a:xfrm>
+          <a:prstGeom prst="rect">
+            <a:avLst/>
+          </a:prstGeom>
+        </p:spPr>
+      </p:pic>
+    </p:spTree>
+    <p:extLst>
+      <p:ext uri="{BB962C8B-B14F-4D97-AF65-F5344CB8AC3E}">
+        <p14:creationId xmlns:p14="http://schemas.microsoft.com/office/powerpoint/2010/main" val="1846724025"/>
+      </p:ext>
+    </p:extLst>
+  </p:cSld>
+  <p:clrMapOvr>
+    <a:masterClrMapping/>
+  </p:clrMapOvr>
+</p:sld>
+</file>
+
+<file path=ppt/slides/slide23.xml><?xml version="1.0" encoding="utf-8"?>
+<p:sld xmlns:a="http://schemas.openxmlformats.org/drawingml/2006/main" xmlns:r="http://schemas.openxmlformats.org/officeDocument/2006/relationships" xmlns:p="http://schemas.openxmlformats.org/presentationml/2006/main">
+  <p:cSld>
+    <p:spTree>
+      <p:nvGrpSpPr>
+        <p:cNvPr id="1" name=""/>
+        <p:cNvGrpSpPr/>
+        <p:nvPr/>
+      </p:nvGrpSpPr>
+      <p:grpSpPr>
+        <a:xfrm>
+          <a:off x="0" y="0"/>
+          <a:ext cx="0" cy="0"/>
+          <a:chOff x="0" y="0"/>
+          <a:chExt cx="0" cy="0"/>
+        </a:xfrm>
+      </p:grpSpPr>
+      <p:sp>
+        <p:nvSpPr>
+          <p:cNvPr id="2" name="TextBox 1"/>
+          <p:cNvSpPr txBox="1"/>
+          <p:nvPr/>
+        </p:nvSpPr>
+        <p:spPr>
+          <a:xfrm>
+            <a:off x="774440" y="233265"/>
+            <a:ext cx="10291666" cy="430887"/>
+          </a:xfrm>
+          <a:prstGeom prst="rect">
+            <a:avLst/>
+          </a:prstGeom>
+          <a:noFill/>
+        </p:spPr>
+        <p:txBody>
+          <a:bodyPr wrap="square" rtlCol="0">
+            <a:spAutoFit/>
+          </a:bodyPr>
+          <a:lstStyle/>
+          <a:p>
+            <a:pPr algn="ctr"/>
+            <a:r>
+              <a:rPr lang="en-IN" sz="2200" dirty="0" smtClean="0">
+                <a:latin typeface="Arial Black" panose="020B0A04020102020204" pitchFamily="34" charset="0"/>
+              </a:rPr>
+              <a:t>Queries</a:t>
+            </a:r>
+            <a:endParaRPr lang="en-IN" sz="2200" dirty="0">
+              <a:latin typeface="Arial Black" panose="020B0A04020102020204" pitchFamily="34" charset="0"/>
+            </a:endParaRPr>
+          </a:p>
+        </p:txBody>
+      </p:sp>
+      <p:sp>
+        <p:nvSpPr>
+          <p:cNvPr id="3" name="TextBox 2"/>
+          <p:cNvSpPr txBox="1"/>
+          <p:nvPr/>
+        </p:nvSpPr>
+        <p:spPr>
+          <a:xfrm>
+            <a:off x="1082351" y="1240971"/>
+            <a:ext cx="8005665" cy="400110"/>
+          </a:xfrm>
+          <a:prstGeom prst="rect">
+            <a:avLst/>
+          </a:prstGeom>
+          <a:noFill/>
+          <a:ln>
+            <a:solidFill>
+              <a:schemeClr val="tx1"/>
+            </a:solidFill>
+          </a:ln>
+        </p:spPr>
+        <p:txBody>
+          <a:bodyPr wrap="square" rtlCol="0">
+            <a:spAutoFit/>
+          </a:bodyPr>
+          <a:lstStyle/>
+          <a:p>
+            <a:r>
+              <a:rPr lang="en-IN" sz="2000" dirty="0" smtClean="0">
+                <a:latin typeface="Arial Black" panose="020B0A04020102020204" pitchFamily="34" charset="0"/>
+              </a:rPr>
+              <a:t>SELECT: It is used to retrieve the data from the dataset</a:t>
+            </a:r>
+            <a:endParaRPr lang="en-IN" sz="2000" dirty="0">
+              <a:latin typeface="Arial Black" panose="020B0A04020102020204" pitchFamily="34" charset="0"/>
+            </a:endParaRPr>
+          </a:p>
+        </p:txBody>
+      </p:sp>
+      <p:pic>
+        <p:nvPicPr>
+          <p:cNvPr id="4" name="Picture 3"/>
+          <p:cNvPicPr>
+            <a:picLocks noChangeAspect="1"/>
+          </p:cNvPicPr>
+          <p:nvPr/>
+        </p:nvPicPr>
+        <p:blipFill>
+          <a:blip r:embed="rId2"/>
+          <a:stretch>
+            <a:fillRect/>
+          </a:stretch>
+        </p:blipFill>
+        <p:spPr>
+          <a:xfrm>
+            <a:off x="1082350" y="2217900"/>
+            <a:ext cx="5402425" cy="679412"/>
+          </a:xfrm>
+          <a:prstGeom prst="rect">
+            <a:avLst/>
+          </a:prstGeom>
+        </p:spPr>
+      </p:pic>
+      <p:pic>
+        <p:nvPicPr>
+          <p:cNvPr id="5" name="Picture 4"/>
+          <p:cNvPicPr>
+            <a:picLocks noChangeAspect="1"/>
+          </p:cNvPicPr>
+          <p:nvPr/>
+        </p:nvPicPr>
+        <p:blipFill>
+          <a:blip r:embed="rId3"/>
+          <a:stretch>
+            <a:fillRect/>
+          </a:stretch>
+        </p:blipFill>
+        <p:spPr>
+          <a:xfrm>
+            <a:off x="1082350" y="3474131"/>
+            <a:ext cx="5290458" cy="2164972"/>
+          </a:xfrm>
+          <a:prstGeom prst="rect">
+            <a:avLst/>
+          </a:prstGeom>
+        </p:spPr>
+      </p:pic>
+    </p:spTree>
+    <p:extLst>
+      <p:ext uri="{BB962C8B-B14F-4D97-AF65-F5344CB8AC3E}">
+        <p14:creationId xmlns:p14="http://schemas.microsoft.com/office/powerpoint/2010/main" val="1400290083"/>
+      </p:ext>
+    </p:extLst>
+  </p:cSld>
+  <p:clrMapOvr>
+    <a:masterClrMapping/>
+  </p:clrMapOvr>
+</p:sld>
+</file>
+
+<file path=ppt/slides/slide24.xml><?xml version="1.0" encoding="utf-8"?>
+<p:sld xmlns:a="http://schemas.openxmlformats.org/drawingml/2006/main" xmlns:r="http://schemas.openxmlformats.org/officeDocument/2006/relationships" xmlns:p="http://schemas.openxmlformats.org/presentationml/2006/main">
+  <p:cSld>
+    <p:spTree>
+      <p:nvGrpSpPr>
+        <p:cNvPr id="1" name=""/>
+        <p:cNvGrpSpPr/>
+        <p:nvPr/>
+      </p:nvGrpSpPr>
+      <p:grpSpPr>
+        <a:xfrm>
+          <a:off x="0" y="0"/>
+          <a:ext cx="0" cy="0"/>
+          <a:chOff x="0" y="0"/>
+          <a:chExt cx="0" cy="0"/>
+        </a:xfrm>
+      </p:grpSpPr>
+      <p:sp>
+        <p:nvSpPr>
+          <p:cNvPr id="2" name="TextBox 1"/>
+          <p:cNvSpPr txBox="1"/>
+          <p:nvPr/>
+        </p:nvSpPr>
+        <p:spPr>
+          <a:xfrm>
+            <a:off x="774440" y="233265"/>
+            <a:ext cx="10291666" cy="430887"/>
+          </a:xfrm>
+          <a:prstGeom prst="rect">
+            <a:avLst/>
+          </a:prstGeom>
+          <a:noFill/>
+        </p:spPr>
+        <p:txBody>
+          <a:bodyPr wrap="square" rtlCol="0">
+            <a:spAutoFit/>
+          </a:bodyPr>
+          <a:lstStyle/>
+          <a:p>
+            <a:pPr algn="ctr"/>
+            <a:r>
+              <a:rPr lang="en-IN" sz="2200" dirty="0" smtClean="0">
+                <a:latin typeface="Arial Black" panose="020B0A04020102020204" pitchFamily="34" charset="0"/>
+              </a:rPr>
+              <a:t>Queries</a:t>
+            </a:r>
+            <a:endParaRPr lang="en-IN" sz="2200" dirty="0">
+              <a:latin typeface="Arial Black" panose="020B0A04020102020204" pitchFamily="34" charset="0"/>
+            </a:endParaRPr>
+          </a:p>
+        </p:txBody>
+      </p:sp>
+      <p:sp>
+        <p:nvSpPr>
+          <p:cNvPr id="3" name="TextBox 2"/>
+          <p:cNvSpPr txBox="1"/>
+          <p:nvPr/>
+        </p:nvSpPr>
+        <p:spPr>
+          <a:xfrm>
+            <a:off x="1520890" y="1184988"/>
+            <a:ext cx="8994710" cy="707886"/>
+          </a:xfrm>
+          <a:prstGeom prst="rect">
+            <a:avLst/>
+          </a:prstGeom>
+          <a:noFill/>
+          <a:ln>
+            <a:solidFill>
+              <a:schemeClr val="tx1"/>
+            </a:solidFill>
+          </a:ln>
+        </p:spPr>
+        <p:txBody>
+          <a:bodyPr wrap="square" rtlCol="0">
+            <a:spAutoFit/>
+          </a:bodyPr>
+          <a:lstStyle/>
+          <a:p>
+            <a:r>
+              <a:rPr lang="en-IN" sz="2000" dirty="0" smtClean="0">
+                <a:latin typeface="Arial Black" panose="020B0A04020102020204" pitchFamily="34" charset="0"/>
+              </a:rPr>
+              <a:t>WHERE: </a:t>
+            </a:r>
+            <a:r>
+              <a:rPr lang="en-IN" sz="2000" dirty="0" smtClean="0"/>
+              <a:t>It is used to filter the records and show those records which are specifying the condition </a:t>
+            </a:r>
+            <a:endParaRPr lang="en-IN" sz="2000" dirty="0"/>
+          </a:p>
+        </p:txBody>
+      </p:sp>
+      <p:pic>
+        <p:nvPicPr>
+          <p:cNvPr id="4" name="Picture 3"/>
+          <p:cNvPicPr>
+            <a:picLocks noChangeAspect="1"/>
+          </p:cNvPicPr>
+          <p:nvPr/>
+        </p:nvPicPr>
+        <p:blipFill>
+          <a:blip r:embed="rId2"/>
+          <a:stretch>
+            <a:fillRect/>
+          </a:stretch>
+        </p:blipFill>
+        <p:spPr>
+          <a:xfrm>
+            <a:off x="1520890" y="2565424"/>
+            <a:ext cx="8808098" cy="868241"/>
+          </a:xfrm>
+          <a:prstGeom prst="rect">
+            <a:avLst/>
+          </a:prstGeom>
+        </p:spPr>
+      </p:pic>
+      <p:pic>
+        <p:nvPicPr>
+          <p:cNvPr id="5" name="Picture 4"/>
+          <p:cNvPicPr>
+            <a:picLocks noChangeAspect="1"/>
+          </p:cNvPicPr>
+          <p:nvPr/>
+        </p:nvPicPr>
+        <p:blipFill>
+          <a:blip r:embed="rId3"/>
+          <a:stretch>
+            <a:fillRect/>
+          </a:stretch>
+        </p:blipFill>
+        <p:spPr>
+          <a:xfrm>
+            <a:off x="1520889" y="3950937"/>
+            <a:ext cx="4829511" cy="1302198"/>
+          </a:xfrm>
+          <a:prstGeom prst="rect">
+            <a:avLst/>
+          </a:prstGeom>
+        </p:spPr>
+      </p:pic>
+    </p:spTree>
+    <p:extLst>
+      <p:ext uri="{BB962C8B-B14F-4D97-AF65-F5344CB8AC3E}">
+        <p14:creationId xmlns:p14="http://schemas.microsoft.com/office/powerpoint/2010/main" val="2753524926"/>
+      </p:ext>
+    </p:extLst>
+  </p:cSld>
+  <p:clrMapOvr>
+    <a:masterClrMapping/>
+  </p:clrMapOvr>
+</p:sld>
+</file>
+
+<file path=ppt/slides/slide25.xml><?xml version="1.0" encoding="utf-8"?>
+<p:sld xmlns:a="http://schemas.openxmlformats.org/drawingml/2006/main" xmlns:r="http://schemas.openxmlformats.org/officeDocument/2006/relationships" xmlns:p="http://schemas.openxmlformats.org/presentationml/2006/main">
+  <p:cSld>
+    <p:spTree>
+      <p:nvGrpSpPr>
+        <p:cNvPr id="1" name=""/>
+        <p:cNvGrpSpPr/>
+        <p:nvPr/>
+      </p:nvGrpSpPr>
+      <p:grpSpPr>
+        <a:xfrm>
+          <a:off x="0" y="0"/>
+          <a:ext cx="0" cy="0"/>
+          <a:chOff x="0" y="0"/>
+          <a:chExt cx="0" cy="0"/>
+        </a:xfrm>
+      </p:grpSpPr>
+      <p:sp>
+        <p:nvSpPr>
+          <p:cNvPr id="2" name="TextBox 1"/>
+          <p:cNvSpPr txBox="1"/>
+          <p:nvPr/>
+        </p:nvSpPr>
+        <p:spPr>
+          <a:xfrm>
+            <a:off x="774440" y="233265"/>
+            <a:ext cx="10291666" cy="430887"/>
+          </a:xfrm>
+          <a:prstGeom prst="rect">
+            <a:avLst/>
+          </a:prstGeom>
+          <a:noFill/>
+        </p:spPr>
+        <p:txBody>
+          <a:bodyPr wrap="square" rtlCol="0">
+            <a:spAutoFit/>
+          </a:bodyPr>
+          <a:lstStyle/>
+          <a:p>
+            <a:pPr algn="ctr"/>
+            <a:r>
+              <a:rPr lang="en-IN" sz="2200" dirty="0" smtClean="0">
+                <a:latin typeface="Arial Black" panose="020B0A04020102020204" pitchFamily="34" charset="0"/>
+              </a:rPr>
+              <a:t>Queries</a:t>
+            </a:r>
+            <a:endParaRPr lang="en-IN" sz="2200" dirty="0">
+              <a:latin typeface="Arial Black" panose="020B0A04020102020204" pitchFamily="34" charset="0"/>
+            </a:endParaRPr>
+          </a:p>
+        </p:txBody>
+      </p:sp>
+      <p:sp>
+        <p:nvSpPr>
+          <p:cNvPr id="3" name="TextBox 2"/>
+          <p:cNvSpPr txBox="1"/>
+          <p:nvPr/>
+        </p:nvSpPr>
+        <p:spPr>
+          <a:xfrm>
+            <a:off x="1371601" y="1296954"/>
+            <a:ext cx="6671387" cy="707886"/>
+          </a:xfrm>
+          <a:prstGeom prst="rect">
+            <a:avLst/>
+          </a:prstGeom>
+          <a:noFill/>
+          <a:ln>
+            <a:solidFill>
+              <a:schemeClr val="tx1"/>
+            </a:solidFill>
+          </a:ln>
+        </p:spPr>
+        <p:txBody>
+          <a:bodyPr wrap="square" rtlCol="0">
+            <a:spAutoFit/>
+          </a:bodyPr>
+          <a:lstStyle/>
+          <a:p>
+            <a:r>
+              <a:rPr lang="en-IN" sz="2000" dirty="0" smtClean="0">
+                <a:latin typeface="Arial Black" panose="020B0A04020102020204" pitchFamily="34" charset="0"/>
+              </a:rPr>
+              <a:t>Order By: </a:t>
+            </a:r>
+            <a:r>
+              <a:rPr lang="en-IN" sz="2000" dirty="0" smtClean="0"/>
+              <a:t>It is used to sort the data in ascending or descending</a:t>
+            </a:r>
+            <a:endParaRPr lang="en-IN" sz="2000" dirty="0"/>
+          </a:p>
+        </p:txBody>
+      </p:sp>
+      <p:pic>
+        <p:nvPicPr>
+          <p:cNvPr id="4" name="Picture 3"/>
+          <p:cNvPicPr>
+            <a:picLocks noChangeAspect="1"/>
+          </p:cNvPicPr>
+          <p:nvPr/>
+        </p:nvPicPr>
+        <p:blipFill>
+          <a:blip r:embed="rId2"/>
+          <a:stretch>
+            <a:fillRect/>
+          </a:stretch>
+        </p:blipFill>
+        <p:spPr>
+          <a:xfrm>
+            <a:off x="1371601" y="2561306"/>
+            <a:ext cx="7660432" cy="993657"/>
+          </a:xfrm>
+          <a:prstGeom prst="rect">
+            <a:avLst/>
+          </a:prstGeom>
+        </p:spPr>
+      </p:pic>
+      <p:pic>
+        <p:nvPicPr>
+          <p:cNvPr id="5" name="Picture 4"/>
+          <p:cNvPicPr>
+            <a:picLocks noChangeAspect="1"/>
+          </p:cNvPicPr>
+          <p:nvPr/>
+        </p:nvPicPr>
+        <p:blipFill>
+          <a:blip r:embed="rId3"/>
+          <a:stretch>
+            <a:fillRect/>
+          </a:stretch>
+        </p:blipFill>
+        <p:spPr>
+          <a:xfrm>
+            <a:off x="1371601" y="4111429"/>
+            <a:ext cx="5159828" cy="2061462"/>
+          </a:xfrm>
+          <a:prstGeom prst="rect">
+            <a:avLst/>
+          </a:prstGeom>
+        </p:spPr>
+      </p:pic>
+    </p:spTree>
+    <p:extLst>
+      <p:ext uri="{BB962C8B-B14F-4D97-AF65-F5344CB8AC3E}">
+        <p14:creationId xmlns:p14="http://schemas.microsoft.com/office/powerpoint/2010/main" val="1361823986"/>
+      </p:ext>
+    </p:extLst>
+  </p:cSld>
+  <p:clrMapOvr>
+    <a:masterClrMapping/>
+  </p:clrMapOvr>
+</p:sld>
+</file>
+
+<file path=ppt/slides/slide26.xml><?xml version="1.0" encoding="utf-8"?>
+<p:sld xmlns:a="http://schemas.openxmlformats.org/drawingml/2006/main" xmlns:r="http://schemas.openxmlformats.org/officeDocument/2006/relationships" xmlns:p="http://schemas.openxmlformats.org/presentationml/2006/main">
+  <p:cSld>
+    <p:spTree>
+      <p:nvGrpSpPr>
+        <p:cNvPr id="1" name=""/>
+        <p:cNvGrpSpPr/>
+        <p:nvPr/>
+      </p:nvGrpSpPr>
+      <p:grpSpPr>
+        <a:xfrm>
+          <a:off x="0" y="0"/>
+          <a:ext cx="0" cy="0"/>
+          <a:chOff x="0" y="0"/>
+          <a:chExt cx="0" cy="0"/>
+        </a:xfrm>
+      </p:grpSpPr>
+      <p:sp>
+        <p:nvSpPr>
+          <p:cNvPr id="2" name="TextBox 1"/>
+          <p:cNvSpPr txBox="1"/>
+          <p:nvPr/>
+        </p:nvSpPr>
+        <p:spPr>
+          <a:xfrm>
+            <a:off x="774440" y="233265"/>
+            <a:ext cx="10291666" cy="430887"/>
+          </a:xfrm>
+          <a:prstGeom prst="rect">
+            <a:avLst/>
+          </a:prstGeom>
+          <a:noFill/>
+        </p:spPr>
+        <p:txBody>
+          <a:bodyPr wrap="square" rtlCol="0">
+            <a:spAutoFit/>
+          </a:bodyPr>
+          <a:lstStyle/>
+          <a:p>
+            <a:pPr algn="ctr"/>
+            <a:r>
+              <a:rPr lang="en-IN" sz="2200" dirty="0" smtClean="0">
+                <a:latin typeface="Arial Black" panose="020B0A04020102020204" pitchFamily="34" charset="0"/>
+              </a:rPr>
+              <a:t>Queries</a:t>
+            </a:r>
+            <a:endParaRPr lang="en-IN" sz="2200" dirty="0">
+              <a:latin typeface="Arial Black" panose="020B0A04020102020204" pitchFamily="34" charset="0"/>
+            </a:endParaRPr>
+          </a:p>
+        </p:txBody>
+      </p:sp>
+      <p:sp>
+        <p:nvSpPr>
+          <p:cNvPr id="3" name="TextBox 2"/>
+          <p:cNvSpPr txBox="1"/>
+          <p:nvPr/>
+        </p:nvSpPr>
+        <p:spPr>
+          <a:xfrm>
+            <a:off x="1483567" y="1268963"/>
+            <a:ext cx="7613780" cy="400110"/>
+          </a:xfrm>
+          <a:prstGeom prst="rect">
+            <a:avLst/>
+          </a:prstGeom>
+          <a:noFill/>
+          <a:ln>
+            <a:solidFill>
+              <a:schemeClr val="tx1"/>
+            </a:solidFill>
+          </a:ln>
+        </p:spPr>
+        <p:txBody>
+          <a:bodyPr wrap="square" rtlCol="0">
+            <a:spAutoFit/>
+          </a:bodyPr>
+          <a:lstStyle/>
+          <a:p>
+            <a:r>
+              <a:rPr lang="en-IN" sz="2000" dirty="0" smtClean="0">
+                <a:latin typeface="Arial Black" panose="020B0A04020102020204" pitchFamily="34" charset="0"/>
+              </a:rPr>
+              <a:t>LIMIT: </a:t>
+            </a:r>
+            <a:r>
+              <a:rPr lang="en-IN" sz="2000" dirty="0" smtClean="0"/>
+              <a:t>It is used to apply limitations while displaying the records</a:t>
+            </a:r>
+            <a:r>
+              <a:rPr lang="en-IN" dirty="0" smtClean="0"/>
+              <a:t> </a:t>
+            </a:r>
+            <a:endParaRPr lang="en-IN" dirty="0"/>
+          </a:p>
+        </p:txBody>
+      </p:sp>
+      <p:pic>
+        <p:nvPicPr>
+          <p:cNvPr id="4" name="Picture 3"/>
+          <p:cNvPicPr>
+            <a:picLocks noChangeAspect="1"/>
+          </p:cNvPicPr>
+          <p:nvPr/>
+        </p:nvPicPr>
+        <p:blipFill>
+          <a:blip r:embed="rId2"/>
+          <a:stretch>
+            <a:fillRect/>
+          </a:stretch>
+        </p:blipFill>
+        <p:spPr>
+          <a:xfrm>
+            <a:off x="1483567" y="2364176"/>
+            <a:ext cx="4683968" cy="920200"/>
+          </a:xfrm>
+          <a:prstGeom prst="rect">
+            <a:avLst/>
+          </a:prstGeom>
+        </p:spPr>
+      </p:pic>
+      <p:pic>
+        <p:nvPicPr>
+          <p:cNvPr id="5" name="Picture 4"/>
+          <p:cNvPicPr>
+            <a:picLocks noChangeAspect="1"/>
+          </p:cNvPicPr>
+          <p:nvPr/>
+        </p:nvPicPr>
+        <p:blipFill>
+          <a:blip r:embed="rId3"/>
+          <a:stretch>
+            <a:fillRect/>
+          </a:stretch>
+        </p:blipFill>
+        <p:spPr>
+          <a:xfrm>
+            <a:off x="1483566" y="3836922"/>
+            <a:ext cx="6662057" cy="1892074"/>
+          </a:xfrm>
+          <a:prstGeom prst="rect">
+            <a:avLst/>
+          </a:prstGeom>
+        </p:spPr>
+      </p:pic>
+    </p:spTree>
+    <p:extLst>
+      <p:ext uri="{BB962C8B-B14F-4D97-AF65-F5344CB8AC3E}">
+        <p14:creationId xmlns:p14="http://schemas.microsoft.com/office/powerpoint/2010/main" val="3169956533"/>
+      </p:ext>
+    </p:extLst>
+  </p:cSld>
+  <p:clrMapOvr>
+    <a:masterClrMapping/>
+  </p:clrMapOvr>
+</p:sld>
+</file>
+
+<file path=ppt/slides/slide27.xml><?xml version="1.0" encoding="utf-8"?>
+<p:sld xmlns:a="http://schemas.openxmlformats.org/drawingml/2006/main" xmlns:r="http://schemas.openxmlformats.org/officeDocument/2006/relationships" xmlns:p="http://schemas.openxmlformats.org/presentationml/2006/main">
+  <p:cSld>
+    <p:spTree>
+      <p:nvGrpSpPr>
+        <p:cNvPr id="1" name=""/>
+        <p:cNvGrpSpPr/>
+        <p:nvPr/>
+      </p:nvGrpSpPr>
+      <p:grpSpPr>
+        <a:xfrm>
+          <a:off x="0" y="0"/>
+          <a:ext cx="0" cy="0"/>
+          <a:chOff x="0" y="0"/>
+          <a:chExt cx="0" cy="0"/>
+        </a:xfrm>
+      </p:grpSpPr>
+      <p:sp>
+        <p:nvSpPr>
+          <p:cNvPr id="2" name="TextBox 1"/>
+          <p:cNvSpPr txBox="1"/>
+          <p:nvPr/>
+        </p:nvSpPr>
+        <p:spPr>
+          <a:xfrm>
+            <a:off x="774440" y="233265"/>
+            <a:ext cx="10291666" cy="430887"/>
+          </a:xfrm>
+          <a:prstGeom prst="rect">
+            <a:avLst/>
+          </a:prstGeom>
+          <a:noFill/>
+        </p:spPr>
+        <p:txBody>
+          <a:bodyPr wrap="square" rtlCol="0">
+            <a:spAutoFit/>
+          </a:bodyPr>
+          <a:lstStyle/>
+          <a:p>
+            <a:pPr algn="ctr"/>
+            <a:r>
+              <a:rPr lang="en-IN" sz="2200" dirty="0" smtClean="0">
+                <a:latin typeface="Arial Black" panose="020B0A04020102020204" pitchFamily="34" charset="0"/>
+              </a:rPr>
+              <a:t>Queries</a:t>
+            </a:r>
+            <a:endParaRPr lang="en-IN" sz="2200" dirty="0">
+              <a:latin typeface="Arial Black" panose="020B0A04020102020204" pitchFamily="34" charset="0"/>
+            </a:endParaRPr>
+          </a:p>
+        </p:txBody>
+      </p:sp>
+      <p:sp>
+        <p:nvSpPr>
+          <p:cNvPr id="5" name="TextBox 4"/>
+          <p:cNvSpPr txBox="1"/>
+          <p:nvPr/>
+        </p:nvSpPr>
+        <p:spPr>
+          <a:xfrm>
+            <a:off x="1446245" y="970384"/>
+            <a:ext cx="7184571" cy="1938992"/>
+          </a:xfrm>
+          <a:prstGeom prst="rect">
+            <a:avLst/>
+          </a:prstGeom>
+          <a:noFill/>
+          <a:ln>
+            <a:solidFill>
+              <a:schemeClr val="tx1"/>
+            </a:solidFill>
+          </a:ln>
+        </p:spPr>
+        <p:txBody>
+          <a:bodyPr wrap="square" rtlCol="0">
+            <a:spAutoFit/>
+          </a:bodyPr>
+          <a:lstStyle/>
+          <a:p>
+            <a:r>
+              <a:rPr lang="en-IN" sz="2000" dirty="0" smtClean="0">
+                <a:latin typeface="Arial Black" panose="020B0A04020102020204" pitchFamily="34" charset="0"/>
+              </a:rPr>
+              <a:t>Operators: Arithmetic Operators</a:t>
+            </a:r>
+          </a:p>
+          <a:p>
+            <a:endParaRPr lang="en-IN" sz="2000" dirty="0">
+              <a:latin typeface="Arial Black" panose="020B0A04020102020204" pitchFamily="34" charset="0"/>
+            </a:endParaRPr>
+          </a:p>
+          <a:p>
+            <a:r>
+              <a:rPr lang="en-US" sz="2000" dirty="0"/>
+              <a:t>Arithmetic operators are used to perform mathematical operations</a:t>
+            </a:r>
+            <a:r>
+              <a:rPr lang="en-US" sz="2000" dirty="0" smtClean="0"/>
+              <a:t>.</a:t>
+            </a:r>
+          </a:p>
+          <a:p>
+            <a:endParaRPr lang="en-US" sz="2000" dirty="0" smtClean="0">
+              <a:latin typeface="Arial Black" panose="020B0A04020102020204" pitchFamily="34" charset="0"/>
+            </a:endParaRPr>
+          </a:p>
+          <a:p>
+            <a:r>
+              <a:rPr lang="en-US" sz="2000" dirty="0" smtClean="0"/>
+              <a:t>ADDITION, </a:t>
+            </a:r>
+            <a:r>
+              <a:rPr lang="en-US" sz="2000" dirty="0" smtClean="0">
+                <a:latin typeface="Arial Black" panose="020B0A04020102020204" pitchFamily="34" charset="0"/>
+              </a:rPr>
+              <a:t>SUBTRACTION</a:t>
+            </a:r>
+            <a:r>
+              <a:rPr lang="en-US" sz="2000" dirty="0" smtClean="0"/>
+              <a:t>, MULTIPLY, DIVISION, MODULUS</a:t>
+            </a:r>
+            <a:endParaRPr lang="en-US" sz="2000" dirty="0"/>
+          </a:p>
+          <a:p>
+            <a:endParaRPr lang="en-IN" sz="2000" dirty="0">
+              <a:latin typeface="Arial Black" panose="020B0A04020102020204" pitchFamily="34" charset="0"/>
+            </a:endParaRPr>
+          </a:p>
+        </p:txBody>
+      </p:sp>
+      <p:pic>
+        <p:nvPicPr>
+          <p:cNvPr id="6" name="Picture 5"/>
+          <p:cNvPicPr>
+            <a:picLocks noChangeAspect="1"/>
+          </p:cNvPicPr>
+          <p:nvPr/>
+        </p:nvPicPr>
+        <p:blipFill>
+          <a:blip r:embed="rId2"/>
+          <a:stretch>
+            <a:fillRect/>
+          </a:stretch>
+        </p:blipFill>
+        <p:spPr>
+          <a:xfrm>
+            <a:off x="1446245" y="4429436"/>
+            <a:ext cx="4450702" cy="1522608"/>
+          </a:xfrm>
+          <a:prstGeom prst="rect">
+            <a:avLst/>
+          </a:prstGeom>
+        </p:spPr>
+      </p:pic>
+      <p:pic>
+        <p:nvPicPr>
+          <p:cNvPr id="7" name="Picture 6"/>
+          <p:cNvPicPr>
+            <a:picLocks noChangeAspect="1"/>
+          </p:cNvPicPr>
+          <p:nvPr/>
+        </p:nvPicPr>
+        <p:blipFill>
+          <a:blip r:embed="rId3">
+            <a:extLst>
+              <a:ext uri="{28A0092B-C50C-407E-A947-70E740481C1C}">
+                <a14:useLocalDpi xmlns:a14="http://schemas.microsoft.com/office/drawing/2010/main" val="0"/>
+              </a:ext>
+            </a:extLst>
+          </a:blip>
+          <a:stretch>
+            <a:fillRect/>
+          </a:stretch>
+        </p:blipFill>
+        <p:spPr>
+          <a:xfrm>
+            <a:off x="1446245" y="3044907"/>
+            <a:ext cx="6251510" cy="950553"/>
+          </a:xfrm>
+          <a:prstGeom prst="rect">
+            <a:avLst/>
+          </a:prstGeom>
+        </p:spPr>
+      </p:pic>
+    </p:spTree>
+    <p:extLst>
+      <p:ext uri="{BB962C8B-B14F-4D97-AF65-F5344CB8AC3E}">
+        <p14:creationId xmlns:p14="http://schemas.microsoft.com/office/powerpoint/2010/main" val="4167359572"/>
+      </p:ext>
+    </p:extLst>
+  </p:cSld>
+  <p:clrMapOvr>
+    <a:masterClrMapping/>
+  </p:clrMapOvr>
+</p:sld>
+</file>
+
+<file path=ppt/slides/slide28.xml><?xml version="1.0" encoding="utf-8"?>
+<p:sld xmlns:a="http://schemas.openxmlformats.org/drawingml/2006/main" xmlns:r="http://schemas.openxmlformats.org/officeDocument/2006/relationships" xmlns:p="http://schemas.openxmlformats.org/presentationml/2006/main">
+  <p:cSld>
+    <p:spTree>
+      <p:nvGrpSpPr>
+        <p:cNvPr id="1" name=""/>
+        <p:cNvGrpSpPr/>
+        <p:nvPr/>
+      </p:nvGrpSpPr>
+      <p:grpSpPr>
+        <a:xfrm>
+          <a:off x="0" y="0"/>
+          <a:ext cx="0" cy="0"/>
+          <a:chOff x="0" y="0"/>
+          <a:chExt cx="0" cy="0"/>
+        </a:xfrm>
+      </p:grpSpPr>
+      <p:sp>
+        <p:nvSpPr>
+          <p:cNvPr id="2" name="TextBox 1"/>
+          <p:cNvSpPr txBox="1"/>
+          <p:nvPr/>
+        </p:nvSpPr>
+        <p:spPr>
+          <a:xfrm>
+            <a:off x="774440" y="233265"/>
+            <a:ext cx="10291666" cy="430887"/>
+          </a:xfrm>
+          <a:prstGeom prst="rect">
+            <a:avLst/>
+          </a:prstGeom>
+          <a:noFill/>
+        </p:spPr>
+        <p:txBody>
+          <a:bodyPr wrap="square" rtlCol="0">
+            <a:spAutoFit/>
+          </a:bodyPr>
+          <a:lstStyle/>
+          <a:p>
+            <a:pPr algn="ctr"/>
+            <a:r>
+              <a:rPr lang="en-IN" sz="2200" dirty="0" smtClean="0">
+                <a:latin typeface="Arial Black" panose="020B0A04020102020204" pitchFamily="34" charset="0"/>
+              </a:rPr>
+              <a:t>Queries</a:t>
+            </a:r>
+            <a:endParaRPr lang="en-IN" sz="2200" dirty="0">
+              <a:latin typeface="Arial Black" panose="020B0A04020102020204" pitchFamily="34" charset="0"/>
+            </a:endParaRPr>
+          </a:p>
+        </p:txBody>
+      </p:sp>
+      <p:sp>
+        <p:nvSpPr>
+          <p:cNvPr id="3" name="TextBox 2"/>
+          <p:cNvSpPr txBox="1"/>
+          <p:nvPr/>
+        </p:nvSpPr>
+        <p:spPr>
+          <a:xfrm>
+            <a:off x="1446245" y="1147666"/>
+            <a:ext cx="7184571" cy="1631216"/>
+          </a:xfrm>
+          <a:prstGeom prst="rect">
+            <a:avLst/>
+          </a:prstGeom>
+          <a:noFill/>
+          <a:ln>
+            <a:solidFill>
+              <a:schemeClr val="tx1"/>
+            </a:solidFill>
+          </a:ln>
+        </p:spPr>
+        <p:txBody>
+          <a:bodyPr wrap="square" rtlCol="0">
+            <a:spAutoFit/>
+          </a:bodyPr>
+          <a:lstStyle/>
+          <a:p>
+            <a:r>
+              <a:rPr lang="en-IN" sz="2000" dirty="0" smtClean="0">
+                <a:latin typeface="Arial Black" panose="020B0A04020102020204" pitchFamily="34" charset="0"/>
+              </a:rPr>
+              <a:t>Operators: Arithmetic Operators</a:t>
+            </a:r>
+          </a:p>
+          <a:p>
+            <a:endParaRPr lang="en-IN" sz="2000" dirty="0">
+              <a:latin typeface="Arial Black" panose="020B0A04020102020204" pitchFamily="34" charset="0"/>
+            </a:endParaRPr>
+          </a:p>
+          <a:p>
+            <a:r>
+              <a:rPr lang="en-US" sz="2000" dirty="0"/>
+              <a:t>Arithmetic operators are used to perform mathematical operations</a:t>
+            </a:r>
+            <a:r>
+              <a:rPr lang="en-US" sz="2000" dirty="0" smtClean="0"/>
+              <a:t>.</a:t>
+            </a:r>
+          </a:p>
+          <a:p>
+            <a:endParaRPr lang="en-US" sz="2000" dirty="0" smtClean="0"/>
+          </a:p>
+          <a:p>
+            <a:r>
+              <a:rPr lang="en-US" sz="2000" dirty="0" smtClean="0"/>
+              <a:t>ADDITION</a:t>
+            </a:r>
+            <a:r>
+              <a:rPr lang="en-US" sz="2000" dirty="0"/>
+              <a:t>, SUBTRACTION, </a:t>
+            </a:r>
+            <a:r>
+              <a:rPr lang="en-US" sz="2000" dirty="0">
+                <a:latin typeface="Arial Black" panose="020B0A04020102020204" pitchFamily="34" charset="0"/>
+              </a:rPr>
+              <a:t>MULTIPLY</a:t>
+            </a:r>
+            <a:r>
+              <a:rPr lang="en-US" sz="2000" dirty="0"/>
+              <a:t>, DIVISION, </a:t>
+            </a:r>
+            <a:r>
+              <a:rPr lang="en-US" sz="2000" dirty="0" smtClean="0"/>
+              <a:t>MODULUS</a:t>
+            </a:r>
+            <a:endParaRPr lang="en-US" sz="2000" dirty="0"/>
+          </a:p>
+        </p:txBody>
+      </p:sp>
+      <p:pic>
+        <p:nvPicPr>
+          <p:cNvPr id="4" name="Picture 3"/>
+          <p:cNvPicPr>
+            <a:picLocks noChangeAspect="1"/>
+          </p:cNvPicPr>
+          <p:nvPr/>
+        </p:nvPicPr>
+        <p:blipFill>
+          <a:blip r:embed="rId2"/>
+          <a:stretch>
+            <a:fillRect/>
+          </a:stretch>
+        </p:blipFill>
+        <p:spPr>
+          <a:xfrm>
+            <a:off x="1446244" y="3074622"/>
+            <a:ext cx="6074228" cy="881375"/>
+          </a:xfrm>
+          <a:prstGeom prst="rect">
+            <a:avLst/>
+          </a:prstGeom>
+        </p:spPr>
+      </p:pic>
+      <p:pic>
+        <p:nvPicPr>
+          <p:cNvPr id="5" name="Picture 4"/>
+          <p:cNvPicPr>
+            <a:picLocks noChangeAspect="1"/>
+          </p:cNvPicPr>
+          <p:nvPr/>
+        </p:nvPicPr>
+        <p:blipFill>
+          <a:blip r:embed="rId3"/>
+          <a:stretch>
+            <a:fillRect/>
+          </a:stretch>
+        </p:blipFill>
+        <p:spPr>
+          <a:xfrm>
+            <a:off x="1446244" y="4247321"/>
+            <a:ext cx="4012163" cy="2144431"/>
+          </a:xfrm>
+          <a:prstGeom prst="rect">
+            <a:avLst/>
+          </a:prstGeom>
+        </p:spPr>
+      </p:pic>
+    </p:spTree>
+    <p:extLst>
+      <p:ext uri="{BB962C8B-B14F-4D97-AF65-F5344CB8AC3E}">
+        <p14:creationId xmlns:p14="http://schemas.microsoft.com/office/powerpoint/2010/main" val="2683218702"/>
+      </p:ext>
+    </p:extLst>
+  </p:cSld>
+  <p:clrMapOvr>
+    <a:masterClrMapping/>
+  </p:clrMapOvr>
+</p:sld>
+</file>
+
+<file path=ppt/slides/slide29.xml><?xml version="1.0" encoding="utf-8"?>
+<p:sld xmlns:a="http://schemas.openxmlformats.org/drawingml/2006/main" xmlns:r="http://schemas.openxmlformats.org/officeDocument/2006/relationships" xmlns:p="http://schemas.openxmlformats.org/presentationml/2006/main">
+  <p:cSld>
+    <p:spTree>
+      <p:nvGrpSpPr>
+        <p:cNvPr id="1" name=""/>
+        <p:cNvGrpSpPr/>
+        <p:nvPr/>
+      </p:nvGrpSpPr>
+      <p:grpSpPr>
+        <a:xfrm>
+          <a:off x="0" y="0"/>
+          <a:ext cx="0" cy="0"/>
+          <a:chOff x="0" y="0"/>
+          <a:chExt cx="0" cy="0"/>
+        </a:xfrm>
+      </p:grpSpPr>
+      <p:sp>
+        <p:nvSpPr>
+          <p:cNvPr id="2" name="TextBox 1"/>
+          <p:cNvSpPr txBox="1"/>
+          <p:nvPr/>
+        </p:nvSpPr>
+        <p:spPr>
+          <a:xfrm>
+            <a:off x="774440" y="233265"/>
+            <a:ext cx="10291666" cy="430887"/>
+          </a:xfrm>
+          <a:prstGeom prst="rect">
+            <a:avLst/>
+          </a:prstGeom>
+          <a:noFill/>
+        </p:spPr>
+        <p:txBody>
+          <a:bodyPr wrap="square" rtlCol="0">
+            <a:spAutoFit/>
+          </a:bodyPr>
+          <a:lstStyle/>
+          <a:p>
+            <a:pPr algn="ctr"/>
+            <a:r>
+              <a:rPr lang="en-IN" sz="2200" dirty="0" smtClean="0">
+                <a:latin typeface="Arial Black" panose="020B0A04020102020204" pitchFamily="34" charset="0"/>
+              </a:rPr>
+              <a:t>Queries</a:t>
+            </a:r>
+            <a:endParaRPr lang="en-IN" sz="2200" dirty="0">
+              <a:latin typeface="Arial Black" panose="020B0A04020102020204" pitchFamily="34" charset="0"/>
+            </a:endParaRPr>
+          </a:p>
+        </p:txBody>
+      </p:sp>
+      <p:sp>
+        <p:nvSpPr>
+          <p:cNvPr id="3" name="TextBox 2"/>
+          <p:cNvSpPr txBox="1"/>
+          <p:nvPr/>
+        </p:nvSpPr>
+        <p:spPr>
+          <a:xfrm>
+            <a:off x="1455579" y="1259633"/>
+            <a:ext cx="7707086" cy="1323439"/>
+          </a:xfrm>
+          <a:prstGeom prst="rect">
+            <a:avLst/>
+          </a:prstGeom>
+          <a:noFill/>
+          <a:ln>
+            <a:solidFill>
+              <a:schemeClr val="tx1"/>
+            </a:solidFill>
+          </a:ln>
+        </p:spPr>
+        <p:txBody>
+          <a:bodyPr wrap="square" rtlCol="0">
+            <a:spAutoFit/>
+          </a:bodyPr>
+          <a:lstStyle/>
+          <a:p>
+            <a:r>
+              <a:rPr lang="en-IN" sz="2000" dirty="0" smtClean="0">
+                <a:latin typeface="Arial Black" panose="020B0A04020102020204" pitchFamily="34" charset="0"/>
+              </a:rPr>
+              <a:t>Logical Operator: </a:t>
+            </a:r>
+            <a:r>
+              <a:rPr lang="en-IN" sz="2000" dirty="0" smtClean="0"/>
+              <a:t>It is used when we want multiple conditions for a  single query</a:t>
+            </a:r>
+          </a:p>
+          <a:p>
+            <a:endParaRPr lang="en-IN" sz="2000" dirty="0"/>
+          </a:p>
+          <a:p>
+            <a:r>
+              <a:rPr lang="en-IN" sz="2000" dirty="0" smtClean="0">
+                <a:latin typeface="Arial Black" panose="020B0A04020102020204" pitchFamily="34" charset="0"/>
+              </a:rPr>
+              <a:t>AND</a:t>
+            </a:r>
+            <a:r>
+              <a:rPr lang="en-IN" sz="2000" dirty="0" smtClean="0"/>
+              <a:t>, OR, NOT </a:t>
+            </a:r>
+            <a:endParaRPr lang="en-IN" sz="2000" dirty="0"/>
+          </a:p>
+        </p:txBody>
+      </p:sp>
+      <p:pic>
+        <p:nvPicPr>
+          <p:cNvPr id="4" name="Picture 3"/>
+          <p:cNvPicPr>
+            <a:picLocks noChangeAspect="1"/>
+          </p:cNvPicPr>
+          <p:nvPr/>
+        </p:nvPicPr>
+        <p:blipFill>
+          <a:blip r:embed="rId2"/>
+          <a:stretch>
+            <a:fillRect/>
+          </a:stretch>
+        </p:blipFill>
+        <p:spPr>
+          <a:xfrm>
+            <a:off x="1455578" y="3003804"/>
+            <a:ext cx="4851915" cy="933714"/>
+          </a:xfrm>
+          <a:prstGeom prst="rect">
+            <a:avLst/>
+          </a:prstGeom>
+        </p:spPr>
+      </p:pic>
+      <p:pic>
+        <p:nvPicPr>
+          <p:cNvPr id="5" name="Picture 4"/>
+          <p:cNvPicPr>
+            <a:picLocks noChangeAspect="1"/>
+          </p:cNvPicPr>
+          <p:nvPr/>
+        </p:nvPicPr>
+        <p:blipFill>
+          <a:blip r:embed="rId3"/>
+          <a:stretch>
+            <a:fillRect/>
+          </a:stretch>
+        </p:blipFill>
+        <p:spPr>
+          <a:xfrm>
+            <a:off x="1455579" y="4388599"/>
+            <a:ext cx="3610943" cy="1887009"/>
+          </a:xfrm>
+          <a:prstGeom prst="rect">
+            <a:avLst/>
+          </a:prstGeom>
+        </p:spPr>
+      </p:pic>
+    </p:spTree>
+    <p:extLst>
+      <p:ext uri="{BB962C8B-B14F-4D97-AF65-F5344CB8AC3E}">
+        <p14:creationId xmlns:p14="http://schemas.microsoft.com/office/powerpoint/2010/main" val="1583958171"/>
+      </p:ext>
+    </p:extLst>
+  </p:cSld>
+  <p:clrMapOvr>
+    <a:masterClrMapping/>
+  </p:clrMapOvr>
 </p:sld>
 </file>
 
@@ -4211,6 +6144,11 @@
             <a:avLst/>
           </a:prstGeom>
           <a:noFill/>
+          <a:ln>
+            <a:solidFill>
+              <a:schemeClr val="tx1"/>
+            </a:solidFill>
+          </a:ln>
         </p:spPr>
         <p:txBody>
           <a:bodyPr wrap="square" rtlCol="0">
@@ -4283,8 +6221,8 @@
         </p:blipFill>
         <p:spPr>
           <a:xfrm>
-            <a:off x="5904689" y="1072867"/>
-            <a:ext cx="6264614" cy="5018400"/>
+            <a:off x="6099239" y="1072867"/>
+            <a:ext cx="6070063" cy="5018400"/>
           </a:xfrm>
           <a:prstGeom prst="rect">
             <a:avLst/>
@@ -4402,6 +6340,1569 @@
 </p:sld>
 </file>
 
+<file path=ppt/slides/slide30.xml><?xml version="1.0" encoding="utf-8"?>
+<p:sld xmlns:a="http://schemas.openxmlformats.org/drawingml/2006/main" xmlns:r="http://schemas.openxmlformats.org/officeDocument/2006/relationships" xmlns:p="http://schemas.openxmlformats.org/presentationml/2006/main">
+  <p:cSld>
+    <p:spTree>
+      <p:nvGrpSpPr>
+        <p:cNvPr id="1" name=""/>
+        <p:cNvGrpSpPr/>
+        <p:nvPr/>
+      </p:nvGrpSpPr>
+      <p:grpSpPr>
+        <a:xfrm>
+          <a:off x="0" y="0"/>
+          <a:ext cx="0" cy="0"/>
+          <a:chOff x="0" y="0"/>
+          <a:chExt cx="0" cy="0"/>
+        </a:xfrm>
+      </p:grpSpPr>
+      <p:sp>
+        <p:nvSpPr>
+          <p:cNvPr id="2" name="TextBox 1"/>
+          <p:cNvSpPr txBox="1"/>
+          <p:nvPr/>
+        </p:nvSpPr>
+        <p:spPr>
+          <a:xfrm>
+            <a:off x="774440" y="233265"/>
+            <a:ext cx="10291666" cy="430887"/>
+          </a:xfrm>
+          <a:prstGeom prst="rect">
+            <a:avLst/>
+          </a:prstGeom>
+          <a:noFill/>
+        </p:spPr>
+        <p:txBody>
+          <a:bodyPr wrap="square" rtlCol="0">
+            <a:spAutoFit/>
+          </a:bodyPr>
+          <a:lstStyle/>
+          <a:p>
+            <a:pPr algn="ctr"/>
+            <a:r>
+              <a:rPr lang="en-IN" sz="2200" dirty="0" smtClean="0">
+                <a:latin typeface="Arial Black" panose="020B0A04020102020204" pitchFamily="34" charset="0"/>
+              </a:rPr>
+              <a:t>Queries</a:t>
+            </a:r>
+            <a:endParaRPr lang="en-IN" sz="2200" dirty="0">
+              <a:latin typeface="Arial Black" panose="020B0A04020102020204" pitchFamily="34" charset="0"/>
+            </a:endParaRPr>
+          </a:p>
+        </p:txBody>
+      </p:sp>
+      <p:pic>
+        <p:nvPicPr>
+          <p:cNvPr id="3" name="Picture 2"/>
+          <p:cNvPicPr>
+            <a:picLocks noChangeAspect="1"/>
+          </p:cNvPicPr>
+          <p:nvPr/>
+        </p:nvPicPr>
+        <p:blipFill>
+          <a:blip r:embed="rId2"/>
+          <a:stretch>
+            <a:fillRect/>
+          </a:stretch>
+        </p:blipFill>
+        <p:spPr>
+          <a:xfrm>
+            <a:off x="1455578" y="3102218"/>
+            <a:ext cx="4450699" cy="937937"/>
+          </a:xfrm>
+          <a:prstGeom prst="rect">
+            <a:avLst/>
+          </a:prstGeom>
+        </p:spPr>
+      </p:pic>
+      <p:pic>
+        <p:nvPicPr>
+          <p:cNvPr id="4" name="Picture 3"/>
+          <p:cNvPicPr>
+            <a:picLocks noChangeAspect="1"/>
+          </p:cNvPicPr>
+          <p:nvPr/>
+        </p:nvPicPr>
+        <p:blipFill>
+          <a:blip r:embed="rId3"/>
+          <a:stretch>
+            <a:fillRect/>
+          </a:stretch>
+        </p:blipFill>
+        <p:spPr>
+          <a:xfrm>
+            <a:off x="1455580" y="4330085"/>
+            <a:ext cx="3676258" cy="2322642"/>
+          </a:xfrm>
+          <a:prstGeom prst="rect">
+            <a:avLst/>
+          </a:prstGeom>
+        </p:spPr>
+      </p:pic>
+      <p:sp>
+        <p:nvSpPr>
+          <p:cNvPr id="5" name="TextBox 4"/>
+          <p:cNvSpPr txBox="1"/>
+          <p:nvPr/>
+        </p:nvSpPr>
+        <p:spPr>
+          <a:xfrm>
+            <a:off x="1455579" y="1259633"/>
+            <a:ext cx="7707086" cy="1323439"/>
+          </a:xfrm>
+          <a:prstGeom prst="rect">
+            <a:avLst/>
+          </a:prstGeom>
+          <a:noFill/>
+          <a:ln>
+            <a:solidFill>
+              <a:schemeClr val="tx1"/>
+            </a:solidFill>
+          </a:ln>
+        </p:spPr>
+        <p:txBody>
+          <a:bodyPr wrap="square" rtlCol="0">
+            <a:spAutoFit/>
+          </a:bodyPr>
+          <a:lstStyle/>
+          <a:p>
+            <a:r>
+              <a:rPr lang="en-IN" sz="2000" dirty="0" smtClean="0">
+                <a:latin typeface="Arial Black" panose="020B0A04020102020204" pitchFamily="34" charset="0"/>
+              </a:rPr>
+              <a:t>Logical Operator: </a:t>
+            </a:r>
+            <a:r>
+              <a:rPr lang="en-IN" sz="2000" dirty="0" smtClean="0"/>
+              <a:t>It is used when we want multiple conditions for a  single query</a:t>
+            </a:r>
+          </a:p>
+          <a:p>
+            <a:endParaRPr lang="en-IN" sz="2000" dirty="0"/>
+          </a:p>
+          <a:p>
+            <a:r>
+              <a:rPr lang="en-IN" sz="2000" dirty="0" smtClean="0"/>
+              <a:t>AND, </a:t>
+            </a:r>
+            <a:r>
+              <a:rPr lang="en-IN" sz="2000" b="1" dirty="0" smtClean="0">
+                <a:latin typeface="Arial Black" panose="020B0A04020102020204" pitchFamily="34" charset="0"/>
+              </a:rPr>
+              <a:t>OR</a:t>
+            </a:r>
+            <a:r>
+              <a:rPr lang="en-IN" sz="2000" dirty="0" smtClean="0"/>
+              <a:t>, NOT </a:t>
+            </a:r>
+            <a:endParaRPr lang="en-IN" sz="2000" dirty="0"/>
+          </a:p>
+        </p:txBody>
+      </p:sp>
+    </p:spTree>
+    <p:extLst>
+      <p:ext uri="{BB962C8B-B14F-4D97-AF65-F5344CB8AC3E}">
+        <p14:creationId xmlns:p14="http://schemas.microsoft.com/office/powerpoint/2010/main" val="1029270093"/>
+      </p:ext>
+    </p:extLst>
+  </p:cSld>
+  <p:clrMapOvr>
+    <a:masterClrMapping/>
+  </p:clrMapOvr>
+</p:sld>
+</file>
+
+<file path=ppt/slides/slide31.xml><?xml version="1.0" encoding="utf-8"?>
+<p:sld xmlns:a="http://schemas.openxmlformats.org/drawingml/2006/main" xmlns:r="http://schemas.openxmlformats.org/officeDocument/2006/relationships" xmlns:p="http://schemas.openxmlformats.org/presentationml/2006/main">
+  <p:cSld>
+    <p:spTree>
+      <p:nvGrpSpPr>
+        <p:cNvPr id="1" name=""/>
+        <p:cNvGrpSpPr/>
+        <p:nvPr/>
+      </p:nvGrpSpPr>
+      <p:grpSpPr>
+        <a:xfrm>
+          <a:off x="0" y="0"/>
+          <a:ext cx="0" cy="0"/>
+          <a:chOff x="0" y="0"/>
+          <a:chExt cx="0" cy="0"/>
+        </a:xfrm>
+      </p:grpSpPr>
+      <p:sp>
+        <p:nvSpPr>
+          <p:cNvPr id="2" name="TextBox 1"/>
+          <p:cNvSpPr txBox="1"/>
+          <p:nvPr/>
+        </p:nvSpPr>
+        <p:spPr>
+          <a:xfrm>
+            <a:off x="774440" y="233265"/>
+            <a:ext cx="10291666" cy="430887"/>
+          </a:xfrm>
+          <a:prstGeom prst="rect">
+            <a:avLst/>
+          </a:prstGeom>
+          <a:noFill/>
+        </p:spPr>
+        <p:txBody>
+          <a:bodyPr wrap="square" rtlCol="0">
+            <a:spAutoFit/>
+          </a:bodyPr>
+          <a:lstStyle/>
+          <a:p>
+            <a:pPr algn="ctr"/>
+            <a:r>
+              <a:rPr lang="en-IN" sz="2200" dirty="0" smtClean="0">
+                <a:latin typeface="Arial Black" panose="020B0A04020102020204" pitchFamily="34" charset="0"/>
+              </a:rPr>
+              <a:t>Queries</a:t>
+            </a:r>
+            <a:endParaRPr lang="en-IN" sz="2200" dirty="0">
+              <a:latin typeface="Arial Black" panose="020B0A04020102020204" pitchFamily="34" charset="0"/>
+            </a:endParaRPr>
+          </a:p>
+        </p:txBody>
+      </p:sp>
+      <p:pic>
+        <p:nvPicPr>
+          <p:cNvPr id="3" name="Picture 2"/>
+          <p:cNvPicPr>
+            <a:picLocks noChangeAspect="1"/>
+          </p:cNvPicPr>
+          <p:nvPr/>
+        </p:nvPicPr>
+        <p:blipFill>
+          <a:blip r:embed="rId2"/>
+          <a:stretch>
+            <a:fillRect/>
+          </a:stretch>
+        </p:blipFill>
+        <p:spPr>
+          <a:xfrm>
+            <a:off x="1716836" y="3195636"/>
+            <a:ext cx="4366723" cy="1077784"/>
+          </a:xfrm>
+          <a:prstGeom prst="rect">
+            <a:avLst/>
+          </a:prstGeom>
+        </p:spPr>
+      </p:pic>
+      <p:pic>
+        <p:nvPicPr>
+          <p:cNvPr id="4" name="Picture 3"/>
+          <p:cNvPicPr>
+            <a:picLocks noChangeAspect="1"/>
+          </p:cNvPicPr>
+          <p:nvPr/>
+        </p:nvPicPr>
+        <p:blipFill>
+          <a:blip r:embed="rId3"/>
+          <a:stretch>
+            <a:fillRect/>
+          </a:stretch>
+        </p:blipFill>
+        <p:spPr>
+          <a:xfrm>
+            <a:off x="1716835" y="4640916"/>
+            <a:ext cx="3475021" cy="1900970"/>
+          </a:xfrm>
+          <a:prstGeom prst="rect">
+            <a:avLst/>
+          </a:prstGeom>
+        </p:spPr>
+      </p:pic>
+      <p:sp>
+        <p:nvSpPr>
+          <p:cNvPr id="6" name="TextBox 5"/>
+          <p:cNvSpPr txBox="1"/>
+          <p:nvPr/>
+        </p:nvSpPr>
+        <p:spPr>
+          <a:xfrm>
+            <a:off x="1716836" y="1315263"/>
+            <a:ext cx="7707086" cy="1323439"/>
+          </a:xfrm>
+          <a:prstGeom prst="rect">
+            <a:avLst/>
+          </a:prstGeom>
+          <a:noFill/>
+          <a:ln>
+            <a:solidFill>
+              <a:schemeClr val="tx1"/>
+            </a:solidFill>
+          </a:ln>
+        </p:spPr>
+        <p:txBody>
+          <a:bodyPr wrap="square" rtlCol="0">
+            <a:spAutoFit/>
+          </a:bodyPr>
+          <a:lstStyle/>
+          <a:p>
+            <a:r>
+              <a:rPr lang="en-IN" sz="2000" dirty="0" smtClean="0">
+                <a:latin typeface="Arial Black" panose="020B0A04020102020204" pitchFamily="34" charset="0"/>
+              </a:rPr>
+              <a:t>Logical Operator: </a:t>
+            </a:r>
+            <a:r>
+              <a:rPr lang="en-IN" sz="2000" dirty="0" smtClean="0"/>
+              <a:t>It is used when we want multiple conditions for a  single query</a:t>
+            </a:r>
+          </a:p>
+          <a:p>
+            <a:endParaRPr lang="en-IN" sz="2000" dirty="0"/>
+          </a:p>
+          <a:p>
+            <a:r>
+              <a:rPr lang="en-IN" sz="2000" dirty="0" smtClean="0"/>
+              <a:t>AND, OR, </a:t>
+            </a:r>
+            <a:r>
+              <a:rPr lang="en-IN" sz="2000" b="1" dirty="0" smtClean="0">
+                <a:latin typeface="Arial Black" panose="020B0A04020102020204" pitchFamily="34" charset="0"/>
+              </a:rPr>
+              <a:t>NOT</a:t>
+            </a:r>
+            <a:r>
+              <a:rPr lang="en-IN" sz="2000" dirty="0" smtClean="0"/>
+              <a:t> </a:t>
+            </a:r>
+            <a:endParaRPr lang="en-IN" sz="2000" dirty="0"/>
+          </a:p>
+        </p:txBody>
+      </p:sp>
+    </p:spTree>
+    <p:extLst>
+      <p:ext uri="{BB962C8B-B14F-4D97-AF65-F5344CB8AC3E}">
+        <p14:creationId xmlns:p14="http://schemas.microsoft.com/office/powerpoint/2010/main" val="3812288493"/>
+      </p:ext>
+    </p:extLst>
+  </p:cSld>
+  <p:clrMapOvr>
+    <a:masterClrMapping/>
+  </p:clrMapOvr>
+</p:sld>
+</file>
+
+<file path=ppt/slides/slide32.xml><?xml version="1.0" encoding="utf-8"?>
+<p:sld xmlns:a="http://schemas.openxmlformats.org/drawingml/2006/main" xmlns:r="http://schemas.openxmlformats.org/officeDocument/2006/relationships" xmlns:p="http://schemas.openxmlformats.org/presentationml/2006/main">
+  <p:cSld>
+    <p:spTree>
+      <p:nvGrpSpPr>
+        <p:cNvPr id="1" name=""/>
+        <p:cNvGrpSpPr/>
+        <p:nvPr/>
+      </p:nvGrpSpPr>
+      <p:grpSpPr>
+        <a:xfrm>
+          <a:off x="0" y="0"/>
+          <a:ext cx="0" cy="0"/>
+          <a:chOff x="0" y="0"/>
+          <a:chExt cx="0" cy="0"/>
+        </a:xfrm>
+      </p:grpSpPr>
+      <p:sp>
+        <p:nvSpPr>
+          <p:cNvPr id="2" name="TextBox 1"/>
+          <p:cNvSpPr txBox="1"/>
+          <p:nvPr/>
+        </p:nvSpPr>
+        <p:spPr>
+          <a:xfrm>
+            <a:off x="774440" y="233265"/>
+            <a:ext cx="10291666" cy="430887"/>
+          </a:xfrm>
+          <a:prstGeom prst="rect">
+            <a:avLst/>
+          </a:prstGeom>
+          <a:noFill/>
+        </p:spPr>
+        <p:txBody>
+          <a:bodyPr wrap="square" rtlCol="0">
+            <a:spAutoFit/>
+          </a:bodyPr>
+          <a:lstStyle/>
+          <a:p>
+            <a:pPr algn="ctr"/>
+            <a:r>
+              <a:rPr lang="en-IN" sz="2200" dirty="0" smtClean="0">
+                <a:latin typeface="Arial Black" panose="020B0A04020102020204" pitchFamily="34" charset="0"/>
+              </a:rPr>
+              <a:t>Queries</a:t>
+            </a:r>
+            <a:endParaRPr lang="en-IN" sz="2200" dirty="0">
+              <a:latin typeface="Arial Black" panose="020B0A04020102020204" pitchFamily="34" charset="0"/>
+            </a:endParaRPr>
+          </a:p>
+        </p:txBody>
+      </p:sp>
+      <p:sp>
+        <p:nvSpPr>
+          <p:cNvPr id="3" name="TextBox 2"/>
+          <p:cNvSpPr txBox="1"/>
+          <p:nvPr/>
+        </p:nvSpPr>
+        <p:spPr>
+          <a:xfrm>
+            <a:off x="1754991" y="1240971"/>
+            <a:ext cx="7147249" cy="1015663"/>
+          </a:xfrm>
+          <a:prstGeom prst="rect">
+            <a:avLst/>
+          </a:prstGeom>
+          <a:noFill/>
+          <a:ln>
+            <a:solidFill>
+              <a:schemeClr val="tx1"/>
+            </a:solidFill>
+          </a:ln>
+        </p:spPr>
+        <p:txBody>
+          <a:bodyPr wrap="square" rtlCol="0">
+            <a:spAutoFit/>
+          </a:bodyPr>
+          <a:lstStyle/>
+          <a:p>
+            <a:r>
+              <a:rPr lang="en-IN" sz="2000" dirty="0" smtClean="0">
+                <a:latin typeface="Arial Black" panose="020B0A04020102020204" pitchFamily="34" charset="0"/>
+              </a:rPr>
+              <a:t>Comparison Operator: </a:t>
+            </a:r>
+            <a:r>
+              <a:rPr lang="en-IN" sz="2000" dirty="0" smtClean="0"/>
+              <a:t>It is used to compare the values</a:t>
+            </a:r>
+          </a:p>
+          <a:p>
+            <a:endParaRPr lang="en-IN" sz="2000" dirty="0"/>
+          </a:p>
+          <a:p>
+            <a:r>
+              <a:rPr lang="en-IN" sz="2000" b="1" dirty="0" smtClean="0">
+                <a:latin typeface="Arial Black" panose="020B0A04020102020204" pitchFamily="34" charset="0"/>
+              </a:rPr>
+              <a:t>&gt;</a:t>
+            </a:r>
+            <a:r>
+              <a:rPr lang="en-IN" sz="2000" dirty="0" smtClean="0"/>
+              <a:t> , BETWEEN, &lt;, ==, &gt;=, &lt;=, IN, LIKE, etc</a:t>
+            </a:r>
+            <a:r>
+              <a:rPr lang="en-IN" sz="2000" dirty="0"/>
+              <a:t>.</a:t>
+            </a:r>
+          </a:p>
+        </p:txBody>
+      </p:sp>
+      <p:pic>
+        <p:nvPicPr>
+          <p:cNvPr id="4" name="Picture 3"/>
+          <p:cNvPicPr>
+            <a:picLocks noChangeAspect="1"/>
+          </p:cNvPicPr>
+          <p:nvPr/>
+        </p:nvPicPr>
+        <p:blipFill>
+          <a:blip r:embed="rId2"/>
+          <a:stretch>
+            <a:fillRect/>
+          </a:stretch>
+        </p:blipFill>
+        <p:spPr>
+          <a:xfrm>
+            <a:off x="1762124" y="2943569"/>
+            <a:ext cx="5077215" cy="1040602"/>
+          </a:xfrm>
+          <a:prstGeom prst="rect">
+            <a:avLst/>
+          </a:prstGeom>
+        </p:spPr>
+      </p:pic>
+      <p:pic>
+        <p:nvPicPr>
+          <p:cNvPr id="5" name="Picture 4"/>
+          <p:cNvPicPr>
+            <a:picLocks noChangeAspect="1"/>
+          </p:cNvPicPr>
+          <p:nvPr/>
+        </p:nvPicPr>
+        <p:blipFill>
+          <a:blip r:embed="rId3"/>
+          <a:stretch>
+            <a:fillRect/>
+          </a:stretch>
+        </p:blipFill>
+        <p:spPr>
+          <a:xfrm>
+            <a:off x="1754990" y="4601365"/>
+            <a:ext cx="3890029" cy="1662405"/>
+          </a:xfrm>
+          <a:prstGeom prst="rect">
+            <a:avLst/>
+          </a:prstGeom>
+        </p:spPr>
+      </p:pic>
+    </p:spTree>
+    <p:extLst>
+      <p:ext uri="{BB962C8B-B14F-4D97-AF65-F5344CB8AC3E}">
+        <p14:creationId xmlns:p14="http://schemas.microsoft.com/office/powerpoint/2010/main" val="2791397895"/>
+      </p:ext>
+    </p:extLst>
+  </p:cSld>
+  <p:clrMapOvr>
+    <a:masterClrMapping/>
+  </p:clrMapOvr>
+</p:sld>
+</file>
+
+<file path=ppt/slides/slide33.xml><?xml version="1.0" encoding="utf-8"?>
+<p:sld xmlns:a="http://schemas.openxmlformats.org/drawingml/2006/main" xmlns:r="http://schemas.openxmlformats.org/officeDocument/2006/relationships" xmlns:p="http://schemas.openxmlformats.org/presentationml/2006/main">
+  <p:cSld>
+    <p:spTree>
+      <p:nvGrpSpPr>
+        <p:cNvPr id="1" name=""/>
+        <p:cNvGrpSpPr/>
+        <p:nvPr/>
+      </p:nvGrpSpPr>
+      <p:grpSpPr>
+        <a:xfrm>
+          <a:off x="0" y="0"/>
+          <a:ext cx="0" cy="0"/>
+          <a:chOff x="0" y="0"/>
+          <a:chExt cx="0" cy="0"/>
+        </a:xfrm>
+      </p:grpSpPr>
+      <p:sp>
+        <p:nvSpPr>
+          <p:cNvPr id="2" name="TextBox 1"/>
+          <p:cNvSpPr txBox="1"/>
+          <p:nvPr/>
+        </p:nvSpPr>
+        <p:spPr>
+          <a:xfrm>
+            <a:off x="774440" y="233265"/>
+            <a:ext cx="10291666" cy="430887"/>
+          </a:xfrm>
+          <a:prstGeom prst="rect">
+            <a:avLst/>
+          </a:prstGeom>
+          <a:noFill/>
+        </p:spPr>
+        <p:txBody>
+          <a:bodyPr wrap="square" rtlCol="0">
+            <a:spAutoFit/>
+          </a:bodyPr>
+          <a:lstStyle/>
+          <a:p>
+            <a:pPr algn="ctr"/>
+            <a:r>
+              <a:rPr lang="en-IN" sz="2200" dirty="0" smtClean="0">
+                <a:latin typeface="Arial Black" panose="020B0A04020102020204" pitchFamily="34" charset="0"/>
+              </a:rPr>
+              <a:t>Queries</a:t>
+            </a:r>
+            <a:endParaRPr lang="en-IN" sz="2200" dirty="0">
+              <a:latin typeface="Arial Black" panose="020B0A04020102020204" pitchFamily="34" charset="0"/>
+            </a:endParaRPr>
+          </a:p>
+        </p:txBody>
+      </p:sp>
+      <p:sp>
+        <p:nvSpPr>
+          <p:cNvPr id="3" name="TextBox 2"/>
+          <p:cNvSpPr txBox="1"/>
+          <p:nvPr/>
+        </p:nvSpPr>
+        <p:spPr>
+          <a:xfrm>
+            <a:off x="1754991" y="1240971"/>
+            <a:ext cx="7147249" cy="1015663"/>
+          </a:xfrm>
+          <a:prstGeom prst="rect">
+            <a:avLst/>
+          </a:prstGeom>
+          <a:noFill/>
+          <a:ln>
+            <a:solidFill>
+              <a:schemeClr val="tx1"/>
+            </a:solidFill>
+          </a:ln>
+        </p:spPr>
+        <p:txBody>
+          <a:bodyPr wrap="square" rtlCol="0">
+            <a:spAutoFit/>
+          </a:bodyPr>
+          <a:lstStyle/>
+          <a:p>
+            <a:r>
+              <a:rPr lang="en-IN" sz="2000" dirty="0" smtClean="0">
+                <a:latin typeface="Arial Black" panose="020B0A04020102020204" pitchFamily="34" charset="0"/>
+              </a:rPr>
+              <a:t>Comparison Operator: </a:t>
+            </a:r>
+            <a:r>
+              <a:rPr lang="en-IN" sz="2000" dirty="0" smtClean="0"/>
+              <a:t>It is used to compare the values</a:t>
+            </a:r>
+          </a:p>
+          <a:p>
+            <a:endParaRPr lang="en-IN" sz="2000" dirty="0"/>
+          </a:p>
+          <a:p>
+            <a:r>
+              <a:rPr lang="en-IN" sz="2000" dirty="0" smtClean="0"/>
+              <a:t>&gt; , </a:t>
+            </a:r>
+            <a:r>
+              <a:rPr lang="en-IN" sz="2000" b="1" dirty="0" smtClean="0">
+                <a:latin typeface="Arial Black" panose="020B0A04020102020204" pitchFamily="34" charset="0"/>
+              </a:rPr>
+              <a:t>BETWEEN</a:t>
+            </a:r>
+            <a:r>
+              <a:rPr lang="en-IN" sz="2000" dirty="0" smtClean="0"/>
+              <a:t>, &lt;, ==, &gt;=, &lt;=, IN, LIKE, etc</a:t>
+            </a:r>
+            <a:r>
+              <a:rPr lang="en-IN" sz="2000" dirty="0"/>
+              <a:t>.</a:t>
+            </a:r>
+          </a:p>
+        </p:txBody>
+      </p:sp>
+      <p:pic>
+        <p:nvPicPr>
+          <p:cNvPr id="4" name="Picture 3"/>
+          <p:cNvPicPr>
+            <a:picLocks noChangeAspect="1"/>
+          </p:cNvPicPr>
+          <p:nvPr/>
+        </p:nvPicPr>
+        <p:blipFill>
+          <a:blip r:embed="rId2"/>
+          <a:stretch>
+            <a:fillRect/>
+          </a:stretch>
+        </p:blipFill>
+        <p:spPr>
+          <a:xfrm>
+            <a:off x="1754991" y="2974510"/>
+            <a:ext cx="4627148" cy="1158951"/>
+          </a:xfrm>
+          <a:prstGeom prst="rect">
+            <a:avLst/>
+          </a:prstGeom>
+        </p:spPr>
+      </p:pic>
+      <p:pic>
+        <p:nvPicPr>
+          <p:cNvPr id="5" name="Picture 4"/>
+          <p:cNvPicPr>
+            <a:picLocks noChangeAspect="1"/>
+          </p:cNvPicPr>
+          <p:nvPr/>
+        </p:nvPicPr>
+        <p:blipFill>
+          <a:blip r:embed="rId3"/>
+          <a:stretch>
+            <a:fillRect/>
+          </a:stretch>
+        </p:blipFill>
+        <p:spPr>
+          <a:xfrm>
+            <a:off x="1754991" y="4611994"/>
+            <a:ext cx="3806054" cy="1889993"/>
+          </a:xfrm>
+          <a:prstGeom prst="rect">
+            <a:avLst/>
+          </a:prstGeom>
+        </p:spPr>
+      </p:pic>
+    </p:spTree>
+    <p:extLst>
+      <p:ext uri="{BB962C8B-B14F-4D97-AF65-F5344CB8AC3E}">
+        <p14:creationId xmlns:p14="http://schemas.microsoft.com/office/powerpoint/2010/main" val="3561083159"/>
+      </p:ext>
+    </p:extLst>
+  </p:cSld>
+  <p:clrMapOvr>
+    <a:masterClrMapping/>
+  </p:clrMapOvr>
+</p:sld>
+</file>
+
+<file path=ppt/slides/slide34.xml><?xml version="1.0" encoding="utf-8"?>
+<p:sld xmlns:a="http://schemas.openxmlformats.org/drawingml/2006/main" xmlns:r="http://schemas.openxmlformats.org/officeDocument/2006/relationships" xmlns:p="http://schemas.openxmlformats.org/presentationml/2006/main">
+  <p:cSld>
+    <p:spTree>
+      <p:nvGrpSpPr>
+        <p:cNvPr id="1" name=""/>
+        <p:cNvGrpSpPr/>
+        <p:nvPr/>
+      </p:nvGrpSpPr>
+      <p:grpSpPr>
+        <a:xfrm>
+          <a:off x="0" y="0"/>
+          <a:ext cx="0" cy="0"/>
+          <a:chOff x="0" y="0"/>
+          <a:chExt cx="0" cy="0"/>
+        </a:xfrm>
+      </p:grpSpPr>
+      <p:sp>
+        <p:nvSpPr>
+          <p:cNvPr id="2" name="TextBox 1"/>
+          <p:cNvSpPr txBox="1"/>
+          <p:nvPr/>
+        </p:nvSpPr>
+        <p:spPr>
+          <a:xfrm>
+            <a:off x="774440" y="233265"/>
+            <a:ext cx="10291666" cy="430887"/>
+          </a:xfrm>
+          <a:prstGeom prst="rect">
+            <a:avLst/>
+          </a:prstGeom>
+          <a:noFill/>
+        </p:spPr>
+        <p:txBody>
+          <a:bodyPr wrap="square" rtlCol="0">
+            <a:spAutoFit/>
+          </a:bodyPr>
+          <a:lstStyle/>
+          <a:p>
+            <a:pPr algn="ctr"/>
+            <a:r>
+              <a:rPr lang="en-IN" sz="2200" dirty="0" smtClean="0">
+                <a:latin typeface="Arial Black" panose="020B0A04020102020204" pitchFamily="34" charset="0"/>
+              </a:rPr>
+              <a:t>Queries</a:t>
+            </a:r>
+            <a:endParaRPr lang="en-IN" sz="2200" dirty="0">
+              <a:latin typeface="Arial Black" panose="020B0A04020102020204" pitchFamily="34" charset="0"/>
+            </a:endParaRPr>
+          </a:p>
+        </p:txBody>
+      </p:sp>
+      <p:sp>
+        <p:nvSpPr>
+          <p:cNvPr id="3" name="TextBox 2"/>
+          <p:cNvSpPr txBox="1"/>
+          <p:nvPr/>
+        </p:nvSpPr>
+        <p:spPr>
+          <a:xfrm>
+            <a:off x="1754991" y="1240971"/>
+            <a:ext cx="7147249" cy="1015663"/>
+          </a:xfrm>
+          <a:prstGeom prst="rect">
+            <a:avLst/>
+          </a:prstGeom>
+          <a:noFill/>
+          <a:ln>
+            <a:solidFill>
+              <a:schemeClr val="tx1"/>
+            </a:solidFill>
+          </a:ln>
+        </p:spPr>
+        <p:txBody>
+          <a:bodyPr wrap="square" rtlCol="0">
+            <a:spAutoFit/>
+          </a:bodyPr>
+          <a:lstStyle/>
+          <a:p>
+            <a:r>
+              <a:rPr lang="en-IN" sz="2000" dirty="0" smtClean="0">
+                <a:latin typeface="Arial Black" panose="020B0A04020102020204" pitchFamily="34" charset="0"/>
+              </a:rPr>
+              <a:t>Comparison Operator: </a:t>
+            </a:r>
+            <a:r>
+              <a:rPr lang="en-IN" sz="2000" dirty="0" smtClean="0"/>
+              <a:t>It is used to compare the values</a:t>
+            </a:r>
+          </a:p>
+          <a:p>
+            <a:endParaRPr lang="en-IN" sz="2000" dirty="0"/>
+          </a:p>
+          <a:p>
+            <a:r>
+              <a:rPr lang="en-IN" sz="2000" dirty="0" smtClean="0"/>
+              <a:t>&gt; , BETWEEN, &lt;, ==, &gt;=, &lt;=, </a:t>
+            </a:r>
+            <a:r>
+              <a:rPr lang="en-IN" sz="2000" dirty="0" smtClean="0">
+                <a:latin typeface="Arial Black" panose="020B0A04020102020204" pitchFamily="34" charset="0"/>
+              </a:rPr>
+              <a:t>IN</a:t>
+            </a:r>
+            <a:r>
+              <a:rPr lang="en-IN" sz="2000" dirty="0" smtClean="0"/>
+              <a:t>, LIKE, etc</a:t>
+            </a:r>
+            <a:r>
+              <a:rPr lang="en-IN" sz="2000" dirty="0"/>
+              <a:t>.</a:t>
+            </a:r>
+          </a:p>
+        </p:txBody>
+      </p:sp>
+      <p:pic>
+        <p:nvPicPr>
+          <p:cNvPr id="4" name="Picture 3"/>
+          <p:cNvPicPr>
+            <a:picLocks noChangeAspect="1"/>
+          </p:cNvPicPr>
+          <p:nvPr/>
+        </p:nvPicPr>
+        <p:blipFill>
+          <a:blip r:embed="rId2"/>
+          <a:stretch>
+            <a:fillRect/>
+          </a:stretch>
+        </p:blipFill>
+        <p:spPr>
+          <a:xfrm>
+            <a:off x="1754991" y="2999119"/>
+            <a:ext cx="6674296" cy="1320954"/>
+          </a:xfrm>
+          <a:prstGeom prst="rect">
+            <a:avLst/>
+          </a:prstGeom>
+        </p:spPr>
+      </p:pic>
+      <p:pic>
+        <p:nvPicPr>
+          <p:cNvPr id="5" name="Picture 4"/>
+          <p:cNvPicPr>
+            <a:picLocks noChangeAspect="1"/>
+          </p:cNvPicPr>
+          <p:nvPr/>
+        </p:nvPicPr>
+        <p:blipFill>
+          <a:blip r:embed="rId3"/>
+          <a:stretch>
+            <a:fillRect/>
+          </a:stretch>
+        </p:blipFill>
+        <p:spPr>
+          <a:xfrm>
+            <a:off x="1754991" y="4717904"/>
+            <a:ext cx="4904473" cy="1374985"/>
+          </a:xfrm>
+          <a:prstGeom prst="rect">
+            <a:avLst/>
+          </a:prstGeom>
+        </p:spPr>
+      </p:pic>
+    </p:spTree>
+    <p:extLst>
+      <p:ext uri="{BB962C8B-B14F-4D97-AF65-F5344CB8AC3E}">
+        <p14:creationId xmlns:p14="http://schemas.microsoft.com/office/powerpoint/2010/main" val="2714102282"/>
+      </p:ext>
+    </p:extLst>
+  </p:cSld>
+  <p:clrMapOvr>
+    <a:masterClrMapping/>
+  </p:clrMapOvr>
+</p:sld>
+</file>
+
+<file path=ppt/slides/slide35.xml><?xml version="1.0" encoding="utf-8"?>
+<p:sld xmlns:a="http://schemas.openxmlformats.org/drawingml/2006/main" xmlns:r="http://schemas.openxmlformats.org/officeDocument/2006/relationships" xmlns:p="http://schemas.openxmlformats.org/presentationml/2006/main">
+  <p:cSld>
+    <p:spTree>
+      <p:nvGrpSpPr>
+        <p:cNvPr id="1" name=""/>
+        <p:cNvGrpSpPr/>
+        <p:nvPr/>
+      </p:nvGrpSpPr>
+      <p:grpSpPr>
+        <a:xfrm>
+          <a:off x="0" y="0"/>
+          <a:ext cx="0" cy="0"/>
+          <a:chOff x="0" y="0"/>
+          <a:chExt cx="0" cy="0"/>
+        </a:xfrm>
+      </p:grpSpPr>
+      <p:sp>
+        <p:nvSpPr>
+          <p:cNvPr id="2" name="TextBox 1"/>
+          <p:cNvSpPr txBox="1"/>
+          <p:nvPr/>
+        </p:nvSpPr>
+        <p:spPr>
+          <a:xfrm>
+            <a:off x="774440" y="233265"/>
+            <a:ext cx="10291666" cy="430887"/>
+          </a:xfrm>
+          <a:prstGeom prst="rect">
+            <a:avLst/>
+          </a:prstGeom>
+          <a:noFill/>
+        </p:spPr>
+        <p:txBody>
+          <a:bodyPr wrap="square" rtlCol="0">
+            <a:spAutoFit/>
+          </a:bodyPr>
+          <a:lstStyle/>
+          <a:p>
+            <a:pPr algn="ctr"/>
+            <a:r>
+              <a:rPr lang="en-IN" sz="2200" dirty="0" smtClean="0">
+                <a:latin typeface="Arial Black" panose="020B0A04020102020204" pitchFamily="34" charset="0"/>
+              </a:rPr>
+              <a:t>Queries</a:t>
+            </a:r>
+            <a:endParaRPr lang="en-IN" sz="2200" dirty="0">
+              <a:latin typeface="Arial Black" panose="020B0A04020102020204" pitchFamily="34" charset="0"/>
+            </a:endParaRPr>
+          </a:p>
+        </p:txBody>
+      </p:sp>
+      <p:sp>
+        <p:nvSpPr>
+          <p:cNvPr id="3" name="TextBox 2"/>
+          <p:cNvSpPr txBox="1"/>
+          <p:nvPr/>
+        </p:nvSpPr>
+        <p:spPr>
+          <a:xfrm>
+            <a:off x="774440" y="233265"/>
+            <a:ext cx="10291666" cy="430887"/>
+          </a:xfrm>
+          <a:prstGeom prst="rect">
+            <a:avLst/>
+          </a:prstGeom>
+          <a:noFill/>
+        </p:spPr>
+        <p:txBody>
+          <a:bodyPr wrap="square" rtlCol="0">
+            <a:spAutoFit/>
+          </a:bodyPr>
+          <a:lstStyle/>
+          <a:p>
+            <a:pPr algn="ctr"/>
+            <a:r>
+              <a:rPr lang="en-IN" sz="2200" dirty="0" smtClean="0">
+                <a:latin typeface="Arial Black" panose="020B0A04020102020204" pitchFamily="34" charset="0"/>
+              </a:rPr>
+              <a:t>Queries</a:t>
+            </a:r>
+            <a:endParaRPr lang="en-IN" sz="2200" dirty="0">
+              <a:latin typeface="Arial Black" panose="020B0A04020102020204" pitchFamily="34" charset="0"/>
+            </a:endParaRPr>
+          </a:p>
+        </p:txBody>
+      </p:sp>
+      <p:sp>
+        <p:nvSpPr>
+          <p:cNvPr id="4" name="TextBox 3"/>
+          <p:cNvSpPr txBox="1"/>
+          <p:nvPr/>
+        </p:nvSpPr>
+        <p:spPr>
+          <a:xfrm>
+            <a:off x="1754991" y="1240971"/>
+            <a:ext cx="7147249" cy="1015663"/>
+          </a:xfrm>
+          <a:prstGeom prst="rect">
+            <a:avLst/>
+          </a:prstGeom>
+          <a:noFill/>
+          <a:ln>
+            <a:solidFill>
+              <a:schemeClr val="tx1"/>
+            </a:solidFill>
+          </a:ln>
+        </p:spPr>
+        <p:txBody>
+          <a:bodyPr wrap="square" rtlCol="0">
+            <a:spAutoFit/>
+          </a:bodyPr>
+          <a:lstStyle/>
+          <a:p>
+            <a:r>
+              <a:rPr lang="en-IN" sz="2000" dirty="0" smtClean="0">
+                <a:latin typeface="Arial Black" panose="020B0A04020102020204" pitchFamily="34" charset="0"/>
+              </a:rPr>
+              <a:t>Comparison Operator: </a:t>
+            </a:r>
+            <a:r>
+              <a:rPr lang="en-IN" sz="2000" dirty="0" smtClean="0"/>
+              <a:t>It is used to compare the values</a:t>
+            </a:r>
+          </a:p>
+          <a:p>
+            <a:endParaRPr lang="en-IN" sz="2000" dirty="0"/>
+          </a:p>
+          <a:p>
+            <a:r>
+              <a:rPr lang="en-IN" sz="2000" dirty="0" smtClean="0"/>
+              <a:t>&gt; , BETWEEN, &lt;, ==, &gt;=, &lt;=, IN,</a:t>
+            </a:r>
+            <a:r>
+              <a:rPr lang="en-IN" sz="2000" dirty="0" smtClean="0">
+                <a:latin typeface="Arial Black" panose="020B0A04020102020204" pitchFamily="34" charset="0"/>
+              </a:rPr>
+              <a:t> LIKE</a:t>
+            </a:r>
+            <a:r>
+              <a:rPr lang="en-IN" sz="2000" dirty="0" smtClean="0"/>
+              <a:t>, etc</a:t>
+            </a:r>
+            <a:r>
+              <a:rPr lang="en-IN" sz="2000" dirty="0"/>
+              <a:t>.</a:t>
+            </a:r>
+          </a:p>
+        </p:txBody>
+      </p:sp>
+      <p:pic>
+        <p:nvPicPr>
+          <p:cNvPr id="5" name="Picture 4"/>
+          <p:cNvPicPr>
+            <a:picLocks noChangeAspect="1"/>
+          </p:cNvPicPr>
+          <p:nvPr/>
+        </p:nvPicPr>
+        <p:blipFill>
+          <a:blip r:embed="rId2"/>
+          <a:stretch>
+            <a:fillRect/>
+          </a:stretch>
+        </p:blipFill>
+        <p:spPr>
+          <a:xfrm>
+            <a:off x="1754990" y="3131794"/>
+            <a:ext cx="5504225" cy="1169618"/>
+          </a:xfrm>
+          <a:prstGeom prst="rect">
+            <a:avLst/>
+          </a:prstGeom>
+        </p:spPr>
+      </p:pic>
+      <p:pic>
+        <p:nvPicPr>
+          <p:cNvPr id="6" name="Picture 5"/>
+          <p:cNvPicPr>
+            <a:picLocks noChangeAspect="1"/>
+          </p:cNvPicPr>
+          <p:nvPr/>
+        </p:nvPicPr>
+        <p:blipFill>
+          <a:blip r:embed="rId3"/>
+          <a:stretch>
+            <a:fillRect/>
+          </a:stretch>
+        </p:blipFill>
+        <p:spPr>
+          <a:xfrm>
+            <a:off x="1754990" y="4724276"/>
+            <a:ext cx="3554128" cy="1887724"/>
+          </a:xfrm>
+          <a:prstGeom prst="rect">
+            <a:avLst/>
+          </a:prstGeom>
+        </p:spPr>
+      </p:pic>
+    </p:spTree>
+    <p:extLst>
+      <p:ext uri="{BB962C8B-B14F-4D97-AF65-F5344CB8AC3E}">
+        <p14:creationId xmlns:p14="http://schemas.microsoft.com/office/powerpoint/2010/main" val="2782919713"/>
+      </p:ext>
+    </p:extLst>
+  </p:cSld>
+  <p:clrMapOvr>
+    <a:masterClrMapping/>
+  </p:clrMapOvr>
+</p:sld>
+</file>
+
+<file path=ppt/slides/slide36.xml><?xml version="1.0" encoding="utf-8"?>
+<p:sld xmlns:a="http://schemas.openxmlformats.org/drawingml/2006/main" xmlns:r="http://schemas.openxmlformats.org/officeDocument/2006/relationships" xmlns:p="http://schemas.openxmlformats.org/presentationml/2006/main">
+  <p:cSld>
+    <p:spTree>
+      <p:nvGrpSpPr>
+        <p:cNvPr id="1" name=""/>
+        <p:cNvGrpSpPr/>
+        <p:nvPr/>
+      </p:nvGrpSpPr>
+      <p:grpSpPr>
+        <a:xfrm>
+          <a:off x="0" y="0"/>
+          <a:ext cx="0" cy="0"/>
+          <a:chOff x="0" y="0"/>
+          <a:chExt cx="0" cy="0"/>
+        </a:xfrm>
+      </p:grpSpPr>
+      <p:sp>
+        <p:nvSpPr>
+          <p:cNvPr id="2" name="TextBox 1"/>
+          <p:cNvSpPr txBox="1"/>
+          <p:nvPr/>
+        </p:nvSpPr>
+        <p:spPr>
+          <a:xfrm>
+            <a:off x="774440" y="233265"/>
+            <a:ext cx="10291666" cy="430887"/>
+          </a:xfrm>
+          <a:prstGeom prst="rect">
+            <a:avLst/>
+          </a:prstGeom>
+          <a:noFill/>
+        </p:spPr>
+        <p:txBody>
+          <a:bodyPr wrap="square" rtlCol="0">
+            <a:spAutoFit/>
+          </a:bodyPr>
+          <a:lstStyle/>
+          <a:p>
+            <a:pPr algn="ctr"/>
+            <a:r>
+              <a:rPr lang="en-IN" sz="2200" dirty="0" smtClean="0">
+                <a:latin typeface="Arial Black" panose="020B0A04020102020204" pitchFamily="34" charset="0"/>
+              </a:rPr>
+              <a:t>Queries</a:t>
+            </a:r>
+            <a:endParaRPr lang="en-IN" sz="2200" dirty="0">
+              <a:latin typeface="Arial Black" panose="020B0A04020102020204" pitchFamily="34" charset="0"/>
+            </a:endParaRPr>
+          </a:p>
+        </p:txBody>
+      </p:sp>
+      <p:sp>
+        <p:nvSpPr>
+          <p:cNvPr id="5" name="TextBox 4"/>
+          <p:cNvSpPr txBox="1"/>
+          <p:nvPr/>
+        </p:nvSpPr>
+        <p:spPr>
+          <a:xfrm>
+            <a:off x="1446245" y="1147666"/>
+            <a:ext cx="7184571" cy="707886"/>
+          </a:xfrm>
+          <a:prstGeom prst="rect">
+            <a:avLst/>
+          </a:prstGeom>
+          <a:noFill/>
+          <a:ln>
+            <a:solidFill>
+              <a:schemeClr val="tx1"/>
+            </a:solidFill>
+          </a:ln>
+        </p:spPr>
+        <p:txBody>
+          <a:bodyPr wrap="square" rtlCol="0">
+            <a:spAutoFit/>
+          </a:bodyPr>
+          <a:lstStyle/>
+          <a:p>
+            <a:r>
+              <a:rPr lang="en-IN" sz="2000" dirty="0" smtClean="0">
+                <a:latin typeface="Arial Black" panose="020B0A04020102020204" pitchFamily="34" charset="0"/>
+              </a:rPr>
+              <a:t>AVG(): </a:t>
+            </a:r>
+            <a:r>
+              <a:rPr lang="en-IN" sz="2000" dirty="0" smtClean="0"/>
+              <a:t>It is used for the average of multiple rows</a:t>
+            </a:r>
+            <a:r>
+              <a:rPr lang="en-US" sz="2000" dirty="0" smtClean="0"/>
+              <a:t>.</a:t>
+            </a:r>
+          </a:p>
+          <a:p>
+            <a:endParaRPr lang="en-IN" sz="2000" dirty="0">
+              <a:latin typeface="Arial Black" panose="020B0A04020102020204" pitchFamily="34" charset="0"/>
+            </a:endParaRPr>
+          </a:p>
+        </p:txBody>
+      </p:sp>
+      <p:pic>
+        <p:nvPicPr>
+          <p:cNvPr id="6" name="Picture 5"/>
+          <p:cNvPicPr>
+            <a:picLocks noChangeAspect="1"/>
+          </p:cNvPicPr>
+          <p:nvPr/>
+        </p:nvPicPr>
+        <p:blipFill>
+          <a:blip r:embed="rId2"/>
+          <a:stretch>
+            <a:fillRect/>
+          </a:stretch>
+        </p:blipFill>
+        <p:spPr>
+          <a:xfrm>
+            <a:off x="1446245" y="4165930"/>
+            <a:ext cx="4366726" cy="1563066"/>
+          </a:xfrm>
+          <a:prstGeom prst="rect">
+            <a:avLst/>
+          </a:prstGeom>
+        </p:spPr>
+      </p:pic>
+      <p:pic>
+        <p:nvPicPr>
+          <p:cNvPr id="7" name="Picture 6"/>
+          <p:cNvPicPr>
+            <a:picLocks noChangeAspect="1"/>
+          </p:cNvPicPr>
+          <p:nvPr/>
+        </p:nvPicPr>
+        <p:blipFill>
+          <a:blip r:embed="rId3">
+            <a:extLst>
+              <a:ext uri="{28A0092B-C50C-407E-A947-70E740481C1C}">
+                <a14:useLocalDpi xmlns:a14="http://schemas.microsoft.com/office/drawing/2010/main" val="0"/>
+              </a:ext>
+            </a:extLst>
+          </a:blip>
+          <a:stretch>
+            <a:fillRect/>
+          </a:stretch>
+        </p:blipFill>
+        <p:spPr>
+          <a:xfrm>
+            <a:off x="1446245" y="2800294"/>
+            <a:ext cx="5365102" cy="791991"/>
+          </a:xfrm>
+          <a:prstGeom prst="rect">
+            <a:avLst/>
+          </a:prstGeom>
+        </p:spPr>
+      </p:pic>
+    </p:spTree>
+    <p:extLst>
+      <p:ext uri="{BB962C8B-B14F-4D97-AF65-F5344CB8AC3E}">
+        <p14:creationId xmlns:p14="http://schemas.microsoft.com/office/powerpoint/2010/main" val="3951205600"/>
+      </p:ext>
+    </p:extLst>
+  </p:cSld>
+  <p:clrMapOvr>
+    <a:masterClrMapping/>
+  </p:clrMapOvr>
+</p:sld>
+</file>
+
+<file path=ppt/slides/slide37.xml><?xml version="1.0" encoding="utf-8"?>
+<p:sld xmlns:a="http://schemas.openxmlformats.org/drawingml/2006/main" xmlns:r="http://schemas.openxmlformats.org/officeDocument/2006/relationships" xmlns:p="http://schemas.openxmlformats.org/presentationml/2006/main">
+  <p:cSld>
+    <p:spTree>
+      <p:nvGrpSpPr>
+        <p:cNvPr id="1" name=""/>
+        <p:cNvGrpSpPr/>
+        <p:nvPr/>
+      </p:nvGrpSpPr>
+      <p:grpSpPr>
+        <a:xfrm>
+          <a:off x="0" y="0"/>
+          <a:ext cx="0" cy="0"/>
+          <a:chOff x="0" y="0"/>
+          <a:chExt cx="0" cy="0"/>
+        </a:xfrm>
+      </p:grpSpPr>
+      <p:sp>
+        <p:nvSpPr>
+          <p:cNvPr id="2" name="TextBox 1"/>
+          <p:cNvSpPr txBox="1"/>
+          <p:nvPr/>
+        </p:nvSpPr>
+        <p:spPr>
+          <a:xfrm>
+            <a:off x="774440" y="251927"/>
+            <a:ext cx="10291666" cy="430887"/>
+          </a:xfrm>
+          <a:prstGeom prst="rect">
+            <a:avLst/>
+          </a:prstGeom>
+          <a:noFill/>
+        </p:spPr>
+        <p:txBody>
+          <a:bodyPr wrap="square" rtlCol="0">
+            <a:spAutoFit/>
+          </a:bodyPr>
+          <a:lstStyle/>
+          <a:p>
+            <a:pPr algn="ctr"/>
+            <a:r>
+              <a:rPr lang="en-IN" sz="2200" dirty="0" smtClean="0">
+                <a:latin typeface="Arial Black" panose="020B0A04020102020204" pitchFamily="34" charset="0"/>
+              </a:rPr>
+              <a:t>Queries</a:t>
+            </a:r>
+            <a:endParaRPr lang="en-IN" sz="2200" dirty="0">
+              <a:latin typeface="Arial Black" panose="020B0A04020102020204" pitchFamily="34" charset="0"/>
+            </a:endParaRPr>
+          </a:p>
+        </p:txBody>
+      </p:sp>
+      <p:sp>
+        <p:nvSpPr>
+          <p:cNvPr id="3" name="TextBox 2"/>
+          <p:cNvSpPr txBox="1"/>
+          <p:nvPr/>
+        </p:nvSpPr>
+        <p:spPr>
+          <a:xfrm>
+            <a:off x="1782147" y="1511559"/>
+            <a:ext cx="6120882" cy="707886"/>
+          </a:xfrm>
+          <a:prstGeom prst="rect">
+            <a:avLst/>
+          </a:prstGeom>
+          <a:noFill/>
+        </p:spPr>
+        <p:txBody>
+          <a:bodyPr wrap="square" rtlCol="0">
+            <a:spAutoFit/>
+          </a:bodyPr>
+          <a:lstStyle/>
+          <a:p>
+            <a:r>
+              <a:rPr lang="en-IN" sz="2000" dirty="0" smtClean="0">
+                <a:latin typeface="Arial Black" panose="020B0A04020102020204" pitchFamily="34" charset="0"/>
+              </a:rPr>
+              <a:t>Distinct:</a:t>
+            </a:r>
+            <a:r>
+              <a:rPr lang="en-IN" sz="2000" dirty="0" smtClean="0"/>
+              <a:t> It is used to identify the unique values in specific column.</a:t>
+            </a:r>
+            <a:endParaRPr lang="en-IN" sz="2000" dirty="0"/>
+          </a:p>
+        </p:txBody>
+      </p:sp>
+      <p:pic>
+        <p:nvPicPr>
+          <p:cNvPr id="4" name="Picture 3"/>
+          <p:cNvPicPr>
+            <a:picLocks noChangeAspect="1"/>
+          </p:cNvPicPr>
+          <p:nvPr/>
+        </p:nvPicPr>
+        <p:blipFill>
+          <a:blip r:embed="rId2"/>
+          <a:stretch>
+            <a:fillRect/>
+          </a:stretch>
+        </p:blipFill>
+        <p:spPr>
+          <a:xfrm>
+            <a:off x="1782146" y="2865268"/>
+            <a:ext cx="4665307" cy="969614"/>
+          </a:xfrm>
+          <a:prstGeom prst="rect">
+            <a:avLst/>
+          </a:prstGeom>
+        </p:spPr>
+      </p:pic>
+      <p:pic>
+        <p:nvPicPr>
+          <p:cNvPr id="5" name="Picture 4"/>
+          <p:cNvPicPr>
+            <a:picLocks noChangeAspect="1"/>
+          </p:cNvPicPr>
+          <p:nvPr/>
+        </p:nvPicPr>
+        <p:blipFill>
+          <a:blip r:embed="rId3"/>
+          <a:stretch>
+            <a:fillRect/>
+          </a:stretch>
+        </p:blipFill>
+        <p:spPr>
+          <a:xfrm>
+            <a:off x="1782147" y="4304719"/>
+            <a:ext cx="3970846" cy="1712618"/>
+          </a:xfrm>
+          <a:prstGeom prst="rect">
+            <a:avLst/>
+          </a:prstGeom>
+        </p:spPr>
+      </p:pic>
+    </p:spTree>
+    <p:extLst>
+      <p:ext uri="{BB962C8B-B14F-4D97-AF65-F5344CB8AC3E}">
+        <p14:creationId xmlns:p14="http://schemas.microsoft.com/office/powerpoint/2010/main" val="2113063037"/>
+      </p:ext>
+    </p:extLst>
+  </p:cSld>
+  <p:clrMapOvr>
+    <a:masterClrMapping/>
+  </p:clrMapOvr>
+</p:sld>
+</file>
+
+<file path=ppt/slides/slide38.xml><?xml version="1.0" encoding="utf-8"?>
+<p:sld xmlns:a="http://schemas.openxmlformats.org/drawingml/2006/main" xmlns:r="http://schemas.openxmlformats.org/officeDocument/2006/relationships" xmlns:p="http://schemas.openxmlformats.org/presentationml/2006/main">
+  <p:cSld>
+    <p:spTree>
+      <p:nvGrpSpPr>
+        <p:cNvPr id="1" name=""/>
+        <p:cNvGrpSpPr/>
+        <p:nvPr/>
+      </p:nvGrpSpPr>
+      <p:grpSpPr>
+        <a:xfrm>
+          <a:off x="0" y="0"/>
+          <a:ext cx="0" cy="0"/>
+          <a:chOff x="0" y="0"/>
+          <a:chExt cx="0" cy="0"/>
+        </a:xfrm>
+      </p:grpSpPr>
+      <p:sp>
+        <p:nvSpPr>
+          <p:cNvPr id="2" name="TextBox 1"/>
+          <p:cNvSpPr txBox="1"/>
+          <p:nvPr/>
+        </p:nvSpPr>
+        <p:spPr>
+          <a:xfrm>
+            <a:off x="774440" y="233265"/>
+            <a:ext cx="10291666" cy="430887"/>
+          </a:xfrm>
+          <a:prstGeom prst="rect">
+            <a:avLst/>
+          </a:prstGeom>
+          <a:noFill/>
+        </p:spPr>
+        <p:txBody>
+          <a:bodyPr wrap="square" rtlCol="0">
+            <a:spAutoFit/>
+          </a:bodyPr>
+          <a:lstStyle/>
+          <a:p>
+            <a:pPr algn="ctr"/>
+            <a:r>
+              <a:rPr lang="en-IN" sz="2200" dirty="0" smtClean="0">
+                <a:latin typeface="Arial Black" panose="020B0A04020102020204" pitchFamily="34" charset="0"/>
+              </a:rPr>
+              <a:t>Queries</a:t>
+            </a:r>
+            <a:endParaRPr lang="en-IN" sz="2200" dirty="0">
+              <a:latin typeface="Arial Black" panose="020B0A04020102020204" pitchFamily="34" charset="0"/>
+            </a:endParaRPr>
+          </a:p>
+        </p:txBody>
+      </p:sp>
+    </p:spTree>
+    <p:extLst>
+      <p:ext uri="{BB962C8B-B14F-4D97-AF65-F5344CB8AC3E}">
+        <p14:creationId xmlns:p14="http://schemas.microsoft.com/office/powerpoint/2010/main" val="877244847"/>
+      </p:ext>
+    </p:extLst>
+  </p:cSld>
+  <p:clrMapOvr>
+    <a:masterClrMapping/>
+  </p:clrMapOvr>
+</p:sld>
+</file>
+
+<file path=ppt/slides/slide39.xml><?xml version="1.0" encoding="utf-8"?>
+<p:sld xmlns:a="http://schemas.openxmlformats.org/drawingml/2006/main" xmlns:r="http://schemas.openxmlformats.org/officeDocument/2006/relationships" xmlns:p="http://schemas.openxmlformats.org/presentationml/2006/main">
+  <p:cSld>
+    <p:spTree>
+      <p:nvGrpSpPr>
+        <p:cNvPr id="1" name=""/>
+        <p:cNvGrpSpPr/>
+        <p:nvPr/>
+      </p:nvGrpSpPr>
+      <p:grpSpPr>
+        <a:xfrm>
+          <a:off x="0" y="0"/>
+          <a:ext cx="0" cy="0"/>
+          <a:chOff x="0" y="0"/>
+          <a:chExt cx="0" cy="0"/>
+        </a:xfrm>
+      </p:grpSpPr>
+      <p:sp>
+        <p:nvSpPr>
+          <p:cNvPr id="2" name="TextBox 1"/>
+          <p:cNvSpPr txBox="1"/>
+          <p:nvPr/>
+        </p:nvSpPr>
+        <p:spPr>
+          <a:xfrm>
+            <a:off x="774440" y="233265"/>
+            <a:ext cx="10291666" cy="769441"/>
+          </a:xfrm>
+          <a:prstGeom prst="rect">
+            <a:avLst/>
+          </a:prstGeom>
+          <a:noFill/>
+        </p:spPr>
+        <p:txBody>
+          <a:bodyPr wrap="square" rtlCol="0">
+            <a:spAutoFit/>
+          </a:bodyPr>
+          <a:lstStyle/>
+          <a:p>
+            <a:pPr algn="ctr"/>
+            <a:endParaRPr lang="en-IN" sz="2200" dirty="0" smtClean="0">
+              <a:latin typeface="Arial Black" panose="020B0A04020102020204" pitchFamily="34" charset="0"/>
+            </a:endParaRPr>
+          </a:p>
+          <a:p>
+            <a:pPr algn="ctr"/>
+            <a:endParaRPr lang="en-IN" sz="2200" dirty="0">
+              <a:latin typeface="Arial Black" panose="020B0A04020102020204" pitchFamily="34" charset="0"/>
+            </a:endParaRPr>
+          </a:p>
+        </p:txBody>
+      </p:sp>
+      <p:sp>
+        <p:nvSpPr>
+          <p:cNvPr id="3" name="TextBox 2"/>
+          <p:cNvSpPr txBox="1"/>
+          <p:nvPr/>
+        </p:nvSpPr>
+        <p:spPr>
+          <a:xfrm>
+            <a:off x="774440" y="233265"/>
+            <a:ext cx="10291666" cy="430887"/>
+          </a:xfrm>
+          <a:prstGeom prst="rect">
+            <a:avLst/>
+          </a:prstGeom>
+          <a:noFill/>
+        </p:spPr>
+        <p:txBody>
+          <a:bodyPr wrap="square" rtlCol="0">
+            <a:spAutoFit/>
+          </a:bodyPr>
+          <a:lstStyle/>
+          <a:p>
+            <a:pPr algn="ctr"/>
+            <a:r>
+              <a:rPr lang="en-IN" sz="2200" dirty="0" smtClean="0">
+                <a:latin typeface="Arial Black" panose="020B0A04020102020204" pitchFamily="34" charset="0"/>
+              </a:rPr>
+              <a:t>Queries</a:t>
+            </a:r>
+            <a:endParaRPr lang="en-IN" sz="2200" dirty="0">
+              <a:latin typeface="Arial Black" panose="020B0A04020102020204" pitchFamily="34" charset="0"/>
+            </a:endParaRPr>
+          </a:p>
+        </p:txBody>
+      </p:sp>
+    </p:spTree>
+    <p:extLst>
+      <p:ext uri="{BB962C8B-B14F-4D97-AF65-F5344CB8AC3E}">
+        <p14:creationId xmlns:p14="http://schemas.microsoft.com/office/powerpoint/2010/main" val="752465198"/>
+      </p:ext>
+    </p:extLst>
+  </p:cSld>
+  <p:clrMapOvr>
+    <a:masterClrMapping/>
+  </p:clrMapOvr>
+</p:sld>
+</file>
+
 <file path=ppt/slides/slide4.xml><?xml version="1.0" encoding="utf-8"?>
 <p:sld xmlns:a="http://schemas.openxmlformats.org/drawingml/2006/main" xmlns:r="http://schemas.openxmlformats.org/officeDocument/2006/relationships" xmlns:p="http://schemas.openxmlformats.org/presentationml/2006/main">
   <p:cSld>
@@ -4434,6 +7935,11 @@
             <a:avLst/>
           </a:prstGeom>
           <a:noFill/>
+          <a:ln>
+            <a:solidFill>
+              <a:schemeClr val="tx1"/>
+            </a:solidFill>
+          </a:ln>
         </p:spPr>
         <p:txBody>
           <a:bodyPr wrap="square" rtlCol="0">
@@ -4443,8 +7949,9 @@
           <a:p>
             <a:r>
               <a:rPr lang="en-IN" sz="2000" b="1" dirty="0" smtClean="0"/>
-              <a:t>INTODUCTION</a:t>
-            </a:r>
+              <a:t>INTRODUCTION</a:t>
+            </a:r>
+            <a:endParaRPr lang="en-IN" sz="2000" b="1" dirty="0" smtClean="0"/>
           </a:p>
           <a:p>
             <a:endParaRPr lang="en-IN" sz="2000" dirty="0"/>
@@ -4491,11 +7998,15 @@
             </a:pPr>
             <a:r>
               <a:rPr lang="en-IN" sz="2000" dirty="0"/>
-              <a:t>Efficient Patient </a:t>
+              <a:t>Efficient </a:t>
             </a:r>
             <a:r>
               <a:rPr lang="en-IN" sz="2000" dirty="0" smtClean="0"/>
-              <a:t>, Doctor Record Management</a:t>
+              <a:t>Patient, </a:t>
+            </a:r>
+            <a:r>
+              <a:rPr lang="en-IN" sz="2000" dirty="0" smtClean="0"/>
+              <a:t>Doctor Record Management</a:t>
             </a:r>
           </a:p>
           <a:p>
@@ -4609,6 +8120,11 @@
             <a:avLst/>
           </a:prstGeom>
           <a:noFill/>
+          <a:ln>
+            <a:solidFill>
+              <a:schemeClr val="tx1"/>
+            </a:solidFill>
+          </a:ln>
         </p:spPr>
         <p:txBody>
           <a:bodyPr wrap="square" rtlCol="0">
@@ -4726,6 +8242,11 @@
             <a:avLst/>
           </a:prstGeom>
           <a:noFill/>
+          <a:ln>
+            <a:solidFill>
+              <a:schemeClr val="tx1"/>
+            </a:solidFill>
+          </a:ln>
         </p:spPr>
         <p:txBody>
           <a:bodyPr wrap="square" rtlCol="0">
@@ -4828,6 +8349,11 @@
             <a:avLst/>
           </a:prstGeom>
           <a:noFill/>
+          <a:ln>
+            <a:solidFill>
+              <a:schemeClr val="tx1"/>
+            </a:solidFill>
+          </a:ln>
         </p:spPr>
         <p:txBody>
           <a:bodyPr wrap="square" rtlCol="0">
@@ -4840,13 +8366,7 @@
               <a:rPr lang="en-US" sz="2000" dirty="0" smtClean="0">
                 <a:latin typeface="Arial Black" panose="020B0A04020102020204" pitchFamily="34" charset="0"/>
               </a:rPr>
-              <a:t>Tables In </a:t>
-            </a:r>
-            <a:r>
-              <a:rPr lang="en-US" sz="2000" dirty="0" err="1" smtClean="0">
-                <a:latin typeface="Arial Black" panose="020B0A04020102020204" pitchFamily="34" charset="0"/>
-              </a:rPr>
-              <a:t>hospital_management_sys</a:t>
+              <a:t>Tables In hospital_management_sys</a:t>
             </a:r>
             <a:endParaRPr lang="en-IN" sz="2000" dirty="0">
               <a:latin typeface="Arial Black" panose="020B0A04020102020204" pitchFamily="34" charset="0"/>
@@ -4953,6 +8473,11 @@
             <a:avLst/>
           </a:prstGeom>
           <a:noFill/>
+          <a:ln>
+            <a:solidFill>
+              <a:schemeClr val="tx1"/>
+            </a:solidFill>
+          </a:ln>
         </p:spPr>
         <p:txBody>
           <a:bodyPr wrap="square" rtlCol="0">
@@ -5041,6 +8566,11 @@
             <a:avLst/>
           </a:prstGeom>
           <a:noFill/>
+          <a:ln>
+            <a:solidFill>
+              <a:schemeClr val="tx1"/>
+            </a:solidFill>
+          </a:ln>
         </p:spPr>
         <p:txBody>
           <a:bodyPr wrap="square" rtlCol="0">

--- a/4_sql/project''/hospital_management.pptx
+++ b/4_sql/project''/hospital_management.pptx
@@ -40,10 +40,29 @@
     <p:sldId id="290" r:id="rId34"/>
     <p:sldId id="292" r:id="rId35"/>
     <p:sldId id="293" r:id="rId36"/>
-    <p:sldId id="285" r:id="rId37"/>
-    <p:sldId id="294" r:id="rId38"/>
-    <p:sldId id="295" r:id="rId39"/>
-    <p:sldId id="296" r:id="rId40"/>
+    <p:sldId id="294" r:id="rId37"/>
+    <p:sldId id="295" r:id="rId38"/>
+    <p:sldId id="296" r:id="rId39"/>
+    <p:sldId id="297" r:id="rId40"/>
+    <p:sldId id="298" r:id="rId41"/>
+    <p:sldId id="299" r:id="rId42"/>
+    <p:sldId id="300" r:id="rId43"/>
+    <p:sldId id="301" r:id="rId44"/>
+    <p:sldId id="302" r:id="rId45"/>
+    <p:sldId id="303" r:id="rId46"/>
+    <p:sldId id="304" r:id="rId47"/>
+    <p:sldId id="305" r:id="rId48"/>
+    <p:sldId id="306" r:id="rId49"/>
+    <p:sldId id="307" r:id="rId50"/>
+    <p:sldId id="308" r:id="rId51"/>
+    <p:sldId id="309" r:id="rId52"/>
+    <p:sldId id="310" r:id="rId53"/>
+    <p:sldId id="311" r:id="rId54"/>
+    <p:sldId id="312" r:id="rId55"/>
+    <p:sldId id="313" r:id="rId56"/>
+    <p:sldId id="314" r:id="rId57"/>
+    <p:sldId id="315" r:id="rId58"/>
+    <p:sldId id="316" r:id="rId59"/>
   </p:sldIdLst>
   <p:sldSz cx="12192000" cy="6858000"/>
   <p:notesSz cx="6858000" cy="9144000"/>
@@ -293,7 +312,7 @@
           <a:p>
             <a:fld id="{82B865A7-C0DA-4AB5-ACAE-01B1232FB320}" type="datetimeFigureOut">
               <a:rPr lang="en-IN" smtClean="0"/>
-              <a:t>08-01-2025</a:t>
+              <a:t>09-01-2025</a:t>
             </a:fld>
             <a:endParaRPr lang="en-IN"/>
           </a:p>
@@ -463,7 +482,7 @@
           <a:p>
             <a:fld id="{82B865A7-C0DA-4AB5-ACAE-01B1232FB320}" type="datetimeFigureOut">
               <a:rPr lang="en-IN" smtClean="0"/>
-              <a:t>08-01-2025</a:t>
+              <a:t>09-01-2025</a:t>
             </a:fld>
             <a:endParaRPr lang="en-IN"/>
           </a:p>
@@ -643,7 +662,7 @@
           <a:p>
             <a:fld id="{82B865A7-C0DA-4AB5-ACAE-01B1232FB320}" type="datetimeFigureOut">
               <a:rPr lang="en-IN" smtClean="0"/>
-              <a:t>08-01-2025</a:t>
+              <a:t>09-01-2025</a:t>
             </a:fld>
             <a:endParaRPr lang="en-IN"/>
           </a:p>
@@ -813,7 +832,7 @@
           <a:p>
             <a:fld id="{82B865A7-C0DA-4AB5-ACAE-01B1232FB320}" type="datetimeFigureOut">
               <a:rPr lang="en-IN" smtClean="0"/>
-              <a:t>08-01-2025</a:t>
+              <a:t>09-01-2025</a:t>
             </a:fld>
             <a:endParaRPr lang="en-IN"/>
           </a:p>
@@ -1059,7 +1078,7 @@
           <a:p>
             <a:fld id="{82B865A7-C0DA-4AB5-ACAE-01B1232FB320}" type="datetimeFigureOut">
               <a:rPr lang="en-IN" smtClean="0"/>
-              <a:t>08-01-2025</a:t>
+              <a:t>09-01-2025</a:t>
             </a:fld>
             <a:endParaRPr lang="en-IN"/>
           </a:p>
@@ -1291,7 +1310,7 @@
           <a:p>
             <a:fld id="{82B865A7-C0DA-4AB5-ACAE-01B1232FB320}" type="datetimeFigureOut">
               <a:rPr lang="en-IN" smtClean="0"/>
-              <a:t>08-01-2025</a:t>
+              <a:t>09-01-2025</a:t>
             </a:fld>
             <a:endParaRPr lang="en-IN"/>
           </a:p>
@@ -1658,7 +1677,7 @@
           <a:p>
             <a:fld id="{82B865A7-C0DA-4AB5-ACAE-01B1232FB320}" type="datetimeFigureOut">
               <a:rPr lang="en-IN" smtClean="0"/>
-              <a:t>08-01-2025</a:t>
+              <a:t>09-01-2025</a:t>
             </a:fld>
             <a:endParaRPr lang="en-IN"/>
           </a:p>
@@ -1776,7 +1795,7 @@
           <a:p>
             <a:fld id="{82B865A7-C0DA-4AB5-ACAE-01B1232FB320}" type="datetimeFigureOut">
               <a:rPr lang="en-IN" smtClean="0"/>
-              <a:t>08-01-2025</a:t>
+              <a:t>09-01-2025</a:t>
             </a:fld>
             <a:endParaRPr lang="en-IN"/>
           </a:p>
@@ -1871,7 +1890,7 @@
           <a:p>
             <a:fld id="{82B865A7-C0DA-4AB5-ACAE-01B1232FB320}" type="datetimeFigureOut">
               <a:rPr lang="en-IN" smtClean="0"/>
-              <a:t>08-01-2025</a:t>
+              <a:t>09-01-2025</a:t>
             </a:fld>
             <a:endParaRPr lang="en-IN"/>
           </a:p>
@@ -2155,7 +2174,7 @@
           <a:p>
             <a:fld id="{82B865A7-C0DA-4AB5-ACAE-01B1232FB320}" type="datetimeFigureOut">
               <a:rPr lang="en-IN" smtClean="0"/>
-              <a:t>08-01-2025</a:t>
+              <a:t>09-01-2025</a:t>
             </a:fld>
             <a:endParaRPr lang="en-IN"/>
           </a:p>
@@ -2408,7 +2427,7 @@
           <a:p>
             <a:fld id="{82B865A7-C0DA-4AB5-ACAE-01B1232FB320}" type="datetimeFigureOut">
               <a:rPr lang="en-IN" smtClean="0"/>
-              <a:t>08-01-2025</a:t>
+              <a:t>09-01-2025</a:t>
             </a:fld>
             <a:endParaRPr lang="en-IN"/>
           </a:p>
@@ -2631,7 +2650,7 @@
           <a:p>
             <a:fld id="{82B865A7-C0DA-4AB5-ACAE-01B1232FB320}" type="datetimeFigureOut">
               <a:rPr lang="en-IN" smtClean="0"/>
-              <a:t>08-01-2025</a:t>
+              <a:t>09-01-2025</a:t>
             </a:fld>
             <a:endParaRPr lang="en-IN"/>
           </a:p>
@@ -7446,7 +7465,7 @@
         </p:nvSpPr>
         <p:spPr>
           <a:xfrm>
-            <a:off x="774440" y="233265"/>
+            <a:off x="774440" y="251927"/>
             <a:ext cx="10291666" cy="430887"/>
           </a:xfrm>
           <a:prstGeom prst="rect">
@@ -7475,14 +7494,14 @@
       </p:sp>
       <p:sp>
         <p:nvSpPr>
-          <p:cNvPr id="5" name="TextBox 4"/>
+          <p:cNvPr id="3" name="TextBox 2"/>
           <p:cNvSpPr txBox="1"/>
           <p:nvPr/>
         </p:nvSpPr>
         <p:spPr>
           <a:xfrm>
-            <a:off x="1446245" y="1147666"/>
-            <a:ext cx="7184571" cy="707886"/>
+            <a:off x="1782147" y="1511559"/>
+            <a:ext cx="6120882" cy="707886"/>
           </a:xfrm>
           <a:prstGeom prst="rect">
             <a:avLst/>
@@ -7504,27 +7523,19 @@
               <a:rPr lang="en-IN" sz="2000" dirty="0" smtClean="0">
                 <a:latin typeface="Arial Black" panose="020B0A04020102020204" pitchFamily="34" charset="0"/>
               </a:rPr>
-              <a:t>AVG(): </a:t>
+              <a:t>Distinct:</a:t>
             </a:r>
             <a:r>
               <a:rPr lang="en-IN" sz="2000" dirty="0" smtClean="0"/>
-              <a:t>It is used for the average of multiple rows</a:t>
-            </a:r>
-            <a:r>
-              <a:rPr lang="en-US" sz="2000" dirty="0" smtClean="0"/>
-              <a:t>.</a:t>
-            </a:r>
-          </a:p>
-          <a:p>
-            <a:endParaRPr lang="en-IN" sz="2000" dirty="0">
-              <a:latin typeface="Arial Black" panose="020B0A04020102020204" pitchFamily="34" charset="0"/>
-            </a:endParaRPr>
+              <a:t> It is used to identify the unique values in specific column.</a:t>
+            </a:r>
+            <a:endParaRPr lang="en-IN" sz="2000" dirty="0"/>
           </a:p>
         </p:txBody>
       </p:sp>
       <p:pic>
         <p:nvPicPr>
-          <p:cNvPr id="6" name="Picture 5"/>
+          <p:cNvPr id="4" name="Picture 3"/>
           <p:cNvPicPr>
             <a:picLocks noChangeAspect="1"/>
           </p:cNvPicPr>
@@ -7538,8 +7549,8 @@
         </p:blipFill>
         <p:spPr>
           <a:xfrm>
-            <a:off x="1446245" y="4165930"/>
-            <a:ext cx="4366726" cy="1563066"/>
+            <a:off x="1782146" y="2865268"/>
+            <a:ext cx="4665307" cy="969614"/>
           </a:xfrm>
           <a:prstGeom prst="rect">
             <a:avLst/>
@@ -7548,28 +7559,22 @@
       </p:pic>
       <p:pic>
         <p:nvPicPr>
-          <p:cNvPr id="7" name="Picture 6"/>
+          <p:cNvPr id="5" name="Picture 4"/>
           <p:cNvPicPr>
             <a:picLocks noChangeAspect="1"/>
           </p:cNvPicPr>
           <p:nvPr/>
         </p:nvPicPr>
         <p:blipFill>
-          <a:blip r:embed="rId3">
-            <a:extLst>
-              <a:ext uri="{28A0092B-C50C-407E-A947-70E740481C1C}">
-                <a14:useLocalDpi xmlns:a14="http://schemas.microsoft.com/office/drawing/2010/main" val="0"/>
-              </a:ext>
-            </a:extLst>
-          </a:blip>
+          <a:blip r:embed="rId3"/>
           <a:stretch>
             <a:fillRect/>
           </a:stretch>
         </p:blipFill>
         <p:spPr>
           <a:xfrm>
-            <a:off x="1446245" y="2800294"/>
-            <a:ext cx="5365102" cy="791991"/>
+            <a:off x="1782147" y="4304719"/>
+            <a:ext cx="3970846" cy="1712618"/>
           </a:xfrm>
           <a:prstGeom prst="rect">
             <a:avLst/>
@@ -7579,7 +7584,7 @@
     </p:spTree>
     <p:extLst>
       <p:ext uri="{BB962C8B-B14F-4D97-AF65-F5344CB8AC3E}">
-        <p14:creationId xmlns:p14="http://schemas.microsoft.com/office/powerpoint/2010/main" val="3951205600"/>
+        <p14:creationId xmlns:p14="http://schemas.microsoft.com/office/powerpoint/2010/main" val="2113063037"/>
       </p:ext>
     </p:extLst>
   </p:cSld>
@@ -7614,7 +7619,7 @@
         </p:nvSpPr>
         <p:spPr>
           <a:xfrm>
-            <a:off x="774440" y="251927"/>
+            <a:off x="774440" y="233265"/>
             <a:ext cx="10291666" cy="430887"/>
           </a:xfrm>
           <a:prstGeom prst="rect">
@@ -7649,13 +7654,18 @@
         </p:nvSpPr>
         <p:spPr>
           <a:xfrm>
-            <a:off x="1782147" y="1511559"/>
-            <a:ext cx="6120882" cy="707886"/>
+            <a:off x="1287624" y="998376"/>
+            <a:ext cx="6671388" cy="707886"/>
           </a:xfrm>
           <a:prstGeom prst="rect">
             <a:avLst/>
           </a:prstGeom>
           <a:noFill/>
+          <a:ln>
+            <a:solidFill>
+              <a:schemeClr val="tx1"/>
+            </a:solidFill>
+          </a:ln>
         </p:spPr>
         <p:txBody>
           <a:bodyPr wrap="square" rtlCol="0">
@@ -7667,11 +7677,11 @@
               <a:rPr lang="en-IN" sz="2000" dirty="0" smtClean="0">
                 <a:latin typeface="Arial Black" panose="020B0A04020102020204" pitchFamily="34" charset="0"/>
               </a:rPr>
-              <a:t>Distinct:</a:t>
+              <a:t>Alter Table:</a:t>
             </a:r>
             <a:r>
               <a:rPr lang="en-IN" sz="2000" dirty="0" smtClean="0"/>
-              <a:t> It is used to identify the unique values in specific column.</a:t>
+              <a:t> It is used to modifying the existing table structure like ADD column, Change, Modify, Drop. </a:t>
             </a:r>
             <a:endParaRPr lang="en-IN" sz="2000" dirty="0"/>
           </a:p>
@@ -7693,8 +7703,8 @@
         </p:blipFill>
         <p:spPr>
           <a:xfrm>
-            <a:off x="1782146" y="2865268"/>
-            <a:ext cx="4665307" cy="969614"/>
+            <a:off x="1287623" y="2898902"/>
+            <a:ext cx="5094516" cy="1396138"/>
           </a:xfrm>
           <a:prstGeom prst="rect">
             <a:avLst/>
@@ -7717,18 +7727,71 @@
         </p:blipFill>
         <p:spPr>
           <a:xfrm>
-            <a:off x="1782147" y="4304719"/>
-            <a:ext cx="3970846" cy="1712618"/>
+            <a:off x="1287623" y="4511602"/>
+            <a:ext cx="7730321" cy="1682246"/>
           </a:xfrm>
           <a:prstGeom prst="rect">
             <a:avLst/>
           </a:prstGeom>
         </p:spPr>
       </p:pic>
+      <p:sp>
+        <p:nvSpPr>
+          <p:cNvPr id="6" name="TextBox 5"/>
+          <p:cNvSpPr txBox="1"/>
+          <p:nvPr/>
+        </p:nvSpPr>
+        <p:spPr>
+          <a:xfrm>
+            <a:off x="1287623" y="1856792"/>
+            <a:ext cx="8462867" cy="707886"/>
+          </a:xfrm>
+          <a:prstGeom prst="rect">
+            <a:avLst/>
+          </a:prstGeom>
+          <a:noFill/>
+          <a:ln>
+            <a:solidFill>
+              <a:schemeClr val="tx1"/>
+            </a:solidFill>
+          </a:ln>
+        </p:spPr>
+        <p:txBody>
+          <a:bodyPr wrap="square" rtlCol="0">
+            <a:spAutoFit/>
+          </a:bodyPr>
+          <a:lstStyle/>
+          <a:p>
+            <a:r>
+              <a:rPr lang="en-IN" sz="2000" dirty="0" smtClean="0">
+                <a:latin typeface="Arial Black" panose="020B0A04020102020204" pitchFamily="34" charset="0"/>
+              </a:rPr>
+              <a:t>Adding Column “alternative_number” after “contact”</a:t>
+            </a:r>
+          </a:p>
+          <a:p>
+            <a:r>
+              <a:rPr lang="en-IN" sz="2000" dirty="0" smtClean="0">
+                <a:latin typeface="Arial Black" panose="020B0A04020102020204" pitchFamily="34" charset="0"/>
+              </a:rPr>
+              <a:t>AFTER: </a:t>
+            </a:r>
+            <a:r>
+              <a:rPr lang="en-IN" sz="2000" dirty="0" smtClean="0"/>
+              <a:t>It is used to define after which table we want to add the new column</a:t>
+            </a:r>
+            <a:r>
+              <a:rPr lang="en-IN" dirty="0" smtClean="0"/>
+              <a:t> </a:t>
+            </a:r>
+            <a:endParaRPr lang="en-IN" dirty="0"/>
+          </a:p>
+        </p:txBody>
+      </p:sp>
     </p:spTree>
     <p:extLst>
       <p:ext uri="{BB962C8B-B14F-4D97-AF65-F5344CB8AC3E}">
-        <p14:creationId xmlns:p14="http://schemas.microsoft.com/office/powerpoint/2010/main" val="2113063037"/>
+        <p14:creationId xmlns:p14="http://schemas.microsoft.com/office/powerpoint/2010/main" val="877244847"/>
       </p:ext>
     </p:extLst>
   </p:cSld>
@@ -7764,7 +7827,7 @@
         <p:spPr>
           <a:xfrm>
             <a:off x="774440" y="233265"/>
-            <a:ext cx="10291666" cy="430887"/>
+            <a:ext cx="10291666" cy="769441"/>
           </a:xfrm>
           <a:prstGeom prst="rect">
             <a:avLst/>
@@ -7778,22 +7841,183 @@
           <a:lstStyle/>
           <a:p>
             <a:pPr algn="ctr"/>
-            <a:r>
-              <a:rPr lang="en-IN" sz="2200" dirty="0" smtClean="0">
-                <a:latin typeface="Arial Black" panose="020B0A04020102020204" pitchFamily="34" charset="0"/>
-              </a:rPr>
-              <a:t>Queries</a:t>
-            </a:r>
+            <a:endParaRPr lang="en-IN" sz="2200" dirty="0" smtClean="0">
+              <a:latin typeface="Arial Black" panose="020B0A04020102020204" pitchFamily="34" charset="0"/>
+            </a:endParaRPr>
+          </a:p>
+          <a:p>
+            <a:pPr algn="ctr"/>
             <a:endParaRPr lang="en-IN" sz="2200" dirty="0">
               <a:latin typeface="Arial Black" panose="020B0A04020102020204" pitchFamily="34" charset="0"/>
             </a:endParaRPr>
           </a:p>
         </p:txBody>
       </p:sp>
+      <p:sp>
+        <p:nvSpPr>
+          <p:cNvPr id="3" name="TextBox 2"/>
+          <p:cNvSpPr txBox="1"/>
+          <p:nvPr/>
+        </p:nvSpPr>
+        <p:spPr>
+          <a:xfrm>
+            <a:off x="774440" y="233265"/>
+            <a:ext cx="10291666" cy="430887"/>
+          </a:xfrm>
+          <a:prstGeom prst="rect">
+            <a:avLst/>
+          </a:prstGeom>
+          <a:noFill/>
+        </p:spPr>
+        <p:txBody>
+          <a:bodyPr wrap="square" rtlCol="0">
+            <a:spAutoFit/>
+          </a:bodyPr>
+          <a:lstStyle/>
+          <a:p>
+            <a:pPr algn="ctr"/>
+            <a:r>
+              <a:rPr lang="en-IN" sz="2200" dirty="0" smtClean="0">
+                <a:latin typeface="Arial Black" panose="020B0A04020102020204" pitchFamily="34" charset="0"/>
+              </a:rPr>
+              <a:t>Queries</a:t>
+            </a:r>
+            <a:endParaRPr lang="en-IN" sz="2200" dirty="0">
+              <a:latin typeface="Arial Black" panose="020B0A04020102020204" pitchFamily="34" charset="0"/>
+            </a:endParaRPr>
+          </a:p>
+        </p:txBody>
+      </p:sp>
+      <p:sp>
+        <p:nvSpPr>
+          <p:cNvPr id="4" name="TextBox 3"/>
+          <p:cNvSpPr txBox="1"/>
+          <p:nvPr/>
+        </p:nvSpPr>
+        <p:spPr>
+          <a:xfrm>
+            <a:off x="1623526" y="1253661"/>
+            <a:ext cx="7408506" cy="1323439"/>
+          </a:xfrm>
+          <a:prstGeom prst="rect">
+            <a:avLst/>
+          </a:prstGeom>
+          <a:noFill/>
+          <a:ln>
+            <a:solidFill>
+              <a:schemeClr val="tx1"/>
+            </a:solidFill>
+          </a:ln>
+        </p:spPr>
+        <p:txBody>
+          <a:bodyPr wrap="square" rtlCol="0">
+            <a:spAutoFit/>
+          </a:bodyPr>
+          <a:lstStyle/>
+          <a:p>
+            <a:r>
+              <a:rPr lang="en-IN" sz="2000" dirty="0" smtClean="0">
+                <a:latin typeface="Arial Black" panose="020B0A04020102020204" pitchFamily="34" charset="0"/>
+              </a:rPr>
+              <a:t>ALTER TABLE -&gt; FIRST</a:t>
+            </a:r>
+          </a:p>
+          <a:p>
+            <a:endParaRPr lang="en-IN" sz="2000" dirty="0" smtClean="0">
+              <a:latin typeface="Arial Black" panose="020B0A04020102020204" pitchFamily="34" charset="0"/>
+            </a:endParaRPr>
+          </a:p>
+          <a:p>
+            <a:r>
+              <a:rPr lang="en-IN" sz="2000" dirty="0" smtClean="0">
+                <a:latin typeface="Arial Black" panose="020B0A04020102020204" pitchFamily="34" charset="0"/>
+              </a:rPr>
+              <a:t>FIRST: </a:t>
+            </a:r>
+            <a:r>
+              <a:rPr lang="en-IN" sz="2000" dirty="0" smtClean="0"/>
+              <a:t>It is used to </a:t>
+            </a:r>
+            <a:r>
+              <a:rPr lang="en-IN" sz="2000" dirty="0" err="1" smtClean="0"/>
+              <a:t>adda</a:t>
+            </a:r>
+            <a:r>
+              <a:rPr lang="en-IN" sz="2000" dirty="0" smtClean="0"/>
+              <a:t>  new column in 1</a:t>
+            </a:r>
+            <a:r>
+              <a:rPr lang="en-IN" sz="2000" baseline="30000" dirty="0" smtClean="0"/>
+              <a:t>st</a:t>
+            </a:r>
+            <a:r>
+              <a:rPr lang="en-IN" sz="2000" dirty="0" smtClean="0"/>
+              <a:t> position </a:t>
+            </a:r>
+            <a:r>
+              <a:rPr lang="en-IN" sz="2000" dirty="0" err="1" smtClean="0"/>
+              <a:t>i.e</a:t>
+            </a:r>
+            <a:r>
+              <a:rPr lang="en-IN" sz="2000" dirty="0" smtClean="0"/>
+              <a:t> before everything</a:t>
+            </a:r>
+            <a:endParaRPr lang="en-IN" sz="2000" dirty="0"/>
+          </a:p>
+        </p:txBody>
+      </p:sp>
+      <p:pic>
+        <p:nvPicPr>
+          <p:cNvPr id="5" name="Picture 4"/>
+          <p:cNvPicPr>
+            <a:picLocks noChangeAspect="1"/>
+          </p:cNvPicPr>
+          <p:nvPr/>
+        </p:nvPicPr>
+        <p:blipFill>
+          <a:blip r:embed="rId2"/>
+          <a:stretch>
+            <a:fillRect/>
+          </a:stretch>
+        </p:blipFill>
+        <p:spPr>
+          <a:xfrm>
+            <a:off x="1623526" y="2828056"/>
+            <a:ext cx="5001209" cy="1278505"/>
+          </a:xfrm>
+          <a:prstGeom prst="rect">
+            <a:avLst/>
+          </a:prstGeom>
+        </p:spPr>
+      </p:pic>
+      <p:pic>
+        <p:nvPicPr>
+          <p:cNvPr id="6" name="Picture 5"/>
+          <p:cNvPicPr>
+            <a:picLocks noChangeAspect="1"/>
+          </p:cNvPicPr>
+          <p:nvPr/>
+        </p:nvPicPr>
+        <p:blipFill>
+          <a:blip r:embed="rId3"/>
+          <a:stretch>
+            <a:fillRect/>
+          </a:stretch>
+        </p:blipFill>
+        <p:spPr>
+          <a:xfrm>
+            <a:off x="1623526" y="4488355"/>
+            <a:ext cx="7718186" cy="1557881"/>
+          </a:xfrm>
+          <a:prstGeom prst="rect">
+            <a:avLst/>
+          </a:prstGeom>
+        </p:spPr>
+      </p:pic>
     </p:spTree>
     <p:extLst>
       <p:ext uri="{BB962C8B-B14F-4D97-AF65-F5344CB8AC3E}">
-        <p14:creationId xmlns:p14="http://schemas.microsoft.com/office/powerpoint/2010/main" val="877244847"/>
+        <p14:creationId xmlns:p14="http://schemas.microsoft.com/office/powerpoint/2010/main" val="752465198"/>
       </p:ext>
     </p:extLst>
   </p:cSld>
@@ -7828,8 +8052,8 @@
         </p:nvSpPr>
         <p:spPr>
           <a:xfrm>
-            <a:off x="774440" y="233265"/>
-            <a:ext cx="10291666" cy="769441"/>
+            <a:off x="774440" y="242596"/>
+            <a:ext cx="10291666" cy="430887"/>
           </a:xfrm>
           <a:prstGeom prst="rect">
             <a:avLst/>
@@ -7843,33 +8067,92 @@
           <a:lstStyle/>
           <a:p>
             <a:pPr algn="ctr"/>
-            <a:endParaRPr lang="en-IN" sz="2200" dirty="0" smtClean="0">
-              <a:latin typeface="Arial Black" panose="020B0A04020102020204" pitchFamily="34" charset="0"/>
-            </a:endParaRPr>
-          </a:p>
-          <a:p>
-            <a:pPr algn="ctr"/>
+            <a:r>
+              <a:rPr lang="en-IN" sz="2200" dirty="0" smtClean="0">
+                <a:latin typeface="Arial Black" panose="020B0A04020102020204" pitchFamily="34" charset="0"/>
+              </a:rPr>
+              <a:t>Queries</a:t>
+            </a:r>
             <a:endParaRPr lang="en-IN" sz="2200" dirty="0">
               <a:latin typeface="Arial Black" panose="020B0A04020102020204" pitchFamily="34" charset="0"/>
             </a:endParaRPr>
           </a:p>
         </p:txBody>
       </p:sp>
-      <p:sp>
-        <p:nvSpPr>
-          <p:cNvPr id="3" name="TextBox 2"/>
+      <p:pic>
+        <p:nvPicPr>
+          <p:cNvPr id="3" name="Picture 2"/>
+          <p:cNvPicPr>
+            <a:picLocks noChangeAspect="1"/>
+          </p:cNvPicPr>
+          <p:nvPr/>
+        </p:nvPicPr>
+        <p:blipFill>
+          <a:blip r:embed="rId2"/>
+          <a:stretch>
+            <a:fillRect/>
+          </a:stretch>
+        </p:blipFill>
+        <p:spPr>
+          <a:xfrm>
+            <a:off x="2020074" y="4741453"/>
+            <a:ext cx="7515812" cy="1499414"/>
+          </a:xfrm>
+          <a:prstGeom prst="rect">
+            <a:avLst/>
+          </a:prstGeom>
+        </p:spPr>
+      </p:pic>
+      <p:pic>
+        <p:nvPicPr>
+          <p:cNvPr id="4" name="Picture 3"/>
+          <p:cNvPicPr>
+            <a:picLocks noChangeAspect="1"/>
+          </p:cNvPicPr>
+          <p:nvPr/>
+        </p:nvPicPr>
+        <p:blipFill>
+          <a:blip r:embed="rId3">
+            <a:extLst>
+              <a:ext uri="{28A0092B-C50C-407E-A947-70E740481C1C}">
+                <a14:useLocalDpi xmlns:a14="http://schemas.microsoft.com/office/drawing/2010/main" val="0"/>
+              </a:ext>
+            </a:extLst>
+          </a:blip>
+          <a:stretch>
+            <a:fillRect/>
+          </a:stretch>
+        </p:blipFill>
+        <p:spPr>
+          <a:xfrm>
+            <a:off x="2020074" y="3010792"/>
+            <a:ext cx="4688636" cy="1186751"/>
+          </a:xfrm>
+          <a:prstGeom prst="rect">
+            <a:avLst/>
+          </a:prstGeom>
+        </p:spPr>
+      </p:pic>
+      <p:sp>
+        <p:nvSpPr>
+          <p:cNvPr id="5" name="TextBox 4"/>
           <p:cNvSpPr txBox="1"/>
           <p:nvPr/>
         </p:nvSpPr>
         <p:spPr>
           <a:xfrm>
-            <a:off x="774440" y="233265"/>
-            <a:ext cx="10291666" cy="430887"/>
+            <a:off x="2020074" y="1166327"/>
+            <a:ext cx="7515812" cy="707886"/>
           </a:xfrm>
           <a:prstGeom prst="rect">
             <a:avLst/>
           </a:prstGeom>
           <a:noFill/>
+          <a:ln>
+            <a:solidFill>
+              <a:schemeClr val="tx1"/>
+            </a:solidFill>
+          </a:ln>
         </p:spPr>
         <p:txBody>
           <a:bodyPr wrap="square" rtlCol="0">
@@ -7877,23 +8160,63 @@
           </a:bodyPr>
           <a:lstStyle/>
           <a:p>
-            <a:pPr algn="ctr"/>
-            <a:r>
-              <a:rPr lang="en-IN" sz="2200" dirty="0" smtClean="0">
-                <a:latin typeface="Arial Black" panose="020B0A04020102020204" pitchFamily="34" charset="0"/>
-              </a:rPr>
-              <a:t>Queries</a:t>
-            </a:r>
-            <a:endParaRPr lang="en-IN" sz="2200" dirty="0">
+            <a:r>
+              <a:rPr lang="en-IN" sz="2000" dirty="0" smtClean="0">
+                <a:latin typeface="Arial Black" panose="020B0A04020102020204" pitchFamily="34" charset="0"/>
+              </a:rPr>
+              <a:t>CHANGE COLUMN: It is used to change the column name or add constraints if required</a:t>
+            </a:r>
+            <a:r>
+              <a:rPr lang="en-IN" dirty="0" smtClean="0">
+                <a:latin typeface="Arial Black" panose="020B0A04020102020204" pitchFamily="34" charset="0"/>
+              </a:rPr>
+              <a:t> </a:t>
+            </a:r>
+            <a:endParaRPr lang="en-IN" dirty="0">
               <a:latin typeface="Arial Black" panose="020B0A04020102020204" pitchFamily="34" charset="0"/>
             </a:endParaRPr>
+          </a:p>
+        </p:txBody>
+      </p:sp>
+      <p:sp>
+        <p:nvSpPr>
+          <p:cNvPr id="6" name="TextBox 5"/>
+          <p:cNvSpPr txBox="1"/>
+          <p:nvPr/>
+        </p:nvSpPr>
+        <p:spPr>
+          <a:xfrm>
+            <a:off x="2020074" y="2195664"/>
+            <a:ext cx="5346440" cy="400110"/>
+          </a:xfrm>
+          <a:prstGeom prst="rect">
+            <a:avLst/>
+          </a:prstGeom>
+          <a:noFill/>
+          <a:ln>
+            <a:solidFill>
+              <a:schemeClr val="tx1"/>
+            </a:solidFill>
+          </a:ln>
+        </p:spPr>
+        <p:txBody>
+          <a:bodyPr wrap="square" rtlCol="0">
+            <a:spAutoFit/>
+          </a:bodyPr>
+          <a:lstStyle/>
+          <a:p>
+            <a:r>
+              <a:rPr lang="en-IN" sz="2000" dirty="0" smtClean="0"/>
+              <a:t>Changing hospital_id to hos_id</a:t>
+            </a:r>
+            <a:endParaRPr lang="en-IN" sz="2000" dirty="0"/>
           </a:p>
         </p:txBody>
       </p:sp>
     </p:spTree>
     <p:extLst>
       <p:ext uri="{BB962C8B-B14F-4D97-AF65-F5344CB8AC3E}">
-        <p14:creationId xmlns:p14="http://schemas.microsoft.com/office/powerpoint/2010/main" val="752465198"/>
+        <p14:creationId xmlns:p14="http://schemas.microsoft.com/office/powerpoint/2010/main" val="3878747909"/>
       </p:ext>
     </p:extLst>
   </p:cSld>
@@ -7951,7 +8274,6 @@
               <a:rPr lang="en-IN" sz="2000" b="1" dirty="0" smtClean="0"/>
               <a:t>INTRODUCTION</a:t>
             </a:r>
-            <a:endParaRPr lang="en-IN" sz="2000" b="1" dirty="0" smtClean="0"/>
           </a:p>
           <a:p>
             <a:endParaRPr lang="en-IN" sz="2000" dirty="0"/>
@@ -8002,11 +8324,7 @@
             </a:r>
             <a:r>
               <a:rPr lang="en-IN" sz="2000" dirty="0" smtClean="0"/>
-              <a:t>Patient, </a:t>
-            </a:r>
-            <a:r>
-              <a:rPr lang="en-IN" sz="2000" dirty="0" smtClean="0"/>
-              <a:t>Doctor Record Management</a:t>
+              <a:t>Patient, Doctor Record Management</a:t>
             </a:r>
           </a:p>
           <a:p>
@@ -8088,6 +8406,1875 @@
 </p:sld>
 </file>
 
+<file path=ppt/slides/slide40.xml><?xml version="1.0" encoding="utf-8"?>
+<p:sld xmlns:a="http://schemas.openxmlformats.org/drawingml/2006/main" xmlns:r="http://schemas.openxmlformats.org/officeDocument/2006/relationships" xmlns:p="http://schemas.openxmlformats.org/presentationml/2006/main">
+  <p:cSld>
+    <p:spTree>
+      <p:nvGrpSpPr>
+        <p:cNvPr id="1" name=""/>
+        <p:cNvGrpSpPr/>
+        <p:nvPr/>
+      </p:nvGrpSpPr>
+      <p:grpSpPr>
+        <a:xfrm>
+          <a:off x="0" y="0"/>
+          <a:ext cx="0" cy="0"/>
+          <a:chOff x="0" y="0"/>
+          <a:chExt cx="0" cy="0"/>
+        </a:xfrm>
+      </p:grpSpPr>
+      <p:sp>
+        <p:nvSpPr>
+          <p:cNvPr id="2" name="TextBox 1"/>
+          <p:cNvSpPr txBox="1"/>
+          <p:nvPr/>
+        </p:nvSpPr>
+        <p:spPr>
+          <a:xfrm>
+            <a:off x="774440" y="233265"/>
+            <a:ext cx="10291666" cy="430887"/>
+          </a:xfrm>
+          <a:prstGeom prst="rect">
+            <a:avLst/>
+          </a:prstGeom>
+          <a:noFill/>
+        </p:spPr>
+        <p:txBody>
+          <a:bodyPr wrap="square" rtlCol="0">
+            <a:spAutoFit/>
+          </a:bodyPr>
+          <a:lstStyle/>
+          <a:p>
+            <a:pPr algn="ctr"/>
+            <a:r>
+              <a:rPr lang="en-IN" sz="2200" dirty="0" smtClean="0">
+                <a:latin typeface="Arial Black" panose="020B0A04020102020204" pitchFamily="34" charset="0"/>
+              </a:rPr>
+              <a:t>Queries</a:t>
+            </a:r>
+            <a:endParaRPr lang="en-IN" sz="2200" dirty="0">
+              <a:latin typeface="Arial Black" panose="020B0A04020102020204" pitchFamily="34" charset="0"/>
+            </a:endParaRPr>
+          </a:p>
+        </p:txBody>
+      </p:sp>
+      <p:sp>
+        <p:nvSpPr>
+          <p:cNvPr id="3" name="TextBox 2"/>
+          <p:cNvSpPr txBox="1"/>
+          <p:nvPr/>
+        </p:nvSpPr>
+        <p:spPr>
+          <a:xfrm>
+            <a:off x="1768150" y="1596904"/>
+            <a:ext cx="8304245" cy="707886"/>
+          </a:xfrm>
+          <a:prstGeom prst="rect">
+            <a:avLst/>
+          </a:prstGeom>
+          <a:noFill/>
+          <a:ln>
+            <a:solidFill>
+              <a:schemeClr val="tx1"/>
+            </a:solidFill>
+          </a:ln>
+        </p:spPr>
+        <p:txBody>
+          <a:bodyPr wrap="square" rtlCol="0">
+            <a:spAutoFit/>
+          </a:bodyPr>
+          <a:lstStyle/>
+          <a:p>
+            <a:r>
+              <a:rPr lang="en-IN" sz="2000" dirty="0" smtClean="0">
+                <a:latin typeface="Arial Black" panose="020B0A04020102020204" pitchFamily="34" charset="0"/>
+              </a:rPr>
+              <a:t>MODIFY COLUMN:</a:t>
+            </a:r>
+            <a:r>
+              <a:rPr lang="en-IN" sz="2000" dirty="0" smtClean="0"/>
+              <a:t> It is used to change the properties of the column as its data type, length, and constraints.</a:t>
+            </a:r>
+            <a:endParaRPr lang="en-IN" sz="2000" dirty="0"/>
+          </a:p>
+        </p:txBody>
+      </p:sp>
+      <p:sp>
+        <p:nvSpPr>
+          <p:cNvPr id="4" name="TextBox 3"/>
+          <p:cNvSpPr txBox="1"/>
+          <p:nvPr/>
+        </p:nvSpPr>
+        <p:spPr>
+          <a:xfrm>
+            <a:off x="1768150" y="2837432"/>
+            <a:ext cx="6316824" cy="400110"/>
+          </a:xfrm>
+          <a:prstGeom prst="rect">
+            <a:avLst/>
+          </a:prstGeom>
+          <a:noFill/>
+          <a:ln>
+            <a:solidFill>
+              <a:schemeClr val="tx1"/>
+            </a:solidFill>
+          </a:ln>
+        </p:spPr>
+        <p:txBody>
+          <a:bodyPr wrap="square" rtlCol="0">
+            <a:spAutoFit/>
+          </a:bodyPr>
+          <a:lstStyle/>
+          <a:p>
+            <a:r>
+              <a:rPr lang="en-IN" sz="2000" dirty="0" smtClean="0"/>
+              <a:t>Changing length of the contact</a:t>
+            </a:r>
+            <a:endParaRPr lang="en-IN" sz="2000" dirty="0"/>
+          </a:p>
+        </p:txBody>
+      </p:sp>
+      <p:pic>
+        <p:nvPicPr>
+          <p:cNvPr id="5" name="Picture 4"/>
+          <p:cNvPicPr>
+            <a:picLocks noChangeAspect="1"/>
+          </p:cNvPicPr>
+          <p:nvPr/>
+        </p:nvPicPr>
+        <p:blipFill>
+          <a:blip r:embed="rId2"/>
+          <a:stretch>
+            <a:fillRect/>
+          </a:stretch>
+        </p:blipFill>
+        <p:spPr>
+          <a:xfrm>
+            <a:off x="1768150" y="3869599"/>
+            <a:ext cx="5031927" cy="1234246"/>
+          </a:xfrm>
+          <a:prstGeom prst="rect">
+            <a:avLst/>
+          </a:prstGeom>
+        </p:spPr>
+      </p:pic>
+    </p:spTree>
+    <p:extLst>
+      <p:ext uri="{BB962C8B-B14F-4D97-AF65-F5344CB8AC3E}">
+        <p14:creationId xmlns:p14="http://schemas.microsoft.com/office/powerpoint/2010/main" val="3981397453"/>
+      </p:ext>
+    </p:extLst>
+  </p:cSld>
+  <p:clrMapOvr>
+    <a:masterClrMapping/>
+  </p:clrMapOvr>
+</p:sld>
+</file>
+
+<file path=ppt/slides/slide41.xml><?xml version="1.0" encoding="utf-8"?>
+<p:sld xmlns:a="http://schemas.openxmlformats.org/drawingml/2006/main" xmlns:r="http://schemas.openxmlformats.org/officeDocument/2006/relationships" xmlns:p="http://schemas.openxmlformats.org/presentationml/2006/main">
+  <p:cSld>
+    <p:spTree>
+      <p:nvGrpSpPr>
+        <p:cNvPr id="1" name=""/>
+        <p:cNvGrpSpPr/>
+        <p:nvPr/>
+      </p:nvGrpSpPr>
+      <p:grpSpPr>
+        <a:xfrm>
+          <a:off x="0" y="0"/>
+          <a:ext cx="0" cy="0"/>
+          <a:chOff x="0" y="0"/>
+          <a:chExt cx="0" cy="0"/>
+        </a:xfrm>
+      </p:grpSpPr>
+      <p:sp>
+        <p:nvSpPr>
+          <p:cNvPr id="2" name="TextBox 1"/>
+          <p:cNvSpPr txBox="1"/>
+          <p:nvPr/>
+        </p:nvSpPr>
+        <p:spPr>
+          <a:xfrm>
+            <a:off x="774440" y="233265"/>
+            <a:ext cx="10291666" cy="430887"/>
+          </a:xfrm>
+          <a:prstGeom prst="rect">
+            <a:avLst/>
+          </a:prstGeom>
+          <a:noFill/>
+        </p:spPr>
+        <p:txBody>
+          <a:bodyPr wrap="square" rtlCol="0">
+            <a:spAutoFit/>
+          </a:bodyPr>
+          <a:lstStyle/>
+          <a:p>
+            <a:pPr algn="ctr"/>
+            <a:r>
+              <a:rPr lang="en-IN" sz="2200" dirty="0" smtClean="0">
+                <a:latin typeface="Arial Black" panose="020B0A04020102020204" pitchFamily="34" charset="0"/>
+              </a:rPr>
+              <a:t>Queries</a:t>
+            </a:r>
+            <a:endParaRPr lang="en-IN" sz="2200" dirty="0">
+              <a:latin typeface="Arial Black" panose="020B0A04020102020204" pitchFamily="34" charset="0"/>
+            </a:endParaRPr>
+          </a:p>
+        </p:txBody>
+      </p:sp>
+      <p:sp>
+        <p:nvSpPr>
+          <p:cNvPr id="3" name="TextBox 2"/>
+          <p:cNvSpPr txBox="1"/>
+          <p:nvPr/>
+        </p:nvSpPr>
+        <p:spPr>
+          <a:xfrm>
+            <a:off x="1698171" y="1380931"/>
+            <a:ext cx="6195526" cy="400110"/>
+          </a:xfrm>
+          <a:prstGeom prst="rect">
+            <a:avLst/>
+          </a:prstGeom>
+          <a:noFill/>
+          <a:ln>
+            <a:solidFill>
+              <a:schemeClr val="tx1">
+                <a:lumMod val="95000"/>
+                <a:lumOff val="5000"/>
+              </a:schemeClr>
+            </a:solidFill>
+          </a:ln>
+        </p:spPr>
+        <p:txBody>
+          <a:bodyPr wrap="square" rtlCol="0">
+            <a:spAutoFit/>
+          </a:bodyPr>
+          <a:lstStyle/>
+          <a:p>
+            <a:r>
+              <a:rPr lang="en-IN" sz="2000" dirty="0" smtClean="0">
+                <a:latin typeface="Arial Black" panose="020B0A04020102020204" pitchFamily="34" charset="0"/>
+              </a:rPr>
+              <a:t>DROP: </a:t>
+            </a:r>
+            <a:r>
+              <a:rPr lang="en-IN" sz="2000" dirty="0" smtClean="0"/>
+              <a:t>It is used to drop the column of the table</a:t>
+            </a:r>
+            <a:endParaRPr lang="en-IN" sz="2000" dirty="0"/>
+          </a:p>
+        </p:txBody>
+      </p:sp>
+      <p:pic>
+        <p:nvPicPr>
+          <p:cNvPr id="4" name="Picture 3"/>
+          <p:cNvPicPr>
+            <a:picLocks noChangeAspect="1"/>
+          </p:cNvPicPr>
+          <p:nvPr/>
+        </p:nvPicPr>
+        <p:blipFill>
+          <a:blip r:embed="rId2"/>
+          <a:stretch>
+            <a:fillRect/>
+          </a:stretch>
+        </p:blipFill>
+        <p:spPr>
+          <a:xfrm>
+            <a:off x="1698171" y="3073764"/>
+            <a:ext cx="4609323" cy="1468798"/>
+          </a:xfrm>
+          <a:prstGeom prst="rect">
+            <a:avLst/>
+          </a:prstGeom>
+        </p:spPr>
+      </p:pic>
+      <p:pic>
+        <p:nvPicPr>
+          <p:cNvPr id="5" name="Picture 4"/>
+          <p:cNvPicPr>
+            <a:picLocks noChangeAspect="1"/>
+          </p:cNvPicPr>
+          <p:nvPr/>
+        </p:nvPicPr>
+        <p:blipFill>
+          <a:blip r:embed="rId3"/>
+          <a:stretch>
+            <a:fillRect/>
+          </a:stretch>
+        </p:blipFill>
+        <p:spPr>
+          <a:xfrm>
+            <a:off x="1698170" y="4862118"/>
+            <a:ext cx="5887617" cy="1657511"/>
+          </a:xfrm>
+          <a:prstGeom prst="rect">
+            <a:avLst/>
+          </a:prstGeom>
+        </p:spPr>
+      </p:pic>
+      <p:sp>
+        <p:nvSpPr>
+          <p:cNvPr id="6" name="TextBox 5"/>
+          <p:cNvSpPr txBox="1"/>
+          <p:nvPr/>
+        </p:nvSpPr>
+        <p:spPr>
+          <a:xfrm>
+            <a:off x="1698170" y="2043404"/>
+            <a:ext cx="7940352" cy="400110"/>
+          </a:xfrm>
+          <a:prstGeom prst="rect">
+            <a:avLst/>
+          </a:prstGeom>
+          <a:noFill/>
+          <a:ln>
+            <a:solidFill>
+              <a:schemeClr val="tx1"/>
+            </a:solidFill>
+          </a:ln>
+        </p:spPr>
+        <p:txBody>
+          <a:bodyPr wrap="square" rtlCol="0">
+            <a:spAutoFit/>
+          </a:bodyPr>
+          <a:lstStyle/>
+          <a:p>
+            <a:r>
+              <a:rPr lang="en-IN" sz="2000" dirty="0" smtClean="0"/>
+              <a:t>Dropping those new columns that we added earlier using add column.</a:t>
+            </a:r>
+            <a:endParaRPr lang="en-IN" sz="2000" dirty="0"/>
+          </a:p>
+        </p:txBody>
+      </p:sp>
+    </p:spTree>
+    <p:extLst>
+      <p:ext uri="{BB962C8B-B14F-4D97-AF65-F5344CB8AC3E}">
+        <p14:creationId xmlns:p14="http://schemas.microsoft.com/office/powerpoint/2010/main" val="704170818"/>
+      </p:ext>
+    </p:extLst>
+  </p:cSld>
+  <p:clrMapOvr>
+    <a:masterClrMapping/>
+  </p:clrMapOvr>
+</p:sld>
+</file>
+
+<file path=ppt/slides/slide42.xml><?xml version="1.0" encoding="utf-8"?>
+<p:sld xmlns:a="http://schemas.openxmlformats.org/drawingml/2006/main" xmlns:r="http://schemas.openxmlformats.org/officeDocument/2006/relationships" xmlns:p="http://schemas.openxmlformats.org/presentationml/2006/main">
+  <p:cSld>
+    <p:spTree>
+      <p:nvGrpSpPr>
+        <p:cNvPr id="1" name=""/>
+        <p:cNvGrpSpPr/>
+        <p:nvPr/>
+      </p:nvGrpSpPr>
+      <p:grpSpPr>
+        <a:xfrm>
+          <a:off x="0" y="0"/>
+          <a:ext cx="0" cy="0"/>
+          <a:chOff x="0" y="0"/>
+          <a:chExt cx="0" cy="0"/>
+        </a:xfrm>
+      </p:grpSpPr>
+      <p:sp>
+        <p:nvSpPr>
+          <p:cNvPr id="2" name="TextBox 1"/>
+          <p:cNvSpPr txBox="1"/>
+          <p:nvPr/>
+        </p:nvSpPr>
+        <p:spPr>
+          <a:xfrm>
+            <a:off x="774440" y="233265"/>
+            <a:ext cx="10291666" cy="430887"/>
+          </a:xfrm>
+          <a:prstGeom prst="rect">
+            <a:avLst/>
+          </a:prstGeom>
+          <a:noFill/>
+        </p:spPr>
+        <p:txBody>
+          <a:bodyPr wrap="square" rtlCol="0">
+            <a:spAutoFit/>
+          </a:bodyPr>
+          <a:lstStyle/>
+          <a:p>
+            <a:pPr algn="ctr"/>
+            <a:r>
+              <a:rPr lang="en-IN" sz="2200" dirty="0" smtClean="0">
+                <a:latin typeface="Arial Black" panose="020B0A04020102020204" pitchFamily="34" charset="0"/>
+              </a:rPr>
+              <a:t>Queries</a:t>
+            </a:r>
+            <a:endParaRPr lang="en-IN" sz="2200" dirty="0">
+              <a:latin typeface="Arial Black" panose="020B0A04020102020204" pitchFamily="34" charset="0"/>
+            </a:endParaRPr>
+          </a:p>
+        </p:txBody>
+      </p:sp>
+      <p:sp>
+        <p:nvSpPr>
+          <p:cNvPr id="3" name="TextBox 2"/>
+          <p:cNvSpPr txBox="1"/>
+          <p:nvPr/>
+        </p:nvSpPr>
+        <p:spPr>
+          <a:xfrm>
+            <a:off x="1698170" y="1296955"/>
+            <a:ext cx="8481527" cy="400110"/>
+          </a:xfrm>
+          <a:prstGeom prst="rect">
+            <a:avLst/>
+          </a:prstGeom>
+          <a:noFill/>
+          <a:ln>
+            <a:solidFill>
+              <a:schemeClr val="tx1"/>
+            </a:solidFill>
+          </a:ln>
+        </p:spPr>
+        <p:txBody>
+          <a:bodyPr wrap="square" rtlCol="0">
+            <a:spAutoFit/>
+          </a:bodyPr>
+          <a:lstStyle/>
+          <a:p>
+            <a:r>
+              <a:rPr lang="en-IN" sz="2000" dirty="0" smtClean="0">
+                <a:latin typeface="Arial Black" panose="020B0A04020102020204" pitchFamily="34" charset="0"/>
+              </a:rPr>
+              <a:t>UPDATE TABLE: </a:t>
+            </a:r>
+            <a:r>
+              <a:rPr lang="en-IN" sz="2000" dirty="0" smtClean="0"/>
+              <a:t>It is used to update the existing record inside the table.</a:t>
+            </a:r>
+            <a:endParaRPr lang="en-IN" sz="2000" dirty="0"/>
+          </a:p>
+        </p:txBody>
+      </p:sp>
+    </p:spTree>
+    <p:extLst>
+      <p:ext uri="{BB962C8B-B14F-4D97-AF65-F5344CB8AC3E}">
+        <p14:creationId xmlns:p14="http://schemas.microsoft.com/office/powerpoint/2010/main" val="2110314671"/>
+      </p:ext>
+    </p:extLst>
+  </p:cSld>
+  <p:clrMapOvr>
+    <a:masterClrMapping/>
+  </p:clrMapOvr>
+</p:sld>
+</file>
+
+<file path=ppt/slides/slide43.xml><?xml version="1.0" encoding="utf-8"?>
+<p:sld xmlns:a="http://schemas.openxmlformats.org/drawingml/2006/main" xmlns:r="http://schemas.openxmlformats.org/officeDocument/2006/relationships" xmlns:p="http://schemas.openxmlformats.org/presentationml/2006/main">
+  <p:cSld>
+    <p:spTree>
+      <p:nvGrpSpPr>
+        <p:cNvPr id="1" name=""/>
+        <p:cNvGrpSpPr/>
+        <p:nvPr/>
+      </p:nvGrpSpPr>
+      <p:grpSpPr>
+        <a:xfrm>
+          <a:off x="0" y="0"/>
+          <a:ext cx="0" cy="0"/>
+          <a:chOff x="0" y="0"/>
+          <a:chExt cx="0" cy="0"/>
+        </a:xfrm>
+      </p:grpSpPr>
+      <p:sp>
+        <p:nvSpPr>
+          <p:cNvPr id="2" name="TextBox 1"/>
+          <p:cNvSpPr txBox="1"/>
+          <p:nvPr/>
+        </p:nvSpPr>
+        <p:spPr>
+          <a:xfrm>
+            <a:off x="774440" y="233265"/>
+            <a:ext cx="10291666" cy="430887"/>
+          </a:xfrm>
+          <a:prstGeom prst="rect">
+            <a:avLst/>
+          </a:prstGeom>
+          <a:noFill/>
+        </p:spPr>
+        <p:txBody>
+          <a:bodyPr wrap="square" rtlCol="0">
+            <a:spAutoFit/>
+          </a:bodyPr>
+          <a:lstStyle/>
+          <a:p>
+            <a:pPr algn="ctr"/>
+            <a:r>
+              <a:rPr lang="en-IN" sz="2200" dirty="0" smtClean="0">
+                <a:latin typeface="Arial Black" panose="020B0A04020102020204" pitchFamily="34" charset="0"/>
+              </a:rPr>
+              <a:t>Queries</a:t>
+            </a:r>
+            <a:endParaRPr lang="en-IN" sz="2200" dirty="0">
+              <a:latin typeface="Arial Black" panose="020B0A04020102020204" pitchFamily="34" charset="0"/>
+            </a:endParaRPr>
+          </a:p>
+        </p:txBody>
+      </p:sp>
+      <p:sp>
+        <p:nvSpPr>
+          <p:cNvPr id="3" name="TextBox 2"/>
+          <p:cNvSpPr txBox="1"/>
+          <p:nvPr/>
+        </p:nvSpPr>
+        <p:spPr>
+          <a:xfrm>
+            <a:off x="1688841" y="1352939"/>
+            <a:ext cx="6652727" cy="1015663"/>
+          </a:xfrm>
+          <a:prstGeom prst="rect">
+            <a:avLst/>
+          </a:prstGeom>
+          <a:noFill/>
+          <a:ln>
+            <a:solidFill>
+              <a:schemeClr val="tx1"/>
+            </a:solidFill>
+          </a:ln>
+        </p:spPr>
+        <p:txBody>
+          <a:bodyPr wrap="square" rtlCol="0">
+            <a:spAutoFit/>
+          </a:bodyPr>
+          <a:lstStyle/>
+          <a:p>
+            <a:r>
+              <a:rPr lang="en-IN" sz="2000" dirty="0" smtClean="0">
+                <a:latin typeface="Arial Black" panose="020B0A04020102020204" pitchFamily="34" charset="0"/>
+              </a:rPr>
+              <a:t>DELETE: </a:t>
+            </a:r>
+            <a:r>
+              <a:rPr lang="en-IN" sz="2000" dirty="0" smtClean="0"/>
+              <a:t>It is used to delete the record from the table.</a:t>
+            </a:r>
+          </a:p>
+          <a:p>
+            <a:endParaRPr lang="en-IN" sz="2000" dirty="0"/>
+          </a:p>
+          <a:p>
+            <a:r>
+              <a:rPr lang="en-IN" sz="2000" dirty="0" smtClean="0"/>
+              <a:t>Deleting row whose patient_id is 22</a:t>
+            </a:r>
+            <a:endParaRPr lang="en-IN" sz="2000" dirty="0"/>
+          </a:p>
+        </p:txBody>
+      </p:sp>
+      <p:pic>
+        <p:nvPicPr>
+          <p:cNvPr id="4" name="Picture 3"/>
+          <p:cNvPicPr>
+            <a:picLocks noChangeAspect="1"/>
+          </p:cNvPicPr>
+          <p:nvPr/>
+        </p:nvPicPr>
+        <p:blipFill>
+          <a:blip r:embed="rId2"/>
+          <a:stretch>
+            <a:fillRect/>
+          </a:stretch>
+        </p:blipFill>
+        <p:spPr>
+          <a:xfrm>
+            <a:off x="1688841" y="4565100"/>
+            <a:ext cx="8061327" cy="1798377"/>
+          </a:xfrm>
+          <a:prstGeom prst="rect">
+            <a:avLst/>
+          </a:prstGeom>
+        </p:spPr>
+      </p:pic>
+      <p:pic>
+        <p:nvPicPr>
+          <p:cNvPr id="5" name="Picture 4"/>
+          <p:cNvPicPr>
+            <a:picLocks noChangeAspect="1"/>
+          </p:cNvPicPr>
+          <p:nvPr/>
+        </p:nvPicPr>
+        <p:blipFill>
+          <a:blip r:embed="rId3">
+            <a:extLst>
+              <a:ext uri="{28A0092B-C50C-407E-A947-70E740481C1C}">
+                <a14:useLocalDpi xmlns:a14="http://schemas.microsoft.com/office/drawing/2010/main" val="0"/>
+              </a:ext>
+            </a:extLst>
+          </a:blip>
+          <a:stretch>
+            <a:fillRect/>
+          </a:stretch>
+        </p:blipFill>
+        <p:spPr>
+          <a:xfrm>
+            <a:off x="1688841" y="2860650"/>
+            <a:ext cx="4394718" cy="1476532"/>
+          </a:xfrm>
+          <a:prstGeom prst="rect">
+            <a:avLst/>
+          </a:prstGeom>
+        </p:spPr>
+      </p:pic>
+    </p:spTree>
+    <p:extLst>
+      <p:ext uri="{BB962C8B-B14F-4D97-AF65-F5344CB8AC3E}">
+        <p14:creationId xmlns:p14="http://schemas.microsoft.com/office/powerpoint/2010/main" val="2885632158"/>
+      </p:ext>
+    </p:extLst>
+  </p:cSld>
+  <p:clrMapOvr>
+    <a:masterClrMapping/>
+  </p:clrMapOvr>
+</p:sld>
+</file>
+
+<file path=ppt/slides/slide44.xml><?xml version="1.0" encoding="utf-8"?>
+<p:sld xmlns:a="http://schemas.openxmlformats.org/drawingml/2006/main" xmlns:r="http://schemas.openxmlformats.org/officeDocument/2006/relationships" xmlns:p="http://schemas.openxmlformats.org/presentationml/2006/main">
+  <p:cSld>
+    <p:spTree>
+      <p:nvGrpSpPr>
+        <p:cNvPr id="1" name=""/>
+        <p:cNvGrpSpPr/>
+        <p:nvPr/>
+      </p:nvGrpSpPr>
+      <p:grpSpPr>
+        <a:xfrm>
+          <a:off x="0" y="0"/>
+          <a:ext cx="0" cy="0"/>
+          <a:chOff x="0" y="0"/>
+          <a:chExt cx="0" cy="0"/>
+        </a:xfrm>
+      </p:grpSpPr>
+      <p:sp>
+        <p:nvSpPr>
+          <p:cNvPr id="2" name="TextBox 1"/>
+          <p:cNvSpPr txBox="1"/>
+          <p:nvPr/>
+        </p:nvSpPr>
+        <p:spPr>
+          <a:xfrm>
+            <a:off x="774440" y="233265"/>
+            <a:ext cx="10291666" cy="430887"/>
+          </a:xfrm>
+          <a:prstGeom prst="rect">
+            <a:avLst/>
+          </a:prstGeom>
+          <a:noFill/>
+        </p:spPr>
+        <p:txBody>
+          <a:bodyPr wrap="square" rtlCol="0">
+            <a:spAutoFit/>
+          </a:bodyPr>
+          <a:lstStyle/>
+          <a:p>
+            <a:pPr algn="ctr"/>
+            <a:r>
+              <a:rPr lang="en-IN" sz="2200" dirty="0" smtClean="0">
+                <a:latin typeface="Arial Black" panose="020B0A04020102020204" pitchFamily="34" charset="0"/>
+              </a:rPr>
+              <a:t>Queries</a:t>
+            </a:r>
+            <a:endParaRPr lang="en-IN" sz="2200" dirty="0">
+              <a:latin typeface="Arial Black" panose="020B0A04020102020204" pitchFamily="34" charset="0"/>
+            </a:endParaRPr>
+          </a:p>
+        </p:txBody>
+      </p:sp>
+      <p:pic>
+        <p:nvPicPr>
+          <p:cNvPr id="3" name="Picture 2"/>
+          <p:cNvPicPr>
+            <a:picLocks noChangeAspect="1"/>
+          </p:cNvPicPr>
+          <p:nvPr/>
+        </p:nvPicPr>
+        <p:blipFill>
+          <a:blip r:embed="rId2"/>
+          <a:stretch>
+            <a:fillRect/>
+          </a:stretch>
+        </p:blipFill>
+        <p:spPr>
+          <a:xfrm>
+            <a:off x="2188700" y="2872247"/>
+            <a:ext cx="6746671" cy="729370"/>
+          </a:xfrm>
+          <a:prstGeom prst="rect">
+            <a:avLst/>
+          </a:prstGeom>
+        </p:spPr>
+      </p:pic>
+      <p:pic>
+        <p:nvPicPr>
+          <p:cNvPr id="4" name="Picture 3"/>
+          <p:cNvPicPr>
+            <a:picLocks noChangeAspect="1"/>
+          </p:cNvPicPr>
+          <p:nvPr/>
+        </p:nvPicPr>
+        <p:blipFill>
+          <a:blip r:embed="rId3"/>
+          <a:stretch>
+            <a:fillRect/>
+          </a:stretch>
+        </p:blipFill>
+        <p:spPr>
+          <a:xfrm>
+            <a:off x="2188701" y="4337745"/>
+            <a:ext cx="3251047" cy="1929950"/>
+          </a:xfrm>
+          <a:prstGeom prst="rect">
+            <a:avLst/>
+          </a:prstGeom>
+        </p:spPr>
+      </p:pic>
+      <p:sp>
+        <p:nvSpPr>
+          <p:cNvPr id="5" name="TextBox 4"/>
+          <p:cNvSpPr txBox="1"/>
+          <p:nvPr/>
+        </p:nvSpPr>
+        <p:spPr>
+          <a:xfrm>
+            <a:off x="2188700" y="1222310"/>
+            <a:ext cx="6824671" cy="1323439"/>
+          </a:xfrm>
+          <a:prstGeom prst="rect">
+            <a:avLst/>
+          </a:prstGeom>
+          <a:noFill/>
+          <a:ln>
+            <a:solidFill>
+              <a:schemeClr val="tx1"/>
+            </a:solidFill>
+          </a:ln>
+        </p:spPr>
+        <p:txBody>
+          <a:bodyPr wrap="square" rtlCol="0">
+            <a:spAutoFit/>
+          </a:bodyPr>
+          <a:lstStyle/>
+          <a:p>
+            <a:r>
+              <a:rPr lang="en-IN" sz="2000" dirty="0" smtClean="0">
+                <a:latin typeface="Arial Black" panose="020B0A04020102020204" pitchFamily="34" charset="0"/>
+              </a:rPr>
+              <a:t>Alias: </a:t>
+            </a:r>
+            <a:r>
+              <a:rPr lang="en-IN" sz="2000" dirty="0" smtClean="0"/>
+              <a:t>It is used to give a temporary name to make the output more readable and easier to understand.</a:t>
+            </a:r>
+          </a:p>
+          <a:p>
+            <a:endParaRPr lang="en-IN" sz="2000" dirty="0"/>
+          </a:p>
+          <a:p>
+            <a:r>
+              <a:rPr lang="en-IN" sz="2000" dirty="0" smtClean="0">
+                <a:latin typeface="Arial Black" panose="020B0A04020102020204" pitchFamily="34" charset="0"/>
+              </a:rPr>
+              <a:t>“AS” </a:t>
+            </a:r>
+            <a:r>
+              <a:rPr lang="en-IN" sz="2000" dirty="0" smtClean="0"/>
+              <a:t>is the keyword used to assign the name. </a:t>
+            </a:r>
+            <a:endParaRPr lang="en-IN" sz="2000" dirty="0"/>
+          </a:p>
+        </p:txBody>
+      </p:sp>
+    </p:spTree>
+    <p:extLst>
+      <p:ext uri="{BB962C8B-B14F-4D97-AF65-F5344CB8AC3E}">
+        <p14:creationId xmlns:p14="http://schemas.microsoft.com/office/powerpoint/2010/main" val="3067642440"/>
+      </p:ext>
+    </p:extLst>
+  </p:cSld>
+  <p:clrMapOvr>
+    <a:masterClrMapping/>
+  </p:clrMapOvr>
+</p:sld>
+</file>
+
+<file path=ppt/slides/slide45.xml><?xml version="1.0" encoding="utf-8"?>
+<p:sld xmlns:a="http://schemas.openxmlformats.org/drawingml/2006/main" xmlns:r="http://schemas.openxmlformats.org/officeDocument/2006/relationships" xmlns:p="http://schemas.openxmlformats.org/presentationml/2006/main">
+  <p:cSld>
+    <p:spTree>
+      <p:nvGrpSpPr>
+        <p:cNvPr id="1" name=""/>
+        <p:cNvGrpSpPr/>
+        <p:nvPr/>
+      </p:nvGrpSpPr>
+      <p:grpSpPr>
+        <a:xfrm>
+          <a:off x="0" y="0"/>
+          <a:ext cx="0" cy="0"/>
+          <a:chOff x="0" y="0"/>
+          <a:chExt cx="0" cy="0"/>
+        </a:xfrm>
+      </p:grpSpPr>
+      <p:sp>
+        <p:nvSpPr>
+          <p:cNvPr id="2" name="TextBox 1"/>
+          <p:cNvSpPr txBox="1"/>
+          <p:nvPr/>
+        </p:nvSpPr>
+        <p:spPr>
+          <a:xfrm>
+            <a:off x="774440" y="233265"/>
+            <a:ext cx="10291666" cy="430887"/>
+          </a:xfrm>
+          <a:prstGeom prst="rect">
+            <a:avLst/>
+          </a:prstGeom>
+          <a:noFill/>
+        </p:spPr>
+        <p:txBody>
+          <a:bodyPr wrap="square" rtlCol="0">
+            <a:spAutoFit/>
+          </a:bodyPr>
+          <a:lstStyle/>
+          <a:p>
+            <a:pPr algn="ctr"/>
+            <a:r>
+              <a:rPr lang="en-IN" sz="2200" dirty="0" smtClean="0">
+                <a:latin typeface="Arial Black" panose="020B0A04020102020204" pitchFamily="34" charset="0"/>
+              </a:rPr>
+              <a:t>Queries</a:t>
+            </a:r>
+            <a:endParaRPr lang="en-IN" sz="2200" dirty="0">
+              <a:latin typeface="Arial Black" panose="020B0A04020102020204" pitchFamily="34" charset="0"/>
+            </a:endParaRPr>
+          </a:p>
+        </p:txBody>
+      </p:sp>
+      <p:sp>
+        <p:nvSpPr>
+          <p:cNvPr id="3" name="TextBox 2"/>
+          <p:cNvSpPr txBox="1"/>
+          <p:nvPr/>
+        </p:nvSpPr>
+        <p:spPr>
+          <a:xfrm>
+            <a:off x="1660849" y="830425"/>
+            <a:ext cx="8024327" cy="1323439"/>
+          </a:xfrm>
+          <a:prstGeom prst="rect">
+            <a:avLst/>
+          </a:prstGeom>
+          <a:noFill/>
+          <a:ln>
+            <a:solidFill>
+              <a:schemeClr val="tx1"/>
+            </a:solidFill>
+          </a:ln>
+        </p:spPr>
+        <p:txBody>
+          <a:bodyPr wrap="square" rtlCol="0">
+            <a:spAutoFit/>
+          </a:bodyPr>
+          <a:lstStyle/>
+          <a:p>
+            <a:r>
+              <a:rPr lang="en-IN" sz="2000" dirty="0" smtClean="0">
+                <a:latin typeface="Arial Black" panose="020B0A04020102020204" pitchFamily="34" charset="0"/>
+              </a:rPr>
+              <a:t>Functions: String Functions</a:t>
+            </a:r>
+          </a:p>
+          <a:p>
+            <a:r>
+              <a:rPr lang="en-IN" sz="2000" dirty="0" smtClean="0"/>
+              <a:t>It is used to manipulate the data using multiple functions.</a:t>
+            </a:r>
+          </a:p>
+          <a:p>
+            <a:endParaRPr lang="en-IN" sz="2000" dirty="0">
+              <a:latin typeface="Arial Black" panose="020B0A04020102020204" pitchFamily="34" charset="0"/>
+            </a:endParaRPr>
+          </a:p>
+          <a:p>
+            <a:r>
+              <a:rPr lang="en-IN" sz="2000" dirty="0" smtClean="0">
+                <a:latin typeface="Arial Black" panose="020B0A04020102020204" pitchFamily="34" charset="0"/>
+              </a:rPr>
+              <a:t>CONCAT</a:t>
+            </a:r>
+            <a:r>
+              <a:rPr lang="en-IN" sz="2000" dirty="0" smtClean="0"/>
+              <a:t>,</a:t>
+            </a:r>
+            <a:r>
+              <a:rPr lang="en-IN" sz="2000" dirty="0" smtClean="0">
+                <a:latin typeface="Arial Black" panose="020B0A04020102020204" pitchFamily="34" charset="0"/>
+              </a:rPr>
+              <a:t> </a:t>
+            </a:r>
+            <a:r>
+              <a:rPr lang="en-IN" sz="2000" dirty="0" smtClean="0"/>
+              <a:t>UPPER, LOWER, SUBSTRING </a:t>
+            </a:r>
+          </a:p>
+        </p:txBody>
+      </p:sp>
+      <p:pic>
+        <p:nvPicPr>
+          <p:cNvPr id="4" name="Picture 3"/>
+          <p:cNvPicPr>
+            <a:picLocks noChangeAspect="1"/>
+          </p:cNvPicPr>
+          <p:nvPr/>
+        </p:nvPicPr>
+        <p:blipFill>
+          <a:blip r:embed="rId2"/>
+          <a:stretch>
+            <a:fillRect/>
+          </a:stretch>
+        </p:blipFill>
+        <p:spPr>
+          <a:xfrm>
+            <a:off x="1660849" y="4590602"/>
+            <a:ext cx="3881535" cy="2104447"/>
+          </a:xfrm>
+          <a:prstGeom prst="rect">
+            <a:avLst/>
+          </a:prstGeom>
+        </p:spPr>
+      </p:pic>
+      <p:sp>
+        <p:nvSpPr>
+          <p:cNvPr id="5" name="TextBox 4"/>
+          <p:cNvSpPr txBox="1"/>
+          <p:nvPr/>
+        </p:nvSpPr>
+        <p:spPr>
+          <a:xfrm>
+            <a:off x="1626635" y="2556588"/>
+            <a:ext cx="7455160" cy="400110"/>
+          </a:xfrm>
+          <a:prstGeom prst="rect">
+            <a:avLst/>
+          </a:prstGeom>
+          <a:noFill/>
+        </p:spPr>
+        <p:txBody>
+          <a:bodyPr wrap="square" rtlCol="0">
+            <a:spAutoFit/>
+          </a:bodyPr>
+          <a:lstStyle/>
+          <a:p>
+            <a:r>
+              <a:rPr lang="en-IN" sz="2000" dirty="0" smtClean="0"/>
+              <a:t>Concat(): is used to add two or more strings together.</a:t>
+            </a:r>
+            <a:endParaRPr lang="en-IN" sz="2000" dirty="0"/>
+          </a:p>
+        </p:txBody>
+      </p:sp>
+      <p:pic>
+        <p:nvPicPr>
+          <p:cNvPr id="6" name="Picture 5"/>
+          <p:cNvPicPr>
+            <a:picLocks noChangeAspect="1"/>
+          </p:cNvPicPr>
+          <p:nvPr/>
+        </p:nvPicPr>
+        <p:blipFill>
+          <a:blip r:embed="rId3">
+            <a:extLst>
+              <a:ext uri="{28A0092B-C50C-407E-A947-70E740481C1C}">
+                <a14:useLocalDpi xmlns:a14="http://schemas.microsoft.com/office/drawing/2010/main" val="0"/>
+              </a:ext>
+            </a:extLst>
+          </a:blip>
+          <a:stretch>
+            <a:fillRect/>
+          </a:stretch>
+        </p:blipFill>
+        <p:spPr>
+          <a:xfrm>
+            <a:off x="1660849" y="3359422"/>
+            <a:ext cx="9079268" cy="726342"/>
+          </a:xfrm>
+          <a:prstGeom prst="rect">
+            <a:avLst/>
+          </a:prstGeom>
+        </p:spPr>
+      </p:pic>
+    </p:spTree>
+    <p:extLst>
+      <p:ext uri="{BB962C8B-B14F-4D97-AF65-F5344CB8AC3E}">
+        <p14:creationId xmlns:p14="http://schemas.microsoft.com/office/powerpoint/2010/main" val="2239435983"/>
+      </p:ext>
+    </p:extLst>
+  </p:cSld>
+  <p:clrMapOvr>
+    <a:masterClrMapping/>
+  </p:clrMapOvr>
+</p:sld>
+</file>
+
+<file path=ppt/slides/slide46.xml><?xml version="1.0" encoding="utf-8"?>
+<p:sld xmlns:a="http://schemas.openxmlformats.org/drawingml/2006/main" xmlns:r="http://schemas.openxmlformats.org/officeDocument/2006/relationships" xmlns:p="http://schemas.openxmlformats.org/presentationml/2006/main">
+  <p:cSld>
+    <p:spTree>
+      <p:nvGrpSpPr>
+        <p:cNvPr id="1" name=""/>
+        <p:cNvGrpSpPr/>
+        <p:nvPr/>
+      </p:nvGrpSpPr>
+      <p:grpSpPr>
+        <a:xfrm>
+          <a:off x="0" y="0"/>
+          <a:ext cx="0" cy="0"/>
+          <a:chOff x="0" y="0"/>
+          <a:chExt cx="0" cy="0"/>
+        </a:xfrm>
+      </p:grpSpPr>
+      <p:sp>
+        <p:nvSpPr>
+          <p:cNvPr id="2" name="TextBox 1"/>
+          <p:cNvSpPr txBox="1"/>
+          <p:nvPr/>
+        </p:nvSpPr>
+        <p:spPr>
+          <a:xfrm>
+            <a:off x="774440" y="233265"/>
+            <a:ext cx="10291666" cy="430887"/>
+          </a:xfrm>
+          <a:prstGeom prst="rect">
+            <a:avLst/>
+          </a:prstGeom>
+          <a:noFill/>
+        </p:spPr>
+        <p:txBody>
+          <a:bodyPr wrap="square" rtlCol="0">
+            <a:spAutoFit/>
+          </a:bodyPr>
+          <a:lstStyle/>
+          <a:p>
+            <a:pPr algn="ctr"/>
+            <a:r>
+              <a:rPr lang="en-IN" sz="2200" dirty="0" smtClean="0">
+                <a:latin typeface="Arial Black" panose="020B0A04020102020204" pitchFamily="34" charset="0"/>
+              </a:rPr>
+              <a:t>Queries</a:t>
+            </a:r>
+            <a:endParaRPr lang="en-IN" sz="2200" dirty="0">
+              <a:latin typeface="Arial Black" panose="020B0A04020102020204" pitchFamily="34" charset="0"/>
+            </a:endParaRPr>
+          </a:p>
+        </p:txBody>
+      </p:sp>
+      <p:sp>
+        <p:nvSpPr>
+          <p:cNvPr id="3" name="TextBox 2"/>
+          <p:cNvSpPr txBox="1"/>
+          <p:nvPr/>
+        </p:nvSpPr>
+        <p:spPr>
+          <a:xfrm>
+            <a:off x="1670180" y="839756"/>
+            <a:ext cx="8024327" cy="1323439"/>
+          </a:xfrm>
+          <a:prstGeom prst="rect">
+            <a:avLst/>
+          </a:prstGeom>
+          <a:noFill/>
+          <a:ln>
+            <a:solidFill>
+              <a:schemeClr val="tx1"/>
+            </a:solidFill>
+          </a:ln>
+        </p:spPr>
+        <p:txBody>
+          <a:bodyPr wrap="square" rtlCol="0">
+            <a:spAutoFit/>
+          </a:bodyPr>
+          <a:lstStyle/>
+          <a:p>
+            <a:r>
+              <a:rPr lang="en-IN" sz="2000" dirty="0" smtClean="0">
+                <a:latin typeface="Arial Black" panose="020B0A04020102020204" pitchFamily="34" charset="0"/>
+              </a:rPr>
+              <a:t>Functions: String Functions</a:t>
+            </a:r>
+          </a:p>
+          <a:p>
+            <a:r>
+              <a:rPr lang="en-IN" sz="2000" dirty="0" smtClean="0"/>
+              <a:t>It is used to manipulate the data using multiple functions.</a:t>
+            </a:r>
+          </a:p>
+          <a:p>
+            <a:endParaRPr lang="en-IN" sz="2000" dirty="0">
+              <a:latin typeface="Arial Black" panose="020B0A04020102020204" pitchFamily="34" charset="0"/>
+            </a:endParaRPr>
+          </a:p>
+          <a:p>
+            <a:r>
+              <a:rPr lang="en-IN" sz="2000" dirty="0" smtClean="0"/>
+              <a:t>CONCAT,</a:t>
+            </a:r>
+            <a:r>
+              <a:rPr lang="en-IN" sz="2000" dirty="0" smtClean="0">
+                <a:latin typeface="Arial Black" panose="020B0A04020102020204" pitchFamily="34" charset="0"/>
+              </a:rPr>
+              <a:t> UPPER</a:t>
+            </a:r>
+            <a:r>
+              <a:rPr lang="en-IN" sz="2000" dirty="0" smtClean="0"/>
+              <a:t>, LOWER, SUBSTRING </a:t>
+            </a:r>
+          </a:p>
+        </p:txBody>
+      </p:sp>
+      <p:pic>
+        <p:nvPicPr>
+          <p:cNvPr id="4" name="Picture 3"/>
+          <p:cNvPicPr>
+            <a:picLocks noChangeAspect="1"/>
+          </p:cNvPicPr>
+          <p:nvPr/>
+        </p:nvPicPr>
+        <p:blipFill>
+          <a:blip r:embed="rId2"/>
+          <a:stretch>
+            <a:fillRect/>
+          </a:stretch>
+        </p:blipFill>
+        <p:spPr>
+          <a:xfrm>
+            <a:off x="1660848" y="4317523"/>
+            <a:ext cx="3909527" cy="2024768"/>
+          </a:xfrm>
+          <a:prstGeom prst="rect">
+            <a:avLst/>
+          </a:prstGeom>
+        </p:spPr>
+      </p:pic>
+      <p:pic>
+        <p:nvPicPr>
+          <p:cNvPr id="5" name="Picture 4"/>
+          <p:cNvPicPr>
+            <a:picLocks noChangeAspect="1"/>
+          </p:cNvPicPr>
+          <p:nvPr/>
+        </p:nvPicPr>
+        <p:blipFill>
+          <a:blip r:embed="rId3">
+            <a:extLst>
+              <a:ext uri="{28A0092B-C50C-407E-A947-70E740481C1C}">
+                <a14:useLocalDpi xmlns:a14="http://schemas.microsoft.com/office/drawing/2010/main" val="0"/>
+              </a:ext>
+            </a:extLst>
+          </a:blip>
+          <a:stretch>
+            <a:fillRect/>
+          </a:stretch>
+        </p:blipFill>
+        <p:spPr>
+          <a:xfrm>
+            <a:off x="1660848" y="3197499"/>
+            <a:ext cx="5113175" cy="721976"/>
+          </a:xfrm>
+          <a:prstGeom prst="rect">
+            <a:avLst/>
+          </a:prstGeom>
+        </p:spPr>
+      </p:pic>
+      <p:sp>
+        <p:nvSpPr>
+          <p:cNvPr id="6" name="TextBox 5"/>
+          <p:cNvSpPr txBox="1"/>
+          <p:nvPr/>
+        </p:nvSpPr>
+        <p:spPr>
+          <a:xfrm>
+            <a:off x="1660848" y="2258008"/>
+            <a:ext cx="5859625" cy="369332"/>
+          </a:xfrm>
+          <a:prstGeom prst="rect">
+            <a:avLst/>
+          </a:prstGeom>
+          <a:noFill/>
+          <a:ln>
+            <a:solidFill>
+              <a:schemeClr val="tx1"/>
+            </a:solidFill>
+          </a:ln>
+        </p:spPr>
+        <p:txBody>
+          <a:bodyPr wrap="square" rtlCol="0">
+            <a:spAutoFit/>
+          </a:bodyPr>
+          <a:lstStyle/>
+          <a:p>
+            <a:r>
+              <a:rPr lang="en-IN" dirty="0" smtClean="0"/>
+              <a:t>Upper(): it is used when we want upper case to any string.</a:t>
+            </a:r>
+            <a:endParaRPr lang="en-IN" dirty="0"/>
+          </a:p>
+        </p:txBody>
+      </p:sp>
+    </p:spTree>
+    <p:extLst>
+      <p:ext uri="{BB962C8B-B14F-4D97-AF65-F5344CB8AC3E}">
+        <p14:creationId xmlns:p14="http://schemas.microsoft.com/office/powerpoint/2010/main" val="2783463900"/>
+      </p:ext>
+    </p:extLst>
+  </p:cSld>
+  <p:clrMapOvr>
+    <a:masterClrMapping/>
+  </p:clrMapOvr>
+</p:sld>
+</file>
+
+<file path=ppt/slides/slide47.xml><?xml version="1.0" encoding="utf-8"?>
+<p:sld xmlns:a="http://schemas.openxmlformats.org/drawingml/2006/main" xmlns:r="http://schemas.openxmlformats.org/officeDocument/2006/relationships" xmlns:p="http://schemas.openxmlformats.org/presentationml/2006/main">
+  <p:cSld>
+    <p:spTree>
+      <p:nvGrpSpPr>
+        <p:cNvPr id="1" name=""/>
+        <p:cNvGrpSpPr/>
+        <p:nvPr/>
+      </p:nvGrpSpPr>
+      <p:grpSpPr>
+        <a:xfrm>
+          <a:off x="0" y="0"/>
+          <a:ext cx="0" cy="0"/>
+          <a:chOff x="0" y="0"/>
+          <a:chExt cx="0" cy="0"/>
+        </a:xfrm>
+      </p:grpSpPr>
+      <p:sp>
+        <p:nvSpPr>
+          <p:cNvPr id="2" name="TextBox 1"/>
+          <p:cNvSpPr txBox="1"/>
+          <p:nvPr/>
+        </p:nvSpPr>
+        <p:spPr>
+          <a:xfrm>
+            <a:off x="774440" y="233265"/>
+            <a:ext cx="10291666" cy="430887"/>
+          </a:xfrm>
+          <a:prstGeom prst="rect">
+            <a:avLst/>
+          </a:prstGeom>
+          <a:noFill/>
+        </p:spPr>
+        <p:txBody>
+          <a:bodyPr wrap="square" rtlCol="0">
+            <a:spAutoFit/>
+          </a:bodyPr>
+          <a:lstStyle/>
+          <a:p>
+            <a:pPr algn="ctr"/>
+            <a:r>
+              <a:rPr lang="en-IN" sz="2200" dirty="0" smtClean="0">
+                <a:latin typeface="Arial Black" panose="020B0A04020102020204" pitchFamily="34" charset="0"/>
+              </a:rPr>
+              <a:t>Queries</a:t>
+            </a:r>
+            <a:endParaRPr lang="en-IN" sz="2200" dirty="0">
+              <a:latin typeface="Arial Black" panose="020B0A04020102020204" pitchFamily="34" charset="0"/>
+            </a:endParaRPr>
+          </a:p>
+        </p:txBody>
+      </p:sp>
+      <p:sp>
+        <p:nvSpPr>
+          <p:cNvPr id="3" name="TextBox 2"/>
+          <p:cNvSpPr txBox="1"/>
+          <p:nvPr/>
+        </p:nvSpPr>
+        <p:spPr>
+          <a:xfrm>
+            <a:off x="1660849" y="830425"/>
+            <a:ext cx="8024327" cy="1323439"/>
+          </a:xfrm>
+          <a:prstGeom prst="rect">
+            <a:avLst/>
+          </a:prstGeom>
+          <a:noFill/>
+          <a:ln>
+            <a:solidFill>
+              <a:schemeClr val="tx1"/>
+            </a:solidFill>
+          </a:ln>
+        </p:spPr>
+        <p:txBody>
+          <a:bodyPr wrap="square" rtlCol="0">
+            <a:spAutoFit/>
+          </a:bodyPr>
+          <a:lstStyle/>
+          <a:p>
+            <a:r>
+              <a:rPr lang="en-IN" sz="2000" dirty="0" smtClean="0">
+                <a:latin typeface="Arial Black" panose="020B0A04020102020204" pitchFamily="34" charset="0"/>
+              </a:rPr>
+              <a:t>Functions: String Functions</a:t>
+            </a:r>
+          </a:p>
+          <a:p>
+            <a:r>
+              <a:rPr lang="en-IN" sz="2000" dirty="0" smtClean="0"/>
+              <a:t>It is used to manipulate the data using multiple functions.</a:t>
+            </a:r>
+          </a:p>
+          <a:p>
+            <a:endParaRPr lang="en-IN" sz="2000" dirty="0">
+              <a:latin typeface="Arial Black" panose="020B0A04020102020204" pitchFamily="34" charset="0"/>
+            </a:endParaRPr>
+          </a:p>
+          <a:p>
+            <a:r>
+              <a:rPr lang="en-IN" sz="2000" dirty="0" smtClean="0"/>
+              <a:t>CONCAT,</a:t>
+            </a:r>
+            <a:r>
+              <a:rPr lang="en-IN" sz="2000" dirty="0" smtClean="0">
+                <a:latin typeface="Arial Black" panose="020B0A04020102020204" pitchFamily="34" charset="0"/>
+              </a:rPr>
+              <a:t> </a:t>
+            </a:r>
+            <a:r>
+              <a:rPr lang="en-IN" sz="2000" dirty="0" smtClean="0"/>
+              <a:t>UPPER, LOWER, </a:t>
+            </a:r>
+            <a:r>
+              <a:rPr lang="en-IN" sz="2000" dirty="0" smtClean="0">
+                <a:latin typeface="Arial Black" panose="020B0A04020102020204" pitchFamily="34" charset="0"/>
+              </a:rPr>
+              <a:t>SUBSTRING.</a:t>
+            </a:r>
+          </a:p>
+        </p:txBody>
+      </p:sp>
+      <p:pic>
+        <p:nvPicPr>
+          <p:cNvPr id="4" name="Picture 3"/>
+          <p:cNvPicPr>
+            <a:picLocks noChangeAspect="1"/>
+          </p:cNvPicPr>
+          <p:nvPr/>
+        </p:nvPicPr>
+        <p:blipFill>
+          <a:blip r:embed="rId2"/>
+          <a:stretch>
+            <a:fillRect/>
+          </a:stretch>
+        </p:blipFill>
+        <p:spPr>
+          <a:xfrm>
+            <a:off x="1660849" y="3354798"/>
+            <a:ext cx="6998444" cy="732009"/>
+          </a:xfrm>
+          <a:prstGeom prst="rect">
+            <a:avLst/>
+          </a:prstGeom>
+        </p:spPr>
+      </p:pic>
+      <p:pic>
+        <p:nvPicPr>
+          <p:cNvPr id="5" name="Picture 4"/>
+          <p:cNvPicPr>
+            <a:picLocks noChangeAspect="1"/>
+          </p:cNvPicPr>
+          <p:nvPr/>
+        </p:nvPicPr>
+        <p:blipFill>
+          <a:blip r:embed="rId3"/>
+          <a:stretch>
+            <a:fillRect/>
+          </a:stretch>
+        </p:blipFill>
+        <p:spPr>
+          <a:xfrm>
+            <a:off x="1660849" y="4704136"/>
+            <a:ext cx="3638939" cy="1326240"/>
+          </a:xfrm>
+          <a:prstGeom prst="rect">
+            <a:avLst/>
+          </a:prstGeom>
+        </p:spPr>
+      </p:pic>
+      <p:sp>
+        <p:nvSpPr>
+          <p:cNvPr id="6" name="TextBox 5"/>
+          <p:cNvSpPr txBox="1"/>
+          <p:nvPr/>
+        </p:nvSpPr>
+        <p:spPr>
+          <a:xfrm>
+            <a:off x="1735493" y="2360645"/>
+            <a:ext cx="7240555" cy="369332"/>
+          </a:xfrm>
+          <a:prstGeom prst="rect">
+            <a:avLst/>
+          </a:prstGeom>
+          <a:noFill/>
+          <a:ln>
+            <a:solidFill>
+              <a:schemeClr val="tx1"/>
+            </a:solidFill>
+          </a:ln>
+        </p:spPr>
+        <p:txBody>
+          <a:bodyPr wrap="square" rtlCol="0">
+            <a:spAutoFit/>
+          </a:bodyPr>
+          <a:lstStyle/>
+          <a:p>
+            <a:r>
+              <a:rPr lang="en-IN" dirty="0" smtClean="0"/>
+              <a:t>Substring(): It is used for subtracting a substring from the string</a:t>
+            </a:r>
+            <a:endParaRPr lang="en-IN" dirty="0"/>
+          </a:p>
+        </p:txBody>
+      </p:sp>
+    </p:spTree>
+    <p:extLst>
+      <p:ext uri="{BB962C8B-B14F-4D97-AF65-F5344CB8AC3E}">
+        <p14:creationId xmlns:p14="http://schemas.microsoft.com/office/powerpoint/2010/main" val="2392106473"/>
+      </p:ext>
+    </p:extLst>
+  </p:cSld>
+  <p:clrMapOvr>
+    <a:masterClrMapping/>
+  </p:clrMapOvr>
+</p:sld>
+</file>
+
+<file path=ppt/slides/slide48.xml><?xml version="1.0" encoding="utf-8"?>
+<p:sld xmlns:a="http://schemas.openxmlformats.org/drawingml/2006/main" xmlns:r="http://schemas.openxmlformats.org/officeDocument/2006/relationships" xmlns:p="http://schemas.openxmlformats.org/presentationml/2006/main">
+  <p:cSld>
+    <p:spTree>
+      <p:nvGrpSpPr>
+        <p:cNvPr id="1" name=""/>
+        <p:cNvGrpSpPr/>
+        <p:nvPr/>
+      </p:nvGrpSpPr>
+      <p:grpSpPr>
+        <a:xfrm>
+          <a:off x="0" y="0"/>
+          <a:ext cx="0" cy="0"/>
+          <a:chOff x="0" y="0"/>
+          <a:chExt cx="0" cy="0"/>
+        </a:xfrm>
+      </p:grpSpPr>
+      <p:sp>
+        <p:nvSpPr>
+          <p:cNvPr id="2" name="TextBox 1"/>
+          <p:cNvSpPr txBox="1"/>
+          <p:nvPr/>
+        </p:nvSpPr>
+        <p:spPr>
+          <a:xfrm>
+            <a:off x="774440" y="233265"/>
+            <a:ext cx="10291666" cy="430887"/>
+          </a:xfrm>
+          <a:prstGeom prst="rect">
+            <a:avLst/>
+          </a:prstGeom>
+          <a:noFill/>
+        </p:spPr>
+        <p:txBody>
+          <a:bodyPr wrap="square" rtlCol="0">
+            <a:spAutoFit/>
+          </a:bodyPr>
+          <a:lstStyle/>
+          <a:p>
+            <a:pPr algn="ctr"/>
+            <a:r>
+              <a:rPr lang="en-IN" sz="2200" dirty="0" smtClean="0">
+                <a:latin typeface="Arial Black" panose="020B0A04020102020204" pitchFamily="34" charset="0"/>
+              </a:rPr>
+              <a:t>Queries</a:t>
+            </a:r>
+            <a:endParaRPr lang="en-IN" sz="2200" dirty="0">
+              <a:latin typeface="Arial Black" panose="020B0A04020102020204" pitchFamily="34" charset="0"/>
+            </a:endParaRPr>
+          </a:p>
+        </p:txBody>
+      </p:sp>
+      <p:sp>
+        <p:nvSpPr>
+          <p:cNvPr id="3" name="TextBox 2"/>
+          <p:cNvSpPr txBox="1"/>
+          <p:nvPr/>
+        </p:nvSpPr>
+        <p:spPr>
+          <a:xfrm>
+            <a:off x="1866121" y="1231641"/>
+            <a:ext cx="8201609" cy="1323439"/>
+          </a:xfrm>
+          <a:prstGeom prst="rect">
+            <a:avLst/>
+          </a:prstGeom>
+          <a:noFill/>
+          <a:ln>
+            <a:solidFill>
+              <a:schemeClr val="tx1"/>
+            </a:solidFill>
+          </a:ln>
+        </p:spPr>
+        <p:txBody>
+          <a:bodyPr wrap="square" rtlCol="0">
+            <a:spAutoFit/>
+          </a:bodyPr>
+          <a:lstStyle/>
+          <a:p>
+            <a:r>
+              <a:rPr lang="en-IN" sz="2000" dirty="0" smtClean="0">
+                <a:latin typeface="Arial Black" panose="020B0A04020102020204" pitchFamily="34" charset="0"/>
+              </a:rPr>
+              <a:t>MATH FUNCTIONS: </a:t>
+            </a:r>
+            <a:r>
+              <a:rPr lang="en-IN" sz="2000" dirty="0" smtClean="0"/>
+              <a:t>It is used to perform mathematical expressions on numerical data.</a:t>
+            </a:r>
+          </a:p>
+          <a:p>
+            <a:endParaRPr lang="en-IN" sz="2000" dirty="0"/>
+          </a:p>
+          <a:p>
+            <a:r>
+              <a:rPr lang="en-IN" sz="2000" dirty="0" smtClean="0"/>
+              <a:t>ABS, CEILING, FLOOR, POWER, </a:t>
+            </a:r>
+            <a:r>
+              <a:rPr lang="en-IN" sz="2000" dirty="0" smtClean="0">
+                <a:latin typeface="Arial Black" panose="020B0A04020102020204" pitchFamily="34" charset="0"/>
+              </a:rPr>
+              <a:t>ROUND</a:t>
+            </a:r>
+            <a:r>
+              <a:rPr lang="en-IN" sz="2000" dirty="0" smtClean="0"/>
+              <a:t>, SQRT.</a:t>
+            </a:r>
+            <a:endParaRPr lang="en-IN" sz="2000" dirty="0"/>
+          </a:p>
+        </p:txBody>
+      </p:sp>
+      <p:sp>
+        <p:nvSpPr>
+          <p:cNvPr id="4" name="TextBox 3"/>
+          <p:cNvSpPr txBox="1"/>
+          <p:nvPr/>
+        </p:nvSpPr>
+        <p:spPr>
+          <a:xfrm>
+            <a:off x="1866120" y="2743200"/>
+            <a:ext cx="8201609" cy="400110"/>
+          </a:xfrm>
+          <a:prstGeom prst="rect">
+            <a:avLst/>
+          </a:prstGeom>
+          <a:noFill/>
+          <a:ln>
+            <a:solidFill>
+              <a:schemeClr val="tx1"/>
+            </a:solidFill>
+          </a:ln>
+        </p:spPr>
+        <p:txBody>
+          <a:bodyPr wrap="square" rtlCol="0">
+            <a:spAutoFit/>
+          </a:bodyPr>
+          <a:lstStyle/>
+          <a:p>
+            <a:r>
+              <a:rPr lang="en-IN" sz="2000" dirty="0" smtClean="0"/>
+              <a:t>Round(): it will give the round figure of the data</a:t>
+            </a:r>
+            <a:endParaRPr lang="en-IN" sz="2000" dirty="0"/>
+          </a:p>
+        </p:txBody>
+      </p:sp>
+      <p:pic>
+        <p:nvPicPr>
+          <p:cNvPr id="5" name="Picture 4"/>
+          <p:cNvPicPr>
+            <a:picLocks noChangeAspect="1"/>
+          </p:cNvPicPr>
+          <p:nvPr/>
+        </p:nvPicPr>
+        <p:blipFill>
+          <a:blip r:embed="rId2"/>
+          <a:stretch>
+            <a:fillRect/>
+          </a:stretch>
+        </p:blipFill>
+        <p:spPr>
+          <a:xfrm>
+            <a:off x="1866120" y="3898233"/>
+            <a:ext cx="4762913" cy="632515"/>
+          </a:xfrm>
+          <a:prstGeom prst="rect">
+            <a:avLst/>
+          </a:prstGeom>
+        </p:spPr>
+      </p:pic>
+      <p:pic>
+        <p:nvPicPr>
+          <p:cNvPr id="6" name="Picture 5"/>
+          <p:cNvPicPr>
+            <a:picLocks noChangeAspect="1"/>
+          </p:cNvPicPr>
+          <p:nvPr/>
+        </p:nvPicPr>
+        <p:blipFill>
+          <a:blip r:embed="rId3"/>
+          <a:stretch>
+            <a:fillRect/>
+          </a:stretch>
+        </p:blipFill>
+        <p:spPr>
+          <a:xfrm>
+            <a:off x="1866120" y="4977896"/>
+            <a:ext cx="3543607" cy="1455546"/>
+          </a:xfrm>
+          <a:prstGeom prst="rect">
+            <a:avLst/>
+          </a:prstGeom>
+        </p:spPr>
+      </p:pic>
+    </p:spTree>
+    <p:extLst>
+      <p:ext uri="{BB962C8B-B14F-4D97-AF65-F5344CB8AC3E}">
+        <p14:creationId xmlns:p14="http://schemas.microsoft.com/office/powerpoint/2010/main" val="2206831935"/>
+      </p:ext>
+    </p:extLst>
+  </p:cSld>
+  <p:clrMapOvr>
+    <a:masterClrMapping/>
+  </p:clrMapOvr>
+</p:sld>
+</file>
+
+<file path=ppt/slides/slide49.xml><?xml version="1.0" encoding="utf-8"?>
+<p:sld xmlns:a="http://schemas.openxmlformats.org/drawingml/2006/main" xmlns:r="http://schemas.openxmlformats.org/officeDocument/2006/relationships" xmlns:p="http://schemas.openxmlformats.org/presentationml/2006/main">
+  <p:cSld>
+    <p:spTree>
+      <p:nvGrpSpPr>
+        <p:cNvPr id="1" name=""/>
+        <p:cNvGrpSpPr/>
+        <p:nvPr/>
+      </p:nvGrpSpPr>
+      <p:grpSpPr>
+        <a:xfrm>
+          <a:off x="0" y="0"/>
+          <a:ext cx="0" cy="0"/>
+          <a:chOff x="0" y="0"/>
+          <a:chExt cx="0" cy="0"/>
+        </a:xfrm>
+      </p:grpSpPr>
+      <p:sp>
+        <p:nvSpPr>
+          <p:cNvPr id="2" name="TextBox 1"/>
+          <p:cNvSpPr txBox="1"/>
+          <p:nvPr/>
+        </p:nvSpPr>
+        <p:spPr>
+          <a:xfrm>
+            <a:off x="774440" y="233265"/>
+            <a:ext cx="10291666" cy="430887"/>
+          </a:xfrm>
+          <a:prstGeom prst="rect">
+            <a:avLst/>
+          </a:prstGeom>
+          <a:noFill/>
+        </p:spPr>
+        <p:txBody>
+          <a:bodyPr wrap="square" rtlCol="0">
+            <a:spAutoFit/>
+          </a:bodyPr>
+          <a:lstStyle/>
+          <a:p>
+            <a:pPr algn="ctr"/>
+            <a:r>
+              <a:rPr lang="en-IN" sz="2200" dirty="0" smtClean="0">
+                <a:latin typeface="Arial Black" panose="020B0A04020102020204" pitchFamily="34" charset="0"/>
+              </a:rPr>
+              <a:t>Queries</a:t>
+            </a:r>
+            <a:endParaRPr lang="en-IN" sz="2200" dirty="0">
+              <a:latin typeface="Arial Black" panose="020B0A04020102020204" pitchFamily="34" charset="0"/>
+            </a:endParaRPr>
+          </a:p>
+        </p:txBody>
+      </p:sp>
+      <p:pic>
+        <p:nvPicPr>
+          <p:cNvPr id="3" name="Picture 2"/>
+          <p:cNvPicPr>
+            <a:picLocks noChangeAspect="1"/>
+          </p:cNvPicPr>
+          <p:nvPr/>
+        </p:nvPicPr>
+        <p:blipFill>
+          <a:blip r:embed="rId2"/>
+          <a:stretch>
+            <a:fillRect/>
+          </a:stretch>
+        </p:blipFill>
+        <p:spPr>
+          <a:xfrm>
+            <a:off x="1866121" y="3414351"/>
+            <a:ext cx="5604571" cy="971037"/>
+          </a:xfrm>
+          <a:prstGeom prst="rect">
+            <a:avLst/>
+          </a:prstGeom>
+        </p:spPr>
+      </p:pic>
+      <p:pic>
+        <p:nvPicPr>
+          <p:cNvPr id="4" name="Picture 3"/>
+          <p:cNvPicPr>
+            <a:picLocks noChangeAspect="1"/>
+          </p:cNvPicPr>
+          <p:nvPr/>
+        </p:nvPicPr>
+        <p:blipFill>
+          <a:blip r:embed="rId3"/>
+          <a:stretch>
+            <a:fillRect/>
+          </a:stretch>
+        </p:blipFill>
+        <p:spPr>
+          <a:xfrm>
+            <a:off x="1866120" y="4684836"/>
+            <a:ext cx="3918859" cy="1914557"/>
+          </a:xfrm>
+          <a:prstGeom prst="rect">
+            <a:avLst/>
+          </a:prstGeom>
+        </p:spPr>
+      </p:pic>
+      <p:sp>
+        <p:nvSpPr>
+          <p:cNvPr id="5" name="TextBox 4"/>
+          <p:cNvSpPr txBox="1"/>
+          <p:nvPr/>
+        </p:nvSpPr>
+        <p:spPr>
+          <a:xfrm>
+            <a:off x="1866121" y="1231641"/>
+            <a:ext cx="8201609" cy="1323439"/>
+          </a:xfrm>
+          <a:prstGeom prst="rect">
+            <a:avLst/>
+          </a:prstGeom>
+          <a:noFill/>
+          <a:ln>
+            <a:solidFill>
+              <a:schemeClr val="tx1"/>
+            </a:solidFill>
+          </a:ln>
+        </p:spPr>
+        <p:txBody>
+          <a:bodyPr wrap="square" rtlCol="0">
+            <a:spAutoFit/>
+          </a:bodyPr>
+          <a:lstStyle/>
+          <a:p>
+            <a:r>
+              <a:rPr lang="en-IN" sz="2000" dirty="0" smtClean="0">
+                <a:latin typeface="Arial Black" panose="020B0A04020102020204" pitchFamily="34" charset="0"/>
+              </a:rPr>
+              <a:t>MATH FUNCTIONS: </a:t>
+            </a:r>
+            <a:r>
+              <a:rPr lang="en-IN" sz="2000" dirty="0" smtClean="0"/>
+              <a:t>It is used to perform mathematical expressions on numerical data.</a:t>
+            </a:r>
+          </a:p>
+          <a:p>
+            <a:endParaRPr lang="en-IN" sz="2000" dirty="0"/>
+          </a:p>
+          <a:p>
+            <a:r>
+              <a:rPr lang="en-IN" sz="2000" dirty="0" smtClean="0"/>
+              <a:t>ABS, CEILING, FLOOR, POWER, ROUND, </a:t>
+            </a:r>
+            <a:r>
+              <a:rPr lang="en-IN" sz="2000" dirty="0" smtClean="0">
+                <a:latin typeface="Arial Black" panose="020B0A04020102020204" pitchFamily="34" charset="0"/>
+              </a:rPr>
+              <a:t>SQRT</a:t>
+            </a:r>
+            <a:r>
+              <a:rPr lang="en-IN" sz="2000" dirty="0" smtClean="0"/>
+              <a:t>.</a:t>
+            </a:r>
+            <a:endParaRPr lang="en-IN" sz="2000" dirty="0"/>
+          </a:p>
+        </p:txBody>
+      </p:sp>
+      <p:sp>
+        <p:nvSpPr>
+          <p:cNvPr id="6" name="TextBox 5"/>
+          <p:cNvSpPr txBox="1"/>
+          <p:nvPr/>
+        </p:nvSpPr>
+        <p:spPr>
+          <a:xfrm>
+            <a:off x="1866120" y="2687216"/>
+            <a:ext cx="6540762" cy="369332"/>
+          </a:xfrm>
+          <a:prstGeom prst="rect">
+            <a:avLst/>
+          </a:prstGeom>
+          <a:noFill/>
+          <a:ln>
+            <a:solidFill>
+              <a:schemeClr val="tx1"/>
+            </a:solidFill>
+          </a:ln>
+        </p:spPr>
+        <p:txBody>
+          <a:bodyPr wrap="square" rtlCol="0">
+            <a:spAutoFit/>
+          </a:bodyPr>
+          <a:lstStyle/>
+          <a:p>
+            <a:r>
+              <a:rPr lang="en-IN" dirty="0" smtClean="0"/>
+              <a:t>SQRT(): is used for finding the square root of the given data</a:t>
+            </a:r>
+            <a:endParaRPr lang="en-IN" dirty="0"/>
+          </a:p>
+        </p:txBody>
+      </p:sp>
+    </p:spTree>
+    <p:extLst>
+      <p:ext uri="{BB962C8B-B14F-4D97-AF65-F5344CB8AC3E}">
+        <p14:creationId xmlns:p14="http://schemas.microsoft.com/office/powerpoint/2010/main" val="459278020"/>
+      </p:ext>
+    </p:extLst>
+  </p:cSld>
+  <p:clrMapOvr>
+    <a:masterClrMapping/>
+  </p:clrMapOvr>
+</p:sld>
+</file>
+
 <file path=ppt/slides/slide5.xml><?xml version="1.0" encoding="utf-8"?>
 <p:sld xmlns:a="http://schemas.openxmlformats.org/drawingml/2006/main" xmlns:r="http://schemas.openxmlformats.org/officeDocument/2006/relationships" xmlns:p="http://schemas.openxmlformats.org/presentationml/2006/main">
   <p:cSld>
@@ -8201,6 +10388,1390 @@
     <p:extLst>
       <p:ext uri="{BB962C8B-B14F-4D97-AF65-F5344CB8AC3E}">
         <p14:creationId xmlns:p14="http://schemas.microsoft.com/office/powerpoint/2010/main" val="1300022908"/>
+      </p:ext>
+    </p:extLst>
+  </p:cSld>
+  <p:clrMapOvr>
+    <a:masterClrMapping/>
+  </p:clrMapOvr>
+</p:sld>
+</file>
+
+<file path=ppt/slides/slide50.xml><?xml version="1.0" encoding="utf-8"?>
+<p:sld xmlns:a="http://schemas.openxmlformats.org/drawingml/2006/main" xmlns:r="http://schemas.openxmlformats.org/officeDocument/2006/relationships" xmlns:p="http://schemas.openxmlformats.org/presentationml/2006/main">
+  <p:cSld>
+    <p:spTree>
+      <p:nvGrpSpPr>
+        <p:cNvPr id="1" name=""/>
+        <p:cNvGrpSpPr/>
+        <p:nvPr/>
+      </p:nvGrpSpPr>
+      <p:grpSpPr>
+        <a:xfrm>
+          <a:off x="0" y="0"/>
+          <a:ext cx="0" cy="0"/>
+          <a:chOff x="0" y="0"/>
+          <a:chExt cx="0" cy="0"/>
+        </a:xfrm>
+      </p:grpSpPr>
+      <p:sp>
+        <p:nvSpPr>
+          <p:cNvPr id="2" name="TextBox 1"/>
+          <p:cNvSpPr txBox="1"/>
+          <p:nvPr/>
+        </p:nvSpPr>
+        <p:spPr>
+          <a:xfrm>
+            <a:off x="774440" y="233265"/>
+            <a:ext cx="10291666" cy="430887"/>
+          </a:xfrm>
+          <a:prstGeom prst="rect">
+            <a:avLst/>
+          </a:prstGeom>
+          <a:noFill/>
+        </p:spPr>
+        <p:txBody>
+          <a:bodyPr wrap="square" rtlCol="0">
+            <a:spAutoFit/>
+          </a:bodyPr>
+          <a:lstStyle/>
+          <a:p>
+            <a:pPr algn="ctr"/>
+            <a:r>
+              <a:rPr lang="en-IN" sz="2200" dirty="0" smtClean="0">
+                <a:latin typeface="Arial Black" panose="020B0A04020102020204" pitchFamily="34" charset="0"/>
+              </a:rPr>
+              <a:t>Queries</a:t>
+            </a:r>
+            <a:endParaRPr lang="en-IN" sz="2200" dirty="0">
+              <a:latin typeface="Arial Black" panose="020B0A04020102020204" pitchFamily="34" charset="0"/>
+            </a:endParaRPr>
+          </a:p>
+        </p:txBody>
+      </p:sp>
+      <p:sp>
+        <p:nvSpPr>
+          <p:cNvPr id="3" name="TextBox 2"/>
+          <p:cNvSpPr txBox="1"/>
+          <p:nvPr/>
+        </p:nvSpPr>
+        <p:spPr>
+          <a:xfrm>
+            <a:off x="1576873" y="1129004"/>
+            <a:ext cx="3051111" cy="400110"/>
+          </a:xfrm>
+          <a:prstGeom prst="rect">
+            <a:avLst/>
+          </a:prstGeom>
+          <a:noFill/>
+          <a:ln>
+            <a:solidFill>
+              <a:schemeClr val="tx1"/>
+            </a:solidFill>
+          </a:ln>
+        </p:spPr>
+        <p:txBody>
+          <a:bodyPr wrap="square" rtlCol="0">
+            <a:spAutoFit/>
+          </a:bodyPr>
+          <a:lstStyle/>
+          <a:p>
+            <a:r>
+              <a:rPr lang="en-IN" sz="2000" dirty="0" smtClean="0">
+                <a:latin typeface="Arial Black" panose="020B0A04020102020204" pitchFamily="34" charset="0"/>
+              </a:rPr>
+              <a:t>Date Function</a:t>
+            </a:r>
+            <a:endParaRPr lang="en-IN" sz="2000" dirty="0">
+              <a:latin typeface="Arial Black" panose="020B0A04020102020204" pitchFamily="34" charset="0"/>
+            </a:endParaRPr>
+          </a:p>
+        </p:txBody>
+      </p:sp>
+      <p:sp>
+        <p:nvSpPr>
+          <p:cNvPr id="4" name="TextBox 3"/>
+          <p:cNvSpPr txBox="1"/>
+          <p:nvPr/>
+        </p:nvSpPr>
+        <p:spPr>
+          <a:xfrm>
+            <a:off x="1576873" y="1800808"/>
+            <a:ext cx="6382139" cy="400110"/>
+          </a:xfrm>
+          <a:prstGeom prst="rect">
+            <a:avLst/>
+          </a:prstGeom>
+          <a:noFill/>
+          <a:ln>
+            <a:solidFill>
+              <a:schemeClr val="tx1"/>
+            </a:solidFill>
+          </a:ln>
+        </p:spPr>
+        <p:txBody>
+          <a:bodyPr wrap="square" rtlCol="0">
+            <a:spAutoFit/>
+          </a:bodyPr>
+          <a:lstStyle/>
+          <a:p>
+            <a:r>
+              <a:rPr lang="en-IN" sz="2000" dirty="0" smtClean="0">
+                <a:latin typeface="Arial Black" panose="020B0A04020102020204" pitchFamily="34" charset="0"/>
+              </a:rPr>
+              <a:t>Year(): </a:t>
+            </a:r>
+            <a:r>
+              <a:rPr lang="en-IN" sz="2000" dirty="0" smtClean="0"/>
+              <a:t>returns the year, </a:t>
+            </a:r>
+            <a:r>
+              <a:rPr lang="en-IN" sz="2000" dirty="0" smtClean="0">
+                <a:latin typeface="Arial Black" panose="020B0A04020102020204" pitchFamily="34" charset="0"/>
+              </a:rPr>
+              <a:t>Month(): </a:t>
+            </a:r>
+            <a:r>
+              <a:rPr lang="en-IN" sz="2000" dirty="0" smtClean="0"/>
+              <a:t>returns the month</a:t>
+            </a:r>
+            <a:endParaRPr lang="en-IN" sz="2000" dirty="0"/>
+          </a:p>
+        </p:txBody>
+      </p:sp>
+      <p:pic>
+        <p:nvPicPr>
+          <p:cNvPr id="5" name="Picture 4"/>
+          <p:cNvPicPr>
+            <a:picLocks noChangeAspect="1"/>
+          </p:cNvPicPr>
+          <p:nvPr/>
+        </p:nvPicPr>
+        <p:blipFill>
+          <a:blip r:embed="rId2"/>
+          <a:stretch>
+            <a:fillRect/>
+          </a:stretch>
+        </p:blipFill>
+        <p:spPr>
+          <a:xfrm>
+            <a:off x="1576873" y="4462463"/>
+            <a:ext cx="5262466" cy="1622123"/>
+          </a:xfrm>
+          <a:prstGeom prst="rect">
+            <a:avLst/>
+          </a:prstGeom>
+        </p:spPr>
+      </p:pic>
+      <p:pic>
+        <p:nvPicPr>
+          <p:cNvPr id="6" name="Picture 5"/>
+          <p:cNvPicPr>
+            <a:picLocks noChangeAspect="1"/>
+          </p:cNvPicPr>
+          <p:nvPr/>
+        </p:nvPicPr>
+        <p:blipFill>
+          <a:blip r:embed="rId3">
+            <a:extLst>
+              <a:ext uri="{28A0092B-C50C-407E-A947-70E740481C1C}">
+                <a14:useLocalDpi xmlns:a14="http://schemas.microsoft.com/office/drawing/2010/main" val="0"/>
+              </a:ext>
+            </a:extLst>
+          </a:blip>
+          <a:stretch>
+            <a:fillRect/>
+          </a:stretch>
+        </p:blipFill>
+        <p:spPr>
+          <a:xfrm>
+            <a:off x="1576873" y="3082281"/>
+            <a:ext cx="6560369" cy="593979"/>
+          </a:xfrm>
+          <a:prstGeom prst="rect">
+            <a:avLst/>
+          </a:prstGeom>
+        </p:spPr>
+      </p:pic>
+    </p:spTree>
+    <p:extLst>
+      <p:ext uri="{BB962C8B-B14F-4D97-AF65-F5344CB8AC3E}">
+        <p14:creationId xmlns:p14="http://schemas.microsoft.com/office/powerpoint/2010/main" val="986195860"/>
+      </p:ext>
+    </p:extLst>
+  </p:cSld>
+  <p:clrMapOvr>
+    <a:masterClrMapping/>
+  </p:clrMapOvr>
+</p:sld>
+</file>
+
+<file path=ppt/slides/slide51.xml><?xml version="1.0" encoding="utf-8"?>
+<p:sld xmlns:a="http://schemas.openxmlformats.org/drawingml/2006/main" xmlns:r="http://schemas.openxmlformats.org/officeDocument/2006/relationships" xmlns:p="http://schemas.openxmlformats.org/presentationml/2006/main">
+  <p:cSld>
+    <p:spTree>
+      <p:nvGrpSpPr>
+        <p:cNvPr id="1" name=""/>
+        <p:cNvGrpSpPr/>
+        <p:nvPr/>
+      </p:nvGrpSpPr>
+      <p:grpSpPr>
+        <a:xfrm>
+          <a:off x="0" y="0"/>
+          <a:ext cx="0" cy="0"/>
+          <a:chOff x="0" y="0"/>
+          <a:chExt cx="0" cy="0"/>
+        </a:xfrm>
+      </p:grpSpPr>
+      <p:sp>
+        <p:nvSpPr>
+          <p:cNvPr id="2" name="TextBox 1"/>
+          <p:cNvSpPr txBox="1"/>
+          <p:nvPr/>
+        </p:nvSpPr>
+        <p:spPr>
+          <a:xfrm>
+            <a:off x="774440" y="233265"/>
+            <a:ext cx="10291666" cy="430887"/>
+          </a:xfrm>
+          <a:prstGeom prst="rect">
+            <a:avLst/>
+          </a:prstGeom>
+          <a:noFill/>
+        </p:spPr>
+        <p:txBody>
+          <a:bodyPr wrap="square" rtlCol="0">
+            <a:spAutoFit/>
+          </a:bodyPr>
+          <a:lstStyle/>
+          <a:p>
+            <a:pPr algn="ctr"/>
+            <a:r>
+              <a:rPr lang="en-IN" sz="2200" dirty="0" smtClean="0">
+                <a:latin typeface="Arial Black" panose="020B0A04020102020204" pitchFamily="34" charset="0"/>
+              </a:rPr>
+              <a:t>Queries</a:t>
+            </a:r>
+            <a:endParaRPr lang="en-IN" sz="2200" dirty="0">
+              <a:latin typeface="Arial Black" panose="020B0A04020102020204" pitchFamily="34" charset="0"/>
+            </a:endParaRPr>
+          </a:p>
+        </p:txBody>
+      </p:sp>
+      <p:pic>
+        <p:nvPicPr>
+          <p:cNvPr id="3" name="Picture 2"/>
+          <p:cNvPicPr>
+            <a:picLocks noChangeAspect="1"/>
+          </p:cNvPicPr>
+          <p:nvPr/>
+        </p:nvPicPr>
+        <p:blipFill>
+          <a:blip r:embed="rId2"/>
+          <a:stretch>
+            <a:fillRect/>
+          </a:stretch>
+        </p:blipFill>
+        <p:spPr>
+          <a:xfrm>
+            <a:off x="1576873" y="3026475"/>
+            <a:ext cx="6019859" cy="836397"/>
+          </a:xfrm>
+          <a:prstGeom prst="rect">
+            <a:avLst/>
+          </a:prstGeom>
+        </p:spPr>
+      </p:pic>
+      <p:pic>
+        <p:nvPicPr>
+          <p:cNvPr id="4" name="Picture 3"/>
+          <p:cNvPicPr>
+            <a:picLocks noChangeAspect="1"/>
+          </p:cNvPicPr>
+          <p:nvPr/>
+        </p:nvPicPr>
+        <p:blipFill>
+          <a:blip r:embed="rId3"/>
+          <a:stretch>
+            <a:fillRect/>
+          </a:stretch>
+        </p:blipFill>
+        <p:spPr>
+          <a:xfrm>
+            <a:off x="1576873" y="4479266"/>
+            <a:ext cx="3461658" cy="1502421"/>
+          </a:xfrm>
+          <a:prstGeom prst="rect">
+            <a:avLst/>
+          </a:prstGeom>
+        </p:spPr>
+      </p:pic>
+      <p:sp>
+        <p:nvSpPr>
+          <p:cNvPr id="5" name="TextBox 4"/>
+          <p:cNvSpPr txBox="1"/>
+          <p:nvPr/>
+        </p:nvSpPr>
+        <p:spPr>
+          <a:xfrm>
+            <a:off x="1576873" y="1129004"/>
+            <a:ext cx="3051111" cy="400110"/>
+          </a:xfrm>
+          <a:prstGeom prst="rect">
+            <a:avLst/>
+          </a:prstGeom>
+          <a:noFill/>
+          <a:ln>
+            <a:solidFill>
+              <a:schemeClr val="tx1"/>
+            </a:solidFill>
+          </a:ln>
+        </p:spPr>
+        <p:txBody>
+          <a:bodyPr wrap="square" rtlCol="0">
+            <a:spAutoFit/>
+          </a:bodyPr>
+          <a:lstStyle/>
+          <a:p>
+            <a:r>
+              <a:rPr lang="en-IN" sz="2000" dirty="0" smtClean="0">
+                <a:latin typeface="Arial Black" panose="020B0A04020102020204" pitchFamily="34" charset="0"/>
+              </a:rPr>
+              <a:t>Date Function</a:t>
+            </a:r>
+            <a:endParaRPr lang="en-IN" sz="2000" dirty="0">
+              <a:latin typeface="Arial Black" panose="020B0A04020102020204" pitchFamily="34" charset="0"/>
+            </a:endParaRPr>
+          </a:p>
+        </p:txBody>
+      </p:sp>
+      <p:sp>
+        <p:nvSpPr>
+          <p:cNvPr id="6" name="TextBox 5"/>
+          <p:cNvSpPr txBox="1"/>
+          <p:nvPr/>
+        </p:nvSpPr>
+        <p:spPr>
+          <a:xfrm>
+            <a:off x="1576873" y="1856792"/>
+            <a:ext cx="4357396" cy="400110"/>
+          </a:xfrm>
+          <a:prstGeom prst="rect">
+            <a:avLst/>
+          </a:prstGeom>
+          <a:noFill/>
+          <a:ln>
+            <a:solidFill>
+              <a:schemeClr val="tx1"/>
+            </a:solidFill>
+          </a:ln>
+        </p:spPr>
+        <p:txBody>
+          <a:bodyPr wrap="square" rtlCol="0">
+            <a:spAutoFit/>
+          </a:bodyPr>
+          <a:lstStyle/>
+          <a:p>
+            <a:r>
+              <a:rPr lang="en-IN" sz="2000" dirty="0" smtClean="0">
+                <a:latin typeface="Arial Black" panose="020B0A04020102020204" pitchFamily="34" charset="0"/>
+              </a:rPr>
+              <a:t>Dayname(): </a:t>
+            </a:r>
+            <a:r>
+              <a:rPr lang="en-IN" sz="2000" dirty="0" smtClean="0"/>
+              <a:t>it will returns the date</a:t>
+            </a:r>
+            <a:endParaRPr lang="en-IN" sz="2000" dirty="0"/>
+          </a:p>
+        </p:txBody>
+      </p:sp>
+    </p:spTree>
+    <p:extLst>
+      <p:ext uri="{BB962C8B-B14F-4D97-AF65-F5344CB8AC3E}">
+        <p14:creationId xmlns:p14="http://schemas.microsoft.com/office/powerpoint/2010/main" val="3264403697"/>
+      </p:ext>
+    </p:extLst>
+  </p:cSld>
+  <p:clrMapOvr>
+    <a:masterClrMapping/>
+  </p:clrMapOvr>
+</p:sld>
+</file>
+
+<file path=ppt/slides/slide52.xml><?xml version="1.0" encoding="utf-8"?>
+<p:sld xmlns:a="http://schemas.openxmlformats.org/drawingml/2006/main" xmlns:r="http://schemas.openxmlformats.org/officeDocument/2006/relationships" xmlns:p="http://schemas.openxmlformats.org/presentationml/2006/main">
+  <p:cSld>
+    <p:spTree>
+      <p:nvGrpSpPr>
+        <p:cNvPr id="1" name=""/>
+        <p:cNvGrpSpPr/>
+        <p:nvPr/>
+      </p:nvGrpSpPr>
+      <p:grpSpPr>
+        <a:xfrm>
+          <a:off x="0" y="0"/>
+          <a:ext cx="0" cy="0"/>
+          <a:chOff x="0" y="0"/>
+          <a:chExt cx="0" cy="0"/>
+        </a:xfrm>
+      </p:grpSpPr>
+      <p:sp>
+        <p:nvSpPr>
+          <p:cNvPr id="2" name="TextBox 1"/>
+          <p:cNvSpPr txBox="1"/>
+          <p:nvPr/>
+        </p:nvSpPr>
+        <p:spPr>
+          <a:xfrm>
+            <a:off x="774440" y="233265"/>
+            <a:ext cx="10291666" cy="430887"/>
+          </a:xfrm>
+          <a:prstGeom prst="rect">
+            <a:avLst/>
+          </a:prstGeom>
+          <a:noFill/>
+        </p:spPr>
+        <p:txBody>
+          <a:bodyPr wrap="square" rtlCol="0">
+            <a:spAutoFit/>
+          </a:bodyPr>
+          <a:lstStyle/>
+          <a:p>
+            <a:pPr algn="ctr"/>
+            <a:r>
+              <a:rPr lang="en-IN" sz="2200" dirty="0" smtClean="0">
+                <a:latin typeface="Arial Black" panose="020B0A04020102020204" pitchFamily="34" charset="0"/>
+              </a:rPr>
+              <a:t>Queries</a:t>
+            </a:r>
+            <a:endParaRPr lang="en-IN" sz="2200" dirty="0">
+              <a:latin typeface="Arial Black" panose="020B0A04020102020204" pitchFamily="34" charset="0"/>
+            </a:endParaRPr>
+          </a:p>
+        </p:txBody>
+      </p:sp>
+      <p:sp>
+        <p:nvSpPr>
+          <p:cNvPr id="3" name="TextBox 2"/>
+          <p:cNvSpPr txBox="1"/>
+          <p:nvPr/>
+        </p:nvSpPr>
+        <p:spPr>
+          <a:xfrm>
+            <a:off x="1791478" y="1212980"/>
+            <a:ext cx="7053942" cy="1292662"/>
+          </a:xfrm>
+          <a:prstGeom prst="rect">
+            <a:avLst/>
+          </a:prstGeom>
+          <a:noFill/>
+          <a:ln>
+            <a:solidFill>
+              <a:schemeClr val="tx1"/>
+            </a:solidFill>
+          </a:ln>
+        </p:spPr>
+        <p:txBody>
+          <a:bodyPr wrap="square" rtlCol="0">
+            <a:spAutoFit/>
+          </a:bodyPr>
+          <a:lstStyle/>
+          <a:p>
+            <a:r>
+              <a:rPr lang="en-IN" sz="2000" dirty="0" smtClean="0">
+                <a:latin typeface="Arial Black" panose="020B0A04020102020204" pitchFamily="34" charset="0"/>
+              </a:rPr>
+              <a:t>Aggregate Functions: </a:t>
+            </a:r>
+            <a:r>
+              <a:rPr lang="en-IN" sz="2000" dirty="0" smtClean="0"/>
+              <a:t>It performs calculations on sets of values and returns a single value</a:t>
+            </a:r>
+            <a:r>
+              <a:rPr lang="en-IN" dirty="0" smtClean="0"/>
+              <a:t>.</a:t>
+            </a:r>
+          </a:p>
+          <a:p>
+            <a:endParaRPr lang="en-IN" dirty="0"/>
+          </a:p>
+          <a:p>
+            <a:r>
+              <a:rPr lang="en-IN" sz="2000" dirty="0" smtClean="0">
+                <a:latin typeface="Arial Black" panose="020B0A04020102020204" pitchFamily="34" charset="0"/>
+              </a:rPr>
+              <a:t>COUNT</a:t>
+            </a:r>
+            <a:r>
+              <a:rPr lang="en-IN" sz="2000" dirty="0" smtClean="0"/>
+              <a:t>, SUM, AVG, MIN, MAX.</a:t>
+            </a:r>
+          </a:p>
+        </p:txBody>
+      </p:sp>
+      <p:pic>
+        <p:nvPicPr>
+          <p:cNvPr id="5" name="Picture 4"/>
+          <p:cNvPicPr>
+            <a:picLocks noChangeAspect="1"/>
+          </p:cNvPicPr>
+          <p:nvPr/>
+        </p:nvPicPr>
+        <p:blipFill>
+          <a:blip r:embed="rId2"/>
+          <a:stretch>
+            <a:fillRect/>
+          </a:stretch>
+        </p:blipFill>
+        <p:spPr>
+          <a:xfrm>
+            <a:off x="1791478" y="4709206"/>
+            <a:ext cx="4526124" cy="1365022"/>
+          </a:xfrm>
+          <a:prstGeom prst="rect">
+            <a:avLst/>
+          </a:prstGeom>
+        </p:spPr>
+      </p:pic>
+      <p:pic>
+        <p:nvPicPr>
+          <p:cNvPr id="6" name="Picture 5"/>
+          <p:cNvPicPr>
+            <a:picLocks noChangeAspect="1"/>
+          </p:cNvPicPr>
+          <p:nvPr/>
+        </p:nvPicPr>
+        <p:blipFill>
+          <a:blip r:embed="rId3">
+            <a:extLst>
+              <a:ext uri="{28A0092B-C50C-407E-A947-70E740481C1C}">
+                <a14:useLocalDpi xmlns:a14="http://schemas.microsoft.com/office/drawing/2010/main" val="0"/>
+              </a:ext>
+            </a:extLst>
+          </a:blip>
+          <a:stretch>
+            <a:fillRect/>
+          </a:stretch>
+        </p:blipFill>
+        <p:spPr>
+          <a:xfrm>
+            <a:off x="1791478" y="3483678"/>
+            <a:ext cx="5654351" cy="822622"/>
+          </a:xfrm>
+          <a:prstGeom prst="rect">
+            <a:avLst/>
+          </a:prstGeom>
+        </p:spPr>
+      </p:pic>
+      <p:sp>
+        <p:nvSpPr>
+          <p:cNvPr id="7" name="TextBox 6"/>
+          <p:cNvSpPr txBox="1"/>
+          <p:nvPr/>
+        </p:nvSpPr>
+        <p:spPr>
+          <a:xfrm>
+            <a:off x="1791478" y="2625328"/>
+            <a:ext cx="4665306" cy="400110"/>
+          </a:xfrm>
+          <a:prstGeom prst="rect">
+            <a:avLst/>
+          </a:prstGeom>
+          <a:noFill/>
+          <a:ln>
+            <a:solidFill>
+              <a:schemeClr val="tx1"/>
+            </a:solidFill>
+          </a:ln>
+        </p:spPr>
+        <p:txBody>
+          <a:bodyPr wrap="square" rtlCol="0">
+            <a:spAutoFit/>
+          </a:bodyPr>
+          <a:lstStyle/>
+          <a:p>
+            <a:r>
+              <a:rPr lang="en-IN" sz="2000" dirty="0" smtClean="0"/>
+              <a:t>Count of all patients</a:t>
+            </a:r>
+            <a:endParaRPr lang="en-IN" sz="2000" dirty="0"/>
+          </a:p>
+        </p:txBody>
+      </p:sp>
+    </p:spTree>
+    <p:extLst>
+      <p:ext uri="{BB962C8B-B14F-4D97-AF65-F5344CB8AC3E}">
+        <p14:creationId xmlns:p14="http://schemas.microsoft.com/office/powerpoint/2010/main" val="1521808471"/>
+      </p:ext>
+    </p:extLst>
+  </p:cSld>
+  <p:clrMapOvr>
+    <a:masterClrMapping/>
+  </p:clrMapOvr>
+</p:sld>
+</file>
+
+<file path=ppt/slides/slide53.xml><?xml version="1.0" encoding="utf-8"?>
+<p:sld xmlns:a="http://schemas.openxmlformats.org/drawingml/2006/main" xmlns:r="http://schemas.openxmlformats.org/officeDocument/2006/relationships" xmlns:p="http://schemas.openxmlformats.org/presentationml/2006/main">
+  <p:cSld>
+    <p:spTree>
+      <p:nvGrpSpPr>
+        <p:cNvPr id="1" name=""/>
+        <p:cNvGrpSpPr/>
+        <p:nvPr/>
+      </p:nvGrpSpPr>
+      <p:grpSpPr>
+        <a:xfrm>
+          <a:off x="0" y="0"/>
+          <a:ext cx="0" cy="0"/>
+          <a:chOff x="0" y="0"/>
+          <a:chExt cx="0" cy="0"/>
+        </a:xfrm>
+      </p:grpSpPr>
+      <p:sp>
+        <p:nvSpPr>
+          <p:cNvPr id="2" name="TextBox 1"/>
+          <p:cNvSpPr txBox="1"/>
+          <p:nvPr/>
+        </p:nvSpPr>
+        <p:spPr>
+          <a:xfrm>
+            <a:off x="774440" y="233265"/>
+            <a:ext cx="10291666" cy="430887"/>
+          </a:xfrm>
+          <a:prstGeom prst="rect">
+            <a:avLst/>
+          </a:prstGeom>
+          <a:noFill/>
+        </p:spPr>
+        <p:txBody>
+          <a:bodyPr wrap="square" rtlCol="0">
+            <a:spAutoFit/>
+          </a:bodyPr>
+          <a:lstStyle/>
+          <a:p>
+            <a:pPr algn="ctr"/>
+            <a:r>
+              <a:rPr lang="en-IN" sz="2200" dirty="0" smtClean="0">
+                <a:latin typeface="Arial Black" panose="020B0A04020102020204" pitchFamily="34" charset="0"/>
+              </a:rPr>
+              <a:t>Queries</a:t>
+            </a:r>
+            <a:endParaRPr lang="en-IN" sz="2200" dirty="0">
+              <a:latin typeface="Arial Black" panose="020B0A04020102020204" pitchFamily="34" charset="0"/>
+            </a:endParaRPr>
+          </a:p>
+        </p:txBody>
+      </p:sp>
+      <p:sp>
+        <p:nvSpPr>
+          <p:cNvPr id="3" name="TextBox 2"/>
+          <p:cNvSpPr txBox="1"/>
+          <p:nvPr/>
+        </p:nvSpPr>
+        <p:spPr>
+          <a:xfrm>
+            <a:off x="1791478" y="1212980"/>
+            <a:ext cx="7053942" cy="1292662"/>
+          </a:xfrm>
+          <a:prstGeom prst="rect">
+            <a:avLst/>
+          </a:prstGeom>
+          <a:noFill/>
+          <a:ln>
+            <a:solidFill>
+              <a:schemeClr val="tx1"/>
+            </a:solidFill>
+          </a:ln>
+        </p:spPr>
+        <p:txBody>
+          <a:bodyPr wrap="square" rtlCol="0">
+            <a:spAutoFit/>
+          </a:bodyPr>
+          <a:lstStyle/>
+          <a:p>
+            <a:r>
+              <a:rPr lang="en-IN" sz="2000" dirty="0" smtClean="0">
+                <a:latin typeface="Arial Black" panose="020B0A04020102020204" pitchFamily="34" charset="0"/>
+              </a:rPr>
+              <a:t>Aggregate Functions: </a:t>
+            </a:r>
+            <a:r>
+              <a:rPr lang="en-IN" sz="2000" dirty="0" smtClean="0"/>
+              <a:t>It performs calculations on sets of values and returns a single value</a:t>
+            </a:r>
+            <a:r>
+              <a:rPr lang="en-IN" dirty="0" smtClean="0"/>
+              <a:t>.</a:t>
+            </a:r>
+          </a:p>
+          <a:p>
+            <a:endParaRPr lang="en-IN" dirty="0"/>
+          </a:p>
+          <a:p>
+            <a:r>
+              <a:rPr lang="en-IN" sz="2000" dirty="0" smtClean="0"/>
+              <a:t>COUNT, SUM, </a:t>
+            </a:r>
+            <a:r>
+              <a:rPr lang="en-IN" sz="2000" dirty="0" smtClean="0">
+                <a:latin typeface="Arial Black" panose="020B0A04020102020204" pitchFamily="34" charset="0"/>
+              </a:rPr>
+              <a:t>AVG</a:t>
+            </a:r>
+            <a:r>
+              <a:rPr lang="en-IN" sz="2000" dirty="0" smtClean="0"/>
+              <a:t>, MIN, MAX.</a:t>
+            </a:r>
+          </a:p>
+        </p:txBody>
+      </p:sp>
+      <p:pic>
+        <p:nvPicPr>
+          <p:cNvPr id="4" name="Picture 3"/>
+          <p:cNvPicPr>
+            <a:picLocks noChangeAspect="1"/>
+          </p:cNvPicPr>
+          <p:nvPr/>
+        </p:nvPicPr>
+        <p:blipFill>
+          <a:blip r:embed="rId2"/>
+          <a:stretch>
+            <a:fillRect/>
+          </a:stretch>
+        </p:blipFill>
+        <p:spPr>
+          <a:xfrm>
+            <a:off x="1791478" y="3195490"/>
+            <a:ext cx="6009453" cy="760690"/>
+          </a:xfrm>
+          <a:prstGeom prst="rect">
+            <a:avLst/>
+          </a:prstGeom>
+        </p:spPr>
+      </p:pic>
+      <p:pic>
+        <p:nvPicPr>
+          <p:cNvPr id="5" name="Picture 4"/>
+          <p:cNvPicPr>
+            <a:picLocks noChangeAspect="1"/>
+          </p:cNvPicPr>
+          <p:nvPr/>
+        </p:nvPicPr>
+        <p:blipFill>
+          <a:blip r:embed="rId3"/>
+          <a:stretch>
+            <a:fillRect/>
+          </a:stretch>
+        </p:blipFill>
+        <p:spPr>
+          <a:xfrm>
+            <a:off x="1791478" y="4614729"/>
+            <a:ext cx="2985795" cy="1225513"/>
+          </a:xfrm>
+          <a:prstGeom prst="rect">
+            <a:avLst/>
+          </a:prstGeom>
+        </p:spPr>
+      </p:pic>
+    </p:spTree>
+    <p:extLst>
+      <p:ext uri="{BB962C8B-B14F-4D97-AF65-F5344CB8AC3E}">
+        <p14:creationId xmlns:p14="http://schemas.microsoft.com/office/powerpoint/2010/main" val="1464556797"/>
+      </p:ext>
+    </p:extLst>
+  </p:cSld>
+  <p:clrMapOvr>
+    <a:masterClrMapping/>
+  </p:clrMapOvr>
+</p:sld>
+</file>
+
+<file path=ppt/slides/slide54.xml><?xml version="1.0" encoding="utf-8"?>
+<p:sld xmlns:a="http://schemas.openxmlformats.org/drawingml/2006/main" xmlns:r="http://schemas.openxmlformats.org/officeDocument/2006/relationships" xmlns:p="http://schemas.openxmlformats.org/presentationml/2006/main">
+  <p:cSld>
+    <p:spTree>
+      <p:nvGrpSpPr>
+        <p:cNvPr id="1" name=""/>
+        <p:cNvGrpSpPr/>
+        <p:nvPr/>
+      </p:nvGrpSpPr>
+      <p:grpSpPr>
+        <a:xfrm>
+          <a:off x="0" y="0"/>
+          <a:ext cx="0" cy="0"/>
+          <a:chOff x="0" y="0"/>
+          <a:chExt cx="0" cy="0"/>
+        </a:xfrm>
+      </p:grpSpPr>
+      <p:sp>
+        <p:nvSpPr>
+          <p:cNvPr id="2" name="TextBox 1"/>
+          <p:cNvSpPr txBox="1"/>
+          <p:nvPr/>
+        </p:nvSpPr>
+        <p:spPr>
+          <a:xfrm>
+            <a:off x="774440" y="233265"/>
+            <a:ext cx="10291666" cy="430887"/>
+          </a:xfrm>
+          <a:prstGeom prst="rect">
+            <a:avLst/>
+          </a:prstGeom>
+          <a:noFill/>
+        </p:spPr>
+        <p:txBody>
+          <a:bodyPr wrap="square" rtlCol="0">
+            <a:spAutoFit/>
+          </a:bodyPr>
+          <a:lstStyle/>
+          <a:p>
+            <a:pPr algn="ctr"/>
+            <a:r>
+              <a:rPr lang="en-IN" sz="2200" dirty="0" smtClean="0">
+                <a:latin typeface="Arial Black" panose="020B0A04020102020204" pitchFamily="34" charset="0"/>
+              </a:rPr>
+              <a:t>Queries</a:t>
+            </a:r>
+            <a:endParaRPr lang="en-IN" sz="2200" dirty="0">
+              <a:latin typeface="Arial Black" panose="020B0A04020102020204" pitchFamily="34" charset="0"/>
+            </a:endParaRPr>
+          </a:p>
+        </p:txBody>
+      </p:sp>
+      <p:sp>
+        <p:nvSpPr>
+          <p:cNvPr id="3" name="TextBox 2"/>
+          <p:cNvSpPr txBox="1"/>
+          <p:nvPr/>
+        </p:nvSpPr>
+        <p:spPr>
+          <a:xfrm>
+            <a:off x="1716833" y="1101012"/>
+            <a:ext cx="9050694" cy="707886"/>
+          </a:xfrm>
+          <a:prstGeom prst="rect">
+            <a:avLst/>
+          </a:prstGeom>
+          <a:noFill/>
+          <a:ln>
+            <a:solidFill>
+              <a:schemeClr val="tx1"/>
+            </a:solidFill>
+          </a:ln>
+        </p:spPr>
+        <p:txBody>
+          <a:bodyPr wrap="square" rtlCol="0">
+            <a:spAutoFit/>
+          </a:bodyPr>
+          <a:lstStyle/>
+          <a:p>
+            <a:r>
+              <a:rPr lang="en-IN" sz="2000" dirty="0" smtClean="0">
+                <a:latin typeface="Arial Black" panose="020B0A04020102020204" pitchFamily="34" charset="0"/>
+              </a:rPr>
+              <a:t>GROUP BY CLAUSE:  </a:t>
+            </a:r>
+            <a:r>
+              <a:rPr lang="en-IN" sz="2000" dirty="0" smtClean="0"/>
+              <a:t>It</a:t>
+            </a:r>
+            <a:r>
+              <a:rPr lang="en-IN" sz="2000" dirty="0" smtClean="0">
+                <a:latin typeface="Arial Black" panose="020B0A04020102020204" pitchFamily="34" charset="0"/>
+              </a:rPr>
+              <a:t> </a:t>
+            </a:r>
+            <a:r>
+              <a:rPr lang="en-US" sz="2000" dirty="0" smtClean="0"/>
+              <a:t>is </a:t>
+            </a:r>
+            <a:r>
+              <a:rPr lang="en-US" sz="2000" dirty="0"/>
+              <a:t>used in conjunction with aggregate functions (such as SUM, AVG, COUNT, MAX, MIN) to perform calculations on groups of rows</a:t>
+            </a:r>
+            <a:endParaRPr lang="en-IN" sz="2000" dirty="0"/>
+          </a:p>
+        </p:txBody>
+      </p:sp>
+      <p:sp>
+        <p:nvSpPr>
+          <p:cNvPr id="4" name="TextBox 3"/>
+          <p:cNvSpPr txBox="1"/>
+          <p:nvPr/>
+        </p:nvSpPr>
+        <p:spPr>
+          <a:xfrm>
+            <a:off x="1716833" y="2152452"/>
+            <a:ext cx="9050694" cy="707886"/>
+          </a:xfrm>
+          <a:prstGeom prst="rect">
+            <a:avLst/>
+          </a:prstGeom>
+          <a:noFill/>
+          <a:ln>
+            <a:solidFill>
+              <a:schemeClr val="tx1"/>
+            </a:solidFill>
+          </a:ln>
+        </p:spPr>
+        <p:txBody>
+          <a:bodyPr wrap="square" rtlCol="0">
+            <a:spAutoFit/>
+          </a:bodyPr>
+          <a:lstStyle/>
+          <a:p>
+            <a:r>
+              <a:rPr lang="en-IN" sz="2000" dirty="0" smtClean="0"/>
+              <a:t>Using GROUP BY now we will make a group of paid and pending statuses and display sum of it as a result</a:t>
+            </a:r>
+            <a:endParaRPr lang="en-IN" sz="2000" dirty="0"/>
+          </a:p>
+        </p:txBody>
+      </p:sp>
+      <p:pic>
+        <p:nvPicPr>
+          <p:cNvPr id="5" name="Picture 4"/>
+          <p:cNvPicPr>
+            <a:picLocks noChangeAspect="1"/>
+          </p:cNvPicPr>
+          <p:nvPr/>
+        </p:nvPicPr>
+        <p:blipFill>
+          <a:blip r:embed="rId2"/>
+          <a:stretch>
+            <a:fillRect/>
+          </a:stretch>
+        </p:blipFill>
+        <p:spPr>
+          <a:xfrm>
+            <a:off x="1716833" y="3454229"/>
+            <a:ext cx="5187820" cy="1126904"/>
+          </a:xfrm>
+          <a:prstGeom prst="rect">
+            <a:avLst/>
+          </a:prstGeom>
+        </p:spPr>
+      </p:pic>
+      <p:pic>
+        <p:nvPicPr>
+          <p:cNvPr id="6" name="Picture 5"/>
+          <p:cNvPicPr>
+            <a:picLocks noChangeAspect="1"/>
+          </p:cNvPicPr>
+          <p:nvPr/>
+        </p:nvPicPr>
+        <p:blipFill>
+          <a:blip r:embed="rId3"/>
+          <a:stretch>
+            <a:fillRect/>
+          </a:stretch>
+        </p:blipFill>
+        <p:spPr>
+          <a:xfrm>
+            <a:off x="1716833" y="4894014"/>
+            <a:ext cx="4488024" cy="1499528"/>
+          </a:xfrm>
+          <a:prstGeom prst="rect">
+            <a:avLst/>
+          </a:prstGeom>
+        </p:spPr>
+      </p:pic>
+    </p:spTree>
+    <p:extLst>
+      <p:ext uri="{BB962C8B-B14F-4D97-AF65-F5344CB8AC3E}">
+        <p14:creationId xmlns:p14="http://schemas.microsoft.com/office/powerpoint/2010/main" val="3287082253"/>
+      </p:ext>
+    </p:extLst>
+  </p:cSld>
+  <p:clrMapOvr>
+    <a:masterClrMapping/>
+  </p:clrMapOvr>
+</p:sld>
+</file>
+
+<file path=ppt/slides/slide55.xml><?xml version="1.0" encoding="utf-8"?>
+<p:sld xmlns:a="http://schemas.openxmlformats.org/drawingml/2006/main" xmlns:r="http://schemas.openxmlformats.org/officeDocument/2006/relationships" xmlns:p="http://schemas.openxmlformats.org/presentationml/2006/main">
+  <p:cSld>
+    <p:spTree>
+      <p:nvGrpSpPr>
+        <p:cNvPr id="1" name=""/>
+        <p:cNvGrpSpPr/>
+        <p:nvPr/>
+      </p:nvGrpSpPr>
+      <p:grpSpPr>
+        <a:xfrm>
+          <a:off x="0" y="0"/>
+          <a:ext cx="0" cy="0"/>
+          <a:chOff x="0" y="0"/>
+          <a:chExt cx="0" cy="0"/>
+        </a:xfrm>
+      </p:grpSpPr>
+      <p:sp>
+        <p:nvSpPr>
+          <p:cNvPr id="2" name="TextBox 1"/>
+          <p:cNvSpPr txBox="1"/>
+          <p:nvPr/>
+        </p:nvSpPr>
+        <p:spPr>
+          <a:xfrm>
+            <a:off x="774440" y="233265"/>
+            <a:ext cx="10291666" cy="430887"/>
+          </a:xfrm>
+          <a:prstGeom prst="rect">
+            <a:avLst/>
+          </a:prstGeom>
+          <a:noFill/>
+        </p:spPr>
+        <p:txBody>
+          <a:bodyPr wrap="square" rtlCol="0">
+            <a:spAutoFit/>
+          </a:bodyPr>
+          <a:lstStyle/>
+          <a:p>
+            <a:pPr algn="ctr"/>
+            <a:r>
+              <a:rPr lang="en-IN" sz="2200" dirty="0" smtClean="0">
+                <a:latin typeface="Arial Black" panose="020B0A04020102020204" pitchFamily="34" charset="0"/>
+              </a:rPr>
+              <a:t>Queries</a:t>
+            </a:r>
+            <a:endParaRPr lang="en-IN" sz="2200" dirty="0">
+              <a:latin typeface="Arial Black" panose="020B0A04020102020204" pitchFamily="34" charset="0"/>
+            </a:endParaRPr>
+          </a:p>
+        </p:txBody>
+      </p:sp>
+      <p:sp>
+        <p:nvSpPr>
+          <p:cNvPr id="3" name="TextBox 2"/>
+          <p:cNvSpPr txBox="1"/>
+          <p:nvPr/>
+        </p:nvSpPr>
+        <p:spPr>
+          <a:xfrm>
+            <a:off x="1744824" y="1194318"/>
+            <a:ext cx="7744409" cy="707886"/>
+          </a:xfrm>
+          <a:prstGeom prst="rect">
+            <a:avLst/>
+          </a:prstGeom>
+          <a:noFill/>
+          <a:ln>
+            <a:solidFill>
+              <a:schemeClr val="tx1"/>
+            </a:solidFill>
+          </a:ln>
+        </p:spPr>
+        <p:txBody>
+          <a:bodyPr wrap="square" rtlCol="0">
+            <a:spAutoFit/>
+          </a:bodyPr>
+          <a:lstStyle/>
+          <a:p>
+            <a:r>
+              <a:rPr lang="en-IN" sz="2000" dirty="0" smtClean="0">
+                <a:latin typeface="Arial Black" panose="020B0A04020102020204" pitchFamily="34" charset="0"/>
+              </a:rPr>
+              <a:t>HAVING CLAUSE: </a:t>
+            </a:r>
+            <a:r>
+              <a:rPr lang="en-IN" sz="2000" dirty="0" smtClean="0"/>
+              <a:t>It is used in conjunction with the group by clause to filter out the result.</a:t>
+            </a:r>
+            <a:endParaRPr lang="en-IN" sz="2000" dirty="0"/>
+          </a:p>
+        </p:txBody>
+      </p:sp>
+      <p:pic>
+        <p:nvPicPr>
+          <p:cNvPr id="4" name="Picture 3"/>
+          <p:cNvPicPr>
+            <a:picLocks noChangeAspect="1"/>
+          </p:cNvPicPr>
+          <p:nvPr/>
+        </p:nvPicPr>
+        <p:blipFill>
+          <a:blip r:embed="rId2"/>
+          <a:stretch>
+            <a:fillRect/>
+          </a:stretch>
+        </p:blipFill>
+        <p:spPr>
+          <a:xfrm>
+            <a:off x="1744824" y="5039082"/>
+            <a:ext cx="4923104" cy="1149099"/>
+          </a:xfrm>
+          <a:prstGeom prst="rect">
+            <a:avLst/>
+          </a:prstGeom>
+        </p:spPr>
+      </p:pic>
+      <p:pic>
+        <p:nvPicPr>
+          <p:cNvPr id="5" name="Picture 4"/>
+          <p:cNvPicPr>
+            <a:picLocks noChangeAspect="1"/>
+          </p:cNvPicPr>
+          <p:nvPr/>
+        </p:nvPicPr>
+        <p:blipFill>
+          <a:blip r:embed="rId3">
+            <a:extLst>
+              <a:ext uri="{28A0092B-C50C-407E-A947-70E740481C1C}">
+                <a14:useLocalDpi xmlns:a14="http://schemas.microsoft.com/office/drawing/2010/main" val="0"/>
+              </a:ext>
+            </a:extLst>
+          </a:blip>
+          <a:stretch>
+            <a:fillRect/>
+          </a:stretch>
+        </p:blipFill>
+        <p:spPr>
+          <a:xfrm>
+            <a:off x="1744824" y="3085229"/>
+            <a:ext cx="5218147" cy="1345378"/>
+          </a:xfrm>
+          <a:prstGeom prst="rect">
+            <a:avLst/>
+          </a:prstGeom>
+        </p:spPr>
+      </p:pic>
+      <p:sp>
+        <p:nvSpPr>
+          <p:cNvPr id="6" name="TextBox 5"/>
+          <p:cNvSpPr txBox="1"/>
+          <p:nvPr/>
+        </p:nvSpPr>
+        <p:spPr>
+          <a:xfrm>
+            <a:off x="1744823" y="2073106"/>
+            <a:ext cx="7744409" cy="707886"/>
+          </a:xfrm>
+          <a:prstGeom prst="rect">
+            <a:avLst/>
+          </a:prstGeom>
+          <a:noFill/>
+          <a:ln>
+            <a:solidFill>
+              <a:schemeClr val="tx1"/>
+            </a:solidFill>
+          </a:ln>
+        </p:spPr>
+        <p:txBody>
+          <a:bodyPr wrap="square" rtlCol="0">
+            <a:spAutoFit/>
+          </a:bodyPr>
+          <a:lstStyle/>
+          <a:p>
+            <a:r>
+              <a:rPr lang="en-IN" sz="2000" dirty="0" smtClean="0"/>
+              <a:t>Using the  having clause we filtered the result whose amount less than 2000 after summing up the amount </a:t>
+            </a:r>
+            <a:endParaRPr lang="en-IN" sz="2000" dirty="0"/>
+          </a:p>
+        </p:txBody>
+      </p:sp>
+    </p:spTree>
+    <p:extLst>
+      <p:ext uri="{BB962C8B-B14F-4D97-AF65-F5344CB8AC3E}">
+        <p14:creationId xmlns:p14="http://schemas.microsoft.com/office/powerpoint/2010/main" val="166631761"/>
+      </p:ext>
+    </p:extLst>
+  </p:cSld>
+  <p:clrMapOvr>
+    <a:masterClrMapping/>
+  </p:clrMapOvr>
+</p:sld>
+</file>
+
+<file path=ppt/slides/slide56.xml><?xml version="1.0" encoding="utf-8"?>
+<p:sld xmlns:a="http://schemas.openxmlformats.org/drawingml/2006/main" xmlns:r="http://schemas.openxmlformats.org/officeDocument/2006/relationships" xmlns:p="http://schemas.openxmlformats.org/presentationml/2006/main">
+  <p:cSld>
+    <p:spTree>
+      <p:nvGrpSpPr>
+        <p:cNvPr id="1" name=""/>
+        <p:cNvGrpSpPr/>
+        <p:nvPr/>
+      </p:nvGrpSpPr>
+      <p:grpSpPr>
+        <a:xfrm>
+          <a:off x="0" y="0"/>
+          <a:ext cx="0" cy="0"/>
+          <a:chOff x="0" y="0"/>
+          <a:chExt cx="0" cy="0"/>
+        </a:xfrm>
+      </p:grpSpPr>
+      <p:sp>
+        <p:nvSpPr>
+          <p:cNvPr id="2" name="TextBox 1"/>
+          <p:cNvSpPr txBox="1"/>
+          <p:nvPr/>
+        </p:nvSpPr>
+        <p:spPr>
+          <a:xfrm>
+            <a:off x="774440" y="233265"/>
+            <a:ext cx="10291666" cy="430887"/>
+          </a:xfrm>
+          <a:prstGeom prst="rect">
+            <a:avLst/>
+          </a:prstGeom>
+          <a:noFill/>
+        </p:spPr>
+        <p:txBody>
+          <a:bodyPr wrap="square" rtlCol="0">
+            <a:spAutoFit/>
+          </a:bodyPr>
+          <a:lstStyle/>
+          <a:p>
+            <a:pPr algn="ctr"/>
+            <a:r>
+              <a:rPr lang="en-IN" sz="2200" dirty="0" smtClean="0">
+                <a:latin typeface="Arial Black" panose="020B0A04020102020204" pitchFamily="34" charset="0"/>
+              </a:rPr>
+              <a:t>Queries</a:t>
+            </a:r>
+            <a:endParaRPr lang="en-IN" sz="2200" dirty="0">
+              <a:latin typeface="Arial Black" panose="020B0A04020102020204" pitchFamily="34" charset="0"/>
+            </a:endParaRPr>
+          </a:p>
+        </p:txBody>
+      </p:sp>
+    </p:spTree>
+    <p:extLst>
+      <p:ext uri="{BB962C8B-B14F-4D97-AF65-F5344CB8AC3E}">
+        <p14:creationId xmlns:p14="http://schemas.microsoft.com/office/powerpoint/2010/main" val="3560811319"/>
+      </p:ext>
+    </p:extLst>
+  </p:cSld>
+  <p:clrMapOvr>
+    <a:masterClrMapping/>
+  </p:clrMapOvr>
+</p:sld>
+</file>
+
+<file path=ppt/slides/slide57.xml><?xml version="1.0" encoding="utf-8"?>
+<p:sld xmlns:a="http://schemas.openxmlformats.org/drawingml/2006/main" xmlns:r="http://schemas.openxmlformats.org/officeDocument/2006/relationships" xmlns:p="http://schemas.openxmlformats.org/presentationml/2006/main">
+  <p:cSld>
+    <p:spTree>
+      <p:nvGrpSpPr>
+        <p:cNvPr id="1" name=""/>
+        <p:cNvGrpSpPr/>
+        <p:nvPr/>
+      </p:nvGrpSpPr>
+      <p:grpSpPr>
+        <a:xfrm>
+          <a:off x="0" y="0"/>
+          <a:ext cx="0" cy="0"/>
+          <a:chOff x="0" y="0"/>
+          <a:chExt cx="0" cy="0"/>
+        </a:xfrm>
+      </p:grpSpPr>
+      <p:sp>
+        <p:nvSpPr>
+          <p:cNvPr id="2" name="TextBox 1"/>
+          <p:cNvSpPr txBox="1"/>
+          <p:nvPr/>
+        </p:nvSpPr>
+        <p:spPr>
+          <a:xfrm>
+            <a:off x="774440" y="233265"/>
+            <a:ext cx="10291666" cy="430887"/>
+          </a:xfrm>
+          <a:prstGeom prst="rect">
+            <a:avLst/>
+          </a:prstGeom>
+          <a:noFill/>
+        </p:spPr>
+        <p:txBody>
+          <a:bodyPr wrap="square" rtlCol="0">
+            <a:spAutoFit/>
+          </a:bodyPr>
+          <a:lstStyle/>
+          <a:p>
+            <a:pPr algn="ctr"/>
+            <a:r>
+              <a:rPr lang="en-IN" sz="2200" dirty="0" smtClean="0">
+                <a:latin typeface="Arial Black" panose="020B0A04020102020204" pitchFamily="34" charset="0"/>
+              </a:rPr>
+              <a:t>Queries</a:t>
+            </a:r>
+            <a:endParaRPr lang="en-IN" sz="2200" dirty="0">
+              <a:latin typeface="Arial Black" panose="020B0A04020102020204" pitchFamily="34" charset="0"/>
+            </a:endParaRPr>
+          </a:p>
+        </p:txBody>
+      </p:sp>
+    </p:spTree>
+    <p:extLst>
+      <p:ext uri="{BB962C8B-B14F-4D97-AF65-F5344CB8AC3E}">
+        <p14:creationId xmlns:p14="http://schemas.microsoft.com/office/powerpoint/2010/main" val="4260785110"/>
+      </p:ext>
+    </p:extLst>
+  </p:cSld>
+  <p:clrMapOvr>
+    <a:masterClrMapping/>
+  </p:clrMapOvr>
+</p:sld>
+</file>
+
+<file path=ppt/slides/slide58.xml><?xml version="1.0" encoding="utf-8"?>
+<p:sld xmlns:a="http://schemas.openxmlformats.org/drawingml/2006/main" xmlns:r="http://schemas.openxmlformats.org/officeDocument/2006/relationships" xmlns:p="http://schemas.openxmlformats.org/presentationml/2006/main">
+  <p:cSld>
+    <p:spTree>
+      <p:nvGrpSpPr>
+        <p:cNvPr id="1" name=""/>
+        <p:cNvGrpSpPr/>
+        <p:nvPr/>
+      </p:nvGrpSpPr>
+      <p:grpSpPr>
+        <a:xfrm>
+          <a:off x="0" y="0"/>
+          <a:ext cx="0" cy="0"/>
+          <a:chOff x="0" y="0"/>
+          <a:chExt cx="0" cy="0"/>
+        </a:xfrm>
+      </p:grpSpPr>
+      <p:sp>
+        <p:nvSpPr>
+          <p:cNvPr id="2" name="TextBox 1"/>
+          <p:cNvSpPr txBox="1"/>
+          <p:nvPr/>
+        </p:nvSpPr>
+        <p:spPr>
+          <a:xfrm>
+            <a:off x="774440" y="233265"/>
+            <a:ext cx="10291666" cy="430887"/>
+          </a:xfrm>
+          <a:prstGeom prst="rect">
+            <a:avLst/>
+          </a:prstGeom>
+          <a:noFill/>
+        </p:spPr>
+        <p:txBody>
+          <a:bodyPr wrap="square" rtlCol="0">
+            <a:spAutoFit/>
+          </a:bodyPr>
+          <a:lstStyle/>
+          <a:p>
+            <a:pPr algn="ctr"/>
+            <a:r>
+              <a:rPr lang="en-IN" sz="2200" dirty="0" smtClean="0">
+                <a:latin typeface="Arial Black" panose="020B0A04020102020204" pitchFamily="34" charset="0"/>
+              </a:rPr>
+              <a:t>Queries</a:t>
+            </a:r>
+            <a:endParaRPr lang="en-IN" sz="2200" dirty="0">
+              <a:latin typeface="Arial Black" panose="020B0A04020102020204" pitchFamily="34" charset="0"/>
+            </a:endParaRPr>
+          </a:p>
+        </p:txBody>
+      </p:sp>
+    </p:spTree>
+    <p:extLst>
+      <p:ext uri="{BB962C8B-B14F-4D97-AF65-F5344CB8AC3E}">
+        <p14:creationId xmlns:p14="http://schemas.microsoft.com/office/powerpoint/2010/main" val="1823971030"/>
       </p:ext>
     </p:extLst>
   </p:cSld>

--- a/4_sql/project''/hospital_management.pptx
+++ b/4_sql/project''/hospital_management.pptx
@@ -63,6 +63,18 @@
     <p:sldId id="314" r:id="rId57"/>
     <p:sldId id="315" r:id="rId58"/>
     <p:sldId id="316" r:id="rId59"/>
+    <p:sldId id="317" r:id="rId60"/>
+    <p:sldId id="318" r:id="rId61"/>
+    <p:sldId id="319" r:id="rId62"/>
+    <p:sldId id="320" r:id="rId63"/>
+    <p:sldId id="321" r:id="rId64"/>
+    <p:sldId id="322" r:id="rId65"/>
+    <p:sldId id="323" r:id="rId66"/>
+    <p:sldId id="324" r:id="rId67"/>
+    <p:sldId id="325" r:id="rId68"/>
+    <p:sldId id="326" r:id="rId69"/>
+    <p:sldId id="327" r:id="rId70"/>
+    <p:sldId id="328" r:id="rId71"/>
   </p:sldIdLst>
   <p:sldSz cx="12192000" cy="6858000"/>
   <p:notesSz cx="6858000" cy="9144000"/>
@@ -312,7 +324,7 @@
           <a:p>
             <a:fld id="{82B865A7-C0DA-4AB5-ACAE-01B1232FB320}" type="datetimeFigureOut">
               <a:rPr lang="en-IN" smtClean="0"/>
-              <a:t>09-01-2025</a:t>
+              <a:t>13-01-2025</a:t>
             </a:fld>
             <a:endParaRPr lang="en-IN"/>
           </a:p>
@@ -482,7 +494,7 @@
           <a:p>
             <a:fld id="{82B865A7-C0DA-4AB5-ACAE-01B1232FB320}" type="datetimeFigureOut">
               <a:rPr lang="en-IN" smtClean="0"/>
-              <a:t>09-01-2025</a:t>
+              <a:t>13-01-2025</a:t>
             </a:fld>
             <a:endParaRPr lang="en-IN"/>
           </a:p>
@@ -662,7 +674,7 @@
           <a:p>
             <a:fld id="{82B865A7-C0DA-4AB5-ACAE-01B1232FB320}" type="datetimeFigureOut">
               <a:rPr lang="en-IN" smtClean="0"/>
-              <a:t>09-01-2025</a:t>
+              <a:t>13-01-2025</a:t>
             </a:fld>
             <a:endParaRPr lang="en-IN"/>
           </a:p>
@@ -832,7 +844,7 @@
           <a:p>
             <a:fld id="{82B865A7-C0DA-4AB5-ACAE-01B1232FB320}" type="datetimeFigureOut">
               <a:rPr lang="en-IN" smtClean="0"/>
-              <a:t>09-01-2025</a:t>
+              <a:t>13-01-2025</a:t>
             </a:fld>
             <a:endParaRPr lang="en-IN"/>
           </a:p>
@@ -1078,7 +1090,7 @@
           <a:p>
             <a:fld id="{82B865A7-C0DA-4AB5-ACAE-01B1232FB320}" type="datetimeFigureOut">
               <a:rPr lang="en-IN" smtClean="0"/>
-              <a:t>09-01-2025</a:t>
+              <a:t>13-01-2025</a:t>
             </a:fld>
             <a:endParaRPr lang="en-IN"/>
           </a:p>
@@ -1310,7 +1322,7 @@
           <a:p>
             <a:fld id="{82B865A7-C0DA-4AB5-ACAE-01B1232FB320}" type="datetimeFigureOut">
               <a:rPr lang="en-IN" smtClean="0"/>
-              <a:t>09-01-2025</a:t>
+              <a:t>13-01-2025</a:t>
             </a:fld>
             <a:endParaRPr lang="en-IN"/>
           </a:p>
@@ -1677,7 +1689,7 @@
           <a:p>
             <a:fld id="{82B865A7-C0DA-4AB5-ACAE-01B1232FB320}" type="datetimeFigureOut">
               <a:rPr lang="en-IN" smtClean="0"/>
-              <a:t>09-01-2025</a:t>
+              <a:t>13-01-2025</a:t>
             </a:fld>
             <a:endParaRPr lang="en-IN"/>
           </a:p>
@@ -1795,7 +1807,7 @@
           <a:p>
             <a:fld id="{82B865A7-C0DA-4AB5-ACAE-01B1232FB320}" type="datetimeFigureOut">
               <a:rPr lang="en-IN" smtClean="0"/>
-              <a:t>09-01-2025</a:t>
+              <a:t>13-01-2025</a:t>
             </a:fld>
             <a:endParaRPr lang="en-IN"/>
           </a:p>
@@ -1890,7 +1902,7 @@
           <a:p>
             <a:fld id="{82B865A7-C0DA-4AB5-ACAE-01B1232FB320}" type="datetimeFigureOut">
               <a:rPr lang="en-IN" smtClean="0"/>
-              <a:t>09-01-2025</a:t>
+              <a:t>13-01-2025</a:t>
             </a:fld>
             <a:endParaRPr lang="en-IN"/>
           </a:p>
@@ -2174,7 +2186,7 @@
           <a:p>
             <a:fld id="{82B865A7-C0DA-4AB5-ACAE-01B1232FB320}" type="datetimeFigureOut">
               <a:rPr lang="en-IN" smtClean="0"/>
-              <a:t>09-01-2025</a:t>
+              <a:t>13-01-2025</a:t>
             </a:fld>
             <a:endParaRPr lang="en-IN"/>
           </a:p>
@@ -2427,7 +2439,7 @@
           <a:p>
             <a:fld id="{82B865A7-C0DA-4AB5-ACAE-01B1232FB320}" type="datetimeFigureOut">
               <a:rPr lang="en-IN" smtClean="0"/>
-              <a:t>09-01-2025</a:t>
+              <a:t>13-01-2025</a:t>
             </a:fld>
             <a:endParaRPr lang="en-IN"/>
           </a:p>
@@ -2650,7 +2662,7 @@
           <a:p>
             <a:fld id="{82B865A7-C0DA-4AB5-ACAE-01B1232FB320}" type="datetimeFigureOut">
               <a:rPr lang="en-IN" smtClean="0"/>
-              <a:t>09-01-2025</a:t>
+              <a:t>13-01-2025</a:t>
             </a:fld>
             <a:endParaRPr lang="en-IN"/>
           </a:p>
@@ -11638,6 +11650,142 @@
           </a:p>
         </p:txBody>
       </p:sp>
+      <p:sp>
+        <p:nvSpPr>
+          <p:cNvPr id="3" name="TextBox 2"/>
+          <p:cNvSpPr txBox="1"/>
+          <p:nvPr/>
+        </p:nvSpPr>
+        <p:spPr>
+          <a:xfrm>
+            <a:off x="1595534" y="1063690"/>
+            <a:ext cx="8882743" cy="1015663"/>
+          </a:xfrm>
+          <a:prstGeom prst="rect">
+            <a:avLst/>
+          </a:prstGeom>
+          <a:noFill/>
+          <a:ln>
+            <a:solidFill>
+              <a:schemeClr val="tx1"/>
+            </a:solidFill>
+          </a:ln>
+        </p:spPr>
+        <p:txBody>
+          <a:bodyPr wrap="square" rtlCol="0">
+            <a:spAutoFit/>
+          </a:bodyPr>
+          <a:lstStyle/>
+          <a:p>
+            <a:r>
+              <a:rPr lang="en-IN" sz="2000" b="1" dirty="0" smtClean="0"/>
+              <a:t>CONSTRAINTS: </a:t>
+            </a:r>
+            <a:r>
+              <a:rPr lang="en-US" sz="2000" dirty="0"/>
+              <a:t>Constraint is a rule or condition that is applied to a table column or a set of columns to maintain the integrity, accuracy, and consistency of the data stored in the database.</a:t>
+            </a:r>
+            <a:endParaRPr lang="en-IN" sz="2000" dirty="0"/>
+          </a:p>
+        </p:txBody>
+      </p:sp>
+      <p:sp>
+        <p:nvSpPr>
+          <p:cNvPr id="4" name="TextBox 3"/>
+          <p:cNvSpPr txBox="1"/>
+          <p:nvPr/>
+        </p:nvSpPr>
+        <p:spPr>
+          <a:xfrm>
+            <a:off x="1595533" y="2313993"/>
+            <a:ext cx="8882743" cy="2554545"/>
+          </a:xfrm>
+          <a:prstGeom prst="rect">
+            <a:avLst/>
+          </a:prstGeom>
+          <a:noFill/>
+          <a:ln>
+            <a:solidFill>
+              <a:schemeClr val="tx1"/>
+            </a:solidFill>
+          </a:ln>
+        </p:spPr>
+        <p:txBody>
+          <a:bodyPr wrap="square" rtlCol="0">
+            <a:spAutoFit/>
+          </a:bodyPr>
+          <a:lstStyle/>
+          <a:p>
+            <a:r>
+              <a:rPr lang="en-IN" sz="2000" dirty="0" smtClean="0"/>
+              <a:t>There are different types of constraints that we can apply to the column of the table </a:t>
+            </a:r>
+          </a:p>
+          <a:p>
+            <a:endParaRPr lang="en-IN" sz="2000" dirty="0"/>
+          </a:p>
+          <a:p>
+            <a:pPr marL="342900" indent="-342900">
+              <a:buFont typeface="+mj-lt"/>
+              <a:buAutoNum type="arabicPeriod"/>
+            </a:pPr>
+            <a:r>
+              <a:rPr lang="en-IN" sz="2000" dirty="0" smtClean="0"/>
+              <a:t>NOT NULL</a:t>
+            </a:r>
+          </a:p>
+          <a:p>
+            <a:pPr marL="342900" indent="-342900">
+              <a:buFont typeface="+mj-lt"/>
+              <a:buAutoNum type="arabicPeriod"/>
+            </a:pPr>
+            <a:r>
+              <a:rPr lang="en-IN" sz="2000" dirty="0" smtClean="0"/>
+              <a:t>UNIQUE</a:t>
+            </a:r>
+          </a:p>
+          <a:p>
+            <a:pPr marL="342900" indent="-342900">
+              <a:buFont typeface="+mj-lt"/>
+              <a:buAutoNum type="arabicPeriod"/>
+            </a:pPr>
+            <a:r>
+              <a:rPr lang="en-IN" sz="2000" dirty="0" smtClean="0"/>
+              <a:t>DEFAULT</a:t>
+            </a:r>
+          </a:p>
+          <a:p>
+            <a:pPr marL="342900" indent="-342900">
+              <a:buFont typeface="+mj-lt"/>
+              <a:buAutoNum type="arabicPeriod"/>
+            </a:pPr>
+            <a:r>
+              <a:rPr lang="en-IN" sz="2000" dirty="0" smtClean="0"/>
+              <a:t>CHECK</a:t>
+            </a:r>
+          </a:p>
+          <a:p>
+            <a:pPr marL="342900" indent="-342900">
+              <a:buFont typeface="+mj-lt"/>
+              <a:buAutoNum type="arabicPeriod"/>
+            </a:pPr>
+            <a:r>
+              <a:rPr lang="en-IN" sz="2000" dirty="0" smtClean="0"/>
+              <a:t>PRIMARY KEY</a:t>
+            </a:r>
+          </a:p>
+          <a:p>
+            <a:pPr marL="342900" indent="-342900">
+              <a:buFont typeface="+mj-lt"/>
+              <a:buAutoNum type="arabicPeriod"/>
+            </a:pPr>
+            <a:r>
+              <a:rPr lang="en-IN" sz="2000" dirty="0" smtClean="0"/>
+              <a:t>FOREIGN KEY </a:t>
+            </a:r>
+          </a:p>
+        </p:txBody>
+      </p:sp>
     </p:spTree>
     <p:extLst>
       <p:ext uri="{BB962C8B-B14F-4D97-AF65-F5344CB8AC3E}">
@@ -11703,6 +11851,128 @@
           </a:p>
         </p:txBody>
       </p:sp>
+      <p:sp>
+        <p:nvSpPr>
+          <p:cNvPr id="4" name="TextBox 3"/>
+          <p:cNvSpPr txBox="1"/>
+          <p:nvPr/>
+        </p:nvSpPr>
+        <p:spPr>
+          <a:xfrm>
+            <a:off x="1866122" y="1296955"/>
+            <a:ext cx="7800392" cy="646331"/>
+          </a:xfrm>
+          <a:prstGeom prst="rect">
+            <a:avLst/>
+          </a:prstGeom>
+          <a:noFill/>
+          <a:ln>
+            <a:solidFill>
+              <a:schemeClr val="tx1"/>
+            </a:solidFill>
+          </a:ln>
+        </p:spPr>
+        <p:txBody>
+          <a:bodyPr wrap="square" rtlCol="0">
+            <a:spAutoFit/>
+          </a:bodyPr>
+          <a:lstStyle/>
+          <a:p>
+            <a:r>
+              <a:rPr lang="en-IN" b="1" dirty="0" smtClean="0"/>
+              <a:t>NOT NULL: </a:t>
+            </a:r>
+            <a:r>
+              <a:rPr lang="en-IN" dirty="0" smtClean="0"/>
+              <a:t>This ensures that a column cannot have a NULL VALUES, every row should have some values in it.</a:t>
+            </a:r>
+            <a:endParaRPr lang="en-IN" dirty="0"/>
+          </a:p>
+        </p:txBody>
+      </p:sp>
+      <p:pic>
+        <p:nvPicPr>
+          <p:cNvPr id="5" name="Picture 4"/>
+          <p:cNvPicPr>
+            <a:picLocks noChangeAspect="1"/>
+          </p:cNvPicPr>
+          <p:nvPr/>
+        </p:nvPicPr>
+        <p:blipFill>
+          <a:blip r:embed="rId2"/>
+          <a:stretch>
+            <a:fillRect/>
+          </a:stretch>
+        </p:blipFill>
+        <p:spPr>
+          <a:xfrm>
+            <a:off x="1866122" y="2976609"/>
+            <a:ext cx="5126299" cy="848942"/>
+          </a:xfrm>
+          <a:prstGeom prst="rect">
+            <a:avLst/>
+          </a:prstGeom>
+        </p:spPr>
+      </p:pic>
+      <p:pic>
+        <p:nvPicPr>
+          <p:cNvPr id="6" name="Picture 5"/>
+          <p:cNvPicPr>
+            <a:picLocks noChangeAspect="1"/>
+          </p:cNvPicPr>
+          <p:nvPr/>
+        </p:nvPicPr>
+        <p:blipFill>
+          <a:blip r:embed="rId3"/>
+          <a:stretch>
+            <a:fillRect/>
+          </a:stretch>
+        </p:blipFill>
+        <p:spPr>
+          <a:xfrm>
+            <a:off x="1866121" y="4213755"/>
+            <a:ext cx="5147473" cy="806114"/>
+          </a:xfrm>
+          <a:prstGeom prst="rect">
+            <a:avLst/>
+          </a:prstGeom>
+        </p:spPr>
+      </p:pic>
+      <p:sp>
+        <p:nvSpPr>
+          <p:cNvPr id="7" name="TextBox 6"/>
+          <p:cNvSpPr txBox="1"/>
+          <p:nvPr/>
+        </p:nvSpPr>
+        <p:spPr>
+          <a:xfrm>
+            <a:off x="1866122" y="2052734"/>
+            <a:ext cx="7800392" cy="369332"/>
+          </a:xfrm>
+          <a:prstGeom prst="rect">
+            <a:avLst/>
+          </a:prstGeom>
+          <a:noFill/>
+          <a:ln>
+            <a:solidFill>
+              <a:schemeClr val="tx1"/>
+            </a:solidFill>
+          </a:ln>
+        </p:spPr>
+        <p:txBody>
+          <a:bodyPr wrap="square" rtlCol="0">
+            <a:spAutoFit/>
+          </a:bodyPr>
+          <a:lstStyle/>
+          <a:p>
+            <a:r>
+              <a:rPr lang="en-IN" dirty="0" smtClean="0"/>
+              <a:t>Adding a NOT NULL constraint to the contact column in the patient table</a:t>
+            </a:r>
+            <a:endParaRPr lang="en-IN" dirty="0"/>
+          </a:p>
+        </p:txBody>
+      </p:sp>
     </p:spTree>
     <p:extLst>
       <p:ext uri="{BB962C8B-B14F-4D97-AF65-F5344CB8AC3E}">
@@ -11768,10 +12038,259 @@
           </a:p>
         </p:txBody>
       </p:sp>
+      <p:sp>
+        <p:nvSpPr>
+          <p:cNvPr id="3" name="TextBox 2"/>
+          <p:cNvSpPr txBox="1"/>
+          <p:nvPr/>
+        </p:nvSpPr>
+        <p:spPr>
+          <a:xfrm>
+            <a:off x="1698171" y="1259633"/>
+            <a:ext cx="7361853" cy="707886"/>
+          </a:xfrm>
+          <a:prstGeom prst="rect">
+            <a:avLst/>
+          </a:prstGeom>
+          <a:noFill/>
+          <a:ln>
+            <a:solidFill>
+              <a:schemeClr val="tx1"/>
+            </a:solidFill>
+          </a:ln>
+        </p:spPr>
+        <p:txBody>
+          <a:bodyPr wrap="square" rtlCol="0">
+            <a:spAutoFit/>
+          </a:bodyPr>
+          <a:lstStyle/>
+          <a:p>
+            <a:r>
+              <a:rPr lang="en-IN" sz="2000" dirty="0" smtClean="0">
+                <a:latin typeface="Arial Black" panose="020B0A04020102020204" pitchFamily="34" charset="0"/>
+              </a:rPr>
+              <a:t>UNIQUE: </a:t>
+            </a:r>
+            <a:r>
+              <a:rPr lang="en-IN" sz="2000" dirty="0" smtClean="0"/>
+              <a:t>It ensures that each row should have a unique value, it is mainly used for the contact/phone no. columns</a:t>
+            </a:r>
+            <a:endParaRPr lang="en-IN" sz="2000" dirty="0"/>
+          </a:p>
+        </p:txBody>
+      </p:sp>
+      <p:pic>
+        <p:nvPicPr>
+          <p:cNvPr id="4" name="Picture 3"/>
+          <p:cNvPicPr>
+            <a:picLocks noChangeAspect="1"/>
+          </p:cNvPicPr>
+          <p:nvPr/>
+        </p:nvPicPr>
+        <p:blipFill>
+          <a:blip r:embed="rId2"/>
+          <a:stretch>
+            <a:fillRect/>
+          </a:stretch>
+        </p:blipFill>
+        <p:spPr>
+          <a:xfrm>
+            <a:off x="1684587" y="2691354"/>
+            <a:ext cx="5169160" cy="854975"/>
+          </a:xfrm>
+          <a:prstGeom prst="rect">
+            <a:avLst/>
+          </a:prstGeom>
+        </p:spPr>
+      </p:pic>
+      <p:pic>
+        <p:nvPicPr>
+          <p:cNvPr id="5" name="Picture 4"/>
+          <p:cNvPicPr>
+            <a:picLocks noChangeAspect="1"/>
+          </p:cNvPicPr>
+          <p:nvPr/>
+        </p:nvPicPr>
+        <p:blipFill>
+          <a:blip r:embed="rId3"/>
+          <a:stretch>
+            <a:fillRect/>
+          </a:stretch>
+        </p:blipFill>
+        <p:spPr>
+          <a:xfrm>
+            <a:off x="1684587" y="4092883"/>
+            <a:ext cx="5196325" cy="933715"/>
+          </a:xfrm>
+          <a:prstGeom prst="rect">
+            <a:avLst/>
+          </a:prstGeom>
+        </p:spPr>
+      </p:pic>
     </p:spTree>
     <p:extLst>
       <p:ext uri="{BB962C8B-B14F-4D97-AF65-F5344CB8AC3E}">
         <p14:creationId xmlns:p14="http://schemas.microsoft.com/office/powerpoint/2010/main" val="1823971030"/>
+      </p:ext>
+    </p:extLst>
+  </p:cSld>
+  <p:clrMapOvr>
+    <a:masterClrMapping/>
+  </p:clrMapOvr>
+</p:sld>
+</file>
+
+<file path=ppt/slides/slide59.xml><?xml version="1.0" encoding="utf-8"?>
+<p:sld xmlns:a="http://schemas.openxmlformats.org/drawingml/2006/main" xmlns:r="http://schemas.openxmlformats.org/officeDocument/2006/relationships" xmlns:p="http://schemas.openxmlformats.org/presentationml/2006/main">
+  <p:cSld>
+    <p:spTree>
+      <p:nvGrpSpPr>
+        <p:cNvPr id="1" name=""/>
+        <p:cNvGrpSpPr/>
+        <p:nvPr/>
+      </p:nvGrpSpPr>
+      <p:grpSpPr>
+        <a:xfrm>
+          <a:off x="0" y="0"/>
+          <a:ext cx="0" cy="0"/>
+          <a:chOff x="0" y="0"/>
+          <a:chExt cx="0" cy="0"/>
+        </a:xfrm>
+      </p:grpSpPr>
+      <p:sp>
+        <p:nvSpPr>
+          <p:cNvPr id="2" name="TextBox 1"/>
+          <p:cNvSpPr txBox="1"/>
+          <p:nvPr/>
+        </p:nvSpPr>
+        <p:spPr>
+          <a:xfrm>
+            <a:off x="774440" y="233265"/>
+            <a:ext cx="10291666" cy="430887"/>
+          </a:xfrm>
+          <a:prstGeom prst="rect">
+            <a:avLst/>
+          </a:prstGeom>
+          <a:noFill/>
+        </p:spPr>
+        <p:txBody>
+          <a:bodyPr wrap="square" rtlCol="0">
+            <a:spAutoFit/>
+          </a:bodyPr>
+          <a:lstStyle/>
+          <a:p>
+            <a:pPr algn="ctr"/>
+            <a:r>
+              <a:rPr lang="en-IN" sz="2200" dirty="0" smtClean="0">
+                <a:latin typeface="Arial Black" panose="020B0A04020102020204" pitchFamily="34" charset="0"/>
+              </a:rPr>
+              <a:t>Queries</a:t>
+            </a:r>
+            <a:endParaRPr lang="en-IN" sz="2200" dirty="0">
+              <a:latin typeface="Arial Black" panose="020B0A04020102020204" pitchFamily="34" charset="0"/>
+            </a:endParaRPr>
+          </a:p>
+        </p:txBody>
+      </p:sp>
+      <p:pic>
+        <p:nvPicPr>
+          <p:cNvPr id="3" name="Picture 2"/>
+          <p:cNvPicPr>
+            <a:picLocks noChangeAspect="1"/>
+          </p:cNvPicPr>
+          <p:nvPr/>
+        </p:nvPicPr>
+        <p:blipFill>
+          <a:blip r:embed="rId2"/>
+          <a:stretch>
+            <a:fillRect/>
+          </a:stretch>
+        </p:blipFill>
+        <p:spPr>
+          <a:xfrm>
+            <a:off x="1632856" y="4390553"/>
+            <a:ext cx="8367485" cy="1044030"/>
+          </a:xfrm>
+          <a:prstGeom prst="rect">
+            <a:avLst/>
+          </a:prstGeom>
+        </p:spPr>
+      </p:pic>
+      <p:pic>
+        <p:nvPicPr>
+          <p:cNvPr id="4" name="Picture 3"/>
+          <p:cNvPicPr>
+            <a:picLocks noChangeAspect="1"/>
+          </p:cNvPicPr>
+          <p:nvPr/>
+        </p:nvPicPr>
+        <p:blipFill>
+          <a:blip r:embed="rId3">
+            <a:extLst>
+              <a:ext uri="{28A0092B-C50C-407E-A947-70E740481C1C}">
+                <a14:useLocalDpi xmlns:a14="http://schemas.microsoft.com/office/drawing/2010/main" val="0"/>
+              </a:ext>
+            </a:extLst>
+          </a:blip>
+          <a:stretch>
+            <a:fillRect/>
+          </a:stretch>
+        </p:blipFill>
+        <p:spPr>
+          <a:xfrm>
+            <a:off x="1632856" y="3005272"/>
+            <a:ext cx="4854361" cy="922100"/>
+          </a:xfrm>
+          <a:prstGeom prst="rect">
+            <a:avLst/>
+          </a:prstGeom>
+        </p:spPr>
+      </p:pic>
+      <p:sp>
+        <p:nvSpPr>
+          <p:cNvPr id="5" name="TextBox 4"/>
+          <p:cNvSpPr txBox="1"/>
+          <p:nvPr/>
+        </p:nvSpPr>
+        <p:spPr>
+          <a:xfrm>
+            <a:off x="1632856" y="1399593"/>
+            <a:ext cx="8210939" cy="677108"/>
+          </a:xfrm>
+          <a:prstGeom prst="rect">
+            <a:avLst/>
+          </a:prstGeom>
+          <a:noFill/>
+          <a:ln>
+            <a:solidFill>
+              <a:schemeClr val="tx1"/>
+            </a:solidFill>
+          </a:ln>
+        </p:spPr>
+        <p:txBody>
+          <a:bodyPr wrap="square" rtlCol="0">
+            <a:spAutoFit/>
+          </a:bodyPr>
+          <a:lstStyle/>
+          <a:p>
+            <a:r>
+              <a:rPr lang="en-US" sz="2000" dirty="0" smtClean="0">
+                <a:latin typeface="Arial Black" panose="020B0A04020102020204" pitchFamily="34" charset="0"/>
+              </a:rPr>
+              <a:t>INFORMATION SCHEMA:</a:t>
+            </a:r>
+            <a:r>
+              <a:rPr lang="en-US" dirty="0" smtClean="0"/>
+              <a:t> It is used to see the constraint on the column of the table </a:t>
+            </a:r>
+            <a:endParaRPr lang="en-IN" dirty="0"/>
+          </a:p>
+        </p:txBody>
+      </p:sp>
+    </p:spTree>
+    <p:extLst>
+      <p:ext uri="{BB962C8B-B14F-4D97-AF65-F5344CB8AC3E}">
+        <p14:creationId xmlns:p14="http://schemas.microsoft.com/office/powerpoint/2010/main" val="1649278258"/>
       </p:ext>
     </p:extLst>
   </p:cSld>
@@ -11888,6 +12407,789 @@
 </p:sld>
 </file>
 
+<file path=ppt/slides/slide60.xml><?xml version="1.0" encoding="utf-8"?>
+<p:sld xmlns:a="http://schemas.openxmlformats.org/drawingml/2006/main" xmlns:r="http://schemas.openxmlformats.org/officeDocument/2006/relationships" xmlns:p="http://schemas.openxmlformats.org/presentationml/2006/main">
+  <p:cSld>
+    <p:spTree>
+      <p:nvGrpSpPr>
+        <p:cNvPr id="1" name=""/>
+        <p:cNvGrpSpPr/>
+        <p:nvPr/>
+      </p:nvGrpSpPr>
+      <p:grpSpPr>
+        <a:xfrm>
+          <a:off x="0" y="0"/>
+          <a:ext cx="0" cy="0"/>
+          <a:chOff x="0" y="0"/>
+          <a:chExt cx="0" cy="0"/>
+        </a:xfrm>
+      </p:grpSpPr>
+      <p:sp>
+        <p:nvSpPr>
+          <p:cNvPr id="2" name="TextBox 1"/>
+          <p:cNvSpPr txBox="1"/>
+          <p:nvPr/>
+        </p:nvSpPr>
+        <p:spPr>
+          <a:xfrm>
+            <a:off x="774440" y="233265"/>
+            <a:ext cx="10291666" cy="430887"/>
+          </a:xfrm>
+          <a:prstGeom prst="rect">
+            <a:avLst/>
+          </a:prstGeom>
+          <a:noFill/>
+        </p:spPr>
+        <p:txBody>
+          <a:bodyPr wrap="square" rtlCol="0">
+            <a:spAutoFit/>
+          </a:bodyPr>
+          <a:lstStyle/>
+          <a:p>
+            <a:pPr algn="ctr"/>
+            <a:r>
+              <a:rPr lang="en-IN" sz="2200" dirty="0" smtClean="0">
+                <a:latin typeface="Arial Black" panose="020B0A04020102020204" pitchFamily="34" charset="0"/>
+              </a:rPr>
+              <a:t>Queries</a:t>
+            </a:r>
+            <a:endParaRPr lang="en-IN" sz="2200" dirty="0">
+              <a:latin typeface="Arial Black" panose="020B0A04020102020204" pitchFamily="34" charset="0"/>
+            </a:endParaRPr>
+          </a:p>
+        </p:txBody>
+      </p:sp>
+      <p:sp>
+        <p:nvSpPr>
+          <p:cNvPr id="3" name="TextBox 2"/>
+          <p:cNvSpPr txBox="1"/>
+          <p:nvPr/>
+        </p:nvSpPr>
+        <p:spPr>
+          <a:xfrm>
+            <a:off x="1744824" y="1287624"/>
+            <a:ext cx="7837715" cy="1323439"/>
+          </a:xfrm>
+          <a:prstGeom prst="rect">
+            <a:avLst/>
+          </a:prstGeom>
+          <a:noFill/>
+          <a:ln>
+            <a:solidFill>
+              <a:schemeClr val="tx1"/>
+            </a:solidFill>
+          </a:ln>
+        </p:spPr>
+        <p:txBody>
+          <a:bodyPr wrap="square" rtlCol="0">
+            <a:spAutoFit/>
+          </a:bodyPr>
+          <a:lstStyle/>
+          <a:p>
+            <a:r>
+              <a:rPr lang="en-US" sz="2000" dirty="0" smtClean="0">
+                <a:latin typeface="Arial Black" panose="020B0A04020102020204" pitchFamily="34" charset="0"/>
+              </a:rPr>
+              <a:t>FOREIGN KEY: </a:t>
+            </a:r>
+            <a:r>
+              <a:rPr lang="en-US" sz="2000" dirty="0" smtClean="0"/>
+              <a:t>It is a column or set of columns in one table that refers to the primary key in another table</a:t>
+            </a:r>
+          </a:p>
+          <a:p>
+            <a:endParaRPr lang="en-US" sz="2000" dirty="0"/>
+          </a:p>
+          <a:p>
+            <a:r>
+              <a:rPr lang="en-US" sz="2000" dirty="0" smtClean="0"/>
+              <a:t>It is also known as the Referential Integrity</a:t>
+            </a:r>
+            <a:endParaRPr lang="en-IN" sz="2000" dirty="0"/>
+          </a:p>
+        </p:txBody>
+      </p:sp>
+      <p:sp>
+        <p:nvSpPr>
+          <p:cNvPr id="4" name="TextBox 3"/>
+          <p:cNvSpPr txBox="1"/>
+          <p:nvPr/>
+        </p:nvSpPr>
+        <p:spPr>
+          <a:xfrm>
+            <a:off x="1744824" y="2864498"/>
+            <a:ext cx="7156580" cy="369332"/>
+          </a:xfrm>
+          <a:prstGeom prst="rect">
+            <a:avLst/>
+          </a:prstGeom>
+          <a:noFill/>
+        </p:spPr>
+        <p:txBody>
+          <a:bodyPr wrap="square" rtlCol="0">
+            <a:spAutoFit/>
+          </a:bodyPr>
+          <a:lstStyle/>
+          <a:p>
+            <a:r>
+              <a:rPr lang="en-US" dirty="0" smtClean="0"/>
+              <a:t>In this project, I have used dept_id as a foreign key in the dr_name table</a:t>
+            </a:r>
+          </a:p>
+        </p:txBody>
+      </p:sp>
+      <p:pic>
+        <p:nvPicPr>
+          <p:cNvPr id="5" name="Picture 4"/>
+          <p:cNvPicPr>
+            <a:picLocks noChangeAspect="1"/>
+          </p:cNvPicPr>
+          <p:nvPr/>
+        </p:nvPicPr>
+        <p:blipFill>
+          <a:blip r:embed="rId2"/>
+          <a:stretch>
+            <a:fillRect/>
+          </a:stretch>
+        </p:blipFill>
+        <p:spPr>
+          <a:xfrm>
+            <a:off x="1744824" y="4918493"/>
+            <a:ext cx="4599992" cy="1647889"/>
+          </a:xfrm>
+          <a:prstGeom prst="rect">
+            <a:avLst/>
+          </a:prstGeom>
+        </p:spPr>
+      </p:pic>
+      <p:pic>
+        <p:nvPicPr>
+          <p:cNvPr id="6" name="Picture 5"/>
+          <p:cNvPicPr>
+            <a:picLocks noChangeAspect="1"/>
+          </p:cNvPicPr>
+          <p:nvPr/>
+        </p:nvPicPr>
+        <p:blipFill>
+          <a:blip r:embed="rId3">
+            <a:extLst>
+              <a:ext uri="{28A0092B-C50C-407E-A947-70E740481C1C}">
+                <a14:useLocalDpi xmlns:a14="http://schemas.microsoft.com/office/drawing/2010/main" val="0"/>
+              </a:ext>
+            </a:extLst>
+          </a:blip>
+          <a:stretch>
+            <a:fillRect/>
+          </a:stretch>
+        </p:blipFill>
+        <p:spPr>
+          <a:xfrm>
+            <a:off x="1744824" y="3487265"/>
+            <a:ext cx="3788229" cy="1265613"/>
+          </a:xfrm>
+          <a:prstGeom prst="rect">
+            <a:avLst/>
+          </a:prstGeom>
+        </p:spPr>
+      </p:pic>
+    </p:spTree>
+    <p:extLst>
+      <p:ext uri="{BB962C8B-B14F-4D97-AF65-F5344CB8AC3E}">
+        <p14:creationId xmlns:p14="http://schemas.microsoft.com/office/powerpoint/2010/main" val="1483860647"/>
+      </p:ext>
+    </p:extLst>
+  </p:cSld>
+  <p:clrMapOvr>
+    <a:masterClrMapping/>
+  </p:clrMapOvr>
+</p:sld>
+</file>
+
+<file path=ppt/slides/slide61.xml><?xml version="1.0" encoding="utf-8"?>
+<p:sld xmlns:a="http://schemas.openxmlformats.org/drawingml/2006/main" xmlns:r="http://schemas.openxmlformats.org/officeDocument/2006/relationships" xmlns:p="http://schemas.openxmlformats.org/presentationml/2006/main">
+  <p:cSld>
+    <p:spTree>
+      <p:nvGrpSpPr>
+        <p:cNvPr id="1" name=""/>
+        <p:cNvGrpSpPr/>
+        <p:nvPr/>
+      </p:nvGrpSpPr>
+      <p:grpSpPr>
+        <a:xfrm>
+          <a:off x="0" y="0"/>
+          <a:ext cx="0" cy="0"/>
+          <a:chOff x="0" y="0"/>
+          <a:chExt cx="0" cy="0"/>
+        </a:xfrm>
+      </p:grpSpPr>
+      <p:sp>
+        <p:nvSpPr>
+          <p:cNvPr id="2" name="TextBox 1"/>
+          <p:cNvSpPr txBox="1"/>
+          <p:nvPr/>
+        </p:nvSpPr>
+        <p:spPr>
+          <a:xfrm>
+            <a:off x="774440" y="233265"/>
+            <a:ext cx="10291666" cy="430887"/>
+          </a:xfrm>
+          <a:prstGeom prst="rect">
+            <a:avLst/>
+          </a:prstGeom>
+          <a:noFill/>
+        </p:spPr>
+        <p:txBody>
+          <a:bodyPr wrap="square" rtlCol="0">
+            <a:spAutoFit/>
+          </a:bodyPr>
+          <a:lstStyle/>
+          <a:p>
+            <a:pPr algn="ctr"/>
+            <a:r>
+              <a:rPr lang="en-IN" sz="2200" dirty="0" smtClean="0">
+                <a:latin typeface="Arial Black" panose="020B0A04020102020204" pitchFamily="34" charset="0"/>
+              </a:rPr>
+              <a:t>Queries</a:t>
+            </a:r>
+            <a:endParaRPr lang="en-IN" sz="2200" dirty="0">
+              <a:latin typeface="Arial Black" panose="020B0A04020102020204" pitchFamily="34" charset="0"/>
+            </a:endParaRPr>
+          </a:p>
+        </p:txBody>
+      </p:sp>
+    </p:spTree>
+    <p:extLst>
+      <p:ext uri="{BB962C8B-B14F-4D97-AF65-F5344CB8AC3E}">
+        <p14:creationId xmlns:p14="http://schemas.microsoft.com/office/powerpoint/2010/main" val="1211764321"/>
+      </p:ext>
+    </p:extLst>
+  </p:cSld>
+  <p:clrMapOvr>
+    <a:masterClrMapping/>
+  </p:clrMapOvr>
+</p:sld>
+</file>
+
+<file path=ppt/slides/slide62.xml><?xml version="1.0" encoding="utf-8"?>
+<p:sld xmlns:a="http://schemas.openxmlformats.org/drawingml/2006/main" xmlns:r="http://schemas.openxmlformats.org/officeDocument/2006/relationships" xmlns:p="http://schemas.openxmlformats.org/presentationml/2006/main">
+  <p:cSld>
+    <p:spTree>
+      <p:nvGrpSpPr>
+        <p:cNvPr id="1" name=""/>
+        <p:cNvGrpSpPr/>
+        <p:nvPr/>
+      </p:nvGrpSpPr>
+      <p:grpSpPr>
+        <a:xfrm>
+          <a:off x="0" y="0"/>
+          <a:ext cx="0" cy="0"/>
+          <a:chOff x="0" y="0"/>
+          <a:chExt cx="0" cy="0"/>
+        </a:xfrm>
+      </p:grpSpPr>
+      <p:sp>
+        <p:nvSpPr>
+          <p:cNvPr id="2" name="TextBox 1"/>
+          <p:cNvSpPr txBox="1"/>
+          <p:nvPr/>
+        </p:nvSpPr>
+        <p:spPr>
+          <a:xfrm>
+            <a:off x="774440" y="233265"/>
+            <a:ext cx="10291666" cy="430887"/>
+          </a:xfrm>
+          <a:prstGeom prst="rect">
+            <a:avLst/>
+          </a:prstGeom>
+          <a:noFill/>
+        </p:spPr>
+        <p:txBody>
+          <a:bodyPr wrap="square" rtlCol="0">
+            <a:spAutoFit/>
+          </a:bodyPr>
+          <a:lstStyle/>
+          <a:p>
+            <a:pPr algn="ctr"/>
+            <a:r>
+              <a:rPr lang="en-IN" sz="2200" dirty="0" smtClean="0">
+                <a:latin typeface="Arial Black" panose="020B0A04020102020204" pitchFamily="34" charset="0"/>
+              </a:rPr>
+              <a:t>Queries</a:t>
+            </a:r>
+            <a:endParaRPr lang="en-IN" sz="2200" dirty="0">
+              <a:latin typeface="Arial Black" panose="020B0A04020102020204" pitchFamily="34" charset="0"/>
+            </a:endParaRPr>
+          </a:p>
+        </p:txBody>
+      </p:sp>
+    </p:spTree>
+    <p:extLst>
+      <p:ext uri="{BB962C8B-B14F-4D97-AF65-F5344CB8AC3E}">
+        <p14:creationId xmlns:p14="http://schemas.microsoft.com/office/powerpoint/2010/main" val="1250816044"/>
+      </p:ext>
+    </p:extLst>
+  </p:cSld>
+  <p:clrMapOvr>
+    <a:masterClrMapping/>
+  </p:clrMapOvr>
+</p:sld>
+</file>
+
+<file path=ppt/slides/slide63.xml><?xml version="1.0" encoding="utf-8"?>
+<p:sld xmlns:a="http://schemas.openxmlformats.org/drawingml/2006/main" xmlns:r="http://schemas.openxmlformats.org/officeDocument/2006/relationships" xmlns:p="http://schemas.openxmlformats.org/presentationml/2006/main">
+  <p:cSld>
+    <p:spTree>
+      <p:nvGrpSpPr>
+        <p:cNvPr id="1" name=""/>
+        <p:cNvGrpSpPr/>
+        <p:nvPr/>
+      </p:nvGrpSpPr>
+      <p:grpSpPr>
+        <a:xfrm>
+          <a:off x="0" y="0"/>
+          <a:ext cx="0" cy="0"/>
+          <a:chOff x="0" y="0"/>
+          <a:chExt cx="0" cy="0"/>
+        </a:xfrm>
+      </p:grpSpPr>
+      <p:sp>
+        <p:nvSpPr>
+          <p:cNvPr id="2" name="TextBox 1"/>
+          <p:cNvSpPr txBox="1"/>
+          <p:nvPr/>
+        </p:nvSpPr>
+        <p:spPr>
+          <a:xfrm>
+            <a:off x="774440" y="233265"/>
+            <a:ext cx="10291666" cy="430887"/>
+          </a:xfrm>
+          <a:prstGeom prst="rect">
+            <a:avLst/>
+          </a:prstGeom>
+          <a:noFill/>
+        </p:spPr>
+        <p:txBody>
+          <a:bodyPr wrap="square" rtlCol="0">
+            <a:spAutoFit/>
+          </a:bodyPr>
+          <a:lstStyle/>
+          <a:p>
+            <a:pPr algn="ctr"/>
+            <a:r>
+              <a:rPr lang="en-IN" sz="2200" dirty="0" smtClean="0">
+                <a:latin typeface="Arial Black" panose="020B0A04020102020204" pitchFamily="34" charset="0"/>
+              </a:rPr>
+              <a:t>Queries</a:t>
+            </a:r>
+            <a:endParaRPr lang="en-IN" sz="2200" dirty="0">
+              <a:latin typeface="Arial Black" panose="020B0A04020102020204" pitchFamily="34" charset="0"/>
+            </a:endParaRPr>
+          </a:p>
+        </p:txBody>
+      </p:sp>
+    </p:spTree>
+    <p:extLst>
+      <p:ext uri="{BB962C8B-B14F-4D97-AF65-F5344CB8AC3E}">
+        <p14:creationId xmlns:p14="http://schemas.microsoft.com/office/powerpoint/2010/main" val="903094364"/>
+      </p:ext>
+    </p:extLst>
+  </p:cSld>
+  <p:clrMapOvr>
+    <a:masterClrMapping/>
+  </p:clrMapOvr>
+</p:sld>
+</file>
+
+<file path=ppt/slides/slide64.xml><?xml version="1.0" encoding="utf-8"?>
+<p:sld xmlns:a="http://schemas.openxmlformats.org/drawingml/2006/main" xmlns:r="http://schemas.openxmlformats.org/officeDocument/2006/relationships" xmlns:p="http://schemas.openxmlformats.org/presentationml/2006/main">
+  <p:cSld>
+    <p:spTree>
+      <p:nvGrpSpPr>
+        <p:cNvPr id="1" name=""/>
+        <p:cNvGrpSpPr/>
+        <p:nvPr/>
+      </p:nvGrpSpPr>
+      <p:grpSpPr>
+        <a:xfrm>
+          <a:off x="0" y="0"/>
+          <a:ext cx="0" cy="0"/>
+          <a:chOff x="0" y="0"/>
+          <a:chExt cx="0" cy="0"/>
+        </a:xfrm>
+      </p:grpSpPr>
+      <p:sp>
+        <p:nvSpPr>
+          <p:cNvPr id="2" name="TextBox 1"/>
+          <p:cNvSpPr txBox="1"/>
+          <p:nvPr/>
+        </p:nvSpPr>
+        <p:spPr>
+          <a:xfrm>
+            <a:off x="774440" y="233265"/>
+            <a:ext cx="10291666" cy="430887"/>
+          </a:xfrm>
+          <a:prstGeom prst="rect">
+            <a:avLst/>
+          </a:prstGeom>
+          <a:noFill/>
+        </p:spPr>
+        <p:txBody>
+          <a:bodyPr wrap="square" rtlCol="0">
+            <a:spAutoFit/>
+          </a:bodyPr>
+          <a:lstStyle/>
+          <a:p>
+            <a:pPr algn="ctr"/>
+            <a:r>
+              <a:rPr lang="en-IN" sz="2200" dirty="0" smtClean="0">
+                <a:latin typeface="Arial Black" panose="020B0A04020102020204" pitchFamily="34" charset="0"/>
+              </a:rPr>
+              <a:t>Queries</a:t>
+            </a:r>
+            <a:endParaRPr lang="en-IN" sz="2200" dirty="0">
+              <a:latin typeface="Arial Black" panose="020B0A04020102020204" pitchFamily="34" charset="0"/>
+            </a:endParaRPr>
+          </a:p>
+        </p:txBody>
+      </p:sp>
+    </p:spTree>
+    <p:extLst>
+      <p:ext uri="{BB962C8B-B14F-4D97-AF65-F5344CB8AC3E}">
+        <p14:creationId xmlns:p14="http://schemas.microsoft.com/office/powerpoint/2010/main" val="897756096"/>
+      </p:ext>
+    </p:extLst>
+  </p:cSld>
+  <p:clrMapOvr>
+    <a:masterClrMapping/>
+  </p:clrMapOvr>
+</p:sld>
+</file>
+
+<file path=ppt/slides/slide65.xml><?xml version="1.0" encoding="utf-8"?>
+<p:sld xmlns:a="http://schemas.openxmlformats.org/drawingml/2006/main" xmlns:r="http://schemas.openxmlformats.org/officeDocument/2006/relationships" xmlns:p="http://schemas.openxmlformats.org/presentationml/2006/main">
+  <p:cSld>
+    <p:spTree>
+      <p:nvGrpSpPr>
+        <p:cNvPr id="1" name=""/>
+        <p:cNvGrpSpPr/>
+        <p:nvPr/>
+      </p:nvGrpSpPr>
+      <p:grpSpPr>
+        <a:xfrm>
+          <a:off x="0" y="0"/>
+          <a:ext cx="0" cy="0"/>
+          <a:chOff x="0" y="0"/>
+          <a:chExt cx="0" cy="0"/>
+        </a:xfrm>
+      </p:grpSpPr>
+      <p:sp>
+        <p:nvSpPr>
+          <p:cNvPr id="2" name="TextBox 1"/>
+          <p:cNvSpPr txBox="1"/>
+          <p:nvPr/>
+        </p:nvSpPr>
+        <p:spPr>
+          <a:xfrm>
+            <a:off x="774440" y="233265"/>
+            <a:ext cx="10291666" cy="430887"/>
+          </a:xfrm>
+          <a:prstGeom prst="rect">
+            <a:avLst/>
+          </a:prstGeom>
+          <a:noFill/>
+        </p:spPr>
+        <p:txBody>
+          <a:bodyPr wrap="square" rtlCol="0">
+            <a:spAutoFit/>
+          </a:bodyPr>
+          <a:lstStyle/>
+          <a:p>
+            <a:pPr algn="ctr"/>
+            <a:r>
+              <a:rPr lang="en-IN" sz="2200" dirty="0" smtClean="0">
+                <a:latin typeface="Arial Black" panose="020B0A04020102020204" pitchFamily="34" charset="0"/>
+              </a:rPr>
+              <a:t>Queries</a:t>
+            </a:r>
+            <a:endParaRPr lang="en-IN" sz="2200" dirty="0">
+              <a:latin typeface="Arial Black" panose="020B0A04020102020204" pitchFamily="34" charset="0"/>
+            </a:endParaRPr>
+          </a:p>
+        </p:txBody>
+      </p:sp>
+    </p:spTree>
+    <p:extLst>
+      <p:ext uri="{BB962C8B-B14F-4D97-AF65-F5344CB8AC3E}">
+        <p14:creationId xmlns:p14="http://schemas.microsoft.com/office/powerpoint/2010/main" val="1788951423"/>
+      </p:ext>
+    </p:extLst>
+  </p:cSld>
+  <p:clrMapOvr>
+    <a:masterClrMapping/>
+  </p:clrMapOvr>
+</p:sld>
+</file>
+
+<file path=ppt/slides/slide66.xml><?xml version="1.0" encoding="utf-8"?>
+<p:sld xmlns:a="http://schemas.openxmlformats.org/drawingml/2006/main" xmlns:r="http://schemas.openxmlformats.org/officeDocument/2006/relationships" xmlns:p="http://schemas.openxmlformats.org/presentationml/2006/main">
+  <p:cSld>
+    <p:spTree>
+      <p:nvGrpSpPr>
+        <p:cNvPr id="1" name=""/>
+        <p:cNvGrpSpPr/>
+        <p:nvPr/>
+      </p:nvGrpSpPr>
+      <p:grpSpPr>
+        <a:xfrm>
+          <a:off x="0" y="0"/>
+          <a:ext cx="0" cy="0"/>
+          <a:chOff x="0" y="0"/>
+          <a:chExt cx="0" cy="0"/>
+        </a:xfrm>
+      </p:grpSpPr>
+      <p:sp>
+        <p:nvSpPr>
+          <p:cNvPr id="2" name="TextBox 1"/>
+          <p:cNvSpPr txBox="1"/>
+          <p:nvPr/>
+        </p:nvSpPr>
+        <p:spPr>
+          <a:xfrm>
+            <a:off x="774440" y="233265"/>
+            <a:ext cx="10291666" cy="430887"/>
+          </a:xfrm>
+          <a:prstGeom prst="rect">
+            <a:avLst/>
+          </a:prstGeom>
+          <a:noFill/>
+        </p:spPr>
+        <p:txBody>
+          <a:bodyPr wrap="square" rtlCol="0">
+            <a:spAutoFit/>
+          </a:bodyPr>
+          <a:lstStyle/>
+          <a:p>
+            <a:pPr algn="ctr"/>
+            <a:r>
+              <a:rPr lang="en-IN" sz="2200" dirty="0" smtClean="0">
+                <a:latin typeface="Arial Black" panose="020B0A04020102020204" pitchFamily="34" charset="0"/>
+              </a:rPr>
+              <a:t>Queries</a:t>
+            </a:r>
+            <a:endParaRPr lang="en-IN" sz="2200" dirty="0">
+              <a:latin typeface="Arial Black" panose="020B0A04020102020204" pitchFamily="34" charset="0"/>
+            </a:endParaRPr>
+          </a:p>
+        </p:txBody>
+      </p:sp>
+    </p:spTree>
+    <p:extLst>
+      <p:ext uri="{BB962C8B-B14F-4D97-AF65-F5344CB8AC3E}">
+        <p14:creationId xmlns:p14="http://schemas.microsoft.com/office/powerpoint/2010/main" val="2524548376"/>
+      </p:ext>
+    </p:extLst>
+  </p:cSld>
+  <p:clrMapOvr>
+    <a:masterClrMapping/>
+  </p:clrMapOvr>
+</p:sld>
+</file>
+
+<file path=ppt/slides/slide67.xml><?xml version="1.0" encoding="utf-8"?>
+<p:sld xmlns:a="http://schemas.openxmlformats.org/drawingml/2006/main" xmlns:r="http://schemas.openxmlformats.org/officeDocument/2006/relationships" xmlns:p="http://schemas.openxmlformats.org/presentationml/2006/main">
+  <p:cSld>
+    <p:spTree>
+      <p:nvGrpSpPr>
+        <p:cNvPr id="1" name=""/>
+        <p:cNvGrpSpPr/>
+        <p:nvPr/>
+      </p:nvGrpSpPr>
+      <p:grpSpPr>
+        <a:xfrm>
+          <a:off x="0" y="0"/>
+          <a:ext cx="0" cy="0"/>
+          <a:chOff x="0" y="0"/>
+          <a:chExt cx="0" cy="0"/>
+        </a:xfrm>
+      </p:grpSpPr>
+      <p:sp>
+        <p:nvSpPr>
+          <p:cNvPr id="2" name="TextBox 1"/>
+          <p:cNvSpPr txBox="1"/>
+          <p:nvPr/>
+        </p:nvSpPr>
+        <p:spPr>
+          <a:xfrm>
+            <a:off x="774440" y="233265"/>
+            <a:ext cx="10291666" cy="430887"/>
+          </a:xfrm>
+          <a:prstGeom prst="rect">
+            <a:avLst/>
+          </a:prstGeom>
+          <a:noFill/>
+        </p:spPr>
+        <p:txBody>
+          <a:bodyPr wrap="square" rtlCol="0">
+            <a:spAutoFit/>
+          </a:bodyPr>
+          <a:lstStyle/>
+          <a:p>
+            <a:pPr algn="ctr"/>
+            <a:r>
+              <a:rPr lang="en-IN" sz="2200" dirty="0" smtClean="0">
+                <a:latin typeface="Arial Black" panose="020B0A04020102020204" pitchFamily="34" charset="0"/>
+              </a:rPr>
+              <a:t>Queries</a:t>
+            </a:r>
+            <a:endParaRPr lang="en-IN" sz="2200" dirty="0">
+              <a:latin typeface="Arial Black" panose="020B0A04020102020204" pitchFamily="34" charset="0"/>
+            </a:endParaRPr>
+          </a:p>
+        </p:txBody>
+      </p:sp>
+    </p:spTree>
+    <p:extLst>
+      <p:ext uri="{BB962C8B-B14F-4D97-AF65-F5344CB8AC3E}">
+        <p14:creationId xmlns:p14="http://schemas.microsoft.com/office/powerpoint/2010/main" val="2550480579"/>
+      </p:ext>
+    </p:extLst>
+  </p:cSld>
+  <p:clrMapOvr>
+    <a:masterClrMapping/>
+  </p:clrMapOvr>
+</p:sld>
+</file>
+
+<file path=ppt/slides/slide68.xml><?xml version="1.0" encoding="utf-8"?>
+<p:sld xmlns:a="http://schemas.openxmlformats.org/drawingml/2006/main" xmlns:r="http://schemas.openxmlformats.org/officeDocument/2006/relationships" xmlns:p="http://schemas.openxmlformats.org/presentationml/2006/main">
+  <p:cSld>
+    <p:spTree>
+      <p:nvGrpSpPr>
+        <p:cNvPr id="1" name=""/>
+        <p:cNvGrpSpPr/>
+        <p:nvPr/>
+      </p:nvGrpSpPr>
+      <p:grpSpPr>
+        <a:xfrm>
+          <a:off x="0" y="0"/>
+          <a:ext cx="0" cy="0"/>
+          <a:chOff x="0" y="0"/>
+          <a:chExt cx="0" cy="0"/>
+        </a:xfrm>
+      </p:grpSpPr>
+      <p:sp>
+        <p:nvSpPr>
+          <p:cNvPr id="2" name="TextBox 1"/>
+          <p:cNvSpPr txBox="1"/>
+          <p:nvPr/>
+        </p:nvSpPr>
+        <p:spPr>
+          <a:xfrm>
+            <a:off x="774440" y="233265"/>
+            <a:ext cx="10291666" cy="430887"/>
+          </a:xfrm>
+          <a:prstGeom prst="rect">
+            <a:avLst/>
+          </a:prstGeom>
+          <a:noFill/>
+        </p:spPr>
+        <p:txBody>
+          <a:bodyPr wrap="square" rtlCol="0">
+            <a:spAutoFit/>
+          </a:bodyPr>
+          <a:lstStyle/>
+          <a:p>
+            <a:pPr algn="ctr"/>
+            <a:r>
+              <a:rPr lang="en-IN" sz="2200" dirty="0" smtClean="0">
+                <a:latin typeface="Arial Black" panose="020B0A04020102020204" pitchFamily="34" charset="0"/>
+              </a:rPr>
+              <a:t>Queries</a:t>
+            </a:r>
+            <a:endParaRPr lang="en-IN" sz="2200" dirty="0">
+              <a:latin typeface="Arial Black" panose="020B0A04020102020204" pitchFamily="34" charset="0"/>
+            </a:endParaRPr>
+          </a:p>
+        </p:txBody>
+      </p:sp>
+    </p:spTree>
+    <p:extLst>
+      <p:ext uri="{BB962C8B-B14F-4D97-AF65-F5344CB8AC3E}">
+        <p14:creationId xmlns:p14="http://schemas.microsoft.com/office/powerpoint/2010/main" val="3267014141"/>
+      </p:ext>
+    </p:extLst>
+  </p:cSld>
+  <p:clrMapOvr>
+    <a:masterClrMapping/>
+  </p:clrMapOvr>
+</p:sld>
+</file>
+
+<file path=ppt/slides/slide69.xml><?xml version="1.0" encoding="utf-8"?>
+<p:sld xmlns:a="http://schemas.openxmlformats.org/drawingml/2006/main" xmlns:r="http://schemas.openxmlformats.org/officeDocument/2006/relationships" xmlns:p="http://schemas.openxmlformats.org/presentationml/2006/main">
+  <p:cSld>
+    <p:spTree>
+      <p:nvGrpSpPr>
+        <p:cNvPr id="1" name=""/>
+        <p:cNvGrpSpPr/>
+        <p:nvPr/>
+      </p:nvGrpSpPr>
+      <p:grpSpPr>
+        <a:xfrm>
+          <a:off x="0" y="0"/>
+          <a:ext cx="0" cy="0"/>
+          <a:chOff x="0" y="0"/>
+          <a:chExt cx="0" cy="0"/>
+        </a:xfrm>
+      </p:grpSpPr>
+      <p:sp>
+        <p:nvSpPr>
+          <p:cNvPr id="2" name="TextBox 1"/>
+          <p:cNvSpPr txBox="1"/>
+          <p:nvPr/>
+        </p:nvSpPr>
+        <p:spPr>
+          <a:xfrm>
+            <a:off x="774440" y="233265"/>
+            <a:ext cx="10291666" cy="430887"/>
+          </a:xfrm>
+          <a:prstGeom prst="rect">
+            <a:avLst/>
+          </a:prstGeom>
+          <a:noFill/>
+        </p:spPr>
+        <p:txBody>
+          <a:bodyPr wrap="square" rtlCol="0">
+            <a:spAutoFit/>
+          </a:bodyPr>
+          <a:lstStyle/>
+          <a:p>
+            <a:pPr algn="ctr"/>
+            <a:r>
+              <a:rPr lang="en-IN" sz="2200" dirty="0" smtClean="0">
+                <a:latin typeface="Arial Black" panose="020B0A04020102020204" pitchFamily="34" charset="0"/>
+              </a:rPr>
+              <a:t>Queries</a:t>
+            </a:r>
+            <a:endParaRPr lang="en-IN" sz="2200" dirty="0">
+              <a:latin typeface="Arial Black" panose="020B0A04020102020204" pitchFamily="34" charset="0"/>
+            </a:endParaRPr>
+          </a:p>
+        </p:txBody>
+      </p:sp>
+    </p:spTree>
+    <p:extLst>
+      <p:ext uri="{BB962C8B-B14F-4D97-AF65-F5344CB8AC3E}">
+        <p14:creationId xmlns:p14="http://schemas.microsoft.com/office/powerpoint/2010/main" val="1871181710"/>
+      </p:ext>
+    </p:extLst>
+  </p:cSld>
+  <p:clrMapOvr>
+    <a:masterClrMapping/>
+  </p:clrMapOvr>
+</p:sld>
+</file>
+
 <file path=ppt/slides/slide7.xml><?xml version="1.0" encoding="utf-8"?>
 <p:sld xmlns:a="http://schemas.openxmlformats.org/drawingml/2006/main" xmlns:r="http://schemas.openxmlformats.org/officeDocument/2006/relationships" xmlns:p="http://schemas.openxmlformats.org/presentationml/2006/main">
   <p:cSld>
@@ -11979,6 +13281,71 @@
     <p:extLst>
       <p:ext uri="{BB962C8B-B14F-4D97-AF65-F5344CB8AC3E}">
         <p14:creationId xmlns:p14="http://schemas.microsoft.com/office/powerpoint/2010/main" val="1896939268"/>
+      </p:ext>
+    </p:extLst>
+  </p:cSld>
+  <p:clrMapOvr>
+    <a:masterClrMapping/>
+  </p:clrMapOvr>
+</p:sld>
+</file>
+
+<file path=ppt/slides/slide70.xml><?xml version="1.0" encoding="utf-8"?>
+<p:sld xmlns:a="http://schemas.openxmlformats.org/drawingml/2006/main" xmlns:r="http://schemas.openxmlformats.org/officeDocument/2006/relationships" xmlns:p="http://schemas.openxmlformats.org/presentationml/2006/main">
+  <p:cSld>
+    <p:spTree>
+      <p:nvGrpSpPr>
+        <p:cNvPr id="1" name=""/>
+        <p:cNvGrpSpPr/>
+        <p:nvPr/>
+      </p:nvGrpSpPr>
+      <p:grpSpPr>
+        <a:xfrm>
+          <a:off x="0" y="0"/>
+          <a:ext cx="0" cy="0"/>
+          <a:chOff x="0" y="0"/>
+          <a:chExt cx="0" cy="0"/>
+        </a:xfrm>
+      </p:grpSpPr>
+      <p:sp>
+        <p:nvSpPr>
+          <p:cNvPr id="2" name="TextBox 1"/>
+          <p:cNvSpPr txBox="1"/>
+          <p:nvPr/>
+        </p:nvSpPr>
+        <p:spPr>
+          <a:xfrm>
+            <a:off x="774440" y="233265"/>
+            <a:ext cx="10291666" cy="430887"/>
+          </a:xfrm>
+          <a:prstGeom prst="rect">
+            <a:avLst/>
+          </a:prstGeom>
+          <a:noFill/>
+        </p:spPr>
+        <p:txBody>
+          <a:bodyPr wrap="square" rtlCol="0">
+            <a:spAutoFit/>
+          </a:bodyPr>
+          <a:lstStyle/>
+          <a:p>
+            <a:pPr algn="ctr"/>
+            <a:r>
+              <a:rPr lang="en-IN" sz="2200" dirty="0" smtClean="0">
+                <a:latin typeface="Arial Black" panose="020B0A04020102020204" pitchFamily="34" charset="0"/>
+              </a:rPr>
+              <a:t>Queries</a:t>
+            </a:r>
+            <a:endParaRPr lang="en-IN" sz="2200" dirty="0">
+              <a:latin typeface="Arial Black" panose="020B0A04020102020204" pitchFamily="34" charset="0"/>
+            </a:endParaRPr>
+          </a:p>
+        </p:txBody>
+      </p:sp>
+    </p:spTree>
+    <p:extLst>
+      <p:ext uri="{BB962C8B-B14F-4D97-AF65-F5344CB8AC3E}">
+        <p14:creationId xmlns:p14="http://schemas.microsoft.com/office/powerpoint/2010/main" val="4226547030"/>
       </p:ext>
     </p:extLst>
   </p:cSld>

--- a/4_sql/project''/hospital_management.pptx
+++ b/4_sql/project''/hospital_management.pptx
@@ -324,7 +324,7 @@
           <a:p>
             <a:fld id="{82B865A7-C0DA-4AB5-ACAE-01B1232FB320}" type="datetimeFigureOut">
               <a:rPr lang="en-IN" smtClean="0"/>
-              <a:t>13-01-2025</a:t>
+              <a:t>14-01-2025</a:t>
             </a:fld>
             <a:endParaRPr lang="en-IN"/>
           </a:p>
@@ -494,7 +494,7 @@
           <a:p>
             <a:fld id="{82B865A7-C0DA-4AB5-ACAE-01B1232FB320}" type="datetimeFigureOut">
               <a:rPr lang="en-IN" smtClean="0"/>
-              <a:t>13-01-2025</a:t>
+              <a:t>14-01-2025</a:t>
             </a:fld>
             <a:endParaRPr lang="en-IN"/>
           </a:p>
@@ -674,7 +674,7 @@
           <a:p>
             <a:fld id="{82B865A7-C0DA-4AB5-ACAE-01B1232FB320}" type="datetimeFigureOut">
               <a:rPr lang="en-IN" smtClean="0"/>
-              <a:t>13-01-2025</a:t>
+              <a:t>14-01-2025</a:t>
             </a:fld>
             <a:endParaRPr lang="en-IN"/>
           </a:p>
@@ -844,7 +844,7 @@
           <a:p>
             <a:fld id="{82B865A7-C0DA-4AB5-ACAE-01B1232FB320}" type="datetimeFigureOut">
               <a:rPr lang="en-IN" smtClean="0"/>
-              <a:t>13-01-2025</a:t>
+              <a:t>14-01-2025</a:t>
             </a:fld>
             <a:endParaRPr lang="en-IN"/>
           </a:p>
@@ -1090,7 +1090,7 @@
           <a:p>
             <a:fld id="{82B865A7-C0DA-4AB5-ACAE-01B1232FB320}" type="datetimeFigureOut">
               <a:rPr lang="en-IN" smtClean="0"/>
-              <a:t>13-01-2025</a:t>
+              <a:t>14-01-2025</a:t>
             </a:fld>
             <a:endParaRPr lang="en-IN"/>
           </a:p>
@@ -1322,7 +1322,7 @@
           <a:p>
             <a:fld id="{82B865A7-C0DA-4AB5-ACAE-01B1232FB320}" type="datetimeFigureOut">
               <a:rPr lang="en-IN" smtClean="0"/>
-              <a:t>13-01-2025</a:t>
+              <a:t>14-01-2025</a:t>
             </a:fld>
             <a:endParaRPr lang="en-IN"/>
           </a:p>
@@ -1689,7 +1689,7 @@
           <a:p>
             <a:fld id="{82B865A7-C0DA-4AB5-ACAE-01B1232FB320}" type="datetimeFigureOut">
               <a:rPr lang="en-IN" smtClean="0"/>
-              <a:t>13-01-2025</a:t>
+              <a:t>14-01-2025</a:t>
             </a:fld>
             <a:endParaRPr lang="en-IN"/>
           </a:p>
@@ -1807,7 +1807,7 @@
           <a:p>
             <a:fld id="{82B865A7-C0DA-4AB5-ACAE-01B1232FB320}" type="datetimeFigureOut">
               <a:rPr lang="en-IN" smtClean="0"/>
-              <a:t>13-01-2025</a:t>
+              <a:t>14-01-2025</a:t>
             </a:fld>
             <a:endParaRPr lang="en-IN"/>
           </a:p>
@@ -1902,7 +1902,7 @@
           <a:p>
             <a:fld id="{82B865A7-C0DA-4AB5-ACAE-01B1232FB320}" type="datetimeFigureOut">
               <a:rPr lang="en-IN" smtClean="0"/>
-              <a:t>13-01-2025</a:t>
+              <a:t>14-01-2025</a:t>
             </a:fld>
             <a:endParaRPr lang="en-IN"/>
           </a:p>
@@ -2186,7 +2186,7 @@
           <a:p>
             <a:fld id="{82B865A7-C0DA-4AB5-ACAE-01B1232FB320}" type="datetimeFigureOut">
               <a:rPr lang="en-IN" smtClean="0"/>
-              <a:t>13-01-2025</a:t>
+              <a:t>14-01-2025</a:t>
             </a:fld>
             <a:endParaRPr lang="en-IN"/>
           </a:p>
@@ -2439,7 +2439,7 @@
           <a:p>
             <a:fld id="{82B865A7-C0DA-4AB5-ACAE-01B1232FB320}" type="datetimeFigureOut">
               <a:rPr lang="en-IN" smtClean="0"/>
-              <a:t>13-01-2025</a:t>
+              <a:t>14-01-2025</a:t>
             </a:fld>
             <a:endParaRPr lang="en-IN"/>
           </a:p>
@@ -2662,7 +2662,7 @@
           <a:p>
             <a:fld id="{82B865A7-C0DA-4AB5-ACAE-01B1232FB320}" type="datetimeFigureOut">
               <a:rPr lang="en-IN" smtClean="0"/>
-              <a:t>13-01-2025</a:t>
+              <a:t>14-01-2025</a:t>
             </a:fld>
             <a:endParaRPr lang="en-IN"/>
           </a:p>
@@ -3124,7 +3124,129 @@
   <p:timing>
     <p:tnLst>
       <p:par>
-        <p:cTn id="1" dur="indefinite" restart="never" nodeType="tmRoot"/>
+        <p:cTn id="1" dur="indefinite" restart="never" nodeType="tmRoot">
+          <p:childTnLst>
+            <p:seq concurrent="1" nextAc="seek">
+              <p:cTn id="2" dur="indefinite" nodeType="mainSeq">
+                <p:childTnLst>
+                  <p:par>
+                    <p:cTn id="3" fill="hold">
+                      <p:stCondLst>
+                        <p:cond delay="indefinite"/>
+                      </p:stCondLst>
+                      <p:childTnLst>
+                        <p:par>
+                          <p:cTn id="4" fill="hold">
+                            <p:stCondLst>
+                              <p:cond delay="0"/>
+                            </p:stCondLst>
+                            <p:childTnLst>
+                              <p:par>
+                                <p:cTn id="5" presetID="42" presetClass="entr" presetSubtype="0" fill="hold" nodeType="clickEffect">
+                                  <p:stCondLst>
+                                    <p:cond delay="0"/>
+                                  </p:stCondLst>
+                                  <p:childTnLst>
+                                    <p:set>
+                                      <p:cBhvr>
+                                        <p:cTn id="6" dur="1" fill="hold">
+                                          <p:stCondLst>
+                                            <p:cond delay="0"/>
+                                          </p:stCondLst>
+                                        </p:cTn>
+                                        <p:tgtEl>
+                                          <p:spTgt spid="2"/>
+                                        </p:tgtEl>
+                                        <p:attrNameLst>
+                                          <p:attrName>style.visibility</p:attrName>
+                                        </p:attrNameLst>
+                                      </p:cBhvr>
+                                      <p:to>
+                                        <p:strVal val="visible"/>
+                                      </p:to>
+                                    </p:set>
+                                    <p:animEffect transition="in" filter="fade">
+                                      <p:cBhvr>
+                                        <p:cTn id="7" dur="1000"/>
+                                        <p:tgtEl>
+                                          <p:spTgt spid="2"/>
+                                        </p:tgtEl>
+                                      </p:cBhvr>
+                                    </p:animEffect>
+                                    <p:anim calcmode="lin" valueType="num">
+                                      <p:cBhvr>
+                                        <p:cTn id="8" dur="1000" fill="hold"/>
+                                        <p:tgtEl>
+                                          <p:spTgt spid="2"/>
+                                        </p:tgtEl>
+                                        <p:attrNameLst>
+                                          <p:attrName>ppt_x</p:attrName>
+                                        </p:attrNameLst>
+                                      </p:cBhvr>
+                                      <p:tavLst>
+                                        <p:tav tm="0">
+                                          <p:val>
+                                            <p:strVal val="#ppt_x"/>
+                                          </p:val>
+                                        </p:tav>
+                                        <p:tav tm="100000">
+                                          <p:val>
+                                            <p:strVal val="#ppt_x"/>
+                                          </p:val>
+                                        </p:tav>
+                                      </p:tavLst>
+                                    </p:anim>
+                                    <p:anim calcmode="lin" valueType="num">
+                                      <p:cBhvr>
+                                        <p:cTn id="9" dur="1000" fill="hold"/>
+                                        <p:tgtEl>
+                                          <p:spTgt spid="2"/>
+                                        </p:tgtEl>
+                                        <p:attrNameLst>
+                                          <p:attrName>ppt_y</p:attrName>
+                                        </p:attrNameLst>
+                                      </p:cBhvr>
+                                      <p:tavLst>
+                                        <p:tav tm="0">
+                                          <p:val>
+                                            <p:strVal val="#ppt_y+.1"/>
+                                          </p:val>
+                                        </p:tav>
+                                        <p:tav tm="100000">
+                                          <p:val>
+                                            <p:strVal val="#ppt_y"/>
+                                          </p:val>
+                                        </p:tav>
+                                      </p:tavLst>
+                                    </p:anim>
+                                  </p:childTnLst>
+                                </p:cTn>
+                              </p:par>
+                            </p:childTnLst>
+                          </p:cTn>
+                        </p:par>
+                      </p:childTnLst>
+                    </p:cTn>
+                  </p:par>
+                </p:childTnLst>
+              </p:cTn>
+              <p:prevCondLst>
+                <p:cond evt="onPrev" delay="0">
+                  <p:tgtEl>
+                    <p:sldTgt/>
+                  </p:tgtEl>
+                </p:cond>
+              </p:prevCondLst>
+              <p:nextCondLst>
+                <p:cond evt="onNext" delay="0">
+                  <p:tgtEl>
+                    <p:sldTgt/>
+                  </p:tgtEl>
+                </p:cond>
+              </p:nextCondLst>
+            </p:seq>
+          </p:childTnLst>
+        </p:cTn>
       </p:par>
     </p:tnLst>
   </p:timing>
@@ -3245,6 +3367,13 @@
   <p:clrMapOvr>
     <a:masterClrMapping/>
   </p:clrMapOvr>
+  <p:timing>
+    <p:tnLst>
+      <p:par>
+        <p:cTn id="1" dur="indefinite" restart="never" nodeType="tmRoot"/>
+      </p:par>
+    </p:tnLst>
+  </p:timing>
 </p:sld>
 </file>
 
@@ -3338,6 +3467,13 @@
   <p:clrMapOvr>
     <a:masterClrMapping/>
   </p:clrMapOvr>
+  <p:timing>
+    <p:tnLst>
+      <p:par>
+        <p:cTn id="1" dur="indefinite" restart="never" nodeType="tmRoot"/>
+      </p:par>
+    </p:tnLst>
+  </p:timing>
 </p:sld>
 </file>
 
@@ -3431,6 +3567,13 @@
   <p:clrMapOvr>
     <a:masterClrMapping/>
   </p:clrMapOvr>
+  <p:timing>
+    <p:tnLst>
+      <p:par>
+        <p:cTn id="1" dur="indefinite" restart="never" nodeType="tmRoot"/>
+      </p:par>
+    </p:tnLst>
+  </p:timing>
 </p:sld>
 </file>
 
@@ -3559,6 +3702,13 @@
   <p:clrMapOvr>
     <a:masterClrMapping/>
   </p:clrMapOvr>
+  <p:timing>
+    <p:tnLst>
+      <p:par>
+        <p:cTn id="1" dur="indefinite" restart="never" nodeType="tmRoot"/>
+      </p:par>
+    </p:tnLst>
+  </p:timing>
 </p:sld>
 </file>
 
@@ -3687,6 +3837,13 @@
   <p:clrMapOvr>
     <a:masterClrMapping/>
   </p:clrMapOvr>
+  <p:timing>
+    <p:tnLst>
+      <p:par>
+        <p:cTn id="1" dur="indefinite" restart="never" nodeType="tmRoot"/>
+      </p:par>
+    </p:tnLst>
+  </p:timing>
 </p:sld>
 </file>
 
@@ -3823,6 +3980,13 @@
   <p:clrMapOvr>
     <a:masterClrMapping/>
   </p:clrMapOvr>
+  <p:timing>
+    <p:tnLst>
+      <p:par>
+        <p:cTn id="1" dur="indefinite" restart="never" nodeType="tmRoot"/>
+      </p:par>
+    </p:tnLst>
+  </p:timing>
 </p:sld>
 </file>
 
@@ -3957,6 +4121,13 @@
   <p:clrMapOvr>
     <a:masterClrMapping/>
   </p:clrMapOvr>
+  <p:timing>
+    <p:tnLst>
+      <p:par>
+        <p:cTn id="1" dur="indefinite" restart="never" nodeType="tmRoot"/>
+      </p:par>
+    </p:tnLst>
+  </p:timing>
 </p:sld>
 </file>
 
@@ -4085,6 +4256,13 @@
   <p:clrMapOvr>
     <a:masterClrMapping/>
   </p:clrMapOvr>
+  <p:timing>
+    <p:tnLst>
+      <p:par>
+        <p:cTn id="1" dur="indefinite" restart="never" nodeType="tmRoot"/>
+      </p:par>
+    </p:tnLst>
+  </p:timing>
 </p:sld>
 </file>
 
@@ -4213,6 +4391,13 @@
   <p:clrMapOvr>
     <a:masterClrMapping/>
   </p:clrMapOvr>
+  <p:timing>
+    <p:tnLst>
+      <p:par>
+        <p:cTn id="1" dur="indefinite" restart="never" nodeType="tmRoot"/>
+      </p:par>
+    </p:tnLst>
+  </p:timing>
 </p:sld>
 </file>
 
@@ -4341,6 +4526,13 @@
   <p:clrMapOvr>
     <a:masterClrMapping/>
   </p:clrMapOvr>
+  <p:timing>
+    <p:tnLst>
+      <p:par>
+        <p:cTn id="1" dur="indefinite" restart="never" nodeType="tmRoot"/>
+      </p:par>
+    </p:tnLst>
+  </p:timing>
 </p:sld>
 </file>
 
@@ -4678,6 +4870,13 @@
   <p:clrMapOvr>
     <a:masterClrMapping/>
   </p:clrMapOvr>
+  <p:timing>
+    <p:tnLst>
+      <p:par>
+        <p:cTn id="1" dur="indefinite" restart="never" nodeType="tmRoot"/>
+      </p:par>
+    </p:tnLst>
+  </p:timing>
 </p:sld>
 </file>
 
@@ -4806,6 +5005,13 @@
   <p:clrMapOvr>
     <a:masterClrMapping/>
   </p:clrMapOvr>
+  <p:timing>
+    <p:tnLst>
+      <p:par>
+        <p:cTn id="1" dur="indefinite" restart="never" nodeType="tmRoot"/>
+      </p:par>
+    </p:tnLst>
+  </p:timing>
 </p:sld>
 </file>
 
@@ -4934,6 +5140,13 @@
   <p:clrMapOvr>
     <a:masterClrMapping/>
   </p:clrMapOvr>
+  <p:timing>
+    <p:tnLst>
+      <p:par>
+        <p:cTn id="1" dur="indefinite" restart="never" nodeType="tmRoot"/>
+      </p:par>
+    </p:tnLst>
+  </p:timing>
 </p:sld>
 </file>
 
@@ -5086,6 +5299,13 @@
   <p:clrMapOvr>
     <a:masterClrMapping/>
   </p:clrMapOvr>
+  <p:timing>
+    <p:tnLst>
+      <p:par>
+        <p:cTn id="1" dur="indefinite" restart="never" nodeType="tmRoot"/>
+      </p:par>
+    </p:tnLst>
+  </p:timing>
 </p:sld>
 </file>
 
@@ -5240,6 +5460,13 @@
   <p:clrMapOvr>
     <a:masterClrMapping/>
   </p:clrMapOvr>
+  <p:timing>
+    <p:tnLst>
+      <p:par>
+        <p:cTn id="1" dur="indefinite" restart="never" nodeType="tmRoot"/>
+      </p:par>
+    </p:tnLst>
+  </p:timing>
 </p:sld>
 </file>
 
@@ -5394,6 +5621,13 @@
   <p:clrMapOvr>
     <a:masterClrMapping/>
   </p:clrMapOvr>
+  <p:timing>
+    <p:tnLst>
+      <p:par>
+        <p:cTn id="1" dur="indefinite" restart="never" nodeType="tmRoot"/>
+      </p:par>
+    </p:tnLst>
+  </p:timing>
 </p:sld>
 </file>
 
@@ -5552,6 +5786,13 @@
   <p:clrMapOvr>
     <a:masterClrMapping/>
   </p:clrMapOvr>
+  <p:timing>
+    <p:tnLst>
+      <p:par>
+        <p:cTn id="1" dur="indefinite" restart="never" nodeType="tmRoot"/>
+      </p:par>
+    </p:tnLst>
+  </p:timing>
 </p:sld>
 </file>
 
@@ -5749,6 +5990,13 @@
   <p:clrMapOvr>
     <a:masterClrMapping/>
   </p:clrMapOvr>
+  <p:timing>
+    <p:tnLst>
+      <p:par>
+        <p:cTn id="1" dur="indefinite" restart="never" nodeType="tmRoot"/>
+      </p:par>
+    </p:tnLst>
+  </p:timing>
 </p:sld>
 </file>
 
@@ -5941,6 +6189,13 @@
   <p:clrMapOvr>
     <a:masterClrMapping/>
   </p:clrMapOvr>
+  <p:timing>
+    <p:tnLst>
+      <p:par>
+        <p:cTn id="1" dur="indefinite" restart="never" nodeType="tmRoot"/>
+      </p:par>
+    </p:tnLst>
+  </p:timing>
 </p:sld>
 </file>
 
@@ -6110,6 +6365,13 @@
   <p:clrMapOvr>
     <a:masterClrMapping/>
   </p:clrMapOvr>
+  <p:timing>
+    <p:tnLst>
+      <p:par>
+        <p:cTn id="1" dur="indefinite" restart="never" nodeType="tmRoot"/>
+      </p:par>
+    </p:tnLst>
+  </p:timing>
 </p:sld>
 </file>
 
@@ -6288,83 +6550,7 @@
   <p:timing>
     <p:tnLst>
       <p:par>
-        <p:cTn id="1" dur="indefinite" restart="never" nodeType="tmRoot">
-          <p:childTnLst>
-            <p:seq concurrent="1" nextAc="seek">
-              <p:cTn id="2" dur="indefinite" nodeType="mainSeq">
-                <p:childTnLst>
-                  <p:par>
-                    <p:cTn id="3" fill="hold">
-                      <p:stCondLst>
-                        <p:cond delay="indefinite"/>
-                      </p:stCondLst>
-                      <p:childTnLst>
-                        <p:par>
-                          <p:cTn id="4" fill="hold">
-                            <p:stCondLst>
-                              <p:cond delay="0"/>
-                            </p:stCondLst>
-                            <p:childTnLst>
-                              <p:par>
-                                <p:cTn id="5" presetID="16" presetClass="entr" presetSubtype="21" fill="hold" nodeType="clickEffect">
-                                  <p:stCondLst>
-                                    <p:cond delay="0"/>
-                                  </p:stCondLst>
-                                  <p:childTnLst>
-                                    <p:set>
-                                      <p:cBhvr>
-                                        <p:cTn id="6" dur="1" fill="hold">
-                                          <p:stCondLst>
-                                            <p:cond delay="0"/>
-                                          </p:stCondLst>
-                                        </p:cTn>
-                                        <p:tgtEl>
-                                          <p:spTgt spid="3"/>
-                                        </p:tgtEl>
-                                        <p:attrNameLst>
-                                          <p:attrName>style.visibility</p:attrName>
-                                        </p:attrNameLst>
-                                      </p:cBhvr>
-                                      <p:to>
-                                        <p:strVal val="visible"/>
-                                      </p:to>
-                                    </p:set>
-                                    <p:animEffect transition="in" filter="barn(inVertical)">
-                                      <p:cBhvr>
-                                        <p:cTn id="7" dur="500"/>
-                                        <p:tgtEl>
-                                          <p:spTgt spid="3"/>
-                                        </p:tgtEl>
-                                      </p:cBhvr>
-                                    </p:animEffect>
-                                  </p:childTnLst>
-                                </p:cTn>
-                              </p:par>
-                            </p:childTnLst>
-                          </p:cTn>
-                        </p:par>
-                      </p:childTnLst>
-                    </p:cTn>
-                  </p:par>
-                </p:childTnLst>
-              </p:cTn>
-              <p:prevCondLst>
-                <p:cond evt="onPrev" delay="0">
-                  <p:tgtEl>
-                    <p:sldTgt/>
-                  </p:tgtEl>
-                </p:cond>
-              </p:prevCondLst>
-              <p:nextCondLst>
-                <p:cond evt="onNext" delay="0">
-                  <p:tgtEl>
-                    <p:sldTgt/>
-                  </p:tgtEl>
-                </p:cond>
-              </p:nextCondLst>
-            </p:seq>
-          </p:childTnLst>
-        </p:cTn>
+        <p:cTn id="1" dur="indefinite" restart="never" nodeType="tmRoot"/>
       </p:par>
     </p:tnLst>
   </p:timing>
@@ -6541,6 +6727,13 @@
   <p:clrMapOvr>
     <a:masterClrMapping/>
   </p:clrMapOvr>
+  <p:timing>
+    <p:tnLst>
+      <p:par>
+        <p:cTn id="1" dur="indefinite" restart="never" nodeType="tmRoot"/>
+      </p:par>
+    </p:tnLst>
+  </p:timing>
 </p:sld>
 </file>
 
@@ -6714,6 +6907,13 @@
   <p:clrMapOvr>
     <a:masterClrMapping/>
   </p:clrMapOvr>
+  <p:timing>
+    <p:tnLst>
+      <p:par>
+        <p:cTn id="1" dur="indefinite" restart="never" nodeType="tmRoot"/>
+      </p:par>
+    </p:tnLst>
+  </p:timing>
 </p:sld>
 </file>
 
@@ -6886,6 +7086,13 @@
   <p:clrMapOvr>
     <a:masterClrMapping/>
   </p:clrMapOvr>
+  <p:timing>
+    <p:tnLst>
+      <p:par>
+        <p:cTn id="1" dur="indefinite" restart="never" nodeType="tmRoot"/>
+      </p:par>
+    </p:tnLst>
+  </p:timing>
 </p:sld>
 </file>
 
@@ -7062,6 +7269,13 @@
   <p:clrMapOvr>
     <a:masterClrMapping/>
   </p:clrMapOvr>
+  <p:timing>
+    <p:tnLst>
+      <p:par>
+        <p:cTn id="1" dur="indefinite" restart="never" nodeType="tmRoot"/>
+      </p:par>
+    </p:tnLst>
+  </p:timing>
 </p:sld>
 </file>
 
@@ -7238,6 +7452,13 @@
   <p:clrMapOvr>
     <a:masterClrMapping/>
   </p:clrMapOvr>
+  <p:timing>
+    <p:tnLst>
+      <p:par>
+        <p:cTn id="1" dur="indefinite" restart="never" nodeType="tmRoot"/>
+      </p:par>
+    </p:tnLst>
+  </p:timing>
 </p:sld>
 </file>
 
@@ -7449,6 +7670,13 @@
   <p:clrMapOvr>
     <a:masterClrMapping/>
   </p:clrMapOvr>
+  <p:timing>
+    <p:tnLst>
+      <p:par>
+        <p:cTn id="1" dur="indefinite" restart="never" nodeType="tmRoot"/>
+      </p:par>
+    </p:tnLst>
+  </p:timing>
 </p:sld>
 </file>
 
@@ -7603,6 +7831,13 @@
   <p:clrMapOvr>
     <a:masterClrMapping/>
   </p:clrMapOvr>
+  <p:timing>
+    <p:tnLst>
+      <p:par>
+        <p:cTn id="1" dur="indefinite" restart="never" nodeType="tmRoot"/>
+      </p:par>
+    </p:tnLst>
+  </p:timing>
 </p:sld>
 </file>
 
@@ -7810,6 +8045,13 @@
   <p:clrMapOvr>
     <a:masterClrMapping/>
   </p:clrMapOvr>
+  <p:timing>
+    <p:tnLst>
+      <p:par>
+        <p:cTn id="1" dur="indefinite" restart="never" nodeType="tmRoot"/>
+      </p:par>
+    </p:tnLst>
+  </p:timing>
 </p:sld>
 </file>
 
@@ -8036,6 +8278,13 @@
   <p:clrMapOvr>
     <a:masterClrMapping/>
   </p:clrMapOvr>
+  <p:timing>
+    <p:tnLst>
+      <p:par>
+        <p:cTn id="1" dur="indefinite" restart="never" nodeType="tmRoot"/>
+      </p:par>
+    </p:tnLst>
+  </p:timing>
 </p:sld>
 </file>
 
@@ -8235,6 +8484,13 @@
   <p:clrMapOvr>
     <a:masterClrMapping/>
   </p:clrMapOvr>
+  <p:timing>
+    <p:tnLst>
+      <p:par>
+        <p:cTn id="1" dur="indefinite" restart="never" nodeType="tmRoot"/>
+      </p:par>
+    </p:tnLst>
+  </p:timing>
 </p:sld>
 </file>
 
@@ -8580,6 +8836,13 @@
   <p:clrMapOvr>
     <a:masterClrMapping/>
   </p:clrMapOvr>
+  <p:timing>
+    <p:tnLst>
+      <p:par>
+        <p:cTn id="1" dur="indefinite" restart="never" nodeType="tmRoot"/>
+      </p:par>
+    </p:tnLst>
+  </p:timing>
 </p:sld>
 </file>
 
@@ -8772,6 +9035,13 @@
   <p:clrMapOvr>
     <a:masterClrMapping/>
   </p:clrMapOvr>
+  <p:timing>
+    <p:tnLst>
+      <p:par>
+        <p:cTn id="1" dur="indefinite" restart="never" nodeType="tmRoot"/>
+      </p:par>
+    </p:tnLst>
+  </p:timing>
 </p:sld>
 </file>
 
@@ -8878,6 +9148,13 @@
   <p:clrMapOvr>
     <a:masterClrMapping/>
   </p:clrMapOvr>
+  <p:timing>
+    <p:tnLst>
+      <p:par>
+        <p:cTn id="1" dur="indefinite" restart="never" nodeType="tmRoot"/>
+      </p:par>
+    </p:tnLst>
+  </p:timing>
 </p:sld>
 </file>
 
@@ -9047,6 +9324,13 @@
   <p:clrMapOvr>
     <a:masterClrMapping/>
   </p:clrMapOvr>
+  <p:timing>
+    <p:tnLst>
+      <p:par>
+        <p:cTn id="1" dur="indefinite" restart="never" nodeType="tmRoot"/>
+      </p:par>
+    </p:tnLst>
+  </p:timing>
 </p:sld>
 </file>
 
@@ -9216,6 +9500,13 @@
   <p:clrMapOvr>
     <a:masterClrMapping/>
   </p:clrMapOvr>
+  <p:timing>
+    <p:tnLst>
+      <p:par>
+        <p:cTn id="1" dur="indefinite" restart="never" nodeType="tmRoot"/>
+      </p:par>
+    </p:tnLst>
+  </p:timing>
 </p:sld>
 </file>
 
@@ -9434,6 +9725,13 @@
   <p:clrMapOvr>
     <a:masterClrMapping/>
   </p:clrMapOvr>
+  <p:timing>
+    <p:tnLst>
+      <p:par>
+        <p:cTn id="1" dur="indefinite" restart="never" nodeType="tmRoot"/>
+      </p:par>
+    </p:tnLst>
+  </p:timing>
 </p:sld>
 </file>
 
@@ -9651,6 +9949,13 @@
   <p:clrMapOvr>
     <a:masterClrMapping/>
   </p:clrMapOvr>
+  <p:timing>
+    <p:tnLst>
+      <p:par>
+        <p:cTn id="1" dur="indefinite" restart="never" nodeType="tmRoot"/>
+      </p:par>
+    </p:tnLst>
+  </p:timing>
 </p:sld>
 </file>
 
@@ -9868,6 +10173,13 @@
   <p:clrMapOvr>
     <a:masterClrMapping/>
   </p:clrMapOvr>
+  <p:timing>
+    <p:tnLst>
+      <p:par>
+        <p:cTn id="1" dur="indefinite" restart="never" nodeType="tmRoot"/>
+      </p:par>
+    </p:tnLst>
+  </p:timing>
 </p:sld>
 </file>
 
@@ -10076,6 +10388,13 @@
   <p:clrMapOvr>
     <a:masterClrMapping/>
   </p:clrMapOvr>
+  <p:timing>
+    <p:tnLst>
+      <p:par>
+        <p:cTn id="1" dur="indefinite" restart="never" nodeType="tmRoot"/>
+      </p:par>
+    </p:tnLst>
+  </p:timing>
 </p:sld>
 </file>
 
@@ -10284,6 +10603,13 @@
   <p:clrMapOvr>
     <a:masterClrMapping/>
   </p:clrMapOvr>
+  <p:timing>
+    <p:tnLst>
+      <p:par>
+        <p:cTn id="1" dur="indefinite" restart="never" nodeType="tmRoot"/>
+      </p:par>
+    </p:tnLst>
+  </p:timing>
 </p:sld>
 </file>
 
@@ -10406,6 +10732,13 @@
   <p:clrMapOvr>
     <a:masterClrMapping/>
   </p:clrMapOvr>
+  <p:timing>
+    <p:tnLst>
+      <p:par>
+        <p:cTn id="1" dur="indefinite" restart="never" nodeType="tmRoot"/>
+      </p:par>
+    </p:tnLst>
+  </p:timing>
 </p:sld>
 </file>
 
@@ -10615,6 +10948,13 @@
   <p:clrMapOvr>
     <a:masterClrMapping/>
   </p:clrMapOvr>
+  <p:timing>
+    <p:tnLst>
+      <p:par>
+        <p:cTn id="1" dur="indefinite" restart="never" nodeType="tmRoot"/>
+      </p:par>
+    </p:tnLst>
+  </p:timing>
 </p:sld>
 </file>
 
@@ -10808,6 +11148,13 @@
   <p:clrMapOvr>
     <a:masterClrMapping/>
   </p:clrMapOvr>
+  <p:timing>
+    <p:tnLst>
+      <p:par>
+        <p:cTn id="1" dur="indefinite" restart="never" nodeType="tmRoot"/>
+      </p:par>
+    </p:tnLst>
+  </p:timing>
 </p:sld>
 </file>
 
@@ -11021,6 +11368,13 @@
   <p:clrMapOvr>
     <a:masterClrMapping/>
   </p:clrMapOvr>
+  <p:timing>
+    <p:tnLst>
+      <p:par>
+        <p:cTn id="1" dur="indefinite" restart="never" nodeType="tmRoot"/>
+      </p:par>
+    </p:tnLst>
+  </p:timing>
 </p:sld>
 </file>
 
@@ -11197,6 +11551,13 @@
   <p:clrMapOvr>
     <a:masterClrMapping/>
   </p:clrMapOvr>
+  <p:timing>
+    <p:tnLst>
+      <p:par>
+        <p:cTn id="1" dur="indefinite" restart="never" nodeType="tmRoot"/>
+      </p:par>
+    </p:tnLst>
+  </p:timing>
 </p:sld>
 </file>
 
@@ -11400,6 +11761,13 @@
   <p:clrMapOvr>
     <a:masterClrMapping/>
   </p:clrMapOvr>
+  <p:timing>
+    <p:tnLst>
+      <p:par>
+        <p:cTn id="1" dur="indefinite" restart="never" nodeType="tmRoot"/>
+      </p:par>
+    </p:tnLst>
+  </p:timing>
 </p:sld>
 </file>
 
@@ -11595,6 +11963,13 @@
   <p:clrMapOvr>
     <a:masterClrMapping/>
   </p:clrMapOvr>
+  <p:timing>
+    <p:tnLst>
+      <p:par>
+        <p:cTn id="1" dur="indefinite" restart="never" nodeType="tmRoot"/>
+      </p:par>
+    </p:tnLst>
+  </p:timing>
 </p:sld>
 </file>
 
@@ -11796,6 +12171,13 @@
   <p:clrMapOvr>
     <a:masterClrMapping/>
   </p:clrMapOvr>
+  <p:timing>
+    <p:tnLst>
+      <p:par>
+        <p:cTn id="1" dur="indefinite" restart="never" nodeType="tmRoot"/>
+      </p:par>
+    </p:tnLst>
+  </p:timing>
 </p:sld>
 </file>
 
@@ -11983,6 +12365,13 @@
   <p:clrMapOvr>
     <a:masterClrMapping/>
   </p:clrMapOvr>
+  <p:timing>
+    <p:tnLst>
+      <p:par>
+        <p:cTn id="1" dur="indefinite" restart="never" nodeType="tmRoot"/>
+      </p:par>
+    </p:tnLst>
+  </p:timing>
 </p:sld>
 </file>
 
@@ -12137,6 +12526,13 @@
   <p:clrMapOvr>
     <a:masterClrMapping/>
   </p:clrMapOvr>
+  <p:timing>
+    <p:tnLst>
+      <p:par>
+        <p:cTn id="1" dur="indefinite" restart="never" nodeType="tmRoot"/>
+      </p:par>
+    </p:tnLst>
+  </p:timing>
 </p:sld>
 </file>
 
@@ -12297,6 +12693,13 @@
   <p:clrMapOvr>
     <a:masterClrMapping/>
   </p:clrMapOvr>
+  <p:timing>
+    <p:tnLst>
+      <p:par>
+        <p:cTn id="1" dur="indefinite" restart="never" nodeType="tmRoot"/>
+      </p:par>
+    </p:tnLst>
+  </p:timing>
 </p:sld>
 </file>
 
@@ -12602,6 +13005,13 @@
   <p:clrMapOvr>
     <a:masterClrMapping/>
   </p:clrMapOvr>
+  <p:timing>
+    <p:tnLst>
+      <p:par>
+        <p:cTn id="1" dur="indefinite" restart="never" nodeType="tmRoot"/>
+      </p:par>
+    </p:tnLst>
+  </p:timing>
 </p:sld>
 </file>
 
@@ -12657,6 +13067,142 @@
           </a:p>
         </p:txBody>
       </p:sp>
+      <p:sp>
+        <p:nvSpPr>
+          <p:cNvPr id="3" name="TextBox 2"/>
+          <p:cNvSpPr txBox="1"/>
+          <p:nvPr/>
+        </p:nvSpPr>
+        <p:spPr>
+          <a:xfrm>
+            <a:off x="1698171" y="1045029"/>
+            <a:ext cx="8500188" cy="707886"/>
+          </a:xfrm>
+          <a:prstGeom prst="rect">
+            <a:avLst/>
+          </a:prstGeom>
+          <a:noFill/>
+          <a:ln>
+            <a:solidFill>
+              <a:schemeClr val="tx1"/>
+            </a:solidFill>
+          </a:ln>
+        </p:spPr>
+        <p:txBody>
+          <a:bodyPr wrap="square" rtlCol="0">
+            <a:spAutoFit/>
+          </a:bodyPr>
+          <a:lstStyle/>
+          <a:p>
+            <a:r>
+              <a:rPr lang="en-IN" sz="2000" dirty="0" smtClean="0">
+                <a:latin typeface="Arial Black" panose="020B0A04020102020204" pitchFamily="34" charset="0"/>
+              </a:rPr>
+              <a:t>JOINS: </a:t>
+            </a:r>
+            <a:r>
+              <a:rPr lang="en-IN" sz="2000" dirty="0" smtClean="0"/>
+              <a:t>It is used to combine rows from two or more tables based on a related column between them.</a:t>
+            </a:r>
+            <a:endParaRPr lang="en-IN" sz="2000" dirty="0"/>
+          </a:p>
+        </p:txBody>
+      </p:sp>
+      <p:sp>
+        <p:nvSpPr>
+          <p:cNvPr id="4" name="TextBox 3"/>
+          <p:cNvSpPr txBox="1"/>
+          <p:nvPr/>
+        </p:nvSpPr>
+        <p:spPr>
+          <a:xfrm>
+            <a:off x="1698171" y="2133792"/>
+            <a:ext cx="8500188" cy="707886"/>
+          </a:xfrm>
+          <a:prstGeom prst="rect">
+            <a:avLst/>
+          </a:prstGeom>
+          <a:noFill/>
+          <a:ln>
+            <a:solidFill>
+              <a:schemeClr val="tx1"/>
+            </a:solidFill>
+          </a:ln>
+        </p:spPr>
+        <p:txBody>
+          <a:bodyPr wrap="square" rtlCol="0">
+            <a:spAutoFit/>
+          </a:bodyPr>
+          <a:lstStyle/>
+          <a:p>
+            <a:r>
+              <a:rPr lang="en-IN" sz="2000" dirty="0" smtClean="0">
+                <a:latin typeface="Arial Black" panose="020B0A04020102020204" pitchFamily="34" charset="0"/>
+              </a:rPr>
+              <a:t>CROSS JOIN:</a:t>
+            </a:r>
+            <a:r>
+              <a:rPr lang="en-IN" sz="2000" dirty="0" smtClean="0"/>
+              <a:t> It is a Cartesian product of two tables, resulting in every possible combination of rows.</a:t>
+            </a:r>
+            <a:endParaRPr lang="en-IN" sz="2000" dirty="0"/>
+          </a:p>
+        </p:txBody>
+      </p:sp>
+      <p:pic>
+        <p:nvPicPr>
+          <p:cNvPr id="5" name="Picture 4"/>
+          <p:cNvPicPr>
+            <a:picLocks noChangeAspect="1"/>
+          </p:cNvPicPr>
+          <p:nvPr/>
+        </p:nvPicPr>
+        <p:blipFill>
+          <a:blip r:embed="rId2"/>
+          <a:stretch>
+            <a:fillRect/>
+          </a:stretch>
+        </p:blipFill>
+        <p:spPr>
+          <a:xfrm>
+            <a:off x="1698171" y="4422018"/>
+            <a:ext cx="7734970" cy="1615580"/>
+          </a:xfrm>
+          <a:prstGeom prst="rect">
+            <a:avLst/>
+          </a:prstGeom>
+        </p:spPr>
+      </p:pic>
+      <p:pic>
+        <p:nvPicPr>
+          <p:cNvPr id="6" name="Picture 5"/>
+          <p:cNvPicPr>
+            <a:picLocks noChangeAspect="1"/>
+          </p:cNvPicPr>
+          <p:nvPr/>
+        </p:nvPicPr>
+        <p:blipFill>
+          <a:blip r:embed="rId3">
+            <a:extLst>
+              <a:ext uri="{28A0092B-C50C-407E-A947-70E740481C1C}">
+                <a14:useLocalDpi xmlns:a14="http://schemas.microsoft.com/office/drawing/2010/main" val="0"/>
+              </a:ext>
+            </a:extLst>
+          </a:blip>
+          <a:stretch>
+            <a:fillRect/>
+          </a:stretch>
+        </p:blipFill>
+        <p:spPr>
+          <a:xfrm>
+            <a:off x="1698171" y="3222555"/>
+            <a:ext cx="4683968" cy="867766"/>
+          </a:xfrm>
+          <a:prstGeom prst="rect">
+            <a:avLst/>
+          </a:prstGeom>
+        </p:spPr>
+      </p:pic>
     </p:spTree>
     <p:extLst>
       <p:ext uri="{BB962C8B-B14F-4D97-AF65-F5344CB8AC3E}">
@@ -12667,6 +13213,13 @@
   <p:clrMapOvr>
     <a:masterClrMapping/>
   </p:clrMapOvr>
+  <p:timing>
+    <p:tnLst>
+      <p:par>
+        <p:cTn id="1" dur="indefinite" restart="never" nodeType="tmRoot"/>
+      </p:par>
+    </p:tnLst>
+  </p:timing>
 </p:sld>
 </file>
 
@@ -12722,6 +13275,140 @@
           </a:p>
         </p:txBody>
       </p:sp>
+      <p:sp>
+        <p:nvSpPr>
+          <p:cNvPr id="3" name="TextBox 2"/>
+          <p:cNvSpPr txBox="1"/>
+          <p:nvPr/>
+        </p:nvSpPr>
+        <p:spPr>
+          <a:xfrm>
+            <a:off x="1772816" y="1045029"/>
+            <a:ext cx="8341568" cy="707886"/>
+          </a:xfrm>
+          <a:prstGeom prst="rect">
+            <a:avLst/>
+          </a:prstGeom>
+          <a:noFill/>
+          <a:ln>
+            <a:solidFill>
+              <a:schemeClr val="tx1"/>
+            </a:solidFill>
+          </a:ln>
+        </p:spPr>
+        <p:txBody>
+          <a:bodyPr wrap="square" rtlCol="0">
+            <a:spAutoFit/>
+          </a:bodyPr>
+          <a:lstStyle/>
+          <a:p>
+            <a:r>
+              <a:rPr lang="en-IN" sz="2000" dirty="0" smtClean="0">
+                <a:latin typeface="Arial Black" panose="020B0A04020102020204" pitchFamily="34" charset="0"/>
+              </a:rPr>
+              <a:t>INNER JOIN: </a:t>
+            </a:r>
+            <a:r>
+              <a:rPr lang="en-IN" sz="2000" dirty="0" smtClean="0"/>
+              <a:t>It is used to return rows from both tables where there is a match based on specific join condition.</a:t>
+            </a:r>
+            <a:endParaRPr lang="en-IN" sz="2000" dirty="0"/>
+          </a:p>
+        </p:txBody>
+      </p:sp>
+      <p:sp>
+        <p:nvSpPr>
+          <p:cNvPr id="4" name="TextBox 3"/>
+          <p:cNvSpPr txBox="1"/>
+          <p:nvPr/>
+        </p:nvSpPr>
+        <p:spPr>
+          <a:xfrm>
+            <a:off x="1772816" y="2034074"/>
+            <a:ext cx="8341568" cy="707886"/>
+          </a:xfrm>
+          <a:prstGeom prst="rect">
+            <a:avLst/>
+          </a:prstGeom>
+          <a:noFill/>
+          <a:ln>
+            <a:solidFill>
+              <a:schemeClr val="tx1"/>
+            </a:solidFill>
+          </a:ln>
+        </p:spPr>
+        <p:txBody>
+          <a:bodyPr wrap="square" rtlCol="0">
+            <a:spAutoFit/>
+          </a:bodyPr>
+          <a:lstStyle/>
+          <a:p>
+            <a:r>
+              <a:rPr lang="en-US" sz="2000" dirty="0" smtClean="0">
+                <a:latin typeface="Arial Black" panose="020B0A04020102020204" pitchFamily="34" charset="0"/>
+              </a:rPr>
+              <a:t>EQUI JOIN:</a:t>
+            </a:r>
+            <a:r>
+              <a:rPr lang="en-US" sz="2000" dirty="0" smtClean="0"/>
+              <a:t> This </a:t>
+            </a:r>
+            <a:r>
+              <a:rPr lang="en-US" sz="2000" dirty="0"/>
+              <a:t>join condition typically uses the equality operator (=) to compare values in the specified columns. </a:t>
+            </a:r>
+            <a:endParaRPr lang="en-IN" sz="2000" dirty="0"/>
+          </a:p>
+        </p:txBody>
+      </p:sp>
+      <p:pic>
+        <p:nvPicPr>
+          <p:cNvPr id="5" name="Picture 4"/>
+          <p:cNvPicPr>
+            <a:picLocks noChangeAspect="1"/>
+          </p:cNvPicPr>
+          <p:nvPr/>
+        </p:nvPicPr>
+        <p:blipFill>
+          <a:blip r:embed="rId2"/>
+          <a:stretch>
+            <a:fillRect/>
+          </a:stretch>
+        </p:blipFill>
+        <p:spPr>
+          <a:xfrm>
+            <a:off x="1772816" y="3227643"/>
+            <a:ext cx="4357396" cy="1258591"/>
+          </a:xfrm>
+          <a:prstGeom prst="rect">
+            <a:avLst/>
+          </a:prstGeom>
+        </p:spPr>
+      </p:pic>
+      <p:pic>
+        <p:nvPicPr>
+          <p:cNvPr id="6" name="Picture 5"/>
+          <p:cNvPicPr>
+            <a:picLocks noChangeAspect="1"/>
+          </p:cNvPicPr>
+          <p:nvPr/>
+        </p:nvPicPr>
+        <p:blipFill>
+          <a:blip r:embed="rId3"/>
+          <a:stretch>
+            <a:fillRect/>
+          </a:stretch>
+        </p:blipFill>
+        <p:spPr>
+          <a:xfrm>
+            <a:off x="1772816" y="4819370"/>
+            <a:ext cx="9306373" cy="1245528"/>
+          </a:xfrm>
+          <a:prstGeom prst="rect">
+            <a:avLst/>
+          </a:prstGeom>
+        </p:spPr>
+      </p:pic>
     </p:spTree>
     <p:extLst>
       <p:ext uri="{BB962C8B-B14F-4D97-AF65-F5344CB8AC3E}">
@@ -12732,6 +13419,13 @@
   <p:clrMapOvr>
     <a:masterClrMapping/>
   </p:clrMapOvr>
+  <p:timing>
+    <p:tnLst>
+      <p:par>
+        <p:cTn id="1" dur="indefinite" restart="never" nodeType="tmRoot"/>
+      </p:par>
+    </p:tnLst>
+  </p:timing>
 </p:sld>
 </file>
 
@@ -12787,6 +13481,116 @@
           </a:p>
         </p:txBody>
       </p:sp>
+      <p:sp>
+        <p:nvSpPr>
+          <p:cNvPr id="3" name="TextBox 2"/>
+          <p:cNvSpPr txBox="1"/>
+          <p:nvPr/>
+        </p:nvSpPr>
+        <p:spPr>
+          <a:xfrm>
+            <a:off x="1660849" y="1250302"/>
+            <a:ext cx="9088016" cy="1323439"/>
+          </a:xfrm>
+          <a:prstGeom prst="rect">
+            <a:avLst/>
+          </a:prstGeom>
+          <a:noFill/>
+          <a:ln>
+            <a:solidFill>
+              <a:schemeClr val="tx1"/>
+            </a:solidFill>
+          </a:ln>
+        </p:spPr>
+        <p:txBody>
+          <a:bodyPr wrap="square" rtlCol="0">
+            <a:spAutoFit/>
+          </a:bodyPr>
+          <a:lstStyle/>
+          <a:p>
+            <a:r>
+              <a:rPr lang="en-IN" sz="2000" dirty="0" smtClean="0">
+                <a:latin typeface="Arial Black" panose="020B0A04020102020204" pitchFamily="34" charset="0"/>
+              </a:rPr>
+              <a:t>NON-EQUI JOIN: </a:t>
+            </a:r>
+            <a:r>
+              <a:rPr lang="en-US" sz="2000" dirty="0"/>
+              <a:t>A non-</a:t>
+            </a:r>
+            <a:r>
+              <a:rPr lang="en-US" sz="2000" dirty="0" err="1"/>
+              <a:t>equi</a:t>
+            </a:r>
+            <a:r>
+              <a:rPr lang="en-US" sz="2000" dirty="0"/>
+              <a:t> join is a type of join in SQL where the join condition involves a comparison other than equality between the columns of the joined tables</a:t>
+            </a:r>
+            <a:r>
+              <a:rPr lang="en-US" sz="2000" dirty="0" smtClean="0"/>
+              <a:t>.</a:t>
+            </a:r>
+          </a:p>
+          <a:p>
+            <a:endParaRPr lang="en-US" sz="2000" dirty="0"/>
+          </a:p>
+          <a:p>
+            <a:r>
+              <a:rPr lang="en-US" sz="2000" dirty="0" smtClean="0"/>
+              <a:t>In this we have to use (!=) operator to find out all the values which is not in </a:t>
+            </a:r>
+            <a:endParaRPr lang="en-IN" sz="2000" dirty="0"/>
+          </a:p>
+        </p:txBody>
+      </p:sp>
+      <p:pic>
+        <p:nvPicPr>
+          <p:cNvPr id="4" name="Picture 3"/>
+          <p:cNvPicPr>
+            <a:picLocks noChangeAspect="1"/>
+          </p:cNvPicPr>
+          <p:nvPr/>
+        </p:nvPicPr>
+        <p:blipFill>
+          <a:blip r:embed="rId2"/>
+          <a:stretch>
+            <a:fillRect/>
+          </a:stretch>
+        </p:blipFill>
+        <p:spPr>
+          <a:xfrm>
+            <a:off x="1660849" y="2922468"/>
+            <a:ext cx="4264090" cy="1144287"/>
+          </a:xfrm>
+          <a:prstGeom prst="rect">
+            <a:avLst/>
+          </a:prstGeom>
+        </p:spPr>
+      </p:pic>
+      <p:pic>
+        <p:nvPicPr>
+          <p:cNvPr id="5" name="Picture 4"/>
+          <p:cNvPicPr>
+            <a:picLocks noChangeAspect="1"/>
+          </p:cNvPicPr>
+          <p:nvPr/>
+        </p:nvPicPr>
+        <p:blipFill>
+          <a:blip r:embed="rId3"/>
+          <a:stretch>
+            <a:fillRect/>
+          </a:stretch>
+        </p:blipFill>
+        <p:spPr>
+          <a:xfrm>
+            <a:off x="1660849" y="4326369"/>
+            <a:ext cx="6264183" cy="1844200"/>
+          </a:xfrm>
+          <a:prstGeom prst="rect">
+            <a:avLst/>
+          </a:prstGeom>
+        </p:spPr>
+      </p:pic>
     </p:spTree>
     <p:extLst>
       <p:ext uri="{BB962C8B-B14F-4D97-AF65-F5344CB8AC3E}">
@@ -12797,6 +13601,13 @@
   <p:clrMapOvr>
     <a:masterClrMapping/>
   </p:clrMapOvr>
+  <p:timing>
+    <p:tnLst>
+      <p:par>
+        <p:cTn id="1" dur="indefinite" restart="never" nodeType="tmRoot"/>
+      </p:par>
+    </p:tnLst>
+  </p:timing>
 </p:sld>
 </file>
 
@@ -12852,6 +13663,95 @@
           </a:p>
         </p:txBody>
       </p:sp>
+      <p:sp>
+        <p:nvSpPr>
+          <p:cNvPr id="3" name="TextBox 2"/>
+          <p:cNvSpPr txBox="1"/>
+          <p:nvPr/>
+        </p:nvSpPr>
+        <p:spPr>
+          <a:xfrm>
+            <a:off x="1838131" y="1073020"/>
+            <a:ext cx="8761445" cy="707886"/>
+          </a:xfrm>
+          <a:prstGeom prst="rect">
+            <a:avLst/>
+          </a:prstGeom>
+          <a:noFill/>
+          <a:ln>
+            <a:solidFill>
+              <a:schemeClr val="tx1"/>
+            </a:solidFill>
+          </a:ln>
+        </p:spPr>
+        <p:txBody>
+          <a:bodyPr wrap="square" rtlCol="0">
+            <a:spAutoFit/>
+          </a:bodyPr>
+          <a:lstStyle/>
+          <a:p>
+            <a:r>
+              <a:rPr lang="en-IN" sz="2000" dirty="0" smtClean="0">
+                <a:latin typeface="Arial Black" panose="020B0A04020102020204" pitchFamily="34" charset="0"/>
+              </a:rPr>
+              <a:t>NATURAL JOIN:</a:t>
+            </a:r>
+            <a:r>
+              <a:rPr lang="en-IN" sz="2000" dirty="0" smtClean="0"/>
+              <a:t> It automatically joins the tables based on columns with the same name and data type.</a:t>
+            </a:r>
+            <a:endParaRPr lang="en-IN" sz="2000" dirty="0"/>
+          </a:p>
+        </p:txBody>
+      </p:sp>
+      <p:pic>
+        <p:nvPicPr>
+          <p:cNvPr id="4" name="Picture 3"/>
+          <p:cNvPicPr>
+            <a:picLocks noChangeAspect="1"/>
+          </p:cNvPicPr>
+          <p:nvPr/>
+        </p:nvPicPr>
+        <p:blipFill>
+          <a:blip r:embed="rId2"/>
+          <a:stretch>
+            <a:fillRect/>
+          </a:stretch>
+        </p:blipFill>
+        <p:spPr>
+          <a:xfrm>
+            <a:off x="1838131" y="3012206"/>
+            <a:ext cx="5047861" cy="862882"/>
+          </a:xfrm>
+          <a:prstGeom prst="rect">
+            <a:avLst/>
+          </a:prstGeom>
+        </p:spPr>
+      </p:pic>
+      <p:pic>
+        <p:nvPicPr>
+          <p:cNvPr id="5" name="Picture 4"/>
+          <p:cNvPicPr>
+            <a:picLocks noChangeAspect="1"/>
+          </p:cNvPicPr>
+          <p:nvPr/>
+        </p:nvPicPr>
+        <p:blipFill>
+          <a:blip r:embed="rId3"/>
+          <a:stretch>
+            <a:fillRect/>
+          </a:stretch>
+        </p:blipFill>
+        <p:spPr>
+          <a:xfrm>
+            <a:off x="1838131" y="4540527"/>
+            <a:ext cx="6410130" cy="1510285"/>
+          </a:xfrm>
+          <a:prstGeom prst="rect">
+            <a:avLst/>
+          </a:prstGeom>
+        </p:spPr>
+      </p:pic>
     </p:spTree>
     <p:extLst>
       <p:ext uri="{BB962C8B-B14F-4D97-AF65-F5344CB8AC3E}">
@@ -12862,6 +13762,13 @@
   <p:clrMapOvr>
     <a:masterClrMapping/>
   </p:clrMapOvr>
+  <p:timing>
+    <p:tnLst>
+      <p:par>
+        <p:cTn id="1" dur="indefinite" restart="never" nodeType="tmRoot"/>
+      </p:par>
+    </p:tnLst>
+  </p:timing>
 </p:sld>
 </file>
 
@@ -12917,6 +13824,104 @@
           </a:p>
         </p:txBody>
       </p:sp>
+      <p:sp>
+        <p:nvSpPr>
+          <p:cNvPr id="3" name="TextBox 2"/>
+          <p:cNvSpPr txBox="1"/>
+          <p:nvPr/>
+        </p:nvSpPr>
+        <p:spPr>
+          <a:xfrm>
+            <a:off x="1660849" y="1156996"/>
+            <a:ext cx="8630816" cy="1323439"/>
+          </a:xfrm>
+          <a:prstGeom prst="rect">
+            <a:avLst/>
+          </a:prstGeom>
+          <a:noFill/>
+          <a:ln>
+            <a:solidFill>
+              <a:schemeClr val="tx1"/>
+            </a:solidFill>
+          </a:ln>
+        </p:spPr>
+        <p:txBody>
+          <a:bodyPr wrap="square" rtlCol="0">
+            <a:spAutoFit/>
+          </a:bodyPr>
+          <a:lstStyle/>
+          <a:p>
+            <a:r>
+              <a:rPr lang="en-IN" sz="2000" dirty="0" smtClean="0">
+                <a:latin typeface="Arial Black" panose="020B0A04020102020204" pitchFamily="34" charset="0"/>
+              </a:rPr>
+              <a:t>LEFT OUTER JOIN: </a:t>
+            </a:r>
+            <a:r>
+              <a:rPr lang="en-IN" sz="2000" dirty="0" smtClean="0"/>
+              <a:t>It returns all rows from the left table which is table1 and matches rows from the right table which is table2.</a:t>
+            </a:r>
+          </a:p>
+          <a:p>
+            <a:endParaRPr lang="en-IN" sz="2000" dirty="0"/>
+          </a:p>
+          <a:p>
+            <a:r>
+              <a:rPr lang="en-IN" sz="2000" dirty="0" smtClean="0"/>
+              <a:t>Using left join on bills and patients table.</a:t>
+            </a:r>
+            <a:endParaRPr lang="en-IN" sz="2000" dirty="0"/>
+          </a:p>
+        </p:txBody>
+      </p:sp>
+      <p:pic>
+        <p:nvPicPr>
+          <p:cNvPr id="4" name="Picture 3"/>
+          <p:cNvPicPr>
+            <a:picLocks noChangeAspect="1"/>
+          </p:cNvPicPr>
+          <p:nvPr/>
+        </p:nvPicPr>
+        <p:blipFill>
+          <a:blip r:embed="rId2"/>
+          <a:stretch>
+            <a:fillRect/>
+          </a:stretch>
+        </p:blipFill>
+        <p:spPr>
+          <a:xfrm>
+            <a:off x="1660849" y="2944940"/>
+            <a:ext cx="5859624" cy="936469"/>
+          </a:xfrm>
+          <a:prstGeom prst="rect">
+            <a:avLst/>
+          </a:prstGeom>
+        </p:spPr>
+      </p:pic>
+      <p:pic>
+        <p:nvPicPr>
+          <p:cNvPr id="5" name="Picture 4"/>
+          <p:cNvPicPr>
+            <a:picLocks noChangeAspect="1"/>
+          </p:cNvPicPr>
+          <p:nvPr/>
+        </p:nvPicPr>
+        <p:blipFill>
+          <a:blip r:embed="rId3"/>
+          <a:stretch>
+            <a:fillRect/>
+          </a:stretch>
+        </p:blipFill>
+        <p:spPr>
+          <a:xfrm>
+            <a:off x="1660849" y="4518299"/>
+            <a:ext cx="4282751" cy="1470052"/>
+          </a:xfrm>
+          <a:prstGeom prst="rect">
+            <a:avLst/>
+          </a:prstGeom>
+        </p:spPr>
+      </p:pic>
     </p:spTree>
     <p:extLst>
       <p:ext uri="{BB962C8B-B14F-4D97-AF65-F5344CB8AC3E}">
@@ -12927,6 +13932,13 @@
   <p:clrMapOvr>
     <a:masterClrMapping/>
   </p:clrMapOvr>
+  <p:timing>
+    <p:tnLst>
+      <p:par>
+        <p:cTn id="1" dur="indefinite" restart="never" nodeType="tmRoot"/>
+      </p:par>
+    </p:tnLst>
+  </p:timing>
 </p:sld>
 </file>
 
@@ -12982,6 +13994,104 @@
           </a:p>
         </p:txBody>
       </p:sp>
+      <p:sp>
+        <p:nvSpPr>
+          <p:cNvPr id="3" name="TextBox 2"/>
+          <p:cNvSpPr txBox="1"/>
+          <p:nvPr/>
+        </p:nvSpPr>
+        <p:spPr>
+          <a:xfrm>
+            <a:off x="1782147" y="1073020"/>
+            <a:ext cx="8304245" cy="1323439"/>
+          </a:xfrm>
+          <a:prstGeom prst="rect">
+            <a:avLst/>
+          </a:prstGeom>
+          <a:noFill/>
+          <a:ln>
+            <a:solidFill>
+              <a:schemeClr val="tx1"/>
+            </a:solidFill>
+          </a:ln>
+        </p:spPr>
+        <p:txBody>
+          <a:bodyPr wrap="square" rtlCol="0">
+            <a:spAutoFit/>
+          </a:bodyPr>
+          <a:lstStyle/>
+          <a:p>
+            <a:r>
+              <a:rPr lang="en-IN" sz="2000" dirty="0" smtClean="0">
+                <a:latin typeface="Arial Black" panose="020B0A04020102020204" pitchFamily="34" charset="0"/>
+              </a:rPr>
+              <a:t>RIGHT OUTER JOIN: </a:t>
+            </a:r>
+            <a:r>
+              <a:rPr lang="en-IN" sz="2000" dirty="0" smtClean="0"/>
+              <a:t>It returns all rows from the right table which is table2 and matches rows from the left table which is table1.</a:t>
+            </a:r>
+          </a:p>
+          <a:p>
+            <a:endParaRPr lang="en-IN" sz="2000" dirty="0"/>
+          </a:p>
+          <a:p>
+            <a:r>
+              <a:rPr lang="en-IN" sz="2000" dirty="0" smtClean="0"/>
+              <a:t>Using the right join on dr_name and departments table</a:t>
+            </a:r>
+            <a:endParaRPr lang="en-IN" sz="2000" dirty="0"/>
+          </a:p>
+        </p:txBody>
+      </p:sp>
+      <p:pic>
+        <p:nvPicPr>
+          <p:cNvPr id="4" name="Picture 3"/>
+          <p:cNvPicPr>
+            <a:picLocks noChangeAspect="1"/>
+          </p:cNvPicPr>
+          <p:nvPr/>
+        </p:nvPicPr>
+        <p:blipFill>
+          <a:blip r:embed="rId2"/>
+          <a:stretch>
+            <a:fillRect/>
+          </a:stretch>
+        </p:blipFill>
+        <p:spPr>
+          <a:xfrm>
+            <a:off x="1782146" y="3272682"/>
+            <a:ext cx="5765222" cy="879440"/>
+          </a:xfrm>
+          <a:prstGeom prst="rect">
+            <a:avLst/>
+          </a:prstGeom>
+        </p:spPr>
+      </p:pic>
+      <p:pic>
+        <p:nvPicPr>
+          <p:cNvPr id="5" name="Picture 4"/>
+          <p:cNvPicPr>
+            <a:picLocks noChangeAspect="1"/>
+          </p:cNvPicPr>
+          <p:nvPr/>
+        </p:nvPicPr>
+        <p:blipFill>
+          <a:blip r:embed="rId3"/>
+          <a:stretch>
+            <a:fillRect/>
+          </a:stretch>
+        </p:blipFill>
+        <p:spPr>
+          <a:xfrm>
+            <a:off x="1782146" y="4630024"/>
+            <a:ext cx="4432041" cy="1932195"/>
+          </a:xfrm>
+          <a:prstGeom prst="rect">
+            <a:avLst/>
+          </a:prstGeom>
+        </p:spPr>
+      </p:pic>
     </p:spTree>
     <p:extLst>
       <p:ext uri="{BB962C8B-B14F-4D97-AF65-F5344CB8AC3E}">
@@ -12992,6 +14102,13 @@
   <p:clrMapOvr>
     <a:masterClrMapping/>
   </p:clrMapOvr>
+  <p:timing>
+    <p:tnLst>
+      <p:par>
+        <p:cTn id="1" dur="indefinite" restart="never" nodeType="tmRoot"/>
+      </p:par>
+    </p:tnLst>
+  </p:timing>
 </p:sld>
 </file>
 
@@ -13047,6 +14164,111 @@
           </a:p>
         </p:txBody>
       </p:sp>
+      <p:sp>
+        <p:nvSpPr>
+          <p:cNvPr id="3" name="TextBox 2"/>
+          <p:cNvSpPr txBox="1"/>
+          <p:nvPr/>
+        </p:nvSpPr>
+        <p:spPr>
+          <a:xfrm>
+            <a:off x="1679510" y="1026367"/>
+            <a:ext cx="8453535" cy="1015663"/>
+          </a:xfrm>
+          <a:prstGeom prst="rect">
+            <a:avLst/>
+          </a:prstGeom>
+          <a:noFill/>
+          <a:ln>
+            <a:solidFill>
+              <a:schemeClr val="tx1"/>
+            </a:solidFill>
+          </a:ln>
+        </p:spPr>
+        <p:txBody>
+          <a:bodyPr wrap="square" rtlCol="0">
+            <a:spAutoFit/>
+          </a:bodyPr>
+          <a:lstStyle/>
+          <a:p>
+            <a:r>
+              <a:rPr lang="en-IN" sz="2000" dirty="0" smtClean="0">
+                <a:latin typeface="Arial Black" panose="020B0A04020102020204" pitchFamily="34" charset="0"/>
+              </a:rPr>
+              <a:t>FULL OUTER JOIN: </a:t>
+            </a:r>
+            <a:r>
+              <a:rPr lang="en-IN" sz="2000" dirty="0" smtClean="0"/>
+              <a:t>It </a:t>
+            </a:r>
+            <a:r>
+              <a:rPr lang="en-US" sz="2000" dirty="0"/>
+              <a:t>r</a:t>
+            </a:r>
+            <a:r>
+              <a:rPr lang="en-US" sz="2000" dirty="0" smtClean="0"/>
+              <a:t>eturns </a:t>
+            </a:r>
+            <a:r>
+              <a:rPr lang="en-US" sz="2000" dirty="0"/>
+              <a:t>all rows from both tables, combining the results of both LEFT and RIGHT joins. If there is no match, NULL values are returned</a:t>
+            </a:r>
+            <a:r>
+              <a:rPr lang="en-IN" sz="2000" dirty="0" smtClean="0"/>
+              <a:t> </a:t>
+            </a:r>
+            <a:endParaRPr lang="en-IN" sz="2000" dirty="0"/>
+          </a:p>
+        </p:txBody>
+      </p:sp>
+      <p:pic>
+        <p:nvPicPr>
+          <p:cNvPr id="4" name="Picture 3"/>
+          <p:cNvPicPr>
+            <a:picLocks noChangeAspect="1"/>
+          </p:cNvPicPr>
+          <p:nvPr/>
+        </p:nvPicPr>
+        <p:blipFill>
+          <a:blip r:embed="rId2"/>
+          <a:stretch>
+            <a:fillRect/>
+          </a:stretch>
+        </p:blipFill>
+        <p:spPr>
+          <a:xfrm>
+            <a:off x="1679510" y="2517401"/>
+            <a:ext cx="7102455" cy="1729890"/>
+          </a:xfrm>
+          <a:prstGeom prst="rect">
+            <a:avLst/>
+          </a:prstGeom>
+        </p:spPr>
+      </p:pic>
+      <p:pic>
+        <p:nvPicPr>
+          <p:cNvPr id="5" name="Picture 4"/>
+          <p:cNvPicPr>
+            <a:picLocks noChangeAspect="1"/>
+          </p:cNvPicPr>
+          <p:nvPr/>
+        </p:nvPicPr>
+        <p:blipFill>
+          <a:blip r:embed="rId3"/>
+          <a:stretch>
+            <a:fillRect/>
+          </a:stretch>
+        </p:blipFill>
+        <p:spPr>
+          <a:xfrm>
+            <a:off x="1679510" y="4525045"/>
+            <a:ext cx="5715495" cy="1577477"/>
+          </a:xfrm>
+          <a:prstGeom prst="rect">
+            <a:avLst/>
+          </a:prstGeom>
+        </p:spPr>
+      </p:pic>
     </p:spTree>
     <p:extLst>
       <p:ext uri="{BB962C8B-B14F-4D97-AF65-F5344CB8AC3E}">
@@ -13057,6 +14279,13 @@
   <p:clrMapOvr>
     <a:masterClrMapping/>
   </p:clrMapOvr>
+  <p:timing>
+    <p:tnLst>
+      <p:par>
+        <p:cTn id="1" dur="indefinite" restart="never" nodeType="tmRoot"/>
+      </p:par>
+    </p:tnLst>
+  </p:timing>
 </p:sld>
 </file>
 
@@ -13122,6 +14351,13 @@
   <p:clrMapOvr>
     <a:masterClrMapping/>
   </p:clrMapOvr>
+  <p:timing>
+    <p:tnLst>
+      <p:par>
+        <p:cTn id="1" dur="indefinite" restart="never" nodeType="tmRoot"/>
+      </p:par>
+    </p:tnLst>
+  </p:timing>
 </p:sld>
 </file>
 
@@ -13187,6 +14423,13 @@
   <p:clrMapOvr>
     <a:masterClrMapping/>
   </p:clrMapOvr>
+  <p:timing>
+    <p:tnLst>
+      <p:par>
+        <p:cTn id="1" dur="indefinite" restart="never" nodeType="tmRoot"/>
+      </p:par>
+    </p:tnLst>
+  </p:timing>
 </p:sld>
 </file>
 
@@ -13287,6 +14530,13 @@
   <p:clrMapOvr>
     <a:masterClrMapping/>
   </p:clrMapOvr>
+  <p:timing>
+    <p:tnLst>
+      <p:par>
+        <p:cTn id="1" dur="indefinite" restart="never" nodeType="tmRoot"/>
+      </p:par>
+    </p:tnLst>
+  </p:timing>
 </p:sld>
 </file>
 
@@ -13352,6 +14602,13 @@
   <p:clrMapOvr>
     <a:masterClrMapping/>
   </p:clrMapOvr>
+  <p:timing>
+    <p:tnLst>
+      <p:par>
+        <p:cTn id="1" dur="indefinite" restart="never" nodeType="tmRoot"/>
+      </p:par>
+    </p:tnLst>
+  </p:timing>
 </p:sld>
 </file>
 
@@ -13445,6 +14702,13 @@
   <p:clrMapOvr>
     <a:masterClrMapping/>
   </p:clrMapOvr>
+  <p:timing>
+    <p:tnLst>
+      <p:par>
+        <p:cTn id="1" dur="indefinite" restart="never" nodeType="tmRoot"/>
+      </p:par>
+    </p:tnLst>
+  </p:timing>
 </p:sld>
 </file>
 
@@ -13538,6 +14802,13 @@
   <p:clrMapOvr>
     <a:masterClrMapping/>
   </p:clrMapOvr>
+  <p:timing>
+    <p:tnLst>
+      <p:par>
+        <p:cTn id="1" dur="indefinite" restart="never" nodeType="tmRoot"/>
+      </p:par>
+    </p:tnLst>
+  </p:timing>
 </p:sld>
 </file>
 

--- a/4_sql/project''/hospital_management.pptx
+++ b/4_sql/project''/hospital_management.pptx
@@ -324,7 +324,7 @@
           <a:p>
             <a:fld id="{82B865A7-C0DA-4AB5-ACAE-01B1232FB320}" type="datetimeFigureOut">
               <a:rPr lang="en-IN" smtClean="0"/>
-              <a:t>14-01-2025</a:t>
+              <a:t>15-01-2025</a:t>
             </a:fld>
             <a:endParaRPr lang="en-IN"/>
           </a:p>
@@ -494,7 +494,7 @@
           <a:p>
             <a:fld id="{82B865A7-C0DA-4AB5-ACAE-01B1232FB320}" type="datetimeFigureOut">
               <a:rPr lang="en-IN" smtClean="0"/>
-              <a:t>14-01-2025</a:t>
+              <a:t>15-01-2025</a:t>
             </a:fld>
             <a:endParaRPr lang="en-IN"/>
           </a:p>
@@ -674,7 +674,7 @@
           <a:p>
             <a:fld id="{82B865A7-C0DA-4AB5-ACAE-01B1232FB320}" type="datetimeFigureOut">
               <a:rPr lang="en-IN" smtClean="0"/>
-              <a:t>14-01-2025</a:t>
+              <a:t>15-01-2025</a:t>
             </a:fld>
             <a:endParaRPr lang="en-IN"/>
           </a:p>
@@ -844,7 +844,7 @@
           <a:p>
             <a:fld id="{82B865A7-C0DA-4AB5-ACAE-01B1232FB320}" type="datetimeFigureOut">
               <a:rPr lang="en-IN" smtClean="0"/>
-              <a:t>14-01-2025</a:t>
+              <a:t>15-01-2025</a:t>
             </a:fld>
             <a:endParaRPr lang="en-IN"/>
           </a:p>
@@ -1090,7 +1090,7 @@
           <a:p>
             <a:fld id="{82B865A7-C0DA-4AB5-ACAE-01B1232FB320}" type="datetimeFigureOut">
               <a:rPr lang="en-IN" smtClean="0"/>
-              <a:t>14-01-2025</a:t>
+              <a:t>15-01-2025</a:t>
             </a:fld>
             <a:endParaRPr lang="en-IN"/>
           </a:p>
@@ -1322,7 +1322,7 @@
           <a:p>
             <a:fld id="{82B865A7-C0DA-4AB5-ACAE-01B1232FB320}" type="datetimeFigureOut">
               <a:rPr lang="en-IN" smtClean="0"/>
-              <a:t>14-01-2025</a:t>
+              <a:t>15-01-2025</a:t>
             </a:fld>
             <a:endParaRPr lang="en-IN"/>
           </a:p>
@@ -1689,7 +1689,7 @@
           <a:p>
             <a:fld id="{82B865A7-C0DA-4AB5-ACAE-01B1232FB320}" type="datetimeFigureOut">
               <a:rPr lang="en-IN" smtClean="0"/>
-              <a:t>14-01-2025</a:t>
+              <a:t>15-01-2025</a:t>
             </a:fld>
             <a:endParaRPr lang="en-IN"/>
           </a:p>
@@ -1807,7 +1807,7 @@
           <a:p>
             <a:fld id="{82B865A7-C0DA-4AB5-ACAE-01B1232FB320}" type="datetimeFigureOut">
               <a:rPr lang="en-IN" smtClean="0"/>
-              <a:t>14-01-2025</a:t>
+              <a:t>15-01-2025</a:t>
             </a:fld>
             <a:endParaRPr lang="en-IN"/>
           </a:p>
@@ -1902,7 +1902,7 @@
           <a:p>
             <a:fld id="{82B865A7-C0DA-4AB5-ACAE-01B1232FB320}" type="datetimeFigureOut">
               <a:rPr lang="en-IN" smtClean="0"/>
-              <a:t>14-01-2025</a:t>
+              <a:t>15-01-2025</a:t>
             </a:fld>
             <a:endParaRPr lang="en-IN"/>
           </a:p>
@@ -2186,7 +2186,7 @@
           <a:p>
             <a:fld id="{82B865A7-C0DA-4AB5-ACAE-01B1232FB320}" type="datetimeFigureOut">
               <a:rPr lang="en-IN" smtClean="0"/>
-              <a:t>14-01-2025</a:t>
+              <a:t>15-01-2025</a:t>
             </a:fld>
             <a:endParaRPr lang="en-IN"/>
           </a:p>
@@ -2439,7 +2439,7 @@
           <a:p>
             <a:fld id="{82B865A7-C0DA-4AB5-ACAE-01B1232FB320}" type="datetimeFigureOut">
               <a:rPr lang="en-IN" smtClean="0"/>
-              <a:t>14-01-2025</a:t>
+              <a:t>15-01-2025</a:t>
             </a:fld>
             <a:endParaRPr lang="en-IN"/>
           </a:p>
@@ -2662,7 +2662,7 @@
           <a:p>
             <a:fld id="{82B865A7-C0DA-4AB5-ACAE-01B1232FB320}" type="datetimeFigureOut">
               <a:rPr lang="en-IN" smtClean="0"/>
-              <a:t>14-01-2025</a:t>
+              <a:t>15-01-2025</a:t>
             </a:fld>
             <a:endParaRPr lang="en-IN"/>
           </a:p>
@@ -14341,6 +14341,128 @@
           </a:p>
         </p:txBody>
       </p:sp>
+      <p:sp>
+        <p:nvSpPr>
+          <p:cNvPr id="3" name="TextBox 2"/>
+          <p:cNvSpPr txBox="1"/>
+          <p:nvPr/>
+        </p:nvSpPr>
+        <p:spPr>
+          <a:xfrm>
+            <a:off x="1660849" y="1091682"/>
+            <a:ext cx="8985380" cy="1015663"/>
+          </a:xfrm>
+          <a:prstGeom prst="rect">
+            <a:avLst/>
+          </a:prstGeom>
+          <a:noFill/>
+          <a:ln>
+            <a:solidFill>
+              <a:schemeClr val="tx1"/>
+            </a:solidFill>
+          </a:ln>
+        </p:spPr>
+        <p:txBody>
+          <a:bodyPr wrap="square" rtlCol="0">
+            <a:spAutoFit/>
+          </a:bodyPr>
+          <a:lstStyle/>
+          <a:p>
+            <a:r>
+              <a:rPr lang="en-US" sz="2000" dirty="0" smtClean="0">
+                <a:latin typeface="Arial Black" panose="020B0A04020102020204" pitchFamily="34" charset="0"/>
+              </a:rPr>
+              <a:t>VIEW:</a:t>
+            </a:r>
+            <a:r>
+              <a:rPr lang="en-US" sz="2000" dirty="0" smtClean="0"/>
+              <a:t> It is used to create a virtual table based on the result of a SELECT query</a:t>
+            </a:r>
+          </a:p>
+          <a:p>
+            <a:endParaRPr lang="en-US" sz="2000" dirty="0"/>
+          </a:p>
+          <a:p>
+            <a:r>
+              <a:rPr lang="en-US" sz="2000" dirty="0" smtClean="0"/>
+              <a:t>We have dr_name and dr_contact so a view is created for the doctor_info</a:t>
+            </a:r>
+            <a:endParaRPr lang="en-IN" sz="2000" dirty="0"/>
+          </a:p>
+        </p:txBody>
+      </p:sp>
+      <p:pic>
+        <p:nvPicPr>
+          <p:cNvPr id="4" name="Picture 3"/>
+          <p:cNvPicPr>
+            <a:picLocks noChangeAspect="1"/>
+          </p:cNvPicPr>
+          <p:nvPr/>
+        </p:nvPicPr>
+        <p:blipFill>
+          <a:blip r:embed="rId2"/>
+          <a:stretch>
+            <a:fillRect/>
+          </a:stretch>
+        </p:blipFill>
+        <p:spPr>
+          <a:xfrm>
+            <a:off x="1660848" y="2290407"/>
+            <a:ext cx="4084674" cy="1371719"/>
+          </a:xfrm>
+          <a:prstGeom prst="rect">
+            <a:avLst/>
+          </a:prstGeom>
+        </p:spPr>
+      </p:pic>
+      <p:pic>
+        <p:nvPicPr>
+          <p:cNvPr id="5" name="Picture 4"/>
+          <p:cNvPicPr>
+            <a:picLocks noChangeAspect="1"/>
+          </p:cNvPicPr>
+          <p:nvPr/>
+        </p:nvPicPr>
+        <p:blipFill>
+          <a:blip r:embed="rId3"/>
+          <a:stretch>
+            <a:fillRect/>
+          </a:stretch>
+        </p:blipFill>
+        <p:spPr>
+          <a:xfrm>
+            <a:off x="1660848" y="3803907"/>
+            <a:ext cx="3596952" cy="1295512"/>
+          </a:xfrm>
+          <a:prstGeom prst="rect">
+            <a:avLst/>
+          </a:prstGeom>
+        </p:spPr>
+      </p:pic>
+      <p:pic>
+        <p:nvPicPr>
+          <p:cNvPr id="6" name="Picture 5"/>
+          <p:cNvPicPr>
+            <a:picLocks noChangeAspect="1"/>
+          </p:cNvPicPr>
+          <p:nvPr/>
+        </p:nvPicPr>
+        <p:blipFill>
+          <a:blip r:embed="rId4"/>
+          <a:stretch>
+            <a:fillRect/>
+          </a:stretch>
+        </p:blipFill>
+        <p:spPr>
+          <a:xfrm>
+            <a:off x="1660848" y="5493907"/>
+            <a:ext cx="6225129" cy="1037522"/>
+          </a:xfrm>
+          <a:prstGeom prst="rect">
+            <a:avLst/>
+          </a:prstGeom>
+        </p:spPr>
+      </p:pic>
     </p:spTree>
     <p:extLst>
       <p:ext uri="{BB962C8B-B14F-4D97-AF65-F5344CB8AC3E}">
@@ -14413,6 +14535,101 @@
           </a:p>
         </p:txBody>
       </p:sp>
+      <p:sp>
+        <p:nvSpPr>
+          <p:cNvPr id="3" name="TextBox 2"/>
+          <p:cNvSpPr txBox="1"/>
+          <p:nvPr/>
+        </p:nvSpPr>
+        <p:spPr>
+          <a:xfrm>
+            <a:off x="1744824" y="1073021"/>
+            <a:ext cx="9116009" cy="707886"/>
+          </a:xfrm>
+          <a:prstGeom prst="rect">
+            <a:avLst/>
+          </a:prstGeom>
+          <a:noFill/>
+          <a:ln>
+            <a:solidFill>
+              <a:schemeClr val="tx1"/>
+            </a:solidFill>
+          </a:ln>
+        </p:spPr>
+        <p:txBody>
+          <a:bodyPr wrap="square" rtlCol="0">
+            <a:spAutoFit/>
+          </a:bodyPr>
+          <a:lstStyle/>
+          <a:p>
+            <a:r>
+              <a:rPr lang="en-US" sz="2000" dirty="0">
+                <a:latin typeface="Arial Black" panose="020B0A04020102020204" pitchFamily="34" charset="0"/>
+              </a:rPr>
+              <a:t>NORMALIZATION: </a:t>
+            </a:r>
+            <a:r>
+              <a:rPr lang="en-US" sz="2000" dirty="0"/>
+              <a:t>Normalization in SQL is the process of organizing a database to reduce data redundancy and improve data integrity.</a:t>
+            </a:r>
+            <a:endParaRPr lang="en-IN" sz="2000" dirty="0"/>
+          </a:p>
+        </p:txBody>
+      </p:sp>
+      <p:pic>
+        <p:nvPicPr>
+          <p:cNvPr id="4" name="Picture 3"/>
+          <p:cNvPicPr>
+            <a:picLocks noChangeAspect="1"/>
+          </p:cNvPicPr>
+          <p:nvPr/>
+        </p:nvPicPr>
+        <p:blipFill>
+          <a:blip r:embed="rId2"/>
+          <a:stretch>
+            <a:fillRect/>
+          </a:stretch>
+        </p:blipFill>
+        <p:spPr>
+          <a:xfrm>
+            <a:off x="1744824" y="2189776"/>
+            <a:ext cx="4176122" cy="2568163"/>
+          </a:xfrm>
+          <a:prstGeom prst="rect">
+            <a:avLst/>
+          </a:prstGeom>
+        </p:spPr>
+      </p:pic>
+      <p:pic>
+        <p:nvPicPr>
+          <p:cNvPr id="5" name="Picture 4"/>
+          <p:cNvPicPr>
+            <a:picLocks noChangeAspect="1"/>
+          </p:cNvPicPr>
+          <p:nvPr/>
+        </p:nvPicPr>
+        <p:blipFill>
+          <a:blip r:embed="rId3">
+            <a:extLst>
+              <a:ext uri="{28A0092B-C50C-407E-A947-70E740481C1C}">
+                <a14:useLocalDpi xmlns:a14="http://schemas.microsoft.com/office/drawing/2010/main" val="0"/>
+              </a:ext>
+            </a:extLst>
+          </a:blip>
+          <a:stretch>
+            <a:fillRect/>
+          </a:stretch>
+        </p:blipFill>
+        <p:spPr>
+          <a:xfrm>
+            <a:off x="1744824" y="4888302"/>
+            <a:ext cx="3711262" cy="1867062"/>
+          </a:xfrm>
+          <a:prstGeom prst="rect">
+            <a:avLst/>
+          </a:prstGeom>
+        </p:spPr>
+      </p:pic>
     </p:spTree>
     <p:extLst>
       <p:ext uri="{BB962C8B-B14F-4D97-AF65-F5344CB8AC3E}">
